--- a/20211002_BCC_OMEG.pptx
+++ b/20211002_BCC_OMEG.pptx
@@ -7,25 +7,39 @@
   <p:sldIdLst>
     <p:sldId id="256" r:id="rId2"/>
     <p:sldId id="259" r:id="rId3"/>
-    <p:sldId id="354" r:id="rId4"/>
-    <p:sldId id="335" r:id="rId5"/>
-    <p:sldId id="338" r:id="rId6"/>
-    <p:sldId id="340" r:id="rId7"/>
+    <p:sldId id="355" r:id="rId4"/>
+    <p:sldId id="356" r:id="rId5"/>
+    <p:sldId id="357" r:id="rId6"/>
+    <p:sldId id="358" r:id="rId7"/>
     <p:sldId id="342" r:id="rId8"/>
     <p:sldId id="343" r:id="rId9"/>
-    <p:sldId id="344" r:id="rId10"/>
-    <p:sldId id="313" r:id="rId11"/>
-    <p:sldId id="308" r:id="rId12"/>
-    <p:sldId id="345" r:id="rId13"/>
-    <p:sldId id="332" r:id="rId14"/>
-    <p:sldId id="346" r:id="rId15"/>
-    <p:sldId id="348" r:id="rId16"/>
-    <p:sldId id="349" r:id="rId17"/>
-    <p:sldId id="350" r:id="rId18"/>
-    <p:sldId id="351" r:id="rId19"/>
-    <p:sldId id="352" r:id="rId20"/>
-    <p:sldId id="353" r:id="rId21"/>
-    <p:sldId id="284" r:id="rId22"/>
+    <p:sldId id="313" r:id="rId10"/>
+    <p:sldId id="361" r:id="rId11"/>
+    <p:sldId id="362" r:id="rId12"/>
+    <p:sldId id="373" r:id="rId13"/>
+    <p:sldId id="344" r:id="rId14"/>
+    <p:sldId id="363" r:id="rId15"/>
+    <p:sldId id="366" r:id="rId16"/>
+    <p:sldId id="364" r:id="rId17"/>
+    <p:sldId id="365" r:id="rId18"/>
+    <p:sldId id="368" r:id="rId19"/>
+    <p:sldId id="335" r:id="rId20"/>
+    <p:sldId id="338" r:id="rId21"/>
+    <p:sldId id="340" r:id="rId22"/>
+    <p:sldId id="369" r:id="rId23"/>
+    <p:sldId id="370" r:id="rId24"/>
+    <p:sldId id="346" r:id="rId25"/>
+    <p:sldId id="372" r:id="rId26"/>
+    <p:sldId id="348" r:id="rId27"/>
+    <p:sldId id="375" r:id="rId28"/>
+    <p:sldId id="376" r:id="rId29"/>
+    <p:sldId id="377" r:id="rId30"/>
+    <p:sldId id="349" r:id="rId31"/>
+    <p:sldId id="378" r:id="rId32"/>
+    <p:sldId id="379" r:id="rId33"/>
+    <p:sldId id="380" r:id="rId34"/>
+    <p:sldId id="381" r:id="rId35"/>
+    <p:sldId id="284" r:id="rId36"/>
   </p:sldIdLst>
   <p:sldSz cx="9144000" cy="6858000" type="screen4x3"/>
   <p:notesSz cx="6858000" cy="9144000"/>
@@ -332,7 +346,7 @@
             <a:fld id="{1D8BD707-D9CF-40AE-B4C6-C98DA3205C09}" type="datetimeFigureOut">
               <a:rPr lang="en-US" smtClean="0"/>
               <a:pPr/>
-              <a:t>9/28/2021</a:t>
+              <a:t>9/29/2021</a:t>
             </a:fld>
             <a:endParaRPr lang="en-US"/>
           </a:p>
@@ -534,7 +548,7 @@
             <a:fld id="{1D8BD707-D9CF-40AE-B4C6-C98DA3205C09}" type="datetimeFigureOut">
               <a:rPr lang="en-US" smtClean="0"/>
               <a:pPr/>
-              <a:t>9/28/2021</a:t>
+              <a:t>9/29/2021</a:t>
             </a:fld>
             <a:endParaRPr lang="en-US"/>
           </a:p>
@@ -711,7 +725,7 @@
             <a:fld id="{1D8BD707-D9CF-40AE-B4C6-C98DA3205C09}" type="datetimeFigureOut">
               <a:rPr lang="en-US" smtClean="0"/>
               <a:pPr/>
-              <a:t>9/28/2021</a:t>
+              <a:t>9/29/2021</a:t>
             </a:fld>
             <a:endParaRPr lang="en-US"/>
           </a:p>
@@ -878,7 +892,7 @@
             <a:fld id="{1D8BD707-D9CF-40AE-B4C6-C98DA3205C09}" type="datetimeFigureOut">
               <a:rPr lang="en-US" smtClean="0"/>
               <a:pPr/>
-              <a:t>9/28/2021</a:t>
+              <a:t>9/29/2021</a:t>
             </a:fld>
             <a:endParaRPr lang="en-US"/>
           </a:p>
@@ -1128,7 +1142,7 @@
             <a:fld id="{1D8BD707-D9CF-40AE-B4C6-C98DA3205C09}" type="datetimeFigureOut">
               <a:rPr lang="en-US" smtClean="0"/>
               <a:pPr/>
-              <a:t>9/28/2021</a:t>
+              <a:t>9/29/2021</a:t>
             </a:fld>
             <a:endParaRPr lang="en-US"/>
           </a:p>
@@ -1448,7 +1462,7 @@
             <a:fld id="{1D8BD707-D9CF-40AE-B4C6-C98DA3205C09}" type="datetimeFigureOut">
               <a:rPr lang="en-US" smtClean="0"/>
               <a:pPr/>
-              <a:t>9/28/2021</a:t>
+              <a:t>9/29/2021</a:t>
             </a:fld>
             <a:endParaRPr lang="en-US"/>
           </a:p>
@@ -1916,7 +1930,7 @@
             <a:fld id="{1D8BD707-D9CF-40AE-B4C6-C98DA3205C09}" type="datetimeFigureOut">
               <a:rPr lang="en-US" smtClean="0"/>
               <a:pPr/>
-              <a:t>9/28/2021</a:t>
+              <a:t>9/29/2021</a:t>
             </a:fld>
             <a:endParaRPr lang="en-US"/>
           </a:p>
@@ -2066,7 +2080,7 @@
             <a:fld id="{1D8BD707-D9CF-40AE-B4C6-C98DA3205C09}" type="datetimeFigureOut">
               <a:rPr lang="en-US" smtClean="0"/>
               <a:pPr/>
-              <a:t>9/28/2021</a:t>
+              <a:t>9/29/2021</a:t>
             </a:fld>
             <a:endParaRPr lang="en-US"/>
           </a:p>
@@ -2158,7 +2172,7 @@
             <a:fld id="{1D8BD707-D9CF-40AE-B4C6-C98DA3205C09}" type="datetimeFigureOut">
               <a:rPr lang="en-US" smtClean="0"/>
               <a:pPr/>
-              <a:t>9/28/2021</a:t>
+              <a:t>9/29/2021</a:t>
             </a:fld>
             <a:endParaRPr lang="en-US"/>
           </a:p>
@@ -2434,7 +2448,7 @@
             <a:fld id="{1D8BD707-D9CF-40AE-B4C6-C98DA3205C09}" type="datetimeFigureOut">
               <a:rPr lang="en-US" smtClean="0"/>
               <a:pPr/>
-              <a:t>9/28/2021</a:t>
+              <a:t>9/29/2021</a:t>
             </a:fld>
             <a:endParaRPr lang="en-US"/>
           </a:p>
@@ -2741,7 +2755,7 @@
             <a:fld id="{1D8BD707-D9CF-40AE-B4C6-C98DA3205C09}" type="datetimeFigureOut">
               <a:rPr lang="en-US" smtClean="0"/>
               <a:pPr/>
-              <a:t>9/28/2021</a:t>
+              <a:t>9/29/2021</a:t>
             </a:fld>
             <a:endParaRPr lang="en-US"/>
           </a:p>
@@ -3041,7 +3055,7 @@
             <a:fld id="{1D8BD707-D9CF-40AE-B4C6-C98DA3205C09}" type="datetimeFigureOut">
               <a:rPr lang="en-US" smtClean="0"/>
               <a:pPr/>
-              <a:t>9/28/2021</a:t>
+              <a:t>9/29/2021</a:t>
             </a:fld>
             <a:endParaRPr lang="en-US"/>
           </a:p>
@@ -3533,11 +3547,7 @@
             </a:r>
             <a:r>
               <a:rPr lang="en-US" altLang="ko-KR" b="1" dirty="0" smtClean="0"/>
-              <a:t> OMEG</a:t>
-            </a:r>
-            <a:r>
-              <a:rPr lang="en-US" altLang="ko-KR" b="1" dirty="0" smtClean="0"/>
-              <a:t>,   </a:t>
+              <a:t> OMEG,   </a:t>
             </a:r>
             <a:r>
               <a:rPr lang="en-US" b="1" dirty="0" smtClean="0">
@@ -3609,7 +3619,7 @@
           <a:p>
             <a:r>
               <a:rPr lang="en-US" altLang="ko-KR" dirty="0" smtClean="0"/>
-              <a:t>Path integral (transfer matrix method)</a:t>
+              <a:t>Chiral Effective Field Theory</a:t>
             </a:r>
             <a:endParaRPr lang="ko-KR" altLang="en-US" dirty="0"/>
           </a:p>
@@ -3617,118 +3627,32 @@
       </p:sp>
       <p:pic>
         <p:nvPicPr>
-          <p:cNvPr id="24578" name="Picture 2"/>
+          <p:cNvPr id="3" name="그림 2"/>
           <p:cNvPicPr>
-            <a:picLocks noGrp="1" noChangeAspect="1" noChangeArrowheads="1"/>
+            <a:picLocks noChangeAspect="1"/>
           </p:cNvPicPr>
-          <p:nvPr>
-            <p:ph idx="1"/>
-          </p:nvPr>
+          <p:nvPr/>
         </p:nvPicPr>
         <p:blipFill>
-          <a:blip r:embed="rId2">
-            <a:extLst>
-              <a:ext uri="{28A0092B-C50C-407E-A947-70E740481C1C}">
-                <a14:useLocalDpi xmlns:a14="http://schemas.microsoft.com/office/drawing/2010/main" val="0"/>
-              </a:ext>
-            </a:extLst>
-          </a:blip>
-          <a:srcRect/>
+          <a:blip r:embed="rId2"/>
           <a:stretch>
             <a:fillRect/>
           </a:stretch>
         </p:blipFill>
-        <p:spPr bwMode="auto">
-          <a:xfrm>
-            <a:off x="457200" y="2514600"/>
-            <a:ext cx="8229600" cy="3678669"/>
-          </a:xfrm>
-          <a:prstGeom prst="rect">
-            <a:avLst/>
-          </a:prstGeom>
-          <a:noFill/>
-          <a:ln>
-            <a:noFill/>
-          </a:ln>
-          <a:extLst>
-            <a:ext uri="{909E8E84-426E-40DD-AFC4-6F175D3DCCD1}">
-              <a14:hiddenFill xmlns:a14="http://schemas.microsoft.com/office/drawing/2010/main">
-                <a:solidFill>
-                  <a:schemeClr val="accent1"/>
-                </a:solidFill>
-              </a14:hiddenFill>
-            </a:ext>
-            <a:ext uri="{91240B29-F687-4F45-9708-019B960494DF}">
-              <a14:hiddenLine xmlns:a14="http://schemas.microsoft.com/office/drawing/2010/main" w="9525">
-                <a:solidFill>
-                  <a:schemeClr val="tx1"/>
-                </a:solidFill>
-                <a:miter lim="800000"/>
-                <a:headEnd/>
-                <a:tailEnd/>
-              </a14:hiddenLine>
-            </a:ext>
-          </a:extLst>
-        </p:spPr>
-      </p:pic>
-      <p:pic>
-        <p:nvPicPr>
-          <p:cNvPr id="4" name="Picture 6"/>
-          <p:cNvPicPr>
-            <a:picLocks noChangeAspect="1" noChangeArrowheads="1"/>
-          </p:cNvPicPr>
-          <p:nvPr/>
-        </p:nvPicPr>
-        <p:blipFill>
-          <a:blip r:embed="rId3">
-            <a:extLst>
-              <a:ext uri="{28A0092B-C50C-407E-A947-70E740481C1C}">
-                <a14:useLocalDpi xmlns:a14="http://schemas.microsoft.com/office/drawing/2010/main" val="0"/>
-              </a:ext>
-            </a:extLst>
-          </a:blip>
-          <a:srcRect/>
-          <a:stretch>
-            <a:fillRect/>
-          </a:stretch>
-        </p:blipFill>
-        <p:spPr bwMode="auto">
-          <a:xfrm>
-            <a:off x="609600" y="1447800"/>
-            <a:ext cx="7000875" cy="942975"/>
-          </a:xfrm>
-          <a:prstGeom prst="rect">
-            <a:avLst/>
-          </a:prstGeom>
-          <a:noFill/>
-          <a:ln>
-            <a:noFill/>
-          </a:ln>
-          <a:extLst>
-            <a:ext uri="{909E8E84-426E-40DD-AFC4-6F175D3DCCD1}">
-              <a14:hiddenFill xmlns:a14="http://schemas.microsoft.com/office/drawing/2010/main">
-                <a:solidFill>
-                  <a:schemeClr val="accent1"/>
-                </a:solidFill>
-              </a14:hiddenFill>
-            </a:ext>
-            <a:ext uri="{91240B29-F687-4F45-9708-019B960494DF}">
-              <a14:hiddenLine xmlns:a14="http://schemas.microsoft.com/office/drawing/2010/main" w="9525">
-                <a:solidFill>
-                  <a:schemeClr val="tx1"/>
-                </a:solidFill>
-                <a:miter lim="800000"/>
-                <a:headEnd/>
-                <a:tailEnd/>
-              </a14:hiddenLine>
-            </a:ext>
-          </a:extLst>
+        <p:spPr>
+          <a:xfrm>
+            <a:off x="837876" y="1524000"/>
+            <a:ext cx="7468247" cy="4793395"/>
+          </a:xfrm>
+          <a:prstGeom prst="rect">
+            <a:avLst/>
+          </a:prstGeom>
         </p:spPr>
       </p:pic>
     </p:spTree>
     <p:extLst>
       <p:ext uri="{BB962C8B-B14F-4D97-AF65-F5344CB8AC3E}">
-        <p14:creationId xmlns:p14="http://schemas.microsoft.com/office/powerpoint/2010/main" val="1449740134"/>
+        <p14:creationId xmlns:p14="http://schemas.microsoft.com/office/powerpoint/2010/main" val="2805783306"/>
       </p:ext>
     </p:extLst>
   </p:cSld>
@@ -3779,15 +3703,34 @@
           <a:p>
             <a:r>
               <a:rPr lang="en-US" altLang="ko-KR" dirty="0" smtClean="0"/>
-              <a:t>Auxiliary Field Monte Carlo </a:t>
+              <a:t>Chiral Effective Field Theory</a:t>
             </a:r>
             <a:endParaRPr lang="ko-KR" altLang="en-US" dirty="0"/>
+          </a:p>
+        </p:txBody>
+      </p:sp>
+      <p:sp>
+        <p:nvSpPr>
+          <p:cNvPr id="3" name="내용 개체 틀 2"/>
+          <p:cNvSpPr>
+            <a:spLocks noGrp="1"/>
+          </p:cNvSpPr>
+          <p:nvPr>
+            <p:ph idx="1"/>
+          </p:nvPr>
+        </p:nvSpPr>
+        <p:spPr/>
+        <p:txBody>
+          <a:bodyPr/>
+          <a:lstStyle/>
+          <a:p>
+            <a:endParaRPr lang="ko-KR" altLang="en-US"/>
           </a:p>
         </p:txBody>
       </p:sp>
       <p:pic>
         <p:nvPicPr>
-          <p:cNvPr id="17410" name="Picture 2"/>
+          <p:cNvPr id="9219" name="Picture 3"/>
           <p:cNvPicPr>
             <a:picLocks noChangeAspect="1" noChangeArrowheads="1"/>
           </p:cNvPicPr>
@@ -3808,8 +3751,8 @@
         </p:blipFill>
         <p:spPr bwMode="auto">
           <a:xfrm>
-            <a:off x="2199056" y="1704975"/>
-            <a:ext cx="4114800" cy="1402773"/>
+            <a:off x="228600" y="1371600"/>
+            <a:ext cx="8383806" cy="5200650"/>
           </a:xfrm>
           <a:prstGeom prst="rect">
             <a:avLst/>
@@ -3839,118 +3782,10 @@
           </a:extLst>
         </p:spPr>
       </p:pic>
-      <p:pic>
-        <p:nvPicPr>
-          <p:cNvPr id="17411" name="Picture 3"/>
-          <p:cNvPicPr>
-            <a:picLocks noChangeAspect="1" noChangeArrowheads="1"/>
-          </p:cNvPicPr>
-          <p:nvPr/>
-        </p:nvPicPr>
-        <p:blipFill>
-          <a:blip r:embed="rId3">
-            <a:extLst>
-              <a:ext uri="{28A0092B-C50C-407E-A947-70E740481C1C}">
-                <a14:useLocalDpi xmlns:a14="http://schemas.microsoft.com/office/drawing/2010/main" val="0"/>
-              </a:ext>
-            </a:extLst>
-          </a:blip>
-          <a:srcRect/>
-          <a:stretch>
-            <a:fillRect/>
-          </a:stretch>
-        </p:blipFill>
-        <p:spPr bwMode="auto">
-          <a:xfrm>
-            <a:off x="4747603" y="2945824"/>
-            <a:ext cx="4335094" cy="3533774"/>
-          </a:xfrm>
-          <a:prstGeom prst="rect">
-            <a:avLst/>
-          </a:prstGeom>
-          <a:noFill/>
-          <a:ln>
-            <a:noFill/>
-          </a:ln>
-          <a:extLst>
-            <a:ext uri="{909E8E84-426E-40DD-AFC4-6F175D3DCCD1}">
-              <a14:hiddenFill xmlns:a14="http://schemas.microsoft.com/office/drawing/2010/main">
-                <a:solidFill>
-                  <a:schemeClr val="accent1"/>
-                </a:solidFill>
-              </a14:hiddenFill>
-            </a:ext>
-            <a:ext uri="{91240B29-F687-4F45-9708-019B960494DF}">
-              <a14:hiddenLine xmlns:a14="http://schemas.microsoft.com/office/drawing/2010/main" w="9525">
-                <a:solidFill>
-                  <a:schemeClr val="tx1"/>
-                </a:solidFill>
-                <a:miter lim="800000"/>
-                <a:headEnd/>
-                <a:tailEnd/>
-              </a14:hiddenLine>
-            </a:ext>
-          </a:extLst>
-        </p:spPr>
-      </p:pic>
-      <p:pic>
-        <p:nvPicPr>
-          <p:cNvPr id="6" name="Picture 2"/>
-          <p:cNvPicPr>
-            <a:picLocks noChangeAspect="1" noChangeArrowheads="1"/>
-          </p:cNvPicPr>
-          <p:nvPr/>
-        </p:nvPicPr>
-        <p:blipFill>
-          <a:blip r:embed="rId4">
-            <a:extLst>
-              <a:ext uri="{28A0092B-C50C-407E-A947-70E740481C1C}">
-                <a14:useLocalDpi xmlns:a14="http://schemas.microsoft.com/office/drawing/2010/main" val="0"/>
-              </a:ext>
-            </a:extLst>
-          </a:blip>
-          <a:srcRect/>
-          <a:stretch>
-            <a:fillRect/>
-          </a:stretch>
-        </p:blipFill>
-        <p:spPr bwMode="auto">
-          <a:xfrm>
-            <a:off x="533400" y="3107748"/>
-            <a:ext cx="4083862" cy="3352800"/>
-          </a:xfrm>
-          <a:prstGeom prst="rect">
-            <a:avLst/>
-          </a:prstGeom>
-          <a:noFill/>
-          <a:ln>
-            <a:noFill/>
-          </a:ln>
-          <a:extLst>
-            <a:ext uri="{909E8E84-426E-40DD-AFC4-6F175D3DCCD1}">
-              <a14:hiddenFill xmlns:a14="http://schemas.microsoft.com/office/drawing/2010/main">
-                <a:solidFill>
-                  <a:schemeClr val="accent1"/>
-                </a:solidFill>
-              </a14:hiddenFill>
-            </a:ext>
-            <a:ext uri="{91240B29-F687-4F45-9708-019B960494DF}">
-              <a14:hiddenLine xmlns:a14="http://schemas.microsoft.com/office/drawing/2010/main" w="9525">
-                <a:solidFill>
-                  <a:schemeClr val="tx1"/>
-                </a:solidFill>
-                <a:miter lim="800000"/>
-                <a:headEnd/>
-                <a:tailEnd/>
-              </a14:hiddenLine>
-            </a:ext>
-          </a:extLst>
-        </p:spPr>
-      </p:pic>
     </p:spTree>
     <p:extLst>
       <p:ext uri="{BB962C8B-B14F-4D97-AF65-F5344CB8AC3E}">
-        <p14:creationId xmlns:p14="http://schemas.microsoft.com/office/powerpoint/2010/main" val="1986185353"/>
+        <p14:creationId xmlns:p14="http://schemas.microsoft.com/office/powerpoint/2010/main" val="3500960794"/>
       </p:ext>
     </p:extLst>
   </p:cSld>
@@ -3996,10 +3831,16 @@
         </p:nvSpPr>
         <p:spPr/>
         <p:txBody>
-          <a:bodyPr/>
-          <a:lstStyle/>
-          <a:p>
-            <a:endParaRPr lang="ko-KR" altLang="en-US"/>
+          <a:bodyPr>
+            <a:normAutofit/>
+          </a:bodyPr>
+          <a:lstStyle/>
+          <a:p>
+            <a:r>
+              <a:rPr lang="en-US" altLang="ko-KR" dirty="0" smtClean="0"/>
+              <a:t>Low energy constants in lattice EFT</a:t>
+            </a:r>
+            <a:endParaRPr lang="ko-KR" altLang="en-US" dirty="0"/>
           </a:p>
         </p:txBody>
       </p:sp>
@@ -4018,13 +3859,45 @@
           <a:bodyPr/>
           <a:lstStyle/>
           <a:p>
-            <a:endParaRPr lang="ko-KR" altLang="en-US"/>
+            <a:r>
+              <a:rPr lang="en-US" altLang="ko-KR" dirty="0" smtClean="0"/>
+              <a:t>All LECs(parameters in the Hamiltonian) are fixed in A&lt;=3</a:t>
+            </a:r>
+          </a:p>
+          <a:p>
+            <a:r>
+              <a:rPr lang="en-US" altLang="ko-KR" dirty="0"/>
+              <a:t> </a:t>
+            </a:r>
+            <a:r>
+              <a:rPr lang="en-US" altLang="ko-KR" dirty="0" smtClean="0"/>
+              <a:t>(They have to be fixed for given lattice regularization)</a:t>
+            </a:r>
+          </a:p>
+          <a:p>
+            <a:r>
+              <a:rPr lang="en-US" altLang="ko-KR" dirty="0" smtClean="0"/>
+              <a:t>N-P scattering phase shifts, Deuteron binding energy</a:t>
+            </a:r>
+          </a:p>
+          <a:p>
+            <a:r>
+              <a:rPr lang="en-US" altLang="ko-KR" dirty="0" smtClean="0"/>
+              <a:t>Triton binding energy, Triton beta decay.</a:t>
+            </a:r>
+            <a:endParaRPr lang="en-US" altLang="ko-KR" dirty="0"/>
+          </a:p>
+          <a:p>
+            <a:r>
+              <a:rPr lang="en-US" altLang="ko-KR" dirty="0" smtClean="0"/>
+              <a:t>Scattering phase shifts on the Lattice:</a:t>
+            </a:r>
           </a:p>
         </p:txBody>
       </p:sp>
       <p:pic>
         <p:nvPicPr>
-          <p:cNvPr id="15362" name="Picture 2"/>
+          <p:cNvPr id="22532" name="Picture 4"/>
           <p:cNvPicPr>
             <a:picLocks noChangeAspect="1" noChangeArrowheads="1"/>
           </p:cNvPicPr>
@@ -4045,8 +3918,8 @@
         </p:blipFill>
         <p:spPr bwMode="auto">
           <a:xfrm>
-            <a:off x="609600" y="762000"/>
-            <a:ext cx="7984519" cy="5410200"/>
+            <a:off x="685800" y="3995766"/>
+            <a:ext cx="7924800" cy="2592070"/>
           </a:xfrm>
           <a:prstGeom prst="rect">
             <a:avLst/>
@@ -4079,7 +3952,7 @@
     </p:spTree>
     <p:extLst>
       <p:ext uri="{BB962C8B-B14F-4D97-AF65-F5344CB8AC3E}">
-        <p14:creationId xmlns:p14="http://schemas.microsoft.com/office/powerpoint/2010/main" val="1444477873"/>
+        <p14:creationId xmlns:p14="http://schemas.microsoft.com/office/powerpoint/2010/main" val="1476290333"/>
       </p:ext>
     </p:extLst>
   </p:cSld>
@@ -4125,56 +3998,113 @@
         </p:nvSpPr>
         <p:spPr/>
         <p:txBody>
+          <a:bodyPr/>
+          <a:lstStyle/>
+          <a:p>
+            <a:r>
+              <a:rPr lang="en-US" altLang="ko-KR" dirty="0" smtClean="0"/>
+              <a:t>Applications of NLEFT</a:t>
+            </a:r>
+            <a:endParaRPr lang="ko-KR" altLang="en-US" dirty="0"/>
+          </a:p>
+        </p:txBody>
+      </p:sp>
+      <p:sp>
+        <p:nvSpPr>
+          <p:cNvPr id="3" name="내용 개체 틀 2"/>
+          <p:cNvSpPr>
+            <a:spLocks noGrp="1"/>
+          </p:cNvSpPr>
+          <p:nvPr>
+            <p:ph idx="1"/>
+          </p:nvPr>
+        </p:nvSpPr>
+        <p:spPr/>
+        <p:txBody>
           <a:bodyPr>
             <a:normAutofit/>
           </a:bodyPr>
           <a:lstStyle/>
           <a:p>
             <a:r>
+              <a:rPr lang="en-US" altLang="ko-KR" dirty="0" smtClean="0"/>
+              <a:t>Has been successfully applied to </a:t>
+            </a:r>
+          </a:p>
+          <a:p>
+            <a:pPr lvl="1"/>
+            <a:r>
+              <a:rPr lang="en-US" altLang="ko-KR" dirty="0" smtClean="0"/>
+              <a:t>Nuclear matter, Cold atom, dilute fermion system</a:t>
+            </a:r>
+          </a:p>
+          <a:p>
+            <a:pPr lvl="1"/>
+            <a:r>
+              <a:rPr lang="en-US" altLang="ko-KR" dirty="0" smtClean="0"/>
+              <a:t>Finite nuclei (A&lt;=50) </a:t>
+            </a:r>
+          </a:p>
+          <a:p>
+            <a:pPr lvl="1"/>
+            <a:r>
+              <a:rPr lang="en-US" altLang="ko-KR" dirty="0" smtClean="0"/>
+              <a:t>First ab-initio calculation of Hoyle state</a:t>
+            </a:r>
+          </a:p>
+          <a:p>
+            <a:pPr lvl="1"/>
+            <a:r>
+              <a:rPr lang="en-US" altLang="ko-KR" dirty="0" smtClean="0"/>
+              <a:t>Cluster structure of </a:t>
+            </a:r>
+            <a:r>
+              <a:rPr lang="en-US" altLang="ko-KR" baseline="30000" dirty="0"/>
+              <a:t>12</a:t>
+            </a:r>
+            <a:r>
               <a:rPr lang="en-US" altLang="ko-KR" dirty="0"/>
-              <a:t>BCC </a:t>
-            </a:r>
-            <a:r>
-              <a:rPr lang="en-US" altLang="ko-KR" dirty="0" smtClean="0"/>
-              <a:t>lattice</a:t>
-            </a:r>
-            <a:endParaRPr lang="ko-KR" altLang="en-US" dirty="0"/>
-          </a:p>
-        </p:txBody>
-      </p:sp>
-      <p:sp>
-        <p:nvSpPr>
-          <p:cNvPr id="4" name="내용 개체 틀 3"/>
-          <p:cNvSpPr>
-            <a:spLocks noGrp="1"/>
-          </p:cNvSpPr>
-          <p:nvPr>
-            <p:ph idx="1"/>
-          </p:nvPr>
-        </p:nvSpPr>
-        <p:spPr/>
-        <p:txBody>
-          <a:bodyPr/>
-          <a:lstStyle/>
-          <a:p>
-            <a:r>
-              <a:rPr lang="en-US" altLang="ko-KR" dirty="0" smtClean="0"/>
-              <a:t>Because of convenience all NLEFT calculation has been done on cubic lattice </a:t>
-            </a:r>
-          </a:p>
-          <a:p>
-            <a:r>
-              <a:rPr lang="en-US" altLang="ko-KR" dirty="0"/>
-              <a:t>Physical result should not depends on the specific lattice</a:t>
-            </a:r>
-          </a:p>
-          <a:p>
-            <a:pPr marL="0" indent="0">
-              <a:buNone/>
-            </a:pPr>
-            <a:r>
-              <a:rPr lang="en-US" altLang="ko-KR" dirty="0"/>
-              <a:t>  structure. (lattice size, spacing, type)</a:t>
+              <a:t>C </a:t>
+            </a:r>
+            <a:r>
+              <a:rPr lang="en-US" altLang="ko-KR" dirty="0" smtClean="0"/>
+              <a:t>and </a:t>
+            </a:r>
+            <a:r>
+              <a:rPr lang="en-US" altLang="ko-KR" baseline="30000" dirty="0" smtClean="0"/>
+              <a:t>16</a:t>
+            </a:r>
+            <a:r>
+              <a:rPr lang="en-US" altLang="ko-KR" dirty="0" smtClean="0"/>
+              <a:t>O</a:t>
+            </a:r>
+          </a:p>
+          <a:p>
+            <a:pPr lvl="1"/>
+            <a:r>
+              <a:rPr lang="en-US" altLang="ko-KR" dirty="0" smtClean="0"/>
+              <a:t>NN scattering, N-D scattering</a:t>
+            </a:r>
+          </a:p>
+          <a:p>
+            <a:pPr lvl="1"/>
+            <a:r>
+              <a:rPr lang="en-US" altLang="ko-KR" dirty="0" smtClean="0"/>
+              <a:t>Alpha-alpha scattering</a:t>
+            </a:r>
+          </a:p>
+          <a:p>
+            <a:pPr lvl="1"/>
+            <a:r>
+              <a:rPr lang="en-US" altLang="ko-KR" dirty="0" smtClean="0"/>
+              <a:t>radiative capture, fusion </a:t>
+            </a:r>
+          </a:p>
+          <a:p>
+            <a:pPr lvl="1"/>
+            <a:r>
+              <a:rPr lang="en-US" altLang="ko-KR" dirty="0" smtClean="0"/>
+              <a:t>Etc. </a:t>
             </a:r>
             <a:endParaRPr lang="ko-KR" altLang="en-US" dirty="0"/>
           </a:p>
@@ -4182,26 +4112,110 @@
       </p:sp>
       <p:pic>
         <p:nvPicPr>
-          <p:cNvPr id="3" name="그림 2"/>
+          <p:cNvPr id="4" name="Picture 2"/>
           <p:cNvPicPr>
-            <a:picLocks noChangeAspect="1"/>
+            <a:picLocks noChangeAspect="1" noChangeArrowheads="1"/>
           </p:cNvPicPr>
           <p:nvPr/>
         </p:nvPicPr>
         <p:blipFill>
-          <a:blip r:embed="rId2"/>
+          <a:blip r:embed="rId2">
+            <a:extLst>
+              <a:ext uri="{28A0092B-C50C-407E-A947-70E740481C1C}">
+                <a14:useLocalDpi xmlns:a14="http://schemas.microsoft.com/office/drawing/2010/main" val="0"/>
+              </a:ext>
+            </a:extLst>
+          </a:blip>
+          <a:srcRect/>
           <a:stretch>
             <a:fillRect/>
           </a:stretch>
         </p:blipFill>
-        <p:spPr>
-          <a:xfrm>
-            <a:off x="424962" y="3411415"/>
-            <a:ext cx="3657600" cy="2650211"/>
-          </a:xfrm>
-          <a:prstGeom prst="rect">
-            <a:avLst/>
-          </a:prstGeom>
+        <p:spPr bwMode="auto">
+          <a:xfrm>
+            <a:off x="6652379" y="2872469"/>
+            <a:ext cx="1773316" cy="2054052"/>
+          </a:xfrm>
+          <a:prstGeom prst="rect">
+            <a:avLst/>
+          </a:prstGeom>
+          <a:noFill/>
+          <a:ln>
+            <a:noFill/>
+          </a:ln>
+          <a:extLst>
+            <a:ext uri="{909E8E84-426E-40DD-AFC4-6F175D3DCCD1}">
+              <a14:hiddenFill xmlns:a14="http://schemas.microsoft.com/office/drawing/2010/main">
+                <a:solidFill>
+                  <a:schemeClr val="accent1"/>
+                </a:solidFill>
+              </a14:hiddenFill>
+            </a:ext>
+            <a:ext uri="{91240B29-F687-4F45-9708-019B960494DF}">
+              <a14:hiddenLine xmlns:a14="http://schemas.microsoft.com/office/drawing/2010/main" w="9525">
+                <a:solidFill>
+                  <a:schemeClr val="tx1"/>
+                </a:solidFill>
+                <a:miter lim="800000"/>
+                <a:headEnd/>
+                <a:tailEnd/>
+              </a14:hiddenLine>
+            </a:ext>
+          </a:extLst>
+        </p:spPr>
+      </p:pic>
+      <p:pic>
+        <p:nvPicPr>
+          <p:cNvPr id="5" name="Picture 5"/>
+          <p:cNvPicPr>
+            <a:picLocks noChangeAspect="1" noChangeArrowheads="1"/>
+          </p:cNvPicPr>
+          <p:nvPr/>
+        </p:nvPicPr>
+        <p:blipFill>
+          <a:blip r:embed="rId3">
+            <a:extLst>
+              <a:ext uri="{28A0092B-C50C-407E-A947-70E740481C1C}">
+                <a14:useLocalDpi xmlns:a14="http://schemas.microsoft.com/office/drawing/2010/main" val="0"/>
+              </a:ext>
+            </a:extLst>
+          </a:blip>
+          <a:srcRect/>
+          <a:stretch>
+            <a:fillRect/>
+          </a:stretch>
+        </p:blipFill>
+        <p:spPr bwMode="auto">
+          <a:xfrm>
+            <a:off x="6019799" y="4926521"/>
+            <a:ext cx="3038475" cy="464293"/>
+          </a:xfrm>
+          <a:prstGeom prst="rect">
+            <a:avLst/>
+          </a:prstGeom>
+          <a:noFill/>
+          <a:ln>
+            <a:noFill/>
+          </a:ln>
+          <a:extLst>
+            <a:ext uri="{909E8E84-426E-40DD-AFC4-6F175D3DCCD1}">
+              <a14:hiddenFill xmlns:a14="http://schemas.microsoft.com/office/drawing/2010/main">
+                <a:solidFill>
+                  <a:schemeClr val="accent1"/>
+                </a:solidFill>
+              </a14:hiddenFill>
+            </a:ext>
+            <a:ext uri="{91240B29-F687-4F45-9708-019B960494DF}">
+              <a14:hiddenLine xmlns:a14="http://schemas.microsoft.com/office/drawing/2010/main" w="9525">
+                <a:solidFill>
+                  <a:schemeClr val="tx1"/>
+                </a:solidFill>
+                <a:miter lim="800000"/>
+                <a:headEnd/>
+                <a:tailEnd/>
+              </a14:hiddenLine>
+            </a:ext>
+          </a:extLst>
         </p:spPr>
       </p:pic>
       <p:sp>
@@ -4212,8 +4226,8 @@
         </p:nvSpPr>
         <p:spPr>
           <a:xfrm>
-            <a:off x="4572000" y="3576935"/>
-            <a:ext cx="4006290" cy="2031325"/>
+            <a:off x="6400800" y="2477441"/>
+            <a:ext cx="2076291" cy="430887"/>
           </a:xfrm>
           <a:prstGeom prst="rect">
             <a:avLst/>
@@ -4221,62 +4235,42 @@
           <a:noFill/>
         </p:spPr>
         <p:txBody>
-          <a:bodyPr wrap="none" rtlCol="0">
+          <a:bodyPr wrap="square" rtlCol="0">
             <a:spAutoFit/>
           </a:bodyPr>
           <a:lstStyle/>
           <a:p>
             <a:r>
-              <a:rPr lang="en-US" altLang="ko-KR" dirty="0" smtClean="0"/>
-              <a:t>BCC lattice is constructed as </a:t>
-            </a:r>
-          </a:p>
-          <a:p>
-            <a:r>
-              <a:rPr lang="en-US" altLang="ko-KR" dirty="0" smtClean="0"/>
-              <a:t>Two cubic lattice</a:t>
-            </a:r>
-          </a:p>
-          <a:p>
-            <a:r>
-              <a:rPr lang="en-US" altLang="ko-KR" dirty="0" smtClean="0"/>
-              <a:t>(shifted by (1/2,1/2,1/2) in lattice unit)</a:t>
-            </a:r>
-          </a:p>
-          <a:p>
-            <a:endParaRPr lang="en-US" altLang="ko-KR" dirty="0"/>
-          </a:p>
-          <a:p>
-            <a:r>
-              <a:rPr lang="en-US" altLang="ko-KR" dirty="0" smtClean="0"/>
-              <a:t>Lattice spacing a=1/100 MeV^-1</a:t>
-            </a:r>
-          </a:p>
-          <a:p>
-            <a:r>
-              <a:rPr lang="en-US" altLang="ko-KR" dirty="0" smtClean="0"/>
-              <a:t>Lattice Time step at = 1/1000 MeV^-1</a:t>
-            </a:r>
-          </a:p>
-          <a:p>
-            <a:r>
-              <a:rPr lang="en-US" altLang="ko-KR" dirty="0" smtClean="0"/>
-              <a:t>(For outer region at’=1/200 MeV^-1)</a:t>
-            </a:r>
-            <a:endParaRPr lang="ko-KR" altLang="en-US" dirty="0"/>
+              <a:rPr lang="en-US" altLang="ko-KR" sz="1100" dirty="0" smtClean="0"/>
+              <a:t>The first ab-initio calculation of </a:t>
+            </a:r>
+          </a:p>
+          <a:p>
+            <a:r>
+              <a:rPr lang="en-US" altLang="ko-KR" sz="1100" dirty="0" smtClean="0"/>
+              <a:t>Hoyle state</a:t>
+            </a:r>
+            <a:endParaRPr lang="ko-KR" altLang="en-US" sz="1100" dirty="0"/>
           </a:p>
         </p:txBody>
       </p:sp>
     </p:spTree>
     <p:extLst>
       <p:ext uri="{BB962C8B-B14F-4D97-AF65-F5344CB8AC3E}">
-        <p14:creationId xmlns:p14="http://schemas.microsoft.com/office/powerpoint/2010/main" val="2028665360"/>
+        <p14:creationId xmlns:p14="http://schemas.microsoft.com/office/powerpoint/2010/main" val="3769960710"/>
       </p:ext>
     </p:extLst>
   </p:cSld>
   <p:clrMapOvr>
     <a:masterClrMapping/>
   </p:clrMapOvr>
+  <p:timing>
+    <p:tnLst>
+      <p:par>
+        <p:cTn id="1" dur="indefinite" restart="never" nodeType="tmRoot"/>
+      </p:par>
+    </p:tnLst>
+  </p:timing>
 </p:sld>
 </file>
 
@@ -4297,38 +4291,13 @@
           <a:chExt cx="0" cy="0"/>
         </a:xfrm>
       </p:grpSpPr>
-      <p:sp>
-        <p:nvSpPr>
-          <p:cNvPr id="2" name="제목 1"/>
-          <p:cNvSpPr>
-            <a:spLocks noGrp="1"/>
-          </p:cNvSpPr>
-          <p:nvPr>
-            <p:ph type="title"/>
-          </p:nvPr>
-        </p:nvSpPr>
-        <p:spPr/>
-        <p:txBody>
-          <a:bodyPr/>
-          <a:lstStyle/>
-          <a:p>
-            <a:r>
-              <a:rPr lang="en-US" altLang="ko-KR" dirty="0" smtClean="0"/>
-              <a:t>Unitary limit Hamiltonian in BCC</a:t>
-            </a:r>
-            <a:endParaRPr lang="ko-KR" altLang="en-US" dirty="0"/>
-          </a:p>
-        </p:txBody>
-      </p:sp>
       <p:pic>
         <p:nvPicPr>
-          <p:cNvPr id="5" name="내용 개체 틀 4"/>
+          <p:cNvPr id="4" name="그림 3"/>
           <p:cNvPicPr>
-            <a:picLocks noGrp="1" noChangeAspect="1"/>
+            <a:picLocks noChangeAspect="1"/>
           </p:cNvPicPr>
-          <p:nvPr>
-            <p:ph idx="1"/>
-          </p:nvPr>
+          <p:nvPr/>
         </p:nvPicPr>
         <p:blipFill>
           <a:blip r:embed="rId2"/>
@@ -4338,8 +4307,8 @@
         </p:blipFill>
         <p:spPr>
           <a:xfrm>
-            <a:off x="685800" y="2170286"/>
-            <a:ext cx="3620005" cy="666843"/>
+            <a:off x="228600" y="457200"/>
+            <a:ext cx="5982535" cy="1162212"/>
           </a:xfrm>
           <a:prstGeom prst="rect">
             <a:avLst/>
@@ -4348,7 +4317,7 @@
       </p:pic>
       <p:pic>
         <p:nvPicPr>
-          <p:cNvPr id="4" name="그림 3"/>
+          <p:cNvPr id="5" name="그림 4"/>
           <p:cNvPicPr>
             <a:picLocks noChangeAspect="1"/>
           </p:cNvPicPr>
@@ -4362,8 +4331,8 @@
         </p:blipFill>
         <p:spPr>
           <a:xfrm>
-            <a:off x="762000" y="1676400"/>
-            <a:ext cx="1257475" cy="362001"/>
+            <a:off x="304800" y="1905000"/>
+            <a:ext cx="2363151" cy="3048000"/>
           </a:xfrm>
           <a:prstGeom prst="rect">
             <a:avLst/>
@@ -4386,8 +4355,8 @@
         </p:blipFill>
         <p:spPr>
           <a:xfrm>
-            <a:off x="5181600" y="1639130"/>
-            <a:ext cx="3296110" cy="476316"/>
+            <a:off x="3048000" y="1981200"/>
+            <a:ext cx="2194254" cy="2286000"/>
           </a:xfrm>
           <a:prstGeom prst="rect">
             <a:avLst/>
@@ -4410,8 +4379,8 @@
         </p:blipFill>
         <p:spPr>
           <a:xfrm>
-            <a:off x="2534088" y="2997572"/>
-            <a:ext cx="1733792" cy="485843"/>
+            <a:off x="5595926" y="1780610"/>
+            <a:ext cx="2632860" cy="4973180"/>
           </a:xfrm>
           <a:prstGeom prst="rect">
             <a:avLst/>
@@ -4420,7 +4389,7 @@
       </p:pic>
       <p:pic>
         <p:nvPicPr>
-          <p:cNvPr id="8" name="그림 7"/>
+          <p:cNvPr id="2" name="그림 1"/>
           <p:cNvPicPr>
             <a:picLocks noChangeAspect="1"/>
           </p:cNvPicPr>
@@ -4434,96 +4403,62 @@
         </p:blipFill>
         <p:spPr>
           <a:xfrm>
-            <a:off x="5020626" y="2376176"/>
-            <a:ext cx="3686689" cy="1495634"/>
+            <a:off x="1921126" y="5410200"/>
+            <a:ext cx="1493649" cy="281964"/>
           </a:xfrm>
           <a:prstGeom prst="rect">
             <a:avLst/>
           </a:prstGeom>
         </p:spPr>
       </p:pic>
-      <p:pic>
-        <p:nvPicPr>
-          <p:cNvPr id="9" name="그림 8"/>
-          <p:cNvPicPr>
-            <a:picLocks noChangeAspect="1"/>
-          </p:cNvPicPr>
-          <p:nvPr/>
-        </p:nvPicPr>
-        <p:blipFill>
-          <a:blip r:embed="rId7"/>
-          <a:stretch>
-            <a:fillRect/>
-          </a:stretch>
-        </p:blipFill>
-        <p:spPr>
-          <a:xfrm>
-            <a:off x="3962400" y="4113476"/>
-            <a:ext cx="4953691" cy="466790"/>
-          </a:xfrm>
-          <a:prstGeom prst="rect">
-            <a:avLst/>
-          </a:prstGeom>
-        </p:spPr>
-      </p:pic>
-      <p:pic>
-        <p:nvPicPr>
-          <p:cNvPr id="10" name="그림 9"/>
-          <p:cNvPicPr>
-            <a:picLocks noChangeAspect="1"/>
-          </p:cNvPicPr>
-          <p:nvPr/>
-        </p:nvPicPr>
-        <p:blipFill>
-          <a:blip r:embed="rId8"/>
-          <a:stretch>
-            <a:fillRect/>
-          </a:stretch>
-        </p:blipFill>
-        <p:spPr>
-          <a:xfrm>
-            <a:off x="768037" y="4724400"/>
-            <a:ext cx="2524477" cy="685896"/>
-          </a:xfrm>
-          <a:prstGeom prst="rect">
-            <a:avLst/>
-          </a:prstGeom>
-        </p:spPr>
-      </p:pic>
-      <p:pic>
-        <p:nvPicPr>
-          <p:cNvPr id="11" name="그림 10"/>
-          <p:cNvPicPr>
-            <a:picLocks noChangeAspect="1"/>
-          </p:cNvPicPr>
-          <p:nvPr/>
-        </p:nvPicPr>
-        <p:blipFill>
-          <a:blip r:embed="rId9"/>
-          <a:stretch>
-            <a:fillRect/>
-          </a:stretch>
-        </p:blipFill>
-        <p:spPr>
-          <a:xfrm>
-            <a:off x="3810000" y="4920957"/>
-            <a:ext cx="2924583" cy="1505160"/>
-          </a:xfrm>
-          <a:prstGeom prst="rect">
-            <a:avLst/>
-          </a:prstGeom>
-        </p:spPr>
-      </p:pic>
+      <p:sp>
+        <p:nvSpPr>
+          <p:cNvPr id="3" name="TextBox 2"/>
+          <p:cNvSpPr txBox="1"/>
+          <p:nvPr/>
+        </p:nvSpPr>
+        <p:spPr>
+          <a:xfrm>
+            <a:off x="3297747" y="4469368"/>
+            <a:ext cx="1967205" cy="369332"/>
+          </a:xfrm>
+          <a:prstGeom prst="rect">
+            <a:avLst/>
+          </a:prstGeom>
+          <a:solidFill>
+            <a:srgbClr val="FFFF00"/>
+          </a:solidFill>
+        </p:spPr>
+        <p:txBody>
+          <a:bodyPr wrap="none" rtlCol="0">
+            <a:spAutoFit/>
+          </a:bodyPr>
+          <a:lstStyle/>
+          <a:p>
+            <a:r>
+              <a:rPr lang="en-US" altLang="ko-KR" dirty="0" smtClean="0"/>
+              <a:t>Pinhole algorithm</a:t>
+            </a:r>
+          </a:p>
+        </p:txBody>
+      </p:sp>
     </p:spTree>
     <p:extLst>
       <p:ext uri="{BB962C8B-B14F-4D97-AF65-F5344CB8AC3E}">
-        <p14:creationId xmlns:p14="http://schemas.microsoft.com/office/powerpoint/2010/main" val="3071628708"/>
+        <p14:creationId xmlns:p14="http://schemas.microsoft.com/office/powerpoint/2010/main" val="20906122"/>
       </p:ext>
     </p:extLst>
   </p:cSld>
   <p:clrMapOvr>
     <a:masterClrMapping/>
   </p:clrMapOvr>
+  <p:timing>
+    <p:tnLst>
+      <p:par>
+        <p:cTn id="1" dur="indefinite" restart="never" nodeType="tmRoot"/>
+      </p:par>
+    </p:tnLst>
+  </p:timing>
 </p:sld>
 </file>
 
@@ -4544,32 +4479,9 @@
           <a:chExt cx="0" cy="0"/>
         </a:xfrm>
       </p:grpSpPr>
-      <p:sp>
-        <p:nvSpPr>
-          <p:cNvPr id="2" name="제목 1"/>
-          <p:cNvSpPr>
-            <a:spLocks noGrp="1"/>
-          </p:cNvSpPr>
-          <p:nvPr>
-            <p:ph type="title"/>
-          </p:nvPr>
-        </p:nvSpPr>
-        <p:spPr/>
-        <p:txBody>
-          <a:bodyPr/>
-          <a:lstStyle/>
-          <a:p>
-            <a:r>
-              <a:rPr lang="en-US" altLang="ko-KR" dirty="0" smtClean="0"/>
-              <a:t>Unitary limit Hamiltonian in BCC</a:t>
-            </a:r>
-            <a:endParaRPr lang="ko-KR" altLang="en-US" dirty="0"/>
-          </a:p>
-        </p:txBody>
-      </p:sp>
       <p:pic>
         <p:nvPicPr>
-          <p:cNvPr id="10" name="그림 9"/>
+          <p:cNvPr id="2" name="그림 1"/>
           <p:cNvPicPr>
             <a:picLocks noChangeAspect="1"/>
           </p:cNvPicPr>
@@ -4583,17 +4495,73 @@
         </p:blipFill>
         <p:spPr>
           <a:xfrm>
-            <a:off x="533400" y="1524000"/>
-            <a:ext cx="2524477" cy="685896"/>
+            <a:off x="152400" y="533400"/>
+            <a:ext cx="6849431" cy="1438476"/>
           </a:xfrm>
           <a:prstGeom prst="rect">
             <a:avLst/>
           </a:prstGeom>
         </p:spPr>
       </p:pic>
+      <p:sp>
+        <p:nvSpPr>
+          <p:cNvPr id="3" name="TextBox 2"/>
+          <p:cNvSpPr txBox="1"/>
+          <p:nvPr/>
+        </p:nvSpPr>
+        <p:spPr>
+          <a:xfrm>
+            <a:off x="457200" y="2362200"/>
+            <a:ext cx="8028160" cy="923330"/>
+          </a:xfrm>
+          <a:prstGeom prst="rect">
+            <a:avLst/>
+          </a:prstGeom>
+          <a:noFill/>
+        </p:spPr>
+        <p:txBody>
+          <a:bodyPr wrap="none" rtlCol="0">
+            <a:spAutoFit/>
+          </a:bodyPr>
+          <a:lstStyle/>
+          <a:p>
+            <a:r>
+              <a:rPr lang="en-US" altLang="ko-KR" dirty="0" smtClean="0"/>
+              <a:t>Changing the range and locality of nuclear force</a:t>
+            </a:r>
+          </a:p>
+          <a:p>
+            <a:pPr marL="285750" indent="-285750">
+              <a:buFont typeface="Wingdings" panose="05000000000000000000" pitchFamily="2" charset="2"/>
+              <a:buChar char="à"/>
+            </a:pPr>
+            <a:r>
+              <a:rPr lang="en-US" altLang="ko-KR" dirty="0" smtClean="0">
+                <a:sym typeface="Wingdings" panose="05000000000000000000" pitchFamily="2" charset="2"/>
+              </a:rPr>
+              <a:t>Quantum phase transition </a:t>
+            </a:r>
+          </a:p>
+          <a:p>
+            <a:r>
+              <a:rPr lang="en-US" altLang="ko-KR" dirty="0">
+                <a:sym typeface="Wingdings" panose="05000000000000000000" pitchFamily="2" charset="2"/>
+              </a:rPr>
+              <a:t> </a:t>
+            </a:r>
+            <a:r>
+              <a:rPr lang="en-US" altLang="ko-KR" dirty="0" smtClean="0">
+                <a:sym typeface="Wingdings" panose="05000000000000000000" pitchFamily="2" charset="2"/>
+              </a:rPr>
+              <a:t>between a nuclear liquid and a Bose-Einstein condensate of alpha clusters</a:t>
+            </a:r>
+            <a:endParaRPr lang="ko-KR" altLang="en-US" dirty="0"/>
+          </a:p>
+        </p:txBody>
+      </p:sp>
       <p:pic>
         <p:nvPicPr>
-          <p:cNvPr id="11" name="그림 10"/>
+          <p:cNvPr id="4" name="그림 3"/>
           <p:cNvPicPr>
             <a:picLocks noChangeAspect="1"/>
           </p:cNvPicPr>
@@ -4607,151 +4575,18 @@
         </p:blipFill>
         <p:spPr>
           <a:xfrm>
-            <a:off x="3429000" y="1600200"/>
-            <a:ext cx="2924583" cy="1505160"/>
+            <a:off x="457200" y="3429000"/>
+            <a:ext cx="4038600" cy="3191521"/>
           </a:xfrm>
           <a:prstGeom prst="rect">
             <a:avLst/>
           </a:prstGeom>
         </p:spPr>
       </p:pic>
-      <p:pic>
-        <p:nvPicPr>
-          <p:cNvPr id="13" name="그림 12"/>
-          <p:cNvPicPr>
-            <a:picLocks noChangeAspect="1"/>
-          </p:cNvPicPr>
-          <p:nvPr/>
-        </p:nvPicPr>
-        <p:blipFill>
-          <a:blip r:embed="rId4"/>
-          <a:stretch>
-            <a:fillRect/>
-          </a:stretch>
-        </p:blipFill>
-        <p:spPr>
-          <a:xfrm>
-            <a:off x="304800" y="3420208"/>
-            <a:ext cx="3439090" cy="2516605"/>
-          </a:xfrm>
-          <a:prstGeom prst="rect">
-            <a:avLst/>
-          </a:prstGeom>
-        </p:spPr>
-      </p:pic>
-      <p:sp>
-        <p:nvSpPr>
-          <p:cNvPr id="14" name="TextBox 13"/>
-          <p:cNvSpPr txBox="1"/>
-          <p:nvPr/>
-        </p:nvSpPr>
-        <p:spPr>
-          <a:xfrm>
-            <a:off x="3886200" y="3623359"/>
-            <a:ext cx="4031873" cy="2031325"/>
-          </a:xfrm>
-          <a:prstGeom prst="rect">
-            <a:avLst/>
-          </a:prstGeom>
-          <a:noFill/>
-        </p:spPr>
-        <p:txBody>
-          <a:bodyPr wrap="none" rtlCol="0">
-            <a:spAutoFit/>
-          </a:bodyPr>
-          <a:lstStyle/>
-          <a:p>
-            <a:r>
-              <a:rPr lang="en-US" altLang="ko-KR" dirty="0" smtClean="0"/>
-              <a:t>1S0 NN scattering phase shift is fitted</a:t>
-            </a:r>
-          </a:p>
-          <a:p>
-            <a:r>
-              <a:rPr lang="en-US" altLang="ko-KR" dirty="0" smtClean="0"/>
-              <a:t>For unitary limit .</a:t>
-            </a:r>
-          </a:p>
-          <a:p>
-            <a:endParaRPr lang="en-US" altLang="ko-KR" dirty="0"/>
-          </a:p>
-          <a:p>
-            <a:r>
-              <a:rPr lang="en-US" altLang="ko-KR" dirty="0" smtClean="0"/>
-              <a:t>C0= -0.7449172 [</a:t>
-            </a:r>
-            <a:r>
-              <a:rPr lang="en-US" altLang="ko-KR" dirty="0" err="1" smtClean="0"/>
-              <a:t>l.u</a:t>
-            </a:r>
-            <a:r>
-              <a:rPr lang="en-US" altLang="ko-KR" dirty="0" smtClean="0"/>
-              <a:t>.]</a:t>
-            </a:r>
-          </a:p>
-          <a:p>
-            <a:r>
-              <a:rPr lang="en-US" altLang="ko-KR" dirty="0" err="1" smtClean="0"/>
-              <a:t>sNL</a:t>
-            </a:r>
-            <a:r>
-              <a:rPr lang="en-US" altLang="ko-KR" dirty="0" smtClean="0"/>
-              <a:t> = - 0.0009533729</a:t>
-            </a:r>
-          </a:p>
-          <a:p>
-            <a:r>
-              <a:rPr lang="en-US" altLang="ko-KR" dirty="0" smtClean="0">
-                <a:sym typeface="Wingdings" panose="05000000000000000000" pitchFamily="2" charset="2"/>
-              </a:rPr>
-              <a:t></a:t>
-            </a:r>
-          </a:p>
-          <a:p>
-            <a:r>
-              <a:rPr lang="en-US" altLang="ko-KR" dirty="0">
-                <a:sym typeface="Wingdings" panose="05000000000000000000" pitchFamily="2" charset="2"/>
-              </a:rPr>
-              <a:t>a</a:t>
-            </a:r>
-            <a:r>
-              <a:rPr lang="en-US" altLang="ko-KR" dirty="0" smtClean="0">
-                <a:sym typeface="Wingdings" panose="05000000000000000000" pitchFamily="2" charset="2"/>
-              </a:rPr>
-              <a:t>0 = 125658 </a:t>
-            </a:r>
-            <a:r>
-              <a:rPr lang="en-US" altLang="ko-KR" dirty="0" err="1" smtClean="0">
-                <a:sym typeface="Wingdings" panose="05000000000000000000" pitchFamily="2" charset="2"/>
-              </a:rPr>
-              <a:t>fm</a:t>
-            </a:r>
-            <a:r>
-              <a:rPr lang="en-US" altLang="ko-KR" dirty="0" smtClean="0">
-                <a:sym typeface="Wingdings" panose="05000000000000000000" pitchFamily="2" charset="2"/>
-              </a:rPr>
-              <a:t>, r0 = 0.110 </a:t>
-            </a:r>
-            <a:r>
-              <a:rPr lang="en-US" altLang="ko-KR" dirty="0" err="1" smtClean="0">
-                <a:sym typeface="Wingdings" panose="05000000000000000000" pitchFamily="2" charset="2"/>
-              </a:rPr>
-              <a:t>fm</a:t>
-            </a:r>
-            <a:r>
-              <a:rPr lang="en-US" altLang="ko-KR" dirty="0" smtClean="0">
-                <a:sym typeface="Wingdings" panose="05000000000000000000" pitchFamily="2" charset="2"/>
-              </a:rPr>
-              <a:t> </a:t>
-            </a:r>
-            <a:endParaRPr lang="ko-KR" altLang="en-US" dirty="0"/>
-          </a:p>
-        </p:txBody>
-      </p:sp>
     </p:spTree>
     <p:extLst>
       <p:ext uri="{BB962C8B-B14F-4D97-AF65-F5344CB8AC3E}">
-        <p14:creationId xmlns:p14="http://schemas.microsoft.com/office/powerpoint/2010/main" val="376425969"/>
+        <p14:creationId xmlns:p14="http://schemas.microsoft.com/office/powerpoint/2010/main" val="1506806834"/>
       </p:ext>
     </p:extLst>
   </p:cSld>
@@ -4778,116 +4613,9 @@
           <a:chExt cx="0" cy="0"/>
         </a:xfrm>
       </p:grpSpPr>
-      <p:sp>
-        <p:nvSpPr>
-          <p:cNvPr id="2" name="제목 1"/>
-          <p:cNvSpPr>
-            <a:spLocks noGrp="1"/>
-          </p:cNvSpPr>
-          <p:nvPr>
-            <p:ph type="title"/>
-          </p:nvPr>
-        </p:nvSpPr>
-        <p:spPr/>
-        <p:txBody>
-          <a:bodyPr/>
-          <a:lstStyle/>
-          <a:p>
-            <a:r>
-              <a:rPr lang="en-US" altLang="ko-KR" dirty="0" smtClean="0"/>
-              <a:t>Results</a:t>
-            </a:r>
-            <a:endParaRPr lang="ko-KR" altLang="en-US" dirty="0"/>
-          </a:p>
-        </p:txBody>
-      </p:sp>
-      <p:sp>
-        <p:nvSpPr>
-          <p:cNvPr id="3" name="내용 개체 틀 2"/>
-          <p:cNvSpPr>
-            <a:spLocks noGrp="1"/>
-          </p:cNvSpPr>
-          <p:nvPr>
-            <p:ph idx="1"/>
-          </p:nvPr>
-        </p:nvSpPr>
-        <p:spPr/>
-        <p:txBody>
-          <a:bodyPr>
-            <a:normAutofit lnSpcReduction="10000"/>
-          </a:bodyPr>
-          <a:lstStyle/>
-          <a:p>
-            <a:r>
-              <a:rPr lang="en-US" altLang="ko-KR" dirty="0" smtClean="0"/>
-              <a:t>N=66 neutrons (33 spin up, 33 spin down)</a:t>
-            </a:r>
-          </a:p>
-          <a:p>
-            <a:r>
-              <a:rPr lang="en-US" altLang="ko-KR" dirty="0" smtClean="0"/>
-              <a:t>Ground state energy are calculated by using transfer matrix formalism</a:t>
-            </a:r>
-          </a:p>
-          <a:p>
-            <a:endParaRPr lang="en-US" altLang="ko-KR" dirty="0"/>
-          </a:p>
-          <a:p>
-            <a:endParaRPr lang="en-US" altLang="ko-KR" dirty="0" smtClean="0"/>
-          </a:p>
-          <a:p>
-            <a:r>
-              <a:rPr lang="en-US" altLang="ko-KR" dirty="0" smtClean="0"/>
-              <a:t>Euclidean time extrapolation</a:t>
-            </a:r>
-          </a:p>
-          <a:p>
-            <a:endParaRPr lang="en-US" altLang="ko-KR" dirty="0"/>
-          </a:p>
-          <a:p>
-            <a:r>
-              <a:rPr lang="en-US" altLang="ko-KR" dirty="0" smtClean="0"/>
-              <a:t>Free fermion gas energy can be defined in two way.</a:t>
-            </a:r>
-          </a:p>
-          <a:p>
-            <a:pPr lvl="1"/>
-            <a:r>
-              <a:rPr lang="en-US" altLang="ko-KR" dirty="0" smtClean="0"/>
-              <a:t>‘Finite’ : NLEFT result of free fermions</a:t>
-            </a:r>
-          </a:p>
-          <a:p>
-            <a:pPr lvl="1"/>
-            <a:r>
-              <a:rPr lang="en-US" altLang="ko-KR" dirty="0" smtClean="0"/>
-              <a:t>‘</a:t>
-            </a:r>
-            <a:r>
-              <a:rPr lang="en-US" altLang="ko-KR" dirty="0" err="1" smtClean="0"/>
-              <a:t>thermo</a:t>
-            </a:r>
-            <a:r>
-              <a:rPr lang="en-US" altLang="ko-KR" dirty="0" smtClean="0"/>
-              <a:t>’ :  Thermodynamic limit expression of free fermion gas</a:t>
-            </a:r>
-          </a:p>
-          <a:p>
-            <a:pPr lvl="1"/>
-            <a:endParaRPr lang="en-US" altLang="ko-KR" dirty="0" smtClean="0"/>
-          </a:p>
-          <a:p>
-            <a:r>
-              <a:rPr lang="en-US" altLang="ko-KR" dirty="0" smtClean="0"/>
-              <a:t> </a:t>
-            </a:r>
-            <a:endParaRPr lang="ko-KR" altLang="en-US" dirty="0"/>
-          </a:p>
-        </p:txBody>
-      </p:sp>
       <p:pic>
         <p:nvPicPr>
-          <p:cNvPr id="4" name="그림 3"/>
+          <p:cNvPr id="2" name="그림 1"/>
           <p:cNvPicPr>
             <a:picLocks noChangeAspect="1"/>
           </p:cNvPicPr>
@@ -4901,8 +4629,56 @@
         </p:blipFill>
         <p:spPr>
           <a:xfrm>
-            <a:off x="685800" y="2914578"/>
-            <a:ext cx="2286319" cy="514422"/>
+            <a:off x="304800" y="533400"/>
+            <a:ext cx="5158363" cy="1828800"/>
+          </a:xfrm>
+          <a:prstGeom prst="rect">
+            <a:avLst/>
+          </a:prstGeom>
+        </p:spPr>
+      </p:pic>
+      <p:pic>
+        <p:nvPicPr>
+          <p:cNvPr id="3" name="그림 2"/>
+          <p:cNvPicPr>
+            <a:picLocks noChangeAspect="1"/>
+          </p:cNvPicPr>
+          <p:nvPr/>
+        </p:nvPicPr>
+        <p:blipFill>
+          <a:blip r:embed="rId3"/>
+          <a:stretch>
+            <a:fillRect/>
+          </a:stretch>
+        </p:blipFill>
+        <p:spPr>
+          <a:xfrm>
+            <a:off x="304800" y="2514600"/>
+            <a:ext cx="3508661" cy="580570"/>
+          </a:xfrm>
+          <a:prstGeom prst="rect">
+            <a:avLst/>
+          </a:prstGeom>
+        </p:spPr>
+      </p:pic>
+      <p:pic>
+        <p:nvPicPr>
+          <p:cNvPr id="4" name="그림 3"/>
+          <p:cNvPicPr>
+            <a:picLocks noChangeAspect="1"/>
+          </p:cNvPicPr>
+          <p:nvPr/>
+        </p:nvPicPr>
+        <p:blipFill>
+          <a:blip r:embed="rId4"/>
+          <a:stretch>
+            <a:fillRect/>
+          </a:stretch>
+        </p:blipFill>
+        <p:spPr>
+          <a:xfrm>
+            <a:off x="685800" y="4495800"/>
+            <a:ext cx="3405663" cy="2114845"/>
           </a:xfrm>
           <a:prstGeom prst="rect">
             <a:avLst/>
@@ -4918,15 +4694,15 @@
           <p:nvPr/>
         </p:nvPicPr>
         <p:blipFill>
-          <a:blip r:embed="rId3"/>
+          <a:blip r:embed="rId5"/>
           <a:stretch>
             <a:fillRect/>
           </a:stretch>
         </p:blipFill>
         <p:spPr>
           <a:xfrm>
-            <a:off x="1028747" y="4267200"/>
-            <a:ext cx="1600423" cy="400106"/>
+            <a:off x="5791200" y="1600200"/>
+            <a:ext cx="2450649" cy="2006883"/>
           </a:xfrm>
           <a:prstGeom prst="rect">
             <a:avLst/>
@@ -4942,15 +4718,39 @@
           <p:nvPr/>
         </p:nvPicPr>
         <p:blipFill>
-          <a:blip r:embed="rId4"/>
+          <a:blip r:embed="rId6"/>
           <a:stretch>
             <a:fillRect/>
           </a:stretch>
         </p:blipFill>
         <p:spPr>
           <a:xfrm>
-            <a:off x="688731" y="5502367"/>
-            <a:ext cx="5115639" cy="1086002"/>
+            <a:off x="5782408" y="3962400"/>
+            <a:ext cx="2667000" cy="2440984"/>
+          </a:xfrm>
+          <a:prstGeom prst="rect">
+            <a:avLst/>
+          </a:prstGeom>
+        </p:spPr>
+      </p:pic>
+      <p:pic>
+        <p:nvPicPr>
+          <p:cNvPr id="7" name="그림 6"/>
+          <p:cNvPicPr>
+            <a:picLocks noChangeAspect="1"/>
+          </p:cNvPicPr>
+          <p:nvPr/>
+        </p:nvPicPr>
+        <p:blipFill>
+          <a:blip r:embed="rId7"/>
+          <a:stretch>
+            <a:fillRect/>
+          </a:stretch>
+        </p:blipFill>
+        <p:spPr>
+          <a:xfrm>
+            <a:off x="458931" y="3095170"/>
+            <a:ext cx="2895600" cy="455023"/>
           </a:xfrm>
           <a:prstGeom prst="rect">
             <a:avLst/>
@@ -4966,15 +4766,15 @@
           <p:nvPr/>
         </p:nvPicPr>
         <p:blipFill>
-          <a:blip r:embed="rId5"/>
+          <a:blip r:embed="rId8"/>
           <a:stretch>
             <a:fillRect/>
           </a:stretch>
         </p:blipFill>
         <p:spPr>
           <a:xfrm>
-            <a:off x="6172200" y="5897710"/>
-            <a:ext cx="1857634" cy="295316"/>
+            <a:off x="475107" y="3645434"/>
+            <a:ext cx="1733792" cy="395343"/>
           </a:xfrm>
           <a:prstGeom prst="rect">
             <a:avLst/>
@@ -4984,13 +4784,20 @@
     </p:spTree>
     <p:extLst>
       <p:ext uri="{BB962C8B-B14F-4D97-AF65-F5344CB8AC3E}">
-        <p14:creationId xmlns:p14="http://schemas.microsoft.com/office/powerpoint/2010/main" val="969077185"/>
+        <p14:creationId xmlns:p14="http://schemas.microsoft.com/office/powerpoint/2010/main" val="2989461132"/>
       </p:ext>
     </p:extLst>
   </p:cSld>
   <p:clrMapOvr>
     <a:masterClrMapping/>
   </p:clrMapOvr>
+  <p:timing>
+    <p:tnLst>
+      <p:par>
+        <p:cTn id="1" dur="indefinite" restart="never" nodeType="tmRoot"/>
+      </p:par>
+    </p:tnLst>
+  </p:timing>
 </p:sld>
 </file>
 
@@ -5013,42 +4820,32 @@
       </p:grpSpPr>
       <p:sp>
         <p:nvSpPr>
-          <p:cNvPr id="2" name="제목 1"/>
-          <p:cNvSpPr>
-            <a:spLocks noGrp="1"/>
-          </p:cNvSpPr>
-          <p:nvPr>
-            <p:ph type="title"/>
-          </p:nvPr>
-        </p:nvSpPr>
-        <p:spPr/>
-        <p:txBody>
-          <a:bodyPr/>
-          <a:lstStyle/>
-          <a:p>
-            <a:r>
-              <a:rPr lang="en-US" altLang="ko-KR" dirty="0" smtClean="0"/>
-              <a:t>Results : Lt extrapolation</a:t>
-            </a:r>
-            <a:endParaRPr lang="ko-KR" altLang="en-US" dirty="0"/>
-          </a:p>
-        </p:txBody>
-      </p:sp>
-      <p:sp>
-        <p:nvSpPr>
-          <p:cNvPr id="3" name="내용 개체 틀 2"/>
-          <p:cNvSpPr>
-            <a:spLocks noGrp="1"/>
-          </p:cNvSpPr>
-          <p:nvPr>
-            <p:ph idx="1"/>
-          </p:nvPr>
-        </p:nvSpPr>
-        <p:spPr/>
-        <p:txBody>
-          <a:bodyPr/>
-          <a:lstStyle/>
-          <a:p>
+          <p:cNvPr id="3" name="TextBox 2"/>
+          <p:cNvSpPr txBox="1"/>
+          <p:nvPr/>
+        </p:nvSpPr>
+        <p:spPr>
+          <a:xfrm>
+            <a:off x="899557" y="6292572"/>
+            <a:ext cx="2544286" cy="369332"/>
+          </a:xfrm>
+          <a:prstGeom prst="rect">
+            <a:avLst/>
+          </a:prstGeom>
+          <a:solidFill>
+            <a:srgbClr val="FFFF00"/>
+          </a:solidFill>
+        </p:spPr>
+        <p:txBody>
+          <a:bodyPr wrap="none" rtlCol="0">
+            <a:spAutoFit/>
+          </a:bodyPr>
+          <a:lstStyle/>
+          <a:p>
+            <a:r>
+              <a:rPr lang="en-US" altLang="ko-KR" dirty="0" smtClean="0"/>
+              <a:t>Pinhole trace algorithm</a:t>
+            </a:r>
             <a:endParaRPr lang="ko-KR" altLang="en-US" dirty="0"/>
           </a:p>
         </p:txBody>
@@ -5069,8 +4866,8 @@
         </p:blipFill>
         <p:spPr>
           <a:xfrm>
-            <a:off x="533400" y="1790493"/>
-            <a:ext cx="3458626" cy="2248107"/>
+            <a:off x="609600" y="2057400"/>
+            <a:ext cx="3124200" cy="3901441"/>
           </a:xfrm>
           <a:prstGeom prst="rect">
             <a:avLst/>
@@ -5093,17 +4890,124 @@
         </p:blipFill>
         <p:spPr>
           <a:xfrm>
-            <a:off x="4581845" y="1752600"/>
-            <a:ext cx="3448691" cy="2239502"/>
+            <a:off x="4596319" y="2209800"/>
+            <a:ext cx="4146166" cy="2581720"/>
           </a:xfrm>
           <a:prstGeom prst="rect">
             <a:avLst/>
           </a:prstGeom>
         </p:spPr>
       </p:pic>
+      <p:sp>
+        <p:nvSpPr>
+          <p:cNvPr id="6" name="TextBox 5"/>
+          <p:cNvSpPr txBox="1"/>
+          <p:nvPr/>
+        </p:nvSpPr>
+        <p:spPr>
+          <a:xfrm>
+            <a:off x="4724400" y="4876800"/>
+            <a:ext cx="4230645" cy="1600438"/>
+          </a:xfrm>
+          <a:prstGeom prst="rect">
+            <a:avLst/>
+          </a:prstGeom>
+          <a:noFill/>
+        </p:spPr>
+        <p:txBody>
+          <a:bodyPr wrap="none" rtlCol="0">
+            <a:spAutoFit/>
+          </a:bodyPr>
+          <a:lstStyle/>
+          <a:p>
+            <a:pPr marL="285750" indent="-285750">
+              <a:buFont typeface="Arial" panose="020B0604020202020204" pitchFamily="34" charset="0"/>
+              <a:buChar char="•"/>
+            </a:pPr>
+            <a:r>
+              <a:rPr lang="en-US" altLang="ko-KR" sz="1400" dirty="0"/>
+              <a:t>determine the location of the critical point </a:t>
+            </a:r>
+            <a:endParaRPr lang="en-US" altLang="ko-KR" sz="1400" dirty="0" smtClean="0"/>
+          </a:p>
+          <a:p>
+            <a:r>
+              <a:rPr lang="en-US" altLang="ko-KR" sz="1400" dirty="0" smtClean="0"/>
+              <a:t>and </a:t>
+            </a:r>
+            <a:r>
+              <a:rPr lang="en-US" altLang="ko-KR" sz="1400" dirty="0"/>
+              <a:t>the liquid-vapor coexistence </a:t>
+            </a:r>
+            <a:r>
+              <a:rPr lang="en-US" altLang="ko-KR" sz="1400" dirty="0" smtClean="0"/>
+              <a:t>line</a:t>
+            </a:r>
+          </a:p>
+          <a:p>
+            <a:r>
+              <a:rPr lang="en-US" altLang="ko-KR" sz="1400" dirty="0" smtClean="0"/>
+              <a:t> </a:t>
+            </a:r>
+            <a:r>
+              <a:rPr lang="en-US" altLang="ko-KR" sz="1400" dirty="0"/>
+              <a:t>for symmetric nuclear matter </a:t>
+            </a:r>
+            <a:endParaRPr lang="en-US" altLang="ko-KR" sz="1400" dirty="0" smtClean="0"/>
+          </a:p>
+          <a:p>
+            <a:r>
+              <a:rPr lang="en-US" altLang="ko-KR" sz="1400" dirty="0" smtClean="0"/>
+              <a:t>with </a:t>
+            </a:r>
+            <a:r>
+              <a:rPr lang="en-US" altLang="ko-KR" sz="1400" dirty="0"/>
+              <a:t>equal numbers of protons and neutrons. </a:t>
+            </a:r>
+            <a:endParaRPr lang="en-US" altLang="ko-KR" sz="1400" dirty="0" smtClean="0"/>
+          </a:p>
+          <a:p>
+            <a:endParaRPr lang="en-US" altLang="ko-KR" sz="1400" dirty="0" smtClean="0"/>
+          </a:p>
+          <a:p>
+            <a:pPr marL="285750" indent="-285750">
+              <a:buFont typeface="Arial" panose="020B0604020202020204" pitchFamily="34" charset="0"/>
+              <a:buChar char="•"/>
+            </a:pPr>
+            <a:r>
+              <a:rPr lang="en-US" altLang="ko-KR" sz="1400" dirty="0" smtClean="0"/>
+              <a:t>the </a:t>
+            </a:r>
+            <a:r>
+              <a:rPr lang="en-US" altLang="ko-KR" sz="1400" dirty="0"/>
+              <a:t>first </a:t>
+            </a:r>
+            <a:r>
+              <a:rPr lang="en-US" altLang="ko-KR" sz="1400" i="1" dirty="0"/>
+              <a:t>ab initio</a:t>
+            </a:r>
+            <a:r>
+              <a:rPr lang="en-US" altLang="ko-KR" sz="1400" dirty="0"/>
+              <a:t> study of the density </a:t>
+            </a:r>
+            <a:endParaRPr lang="en-US" altLang="ko-KR" sz="1400" dirty="0" smtClean="0"/>
+          </a:p>
+          <a:p>
+            <a:r>
+              <a:rPr lang="en-US" altLang="ko-KR" sz="1400" dirty="0" smtClean="0"/>
+              <a:t>and </a:t>
+            </a:r>
+            <a:r>
+              <a:rPr lang="en-US" altLang="ko-KR" sz="1400" dirty="0"/>
+              <a:t>temperature dependence of nuclear clustering.</a:t>
+            </a:r>
+            <a:endParaRPr lang="ko-KR" altLang="en-US" sz="1400" dirty="0"/>
+          </a:p>
+        </p:txBody>
+      </p:sp>
       <p:pic>
         <p:nvPicPr>
-          <p:cNvPr id="6" name="그림 5"/>
+          <p:cNvPr id="7" name="그림 6"/>
           <p:cNvPicPr>
             <a:picLocks noChangeAspect="1"/>
           </p:cNvPicPr>
@@ -5117,32 +5021,8 @@
         </p:blipFill>
         <p:spPr>
           <a:xfrm>
-            <a:off x="705056" y="4349306"/>
-            <a:ext cx="3286969" cy="2110110"/>
-          </a:xfrm>
-          <a:prstGeom prst="rect">
-            <a:avLst/>
-          </a:prstGeom>
-        </p:spPr>
-      </p:pic>
-      <p:pic>
-        <p:nvPicPr>
-          <p:cNvPr id="7" name="그림 6"/>
-          <p:cNvPicPr>
-            <a:picLocks noChangeAspect="1"/>
-          </p:cNvPicPr>
-          <p:nvPr/>
-        </p:nvPicPr>
-        <p:blipFill>
-          <a:blip r:embed="rId5"/>
-          <a:stretch>
-            <a:fillRect/>
-          </a:stretch>
-        </p:blipFill>
-        <p:spPr>
-          <a:xfrm>
-            <a:off x="4785648" y="4339974"/>
-            <a:ext cx="3244887" cy="2113580"/>
+            <a:off x="37923" y="479732"/>
+            <a:ext cx="6286677" cy="1382365"/>
           </a:xfrm>
           <a:prstGeom prst="rect">
             <a:avLst/>
@@ -5152,7 +5032,7 @@
     </p:spTree>
     <p:extLst>
       <p:ext uri="{BB962C8B-B14F-4D97-AF65-F5344CB8AC3E}">
-        <p14:creationId xmlns:p14="http://schemas.microsoft.com/office/powerpoint/2010/main" val="546049659"/>
+        <p14:creationId xmlns:p14="http://schemas.microsoft.com/office/powerpoint/2010/main" val="1107506914"/>
       </p:ext>
     </p:extLst>
   </p:cSld>
@@ -5191,12 +5071,127 @@
         </p:nvSpPr>
         <p:spPr/>
         <p:txBody>
+          <a:bodyPr>
+            <a:normAutofit/>
+          </a:bodyPr>
+          <a:lstStyle/>
+          <a:p>
+            <a:r>
+              <a:rPr lang="en-US" altLang="ko-KR" dirty="0"/>
+              <a:t>BCC </a:t>
+            </a:r>
+            <a:r>
+              <a:rPr lang="en-US" altLang="ko-KR" dirty="0" smtClean="0"/>
+              <a:t>lattice</a:t>
+            </a:r>
+            <a:endParaRPr lang="ko-KR" altLang="en-US" dirty="0"/>
+          </a:p>
+        </p:txBody>
+      </p:sp>
+      <p:sp>
+        <p:nvSpPr>
+          <p:cNvPr id="4" name="내용 개체 틀 3"/>
+          <p:cNvSpPr>
+            <a:spLocks noGrp="1"/>
+          </p:cNvSpPr>
+          <p:nvPr>
+            <p:ph idx="1"/>
+          </p:nvPr>
+        </p:nvSpPr>
+        <p:spPr/>
+        <p:txBody>
           <a:bodyPr/>
           <a:lstStyle/>
           <a:p>
             <a:r>
               <a:rPr lang="en-US" altLang="ko-KR" dirty="0" smtClean="0"/>
-              <a:t>Results : Lt extrapolation</a:t>
+              <a:t>Because of </a:t>
+            </a:r>
+            <a:r>
+              <a:rPr lang="en-US" altLang="ko-KR" dirty="0" smtClean="0"/>
+              <a:t>convenience, </a:t>
+            </a:r>
+            <a:r>
+              <a:rPr lang="en-US" altLang="ko-KR" dirty="0" smtClean="0"/>
+              <a:t>all NLEFT calculation has been done on cubic lattice </a:t>
+            </a:r>
+          </a:p>
+          <a:p>
+            <a:r>
+              <a:rPr lang="en-US" altLang="ko-KR" dirty="0"/>
+              <a:t>Physical result should not depends on the specific lattice</a:t>
+            </a:r>
+          </a:p>
+          <a:p>
+            <a:pPr marL="0" indent="0">
+              <a:buNone/>
+            </a:pPr>
+            <a:r>
+              <a:rPr lang="en-US" altLang="ko-KR" dirty="0"/>
+              <a:t>  structure. (lattice size, spacing, type)</a:t>
+            </a:r>
+            <a:endParaRPr lang="ko-KR" altLang="en-US" dirty="0"/>
+          </a:p>
+        </p:txBody>
+      </p:sp>
+      <p:sp>
+        <p:nvSpPr>
+          <p:cNvPr id="6" name="TextBox 5"/>
+          <p:cNvSpPr txBox="1"/>
+          <p:nvPr/>
+        </p:nvSpPr>
+        <p:spPr>
+          <a:xfrm>
+            <a:off x="4572000" y="3576935"/>
+            <a:ext cx="4006290" cy="2031325"/>
+          </a:xfrm>
+          <a:prstGeom prst="rect">
+            <a:avLst/>
+          </a:prstGeom>
+          <a:noFill/>
+        </p:spPr>
+        <p:txBody>
+          <a:bodyPr wrap="none" rtlCol="0">
+            <a:spAutoFit/>
+          </a:bodyPr>
+          <a:lstStyle/>
+          <a:p>
+            <a:r>
+              <a:rPr lang="en-US" altLang="ko-KR" dirty="0" smtClean="0"/>
+              <a:t>BCC lattice is constructed as </a:t>
+            </a:r>
+          </a:p>
+          <a:p>
+            <a:r>
+              <a:rPr lang="en-US" altLang="ko-KR" dirty="0" smtClean="0"/>
+              <a:t>Two cubic lattice</a:t>
+            </a:r>
+          </a:p>
+          <a:p>
+            <a:r>
+              <a:rPr lang="en-US" altLang="ko-KR" dirty="0" smtClean="0"/>
+              <a:t>(shifted by (1/2,1/2,1/2) in lattice unit)</a:t>
+            </a:r>
+          </a:p>
+          <a:p>
+            <a:endParaRPr lang="en-US" altLang="ko-KR" dirty="0"/>
+          </a:p>
+          <a:p>
+            <a:r>
+              <a:rPr lang="en-US" altLang="ko-KR" dirty="0" smtClean="0"/>
+              <a:t>Lattice spacing a=1/100 MeV^-1</a:t>
+            </a:r>
+          </a:p>
+          <a:p>
+            <a:r>
+              <a:rPr lang="en-US" altLang="ko-KR" dirty="0" smtClean="0"/>
+              <a:t>Lattice Time step at = 1/1000 MeV^-1</a:t>
+            </a:r>
+          </a:p>
+          <a:p>
+            <a:r>
+              <a:rPr lang="en-US" altLang="ko-KR" dirty="0" smtClean="0"/>
+              <a:t>(For outer region at’=1/200 MeV^-1)</a:t>
             </a:r>
             <a:endParaRPr lang="ko-KR" altLang="en-US" dirty="0"/>
           </a:p>
@@ -5204,7 +5199,7 @@
       </p:sp>
       <p:pic>
         <p:nvPicPr>
-          <p:cNvPr id="8" name="그림 7"/>
+          <p:cNvPr id="5" name="그림 4"/>
           <p:cNvPicPr>
             <a:picLocks noChangeAspect="1"/>
           </p:cNvPicPr>
@@ -5218,32 +5213,8 @@
         </p:blipFill>
         <p:spPr>
           <a:xfrm>
-            <a:off x="17585" y="1371600"/>
-            <a:ext cx="4436527" cy="2913820"/>
-          </a:xfrm>
-          <a:prstGeom prst="rect">
-            <a:avLst/>
-          </a:prstGeom>
-        </p:spPr>
-      </p:pic>
-      <p:pic>
-        <p:nvPicPr>
-          <p:cNvPr id="12" name="그림 11"/>
-          <p:cNvPicPr>
-            <a:picLocks noChangeAspect="1"/>
-          </p:cNvPicPr>
-          <p:nvPr/>
-        </p:nvPicPr>
-        <p:blipFill>
-          <a:blip r:embed="rId3"/>
-          <a:stretch>
-            <a:fillRect/>
-          </a:stretch>
-        </p:blipFill>
-        <p:spPr>
-          <a:xfrm>
-            <a:off x="4454112" y="1421270"/>
-            <a:ext cx="4648200" cy="3019634"/>
+            <a:off x="457200" y="3464668"/>
+            <a:ext cx="3265356" cy="3088532"/>
           </a:xfrm>
           <a:prstGeom prst="rect">
             <a:avLst/>
@@ -5253,7 +5224,7 @@
     </p:spTree>
     <p:extLst>
       <p:ext uri="{BB962C8B-B14F-4D97-AF65-F5344CB8AC3E}">
-        <p14:creationId xmlns:p14="http://schemas.microsoft.com/office/powerpoint/2010/main" val="2128489515"/>
+        <p14:creationId xmlns:p14="http://schemas.microsoft.com/office/powerpoint/2010/main" val="670247407"/>
       </p:ext>
     </p:extLst>
   </p:cSld>
@@ -5297,21 +5268,76 @@
           <a:p>
             <a:r>
               <a:rPr lang="en-US" altLang="ko-KR" dirty="0" smtClean="0"/>
-              <a:t>Results: L dependence</a:t>
-            </a:r>
+              <a:t>Unitary Fermion Gas in BCC lattice</a:t>
+            </a:r>
+            <a:endParaRPr lang="ko-KR" altLang="en-US" dirty="0"/>
+          </a:p>
+        </p:txBody>
+      </p:sp>
+      <p:sp>
+        <p:nvSpPr>
+          <p:cNvPr id="3" name="내용 개체 틀 2"/>
+          <p:cNvSpPr>
+            <a:spLocks noGrp="1"/>
+          </p:cNvSpPr>
+          <p:nvPr>
+            <p:ph idx="1"/>
+          </p:nvPr>
+        </p:nvSpPr>
+        <p:spPr/>
+        <p:txBody>
+          <a:bodyPr/>
+          <a:lstStyle/>
+          <a:p>
+            <a:r>
+              <a:rPr lang="en-US" altLang="ko-KR" dirty="0" smtClean="0"/>
+              <a:t>Studying the bulk properties of many nucleon system</a:t>
+            </a:r>
+          </a:p>
+          <a:p>
+            <a:r>
+              <a:rPr lang="en-US" altLang="ko-KR" dirty="0" smtClean="0">
+                <a:sym typeface="Wingdings" panose="05000000000000000000" pitchFamily="2" charset="2"/>
+              </a:rPr>
+              <a:t> relation between realistic nuclear interaction and symmetric/asymmetric nuclear matter EOS.</a:t>
+            </a:r>
+          </a:p>
+          <a:p>
+            <a:r>
+              <a:rPr lang="en-US" altLang="ko-KR" dirty="0" smtClean="0">
+                <a:sym typeface="Wingdings" panose="05000000000000000000" pitchFamily="2" charset="2"/>
+              </a:rPr>
+              <a:t> requires very accurate nuclear force which reproduce both few-body system(NN scattering, binding energies)</a:t>
+            </a:r>
+          </a:p>
+          <a:p>
+            <a:pPr marL="0" indent="0">
+              <a:buNone/>
+            </a:pPr>
+            <a:r>
+              <a:rPr lang="en-US" altLang="ko-KR" dirty="0" smtClean="0">
+                <a:sym typeface="Wingdings" panose="05000000000000000000" pitchFamily="2" charset="2"/>
+              </a:rPr>
+              <a:t>   And infinite nuclear matter (nuclear matter saturation )</a:t>
+            </a:r>
+          </a:p>
+          <a:p>
+            <a:endParaRPr lang="en-US" altLang="ko-KR" dirty="0" smtClean="0">
+              <a:sym typeface="Wingdings" panose="05000000000000000000" pitchFamily="2" charset="2"/>
+            </a:endParaRPr>
+          </a:p>
+          <a:p>
             <a:endParaRPr lang="ko-KR" altLang="en-US" dirty="0"/>
           </a:p>
         </p:txBody>
       </p:sp>
       <p:pic>
         <p:nvPicPr>
-          <p:cNvPr id="5" name="내용 개체 틀 4"/>
+          <p:cNvPr id="7" name="그림 6"/>
           <p:cNvPicPr>
-            <a:picLocks noGrp="1" noChangeAspect="1"/>
+            <a:picLocks noChangeAspect="1"/>
           </p:cNvPicPr>
-          <p:nvPr>
-            <p:ph idx="1"/>
-          </p:nvPr>
+          <p:nvPr/>
         </p:nvPicPr>
         <p:blipFill>
           <a:blip r:embed="rId2"/>
@@ -5321,110 +5347,18 @@
         </p:blipFill>
         <p:spPr>
           <a:xfrm>
-            <a:off x="4724400" y="1676400"/>
-            <a:ext cx="4062527" cy="2607674"/>
+            <a:off x="4580792" y="4114800"/>
+            <a:ext cx="3191565" cy="2667000"/>
           </a:xfrm>
           <a:prstGeom prst="rect">
             <a:avLst/>
           </a:prstGeom>
         </p:spPr>
       </p:pic>
-      <p:pic>
-        <p:nvPicPr>
-          <p:cNvPr id="4" name="그림 3"/>
-          <p:cNvPicPr>
-            <a:picLocks noChangeAspect="1"/>
-          </p:cNvPicPr>
-          <p:nvPr/>
-        </p:nvPicPr>
-        <p:blipFill>
-          <a:blip r:embed="rId3"/>
-          <a:stretch>
-            <a:fillRect/>
-          </a:stretch>
-        </p:blipFill>
-        <p:spPr>
-          <a:xfrm>
-            <a:off x="228600" y="1676400"/>
-            <a:ext cx="4089598" cy="2721973"/>
-          </a:xfrm>
-          <a:prstGeom prst="rect">
-            <a:avLst/>
-          </a:prstGeom>
-        </p:spPr>
-      </p:pic>
-      <p:sp>
-        <p:nvSpPr>
-          <p:cNvPr id="6" name="TextBox 5"/>
-          <p:cNvSpPr txBox="1"/>
-          <p:nvPr/>
-        </p:nvSpPr>
-        <p:spPr>
-          <a:xfrm>
-            <a:off x="979455" y="4724400"/>
-            <a:ext cx="1293944" cy="369332"/>
-          </a:xfrm>
-          <a:prstGeom prst="rect">
-            <a:avLst/>
-          </a:prstGeom>
-          <a:noFill/>
-        </p:spPr>
-        <p:txBody>
-          <a:bodyPr wrap="none" rtlCol="0">
-            <a:spAutoFit/>
-          </a:bodyPr>
-          <a:lstStyle/>
-          <a:p>
-            <a:r>
-              <a:rPr lang="en-US" altLang="ko-KR" dirty="0" err="1" smtClean="0"/>
-              <a:t>Lt_outer</a:t>
-            </a:r>
-            <a:r>
-              <a:rPr lang="en-US" altLang="ko-KR" dirty="0" smtClean="0"/>
-              <a:t>=0</a:t>
-            </a:r>
-            <a:endParaRPr lang="ko-KR" altLang="en-US" dirty="0"/>
-          </a:p>
-        </p:txBody>
-      </p:sp>
-      <p:sp>
-        <p:nvSpPr>
-          <p:cNvPr id="7" name="TextBox 6"/>
-          <p:cNvSpPr txBox="1"/>
-          <p:nvPr/>
-        </p:nvSpPr>
-        <p:spPr>
-          <a:xfrm>
-            <a:off x="5335456" y="4659868"/>
-            <a:ext cx="1293944" cy="369332"/>
-          </a:xfrm>
-          <a:prstGeom prst="rect">
-            <a:avLst/>
-          </a:prstGeom>
-          <a:noFill/>
-        </p:spPr>
-        <p:txBody>
-          <a:bodyPr wrap="none" rtlCol="0">
-            <a:spAutoFit/>
-          </a:bodyPr>
-          <a:lstStyle/>
-          <a:p>
-            <a:r>
-              <a:rPr lang="en-US" altLang="ko-KR" dirty="0" err="1" smtClean="0"/>
-              <a:t>Lt_outer</a:t>
-            </a:r>
-            <a:r>
-              <a:rPr lang="en-US" altLang="ko-KR" dirty="0" smtClean="0"/>
-              <a:t>=5</a:t>
-            </a:r>
-            <a:endParaRPr lang="ko-KR" altLang="en-US" dirty="0"/>
-          </a:p>
-        </p:txBody>
-      </p:sp>
     </p:spTree>
     <p:extLst>
       <p:ext uri="{BB962C8B-B14F-4D97-AF65-F5344CB8AC3E}">
-        <p14:creationId xmlns:p14="http://schemas.microsoft.com/office/powerpoint/2010/main" val="1932132422"/>
+        <p14:creationId xmlns:p14="http://schemas.microsoft.com/office/powerpoint/2010/main" val="79768324"/>
       </p:ext>
     </p:extLst>
   </p:cSld>
@@ -5487,7 +5421,7 @@
         <p:spPr/>
         <p:txBody>
           <a:bodyPr>
-            <a:normAutofit/>
+            <a:normAutofit lnSpcReduction="10000"/>
           </a:bodyPr>
           <a:lstStyle/>
           <a:p>
@@ -5495,6 +5429,29 @@
               <a:rPr lang="en-US" sz="3200" dirty="0" smtClean="0"/>
               <a:t>Introduction</a:t>
             </a:r>
+          </a:p>
+          <a:p>
+            <a:pPr lvl="1"/>
+            <a:r>
+              <a:rPr lang="en-US" sz="2800" dirty="0" smtClean="0"/>
+              <a:t>Nuclear Lattice Effective Field Theory  </a:t>
+            </a:r>
+          </a:p>
+          <a:p>
+            <a:pPr lvl="1"/>
+            <a:r>
+              <a:rPr lang="en-US" altLang="ko-KR" sz="2800" dirty="0" smtClean="0"/>
+              <a:t>BCC lattice</a:t>
+            </a:r>
+            <a:endParaRPr lang="en-US" altLang="ko-KR" sz="2800" dirty="0"/>
+          </a:p>
+          <a:p>
+            <a:pPr lvl="1"/>
+            <a:r>
+              <a:rPr lang="en-US" altLang="ko-KR" sz="2800" dirty="0" smtClean="0"/>
+              <a:t>Unitary Fermion Gas </a:t>
+            </a:r>
+            <a:endParaRPr lang="en-US" sz="2800" dirty="0" smtClean="0"/>
           </a:p>
           <a:p>
             <a:pPr>
@@ -5505,7 +5462,28 @@
               <a:rPr lang="en-US" sz="3200" dirty="0" smtClean="0"/>
               <a:t>Formalism </a:t>
             </a:r>
-            <a:endParaRPr lang="en-US" sz="3200" dirty="0"/>
+            <a:endParaRPr lang="en-US" sz="3200" dirty="0" smtClean="0"/>
+          </a:p>
+          <a:p>
+            <a:pPr lvl="1">
+              <a:buFont typeface="Wingdings" panose="05000000000000000000" pitchFamily="2" charset="2"/>
+              <a:buChar char="§"/>
+            </a:pPr>
+            <a:r>
+              <a:rPr lang="en-US" sz="2800" dirty="0" smtClean="0"/>
+              <a:t>More details of NLEFT method</a:t>
+            </a:r>
+          </a:p>
+          <a:p>
+            <a:pPr lvl="1">
+              <a:buFont typeface="Wingdings" panose="05000000000000000000" pitchFamily="2" charset="2"/>
+              <a:buChar char="§"/>
+            </a:pPr>
+            <a:r>
+              <a:rPr lang="en-US" sz="2800" dirty="0" smtClean="0"/>
+              <a:t>Details of UFG in BCC lattice </a:t>
+            </a:r>
+            <a:endParaRPr lang="en-US" sz="2800" dirty="0" smtClean="0"/>
           </a:p>
           <a:p>
             <a:pPr>
@@ -5516,6 +5494,7 @@
               <a:rPr lang="en-US" sz="3200" dirty="0" smtClean="0"/>
               <a:t>Results</a:t>
             </a:r>
+            <a:endParaRPr lang="en-US" sz="3200" dirty="0" smtClean="0"/>
           </a:p>
           <a:p>
             <a:pPr>
@@ -5593,646 +5572,14 @@
           <a:p>
             <a:r>
               <a:rPr lang="en-US" altLang="ko-KR" dirty="0" smtClean="0"/>
-              <a:t>Results</a:t>
+              <a:t>Unitary Fermion Gas in BCC lattice</a:t>
             </a:r>
             <a:endParaRPr lang="ko-KR" altLang="en-US" dirty="0"/>
           </a:p>
         </p:txBody>
       </p:sp>
-      <p:pic>
-        <p:nvPicPr>
-          <p:cNvPr id="4" name="그림 3"/>
-          <p:cNvPicPr>
-            <a:picLocks noChangeAspect="1"/>
-          </p:cNvPicPr>
-          <p:nvPr/>
-        </p:nvPicPr>
-        <p:blipFill>
-          <a:blip r:embed="rId2"/>
-          <a:stretch>
-            <a:fillRect/>
-          </a:stretch>
-        </p:blipFill>
-        <p:spPr>
-          <a:xfrm>
-            <a:off x="381000" y="1447800"/>
-            <a:ext cx="4800600" cy="3139825"/>
-          </a:xfrm>
-          <a:prstGeom prst="rect">
-            <a:avLst/>
-          </a:prstGeom>
-        </p:spPr>
-      </p:pic>
-      <p:pic>
-        <p:nvPicPr>
-          <p:cNvPr id="5" name="그림 4"/>
-          <p:cNvPicPr>
-            <a:picLocks noChangeAspect="1"/>
-          </p:cNvPicPr>
-          <p:nvPr/>
-        </p:nvPicPr>
-        <p:blipFill>
-          <a:blip r:embed="rId3"/>
-          <a:stretch>
-            <a:fillRect/>
-          </a:stretch>
-        </p:blipFill>
-        <p:spPr>
-          <a:xfrm>
-            <a:off x="5562600" y="1752600"/>
-            <a:ext cx="2452988" cy="445998"/>
-          </a:xfrm>
-          <a:prstGeom prst="rect">
-            <a:avLst/>
-          </a:prstGeom>
-        </p:spPr>
-      </p:pic>
-      <p:pic>
-        <p:nvPicPr>
-          <p:cNvPr id="6" name="그림 5"/>
-          <p:cNvPicPr>
-            <a:picLocks noChangeAspect="1"/>
-          </p:cNvPicPr>
-          <p:nvPr/>
-        </p:nvPicPr>
-        <p:blipFill>
-          <a:blip r:embed="rId4"/>
-          <a:stretch>
-            <a:fillRect/>
-          </a:stretch>
-        </p:blipFill>
-        <p:spPr>
-          <a:xfrm>
-            <a:off x="5357446" y="2387485"/>
-            <a:ext cx="1752600" cy="384224"/>
-          </a:xfrm>
-          <a:prstGeom prst="rect">
-            <a:avLst/>
-          </a:prstGeom>
-        </p:spPr>
-      </p:pic>
-      <p:pic>
-        <p:nvPicPr>
-          <p:cNvPr id="7" name="그림 6"/>
-          <p:cNvPicPr>
-            <a:picLocks noChangeAspect="1"/>
-          </p:cNvPicPr>
-          <p:nvPr/>
-        </p:nvPicPr>
-        <p:blipFill>
-          <a:blip r:embed="rId5"/>
-          <a:stretch>
-            <a:fillRect/>
-          </a:stretch>
-        </p:blipFill>
-        <p:spPr>
-          <a:xfrm>
-            <a:off x="5357446" y="3602211"/>
-            <a:ext cx="1600200" cy="316389"/>
-          </a:xfrm>
-          <a:prstGeom prst="rect">
-            <a:avLst/>
-          </a:prstGeom>
-        </p:spPr>
-      </p:pic>
-      <p:pic>
-        <p:nvPicPr>
-          <p:cNvPr id="8" name="그림 7"/>
-          <p:cNvPicPr>
-            <a:picLocks noChangeAspect="1"/>
-          </p:cNvPicPr>
-          <p:nvPr/>
-        </p:nvPicPr>
-        <p:blipFill>
-          <a:blip r:embed="rId6"/>
-          <a:stretch>
-            <a:fillRect/>
-          </a:stretch>
-        </p:blipFill>
-        <p:spPr>
-          <a:xfrm>
-            <a:off x="7391400" y="2427198"/>
-            <a:ext cx="1479660" cy="304799"/>
-          </a:xfrm>
-          <a:prstGeom prst="rect">
-            <a:avLst/>
-          </a:prstGeom>
-        </p:spPr>
-      </p:pic>
-      <p:pic>
-        <p:nvPicPr>
-          <p:cNvPr id="9" name="그림 8"/>
-          <p:cNvPicPr>
-            <a:picLocks noChangeAspect="1"/>
-          </p:cNvPicPr>
-          <p:nvPr/>
-        </p:nvPicPr>
-        <p:blipFill>
-          <a:blip r:embed="rId7"/>
-          <a:stretch>
-            <a:fillRect/>
-          </a:stretch>
-        </p:blipFill>
-        <p:spPr>
-          <a:xfrm>
-            <a:off x="7391400" y="3602211"/>
-            <a:ext cx="1597270" cy="287744"/>
-          </a:xfrm>
-          <a:prstGeom prst="rect">
-            <a:avLst/>
-          </a:prstGeom>
-        </p:spPr>
-      </p:pic>
-      <p:sp>
-        <p:nvSpPr>
-          <p:cNvPr id="10" name="TextBox 9"/>
-          <p:cNvSpPr txBox="1"/>
-          <p:nvPr/>
-        </p:nvSpPr>
-        <p:spPr>
-          <a:xfrm>
-            <a:off x="609600" y="4608140"/>
-            <a:ext cx="3822521" cy="369332"/>
-          </a:xfrm>
-          <a:prstGeom prst="rect">
-            <a:avLst/>
-          </a:prstGeom>
-          <a:noFill/>
-        </p:spPr>
-        <p:txBody>
-          <a:bodyPr wrap="none" rtlCol="0">
-            <a:spAutoFit/>
-          </a:bodyPr>
-          <a:lstStyle/>
-          <a:p>
-            <a:r>
-              <a:rPr lang="en-US" altLang="ko-KR" dirty="0" smtClean="0"/>
-              <a:t>NLEFT in Cubic lattice calculation : </a:t>
-            </a:r>
-            <a:endParaRPr lang="ko-KR" altLang="en-US" dirty="0"/>
-          </a:p>
-        </p:txBody>
-      </p:sp>
-      <p:pic>
-        <p:nvPicPr>
-          <p:cNvPr id="11" name="그림 10"/>
-          <p:cNvPicPr>
-            <a:picLocks noChangeAspect="1"/>
-          </p:cNvPicPr>
-          <p:nvPr/>
-        </p:nvPicPr>
-        <p:blipFill>
-          <a:blip r:embed="rId8"/>
-          <a:stretch>
-            <a:fillRect/>
-          </a:stretch>
-        </p:blipFill>
-        <p:spPr>
-          <a:xfrm>
-            <a:off x="5281038" y="4610017"/>
-            <a:ext cx="3658015" cy="357594"/>
-          </a:xfrm>
-          <a:prstGeom prst="rect">
-            <a:avLst/>
-          </a:prstGeom>
-        </p:spPr>
-      </p:pic>
-      <p:sp>
-        <p:nvSpPr>
-          <p:cNvPr id="12" name="TextBox 11"/>
-          <p:cNvSpPr txBox="1"/>
-          <p:nvPr/>
-        </p:nvSpPr>
-        <p:spPr>
-          <a:xfrm>
-            <a:off x="948611" y="5185193"/>
-            <a:ext cx="6442789" cy="1477328"/>
-          </a:xfrm>
-          <a:prstGeom prst="rect">
-            <a:avLst/>
-          </a:prstGeom>
-          <a:noFill/>
-        </p:spPr>
-        <p:txBody>
-          <a:bodyPr wrap="none" rtlCol="0">
-            <a:spAutoFit/>
-          </a:bodyPr>
-          <a:lstStyle/>
-          <a:p>
-            <a:r>
-              <a:rPr lang="en-US" altLang="ko-KR" dirty="0" smtClean="0"/>
-              <a:t>Consistent with </a:t>
-            </a:r>
-          </a:p>
-          <a:p>
-            <a:r>
-              <a:rPr lang="en-US" altLang="ko-KR" dirty="0" smtClean="0"/>
-              <a:t>QMC calculations :   0.366(2) in zero-temperature</a:t>
-            </a:r>
-          </a:p>
-          <a:p>
-            <a:r>
-              <a:rPr lang="en-US" altLang="ko-KR" dirty="0"/>
-              <a:t> </a:t>
-            </a:r>
-            <a:r>
-              <a:rPr lang="en-US" altLang="ko-KR" dirty="0" smtClean="0"/>
-              <a:t>                                0.367(7)  zero-temperature extrapolation</a:t>
-            </a:r>
-          </a:p>
-          <a:p>
-            <a:r>
-              <a:rPr lang="en-US" altLang="ko-KR" dirty="0" smtClean="0"/>
-              <a:t>Fixed node diffusion MC and DFT : upper bound 0.383(1)</a:t>
-            </a:r>
-          </a:p>
-          <a:p>
-            <a:r>
-              <a:rPr lang="en-US" altLang="ko-KR" dirty="0" smtClean="0"/>
-              <a:t>Experiment  : 0.376(4)                                                    </a:t>
-            </a:r>
-            <a:endParaRPr lang="ko-KR" altLang="en-US" dirty="0"/>
-          </a:p>
-        </p:txBody>
-      </p:sp>
-    </p:spTree>
-    <p:extLst>
-      <p:ext uri="{BB962C8B-B14F-4D97-AF65-F5344CB8AC3E}">
-        <p14:creationId xmlns:p14="http://schemas.microsoft.com/office/powerpoint/2010/main" val="432805753"/>
-      </p:ext>
-    </p:extLst>
-  </p:cSld>
-  <p:clrMapOvr>
-    <a:masterClrMapping/>
-  </p:clrMapOvr>
-</p:sld>
-</file>
-
-<file path=ppt/slides/slide21.xml><?xml version="1.0" encoding="utf-8"?>
-<p:sld xmlns:a="http://schemas.openxmlformats.org/drawingml/2006/main" xmlns:r="http://schemas.openxmlformats.org/officeDocument/2006/relationships" xmlns:p="http://schemas.openxmlformats.org/presentationml/2006/main">
-  <p:cSld>
-    <p:spTree>
-      <p:nvGrpSpPr>
-        <p:cNvPr id="1" name=""/>
-        <p:cNvGrpSpPr/>
-        <p:nvPr/>
-      </p:nvGrpSpPr>
-      <p:grpSpPr>
-        <a:xfrm>
-          <a:off x="0" y="0"/>
-          <a:ext cx="0" cy="0"/>
-          <a:chOff x="0" y="0"/>
-          <a:chExt cx="0" cy="0"/>
-        </a:xfrm>
-      </p:grpSpPr>
-      <p:sp>
-        <p:nvSpPr>
-          <p:cNvPr id="2" name="제목 1"/>
-          <p:cNvSpPr>
-            <a:spLocks noGrp="1"/>
-          </p:cNvSpPr>
-          <p:nvPr>
-            <p:ph type="title"/>
-          </p:nvPr>
-        </p:nvSpPr>
-        <p:spPr/>
-        <p:txBody>
-          <a:bodyPr/>
-          <a:lstStyle/>
-          <a:p>
-            <a:r>
-              <a:rPr lang="en-US" altLang="ko-KR" dirty="0" smtClean="0"/>
-              <a:t>Discussion</a:t>
-            </a:r>
-            <a:endParaRPr lang="ko-KR" altLang="en-US" dirty="0"/>
-          </a:p>
-        </p:txBody>
-      </p:sp>
-      <p:sp>
-        <p:nvSpPr>
-          <p:cNvPr id="3" name="내용 개체 틀 2"/>
-          <p:cNvSpPr>
-            <a:spLocks noGrp="1"/>
-          </p:cNvSpPr>
-          <p:nvPr>
-            <p:ph idx="1"/>
-          </p:nvPr>
-        </p:nvSpPr>
-        <p:spPr/>
-        <p:txBody>
-          <a:bodyPr>
-            <a:normAutofit/>
-          </a:bodyPr>
-          <a:lstStyle/>
-          <a:p>
-            <a:r>
-              <a:rPr lang="en-US" altLang="ko-KR" dirty="0" smtClean="0"/>
-              <a:t>We confirm the regularization independence of NLEFT calculation for Unitary Fermion Gas. </a:t>
-            </a:r>
-          </a:p>
-          <a:p>
-            <a:r>
-              <a:rPr lang="en-US" altLang="ko-KR" dirty="0" err="1" smtClean="0"/>
-              <a:t>Bertsch</a:t>
-            </a:r>
-            <a:r>
-              <a:rPr lang="en-US" altLang="ko-KR" dirty="0" smtClean="0"/>
-              <a:t> parameter of UFG estimated 0.369(3) ~ 0.373(2)</a:t>
-            </a:r>
-          </a:p>
-          <a:p>
-            <a:r>
-              <a:rPr lang="en-US" altLang="ko-KR" dirty="0" smtClean="0"/>
-              <a:t>BCC lattice calculation shows faster convergence between </a:t>
-            </a:r>
-            <a:r>
-              <a:rPr lang="en-US" altLang="ko-KR" dirty="0" err="1" smtClean="0"/>
-              <a:t>beta^finite</a:t>
-            </a:r>
-            <a:r>
-              <a:rPr lang="en-US" altLang="ko-KR" dirty="0" smtClean="0"/>
-              <a:t> and </a:t>
-            </a:r>
-            <a:r>
-              <a:rPr lang="en-US" altLang="ko-KR" dirty="0" err="1" smtClean="0"/>
-              <a:t>beta^therm</a:t>
-            </a:r>
-            <a:r>
-              <a:rPr lang="en-US" altLang="ko-KR" dirty="0" smtClean="0"/>
-              <a:t>. BCC lattice requires larger number of lattice points for the same lattice size. However, for the similar number of lattice points, computational cost is similar for BCC and cubic lattice. </a:t>
-            </a:r>
-            <a:endParaRPr lang="ko-KR" altLang="en-US" dirty="0"/>
-          </a:p>
-        </p:txBody>
-      </p:sp>
-    </p:spTree>
-    <p:extLst>
-      <p:ext uri="{BB962C8B-B14F-4D97-AF65-F5344CB8AC3E}">
-        <p14:creationId xmlns:p14="http://schemas.microsoft.com/office/powerpoint/2010/main" val="3803415619"/>
-      </p:ext>
-    </p:extLst>
-  </p:cSld>
-  <p:clrMapOvr>
-    <a:masterClrMapping/>
-  </p:clrMapOvr>
-  <p:timing>
-    <p:tnLst>
-      <p:par>
-        <p:cTn id="1" dur="indefinite" restart="never" nodeType="tmRoot"/>
-      </p:par>
-    </p:tnLst>
-  </p:timing>
-</p:sld>
-</file>
-
-<file path=ppt/slides/slide3.xml><?xml version="1.0" encoding="utf-8"?>
-<p:sld xmlns:a="http://schemas.openxmlformats.org/drawingml/2006/main" xmlns:r="http://schemas.openxmlformats.org/officeDocument/2006/relationships" xmlns:p="http://schemas.openxmlformats.org/presentationml/2006/main">
-  <p:cSld>
-    <p:spTree>
-      <p:nvGrpSpPr>
-        <p:cNvPr id="1" name=""/>
-        <p:cNvGrpSpPr/>
-        <p:nvPr/>
-      </p:nvGrpSpPr>
-      <p:grpSpPr>
-        <a:xfrm>
-          <a:off x="0" y="0"/>
-          <a:ext cx="0" cy="0"/>
-          <a:chOff x="0" y="0"/>
-          <a:chExt cx="0" cy="0"/>
-        </a:xfrm>
-      </p:grpSpPr>
-      <p:sp>
-        <p:nvSpPr>
-          <p:cNvPr id="2" name="제목 1"/>
-          <p:cNvSpPr>
-            <a:spLocks noGrp="1"/>
-          </p:cNvSpPr>
-          <p:nvPr>
-            <p:ph type="title"/>
-          </p:nvPr>
-        </p:nvSpPr>
-        <p:spPr/>
-        <p:txBody>
-          <a:bodyPr/>
-          <a:lstStyle/>
-          <a:p>
-            <a:r>
-              <a:rPr lang="en-US" altLang="ko-KR" dirty="0" smtClean="0"/>
-              <a:t>Introduction</a:t>
-            </a:r>
-            <a:endParaRPr lang="ko-KR" altLang="en-US" dirty="0"/>
-          </a:p>
-        </p:txBody>
-      </p:sp>
-      <p:sp>
-        <p:nvSpPr>
-          <p:cNvPr id="3" name="내용 개체 틀 2"/>
-          <p:cNvSpPr>
-            <a:spLocks noGrp="1"/>
-          </p:cNvSpPr>
-          <p:nvPr>
-            <p:ph idx="1"/>
-          </p:nvPr>
-        </p:nvSpPr>
-        <p:spPr/>
-        <p:txBody>
-          <a:bodyPr/>
-          <a:lstStyle/>
-          <a:p>
-            <a:endParaRPr lang="ko-KR" altLang="en-US" dirty="0"/>
-          </a:p>
-        </p:txBody>
-      </p:sp>
-    </p:spTree>
-    <p:extLst>
-      <p:ext uri="{BB962C8B-B14F-4D97-AF65-F5344CB8AC3E}">
-        <p14:creationId xmlns:p14="http://schemas.microsoft.com/office/powerpoint/2010/main" val="3147568475"/>
-      </p:ext>
-    </p:extLst>
-  </p:cSld>
-  <p:clrMapOvr>
-    <a:masterClrMapping/>
-  </p:clrMapOvr>
-</p:sld>
-</file>
-
-<file path=ppt/slides/slide4.xml><?xml version="1.0" encoding="utf-8"?>
-<p:sld xmlns:a="http://schemas.openxmlformats.org/drawingml/2006/main" xmlns:r="http://schemas.openxmlformats.org/officeDocument/2006/relationships" xmlns:p="http://schemas.openxmlformats.org/presentationml/2006/main">
-  <p:cSld>
-    <p:spTree>
-      <p:nvGrpSpPr>
-        <p:cNvPr id="1" name=""/>
-        <p:cNvGrpSpPr/>
-        <p:nvPr/>
-      </p:nvGrpSpPr>
-      <p:grpSpPr>
-        <a:xfrm>
-          <a:off x="0" y="0"/>
-          <a:ext cx="0" cy="0"/>
-          <a:chOff x="0" y="0"/>
-          <a:chExt cx="0" cy="0"/>
-        </a:xfrm>
-      </p:grpSpPr>
-      <p:sp>
-        <p:nvSpPr>
-          <p:cNvPr id="2" name="제목 1"/>
-          <p:cNvSpPr>
-            <a:spLocks noGrp="1"/>
-          </p:cNvSpPr>
-          <p:nvPr>
-            <p:ph type="title"/>
-          </p:nvPr>
-        </p:nvSpPr>
-        <p:spPr/>
-        <p:txBody>
-          <a:bodyPr/>
-          <a:lstStyle/>
-          <a:p>
-            <a:r>
-              <a:rPr lang="en-US" altLang="ko-KR" dirty="0" smtClean="0"/>
-              <a:t>Unitary Fermion Gas in BCC lattice</a:t>
-            </a:r>
-            <a:endParaRPr lang="ko-KR" altLang="en-US" dirty="0"/>
-          </a:p>
-        </p:txBody>
-      </p:sp>
-      <p:sp>
-        <p:nvSpPr>
-          <p:cNvPr id="3" name="내용 개체 틀 2"/>
-          <p:cNvSpPr>
-            <a:spLocks noGrp="1"/>
-          </p:cNvSpPr>
-          <p:nvPr>
-            <p:ph idx="1"/>
-          </p:nvPr>
-        </p:nvSpPr>
-        <p:spPr/>
-        <p:txBody>
-          <a:bodyPr/>
-          <a:lstStyle/>
-          <a:p>
-            <a:r>
-              <a:rPr lang="en-US" altLang="ko-KR" dirty="0" smtClean="0"/>
-              <a:t>Studying the bulk properties of many nucleon system</a:t>
-            </a:r>
-          </a:p>
-          <a:p>
-            <a:r>
-              <a:rPr lang="en-US" altLang="ko-KR" dirty="0" smtClean="0">
-                <a:sym typeface="Wingdings" panose="05000000000000000000" pitchFamily="2" charset="2"/>
-              </a:rPr>
-              <a:t> relation between realistic nuclear interaction and symmetric/asymmetric nuclear matter EOS.</a:t>
-            </a:r>
-          </a:p>
-          <a:p>
-            <a:r>
-              <a:rPr lang="en-US" altLang="ko-KR" dirty="0" smtClean="0">
-                <a:sym typeface="Wingdings" panose="05000000000000000000" pitchFamily="2" charset="2"/>
-              </a:rPr>
-              <a:t> requires very accurate nuclear force which reproduce both few-body system(NN scattering, binding energies)</a:t>
-            </a:r>
-          </a:p>
-          <a:p>
-            <a:pPr marL="0" indent="0">
-              <a:buNone/>
-            </a:pPr>
-            <a:r>
-              <a:rPr lang="en-US" altLang="ko-KR" dirty="0" smtClean="0">
-                <a:sym typeface="Wingdings" panose="05000000000000000000" pitchFamily="2" charset="2"/>
-              </a:rPr>
-              <a:t>   And infinite nuclear matter (nuclear matter saturation )</a:t>
-            </a:r>
-          </a:p>
-          <a:p>
-            <a:endParaRPr lang="en-US" altLang="ko-KR" dirty="0" smtClean="0">
-              <a:sym typeface="Wingdings" panose="05000000000000000000" pitchFamily="2" charset="2"/>
-            </a:endParaRPr>
-          </a:p>
-          <a:p>
-            <a:endParaRPr lang="ko-KR" altLang="en-US" dirty="0"/>
-          </a:p>
-        </p:txBody>
-      </p:sp>
-      <p:pic>
-        <p:nvPicPr>
-          <p:cNvPr id="7" name="그림 6"/>
-          <p:cNvPicPr>
-            <a:picLocks noChangeAspect="1"/>
-          </p:cNvPicPr>
-          <p:nvPr/>
-        </p:nvPicPr>
-        <p:blipFill>
-          <a:blip r:embed="rId2"/>
-          <a:stretch>
-            <a:fillRect/>
-          </a:stretch>
-        </p:blipFill>
-        <p:spPr>
-          <a:xfrm>
-            <a:off x="4580792" y="4114800"/>
-            <a:ext cx="3191565" cy="2667000"/>
-          </a:xfrm>
-          <a:prstGeom prst="rect">
-            <a:avLst/>
-          </a:prstGeom>
-        </p:spPr>
-      </p:pic>
-    </p:spTree>
-    <p:extLst>
-      <p:ext uri="{BB962C8B-B14F-4D97-AF65-F5344CB8AC3E}">
-        <p14:creationId xmlns:p14="http://schemas.microsoft.com/office/powerpoint/2010/main" val="79768324"/>
-      </p:ext>
-    </p:extLst>
-  </p:cSld>
-  <p:clrMapOvr>
-    <a:masterClrMapping/>
-  </p:clrMapOvr>
-</p:sld>
-</file>
-
-<file path=ppt/slides/slide5.xml><?xml version="1.0" encoding="utf-8"?>
-<p:sld xmlns:a="http://schemas.openxmlformats.org/drawingml/2006/main" xmlns:r="http://schemas.openxmlformats.org/officeDocument/2006/relationships" xmlns:p="http://schemas.openxmlformats.org/presentationml/2006/main">
-  <p:cSld>
-    <p:spTree>
-      <p:nvGrpSpPr>
-        <p:cNvPr id="1" name=""/>
-        <p:cNvGrpSpPr/>
-        <p:nvPr/>
-      </p:nvGrpSpPr>
-      <p:grpSpPr>
-        <a:xfrm>
-          <a:off x="0" y="0"/>
-          <a:ext cx="0" cy="0"/>
-          <a:chOff x="0" y="0"/>
-          <a:chExt cx="0" cy="0"/>
-        </a:xfrm>
-      </p:grpSpPr>
-      <p:sp>
-        <p:nvSpPr>
-          <p:cNvPr id="2" name="제목 1"/>
-          <p:cNvSpPr>
-            <a:spLocks noGrp="1"/>
-          </p:cNvSpPr>
-          <p:nvPr>
-            <p:ph type="title"/>
-          </p:nvPr>
-        </p:nvSpPr>
-        <p:spPr/>
-        <p:txBody>
-          <a:bodyPr/>
-          <a:lstStyle/>
-          <a:p>
-            <a:r>
-              <a:rPr lang="en-US" altLang="ko-KR" dirty="0" smtClean="0"/>
-              <a:t>Unitary Fermion Gas in BCC lattice</a:t>
-            </a:r>
-            <a:endParaRPr lang="ko-KR" altLang="en-US" dirty="0"/>
-          </a:p>
-        </p:txBody>
-      </p:sp>
-      <mc:AlternateContent xmlns:mc="http://schemas.openxmlformats.org/markup-compatibility/2006" xmlns:a14="http://schemas.microsoft.com/office/drawing/2010/main">
-        <mc:Choice Requires="a14">
+      <mc:AlternateContent xmlns:mc="http://schemas.openxmlformats.org/markup-compatibility/2006">
+        <mc:Choice xmlns:a14="http://schemas.microsoft.com/office/drawing/2010/main" Requires="a14">
           <p:sp>
             <p:nvSpPr>
               <p:cNvPr id="3" name="내용 개체 틀 2"/>
@@ -6246,7 +5593,7 @@
             <p:spPr/>
             <p:txBody>
               <a:bodyPr>
-                <a:normAutofit/>
+                <a:normAutofit lnSpcReduction="10000"/>
               </a:bodyPr>
               <a:lstStyle/>
               <a:p>
@@ -6272,6 +5619,11 @@
               </a:p>
               <a:p>
                 <a:endParaRPr lang="en-US" altLang="ko-KR" dirty="0">
+                  <a:sym typeface="Wingdings" panose="05000000000000000000" pitchFamily="2" charset="2"/>
+                </a:endParaRPr>
+              </a:p>
+              <a:p>
+                <a:endParaRPr lang="en-US" altLang="ko-KR" dirty="0" smtClean="0">
                   <a:sym typeface="Wingdings" panose="05000000000000000000" pitchFamily="2" charset="2"/>
                 </a:endParaRPr>
               </a:p>
@@ -6328,7 +5680,33 @@
                   <a:rPr lang="en-US" altLang="ko-KR" dirty="0" smtClean="0">
                     <a:sym typeface="Wingdings" panose="05000000000000000000" pitchFamily="2" charset="2"/>
                   </a:rPr>
-                  <a:t>  largest possible scattering amplitude </a:t>
+                  <a:t> </a:t>
+                </a:r>
+                <a:r>
+                  <a:rPr lang="en-US" altLang="ko-KR" dirty="0" smtClean="0">
+                    <a:sym typeface="Wingdings" panose="05000000000000000000" pitchFamily="2" charset="2"/>
+                  </a:rPr>
+                  <a:t>: Unitary limit </a:t>
+                </a:r>
+              </a:p>
+              <a:p>
+                <a:r>
+                  <a:rPr lang="en-US" altLang="ko-KR" dirty="0" smtClean="0">
+                    <a:sym typeface="Wingdings" panose="05000000000000000000" pitchFamily="2" charset="2"/>
+                  </a:rPr>
+                  <a:t></a:t>
+                </a:r>
+                <a:r>
+                  <a:rPr lang="en-US" altLang="ko-KR" dirty="0" smtClean="0">
+                    <a:sym typeface="Wingdings" panose="05000000000000000000" pitchFamily="2" charset="2"/>
+                  </a:rPr>
+                  <a:t>largest </a:t>
+                </a:r>
+                <a:r>
+                  <a:rPr lang="en-US" altLang="ko-KR" dirty="0" smtClean="0">
+                    <a:sym typeface="Wingdings" panose="05000000000000000000" pitchFamily="2" charset="2"/>
+                  </a:rPr>
+                  <a:t>possible scattering amplitude </a:t>
                 </a:r>
               </a:p>
               <a:p>
@@ -6404,7 +5782,7 @@
             </p:txBody>
           </p:sp>
         </mc:Choice>
-        <mc:Fallback xmlns="">
+        <mc:Fallback>
           <p:sp>
             <p:nvSpPr>
               <p:cNvPr id="3" name="내용 개체 틀 2"/>
@@ -6419,7 +5797,7 @@
               <a:blipFill>
                 <a:blip r:embed="rId2"/>
                 <a:stretch>
-                  <a:fillRect l="-667" t="-875" r="-1926"/>
+                  <a:fillRect l="-667" t="-1625" r="-1926"/>
                 </a:stretch>
               </a:blipFill>
             </p:spPr>
@@ -6475,6 +5853,3368 @@
 </p:sld>
 </file>
 
+<file path=ppt/slides/slide21.xml><?xml version="1.0" encoding="utf-8"?>
+<p:sld xmlns:a="http://schemas.openxmlformats.org/drawingml/2006/main" xmlns:r="http://schemas.openxmlformats.org/officeDocument/2006/relationships" xmlns:p="http://schemas.openxmlformats.org/presentationml/2006/main">
+  <p:cSld>
+    <p:spTree>
+      <p:nvGrpSpPr>
+        <p:cNvPr id="1" name=""/>
+        <p:cNvGrpSpPr/>
+        <p:nvPr/>
+      </p:nvGrpSpPr>
+      <p:grpSpPr>
+        <a:xfrm>
+          <a:off x="0" y="0"/>
+          <a:ext cx="0" cy="0"/>
+          <a:chOff x="0" y="0"/>
+          <a:chExt cx="0" cy="0"/>
+        </a:xfrm>
+      </p:grpSpPr>
+      <p:sp>
+        <p:nvSpPr>
+          <p:cNvPr id="2" name="제목 1"/>
+          <p:cNvSpPr>
+            <a:spLocks noGrp="1"/>
+          </p:cNvSpPr>
+          <p:nvPr>
+            <p:ph type="title"/>
+          </p:nvPr>
+        </p:nvSpPr>
+        <p:spPr/>
+        <p:txBody>
+          <a:bodyPr/>
+          <a:lstStyle/>
+          <a:p>
+            <a:r>
+              <a:rPr lang="en-US" altLang="ko-KR" dirty="0" smtClean="0"/>
+              <a:t>Unitary Fermion Gas in BCC lattice</a:t>
+            </a:r>
+            <a:endParaRPr lang="ko-KR" altLang="en-US" dirty="0"/>
+          </a:p>
+        </p:txBody>
+      </p:sp>
+      <p:sp>
+        <p:nvSpPr>
+          <p:cNvPr id="3" name="내용 개체 틀 2"/>
+          <p:cNvSpPr>
+            <a:spLocks noGrp="1"/>
+          </p:cNvSpPr>
+          <p:nvPr>
+            <p:ph idx="1"/>
+          </p:nvPr>
+        </p:nvSpPr>
+        <p:spPr/>
+        <p:txBody>
+          <a:bodyPr>
+            <a:normAutofit/>
+          </a:bodyPr>
+          <a:lstStyle/>
+          <a:p>
+            <a:endParaRPr lang="en-US" altLang="ko-KR" dirty="0" smtClean="0">
+              <a:sym typeface="Wingdings" panose="05000000000000000000" pitchFamily="2" charset="2"/>
+            </a:endParaRPr>
+          </a:p>
+          <a:p>
+            <a:endParaRPr lang="ko-KR" altLang="en-US" dirty="0"/>
+          </a:p>
+        </p:txBody>
+      </p:sp>
+      <p:pic>
+        <p:nvPicPr>
+          <p:cNvPr id="6" name="그림 5"/>
+          <p:cNvPicPr>
+            <a:picLocks noChangeAspect="1"/>
+          </p:cNvPicPr>
+          <p:nvPr/>
+        </p:nvPicPr>
+        <p:blipFill>
+          <a:blip r:embed="rId2"/>
+          <a:stretch>
+            <a:fillRect/>
+          </a:stretch>
+        </p:blipFill>
+        <p:spPr>
+          <a:xfrm>
+            <a:off x="483577" y="3499925"/>
+            <a:ext cx="4683215" cy="1667009"/>
+          </a:xfrm>
+          <a:prstGeom prst="rect">
+            <a:avLst/>
+          </a:prstGeom>
+        </p:spPr>
+      </p:pic>
+      <p:pic>
+        <p:nvPicPr>
+          <p:cNvPr id="7" name="그림 6"/>
+          <p:cNvPicPr>
+            <a:picLocks noChangeAspect="1"/>
+          </p:cNvPicPr>
+          <p:nvPr/>
+        </p:nvPicPr>
+        <p:blipFill>
+          <a:blip r:embed="rId3"/>
+          <a:stretch>
+            <a:fillRect/>
+          </a:stretch>
+        </p:blipFill>
+        <p:spPr>
+          <a:xfrm>
+            <a:off x="533400" y="1524000"/>
+            <a:ext cx="2133600" cy="1776195"/>
+          </a:xfrm>
+          <a:prstGeom prst="rect">
+            <a:avLst/>
+          </a:prstGeom>
+        </p:spPr>
+      </p:pic>
+      <p:pic>
+        <p:nvPicPr>
+          <p:cNvPr id="9" name="그림 8"/>
+          <p:cNvPicPr>
+            <a:picLocks noChangeAspect="1"/>
+          </p:cNvPicPr>
+          <p:nvPr/>
+        </p:nvPicPr>
+        <p:blipFill>
+          <a:blip r:embed="rId4"/>
+          <a:stretch>
+            <a:fillRect/>
+          </a:stretch>
+        </p:blipFill>
+        <p:spPr>
+          <a:xfrm>
+            <a:off x="6477000" y="1488767"/>
+            <a:ext cx="1828800" cy="1571222"/>
+          </a:xfrm>
+          <a:prstGeom prst="rect">
+            <a:avLst/>
+          </a:prstGeom>
+        </p:spPr>
+      </p:pic>
+      <p:sp>
+        <p:nvSpPr>
+          <p:cNvPr id="10" name="TextBox 9"/>
+          <p:cNvSpPr txBox="1"/>
+          <p:nvPr/>
+        </p:nvSpPr>
+        <p:spPr>
+          <a:xfrm>
+            <a:off x="3383513" y="1488767"/>
+            <a:ext cx="2864887" cy="923330"/>
+          </a:xfrm>
+          <a:prstGeom prst="rect">
+            <a:avLst/>
+          </a:prstGeom>
+          <a:noFill/>
+        </p:spPr>
+        <p:txBody>
+          <a:bodyPr wrap="none" rtlCol="0">
+            <a:spAutoFit/>
+          </a:bodyPr>
+          <a:lstStyle/>
+          <a:p>
+            <a:r>
+              <a:rPr lang="en-US" altLang="ko-KR" dirty="0" smtClean="0"/>
+              <a:t>Universality of unitary limit</a:t>
+            </a:r>
+          </a:p>
+          <a:p>
+            <a:r>
+              <a:rPr lang="en-US" altLang="ko-KR" dirty="0" smtClean="0"/>
+              <a:t>Of many fermion system</a:t>
+            </a:r>
+          </a:p>
+          <a:p>
+            <a:r>
+              <a:rPr lang="en-US" altLang="ko-KR" dirty="0" smtClean="0">
+                <a:sym typeface="Wingdings" panose="05000000000000000000" pitchFamily="2" charset="2"/>
+              </a:rPr>
+              <a:t> </a:t>
+            </a:r>
+            <a:r>
+              <a:rPr lang="en-US" altLang="ko-KR" dirty="0" err="1" smtClean="0">
+                <a:sym typeface="Wingdings" panose="05000000000000000000" pitchFamily="2" charset="2"/>
+              </a:rPr>
+              <a:t>Bertsch</a:t>
+            </a:r>
+            <a:r>
+              <a:rPr lang="en-US" altLang="ko-KR" dirty="0" smtClean="0">
+                <a:sym typeface="Wingdings" panose="05000000000000000000" pitchFamily="2" charset="2"/>
+              </a:rPr>
+              <a:t> Parameter</a:t>
+            </a:r>
+            <a:endParaRPr lang="ko-KR" altLang="en-US" dirty="0"/>
+          </a:p>
+        </p:txBody>
+      </p:sp>
+      <p:sp>
+        <p:nvSpPr>
+          <p:cNvPr id="12" name="TextBox 11"/>
+          <p:cNvSpPr txBox="1"/>
+          <p:nvPr/>
+        </p:nvSpPr>
+        <p:spPr>
+          <a:xfrm>
+            <a:off x="5638800" y="3499925"/>
+            <a:ext cx="3276600" cy="1477328"/>
+          </a:xfrm>
+          <a:prstGeom prst="rect">
+            <a:avLst/>
+          </a:prstGeom>
+          <a:noFill/>
+        </p:spPr>
+        <p:txBody>
+          <a:bodyPr wrap="square" rtlCol="0">
+            <a:spAutoFit/>
+          </a:bodyPr>
+          <a:lstStyle/>
+          <a:p>
+            <a:r>
+              <a:rPr lang="en-US" altLang="ko-KR" dirty="0" smtClean="0"/>
+              <a:t>Experiment in</a:t>
+            </a:r>
+          </a:p>
+          <a:p>
+            <a:r>
+              <a:rPr lang="en-US" altLang="ko-KR" dirty="0" err="1" smtClean="0"/>
+              <a:t>Ultracold</a:t>
+            </a:r>
+            <a:r>
+              <a:rPr lang="en-US" altLang="ko-KR" dirty="0" smtClean="0"/>
+              <a:t> trapped atoms</a:t>
+            </a:r>
+          </a:p>
+          <a:p>
+            <a:r>
+              <a:rPr lang="en-US" altLang="ko-KR" dirty="0" smtClean="0"/>
+              <a:t>(</a:t>
+            </a:r>
+            <a:r>
+              <a:rPr lang="en-US" altLang="ko-KR" dirty="0"/>
+              <a:t>M. J. H. </a:t>
+            </a:r>
+            <a:r>
+              <a:rPr lang="en-US" altLang="ko-KR" dirty="0" smtClean="0"/>
+              <a:t>Ku et al, </a:t>
+            </a:r>
+            <a:r>
+              <a:rPr lang="en-US" altLang="ko-KR" dirty="0"/>
+              <a:t>Science 335, 563-567 (2012</a:t>
+            </a:r>
+            <a:r>
+              <a:rPr lang="en-US" altLang="ko-KR" dirty="0" smtClean="0"/>
+              <a:t>).)</a:t>
+            </a:r>
+          </a:p>
+          <a:p>
+            <a:r>
+              <a:rPr lang="en-US" altLang="ko-KR" dirty="0" err="1" smtClean="0"/>
+              <a:t>Bertch</a:t>
+            </a:r>
+            <a:r>
+              <a:rPr lang="en-US" altLang="ko-KR" dirty="0" smtClean="0"/>
+              <a:t> parameter ~ 0.376(4)</a:t>
+            </a:r>
+            <a:endParaRPr lang="ko-KR" altLang="en-US" dirty="0"/>
+          </a:p>
+        </p:txBody>
+      </p:sp>
+      <p:sp>
+        <p:nvSpPr>
+          <p:cNvPr id="13" name="TextBox 12"/>
+          <p:cNvSpPr txBox="1"/>
+          <p:nvPr/>
+        </p:nvSpPr>
+        <p:spPr>
+          <a:xfrm>
+            <a:off x="807751" y="5455142"/>
+            <a:ext cx="5720477" cy="923330"/>
+          </a:xfrm>
+          <a:prstGeom prst="rect">
+            <a:avLst/>
+          </a:prstGeom>
+          <a:noFill/>
+        </p:spPr>
+        <p:txBody>
+          <a:bodyPr wrap="none" rtlCol="0">
+            <a:spAutoFit/>
+          </a:bodyPr>
+          <a:lstStyle/>
+          <a:p>
+            <a:r>
+              <a:rPr lang="en-US" altLang="ko-KR" dirty="0" smtClean="0"/>
+              <a:t>Many theoretical calculation exists including NLEFT.</a:t>
+            </a:r>
+          </a:p>
+          <a:p>
+            <a:r>
+              <a:rPr lang="en-US" altLang="ko-KR" dirty="0" smtClean="0"/>
+              <a:t>Previous NLEFT calculation was done in cubic lattice. </a:t>
+            </a:r>
+          </a:p>
+          <a:p>
+            <a:r>
+              <a:rPr lang="en-US" altLang="ko-KR" dirty="0" smtClean="0"/>
+              <a:t>Here we applied NLEFT in BCC lattice . </a:t>
+            </a:r>
+            <a:endParaRPr lang="ko-KR" altLang="en-US" dirty="0"/>
+          </a:p>
+        </p:txBody>
+      </p:sp>
+    </p:spTree>
+    <p:extLst>
+      <p:ext uri="{BB962C8B-B14F-4D97-AF65-F5344CB8AC3E}">
+        <p14:creationId xmlns:p14="http://schemas.microsoft.com/office/powerpoint/2010/main" val="3407700620"/>
+      </p:ext>
+    </p:extLst>
+  </p:cSld>
+  <p:clrMapOvr>
+    <a:masterClrMapping/>
+  </p:clrMapOvr>
+</p:sld>
+</file>
+
+<file path=ppt/slides/slide22.xml><?xml version="1.0" encoding="utf-8"?>
+<p:sld xmlns:a="http://schemas.openxmlformats.org/drawingml/2006/main" xmlns:r="http://schemas.openxmlformats.org/officeDocument/2006/relationships" xmlns:p="http://schemas.openxmlformats.org/presentationml/2006/main">
+  <p:cSld>
+    <p:spTree>
+      <p:nvGrpSpPr>
+        <p:cNvPr id="1" name=""/>
+        <p:cNvGrpSpPr/>
+        <p:nvPr/>
+      </p:nvGrpSpPr>
+      <p:grpSpPr>
+        <a:xfrm>
+          <a:off x="0" y="0"/>
+          <a:ext cx="0" cy="0"/>
+          <a:chOff x="0" y="0"/>
+          <a:chExt cx="0" cy="0"/>
+        </a:xfrm>
+      </p:grpSpPr>
+      <p:pic>
+        <p:nvPicPr>
+          <p:cNvPr id="4" name="그림 3"/>
+          <p:cNvPicPr>
+            <a:picLocks noChangeAspect="1"/>
+          </p:cNvPicPr>
+          <p:nvPr/>
+        </p:nvPicPr>
+        <p:blipFill>
+          <a:blip r:embed="rId2"/>
+          <a:stretch>
+            <a:fillRect/>
+          </a:stretch>
+        </p:blipFill>
+        <p:spPr>
+          <a:xfrm>
+            <a:off x="457200" y="457200"/>
+            <a:ext cx="4584785" cy="1676400"/>
+          </a:xfrm>
+          <a:prstGeom prst="rect">
+            <a:avLst/>
+          </a:prstGeom>
+        </p:spPr>
+      </p:pic>
+      <p:sp>
+        <p:nvSpPr>
+          <p:cNvPr id="5" name="직사각형 4"/>
+          <p:cNvSpPr/>
+          <p:nvPr/>
+        </p:nvSpPr>
+        <p:spPr>
+          <a:xfrm>
+            <a:off x="5181600" y="1219200"/>
+            <a:ext cx="3352800" cy="646331"/>
+          </a:xfrm>
+          <a:prstGeom prst="rect">
+            <a:avLst/>
+          </a:prstGeom>
+        </p:spPr>
+        <p:txBody>
+          <a:bodyPr wrap="square">
+            <a:spAutoFit/>
+          </a:bodyPr>
+          <a:lstStyle/>
+          <a:p>
+            <a:r>
+              <a:rPr lang="en-US" altLang="ko-KR" dirty="0"/>
+              <a:t>(M. J. H. Ku et al, Science 335, 563-567 (2012).)</a:t>
+            </a:r>
+          </a:p>
+        </p:txBody>
+      </p:sp>
+      <p:pic>
+        <p:nvPicPr>
+          <p:cNvPr id="6" name="그림 5"/>
+          <p:cNvPicPr>
+            <a:picLocks noChangeAspect="1"/>
+          </p:cNvPicPr>
+          <p:nvPr/>
+        </p:nvPicPr>
+        <p:blipFill>
+          <a:blip r:embed="rId3"/>
+          <a:stretch>
+            <a:fillRect/>
+          </a:stretch>
+        </p:blipFill>
+        <p:spPr>
+          <a:xfrm>
+            <a:off x="457200" y="2362200"/>
+            <a:ext cx="6177982" cy="3862799"/>
+          </a:xfrm>
+          <a:prstGeom prst="rect">
+            <a:avLst/>
+          </a:prstGeom>
+        </p:spPr>
+      </p:pic>
+      <p:sp>
+        <p:nvSpPr>
+          <p:cNvPr id="7" name="TextBox 6"/>
+          <p:cNvSpPr txBox="1"/>
+          <p:nvPr/>
+        </p:nvSpPr>
+        <p:spPr>
+          <a:xfrm>
+            <a:off x="609600" y="6224999"/>
+            <a:ext cx="6707798" cy="369332"/>
+          </a:xfrm>
+          <a:prstGeom prst="rect">
+            <a:avLst/>
+          </a:prstGeom>
+          <a:noFill/>
+        </p:spPr>
+        <p:txBody>
+          <a:bodyPr wrap="none" rtlCol="0">
+            <a:spAutoFit/>
+          </a:bodyPr>
+          <a:lstStyle/>
+          <a:p>
+            <a:r>
+              <a:rPr lang="en-US" altLang="ko-KR" dirty="0" smtClean="0">
+                <a:solidFill>
+                  <a:srgbClr val="FF0000"/>
+                </a:solidFill>
+              </a:rPr>
+              <a:t>Chemical potential</a:t>
+            </a:r>
+            <a:r>
+              <a:rPr lang="en-US" altLang="ko-KR" dirty="0" smtClean="0"/>
+              <a:t>, energy, </a:t>
+            </a:r>
+            <a:r>
+              <a:rPr lang="en-US" altLang="ko-KR" dirty="0" smtClean="0">
+                <a:solidFill>
+                  <a:srgbClr val="00B050"/>
+                </a:solidFill>
+              </a:rPr>
+              <a:t>free energy </a:t>
+            </a:r>
+            <a:r>
+              <a:rPr lang="en-US" altLang="ko-KR" dirty="0" smtClean="0"/>
+              <a:t>and Entropy per particle</a:t>
+            </a:r>
+            <a:endParaRPr lang="ko-KR" altLang="en-US" dirty="0"/>
+          </a:p>
+        </p:txBody>
+      </p:sp>
+    </p:spTree>
+    <p:extLst>
+      <p:ext uri="{BB962C8B-B14F-4D97-AF65-F5344CB8AC3E}">
+        <p14:creationId xmlns:p14="http://schemas.microsoft.com/office/powerpoint/2010/main" val="854636479"/>
+      </p:ext>
+    </p:extLst>
+  </p:cSld>
+  <p:clrMapOvr>
+    <a:masterClrMapping/>
+  </p:clrMapOvr>
+</p:sld>
+</file>
+
+<file path=ppt/slides/slide23.xml><?xml version="1.0" encoding="utf-8"?>
+<p:sld xmlns:a="http://schemas.openxmlformats.org/drawingml/2006/main" xmlns:r="http://schemas.openxmlformats.org/officeDocument/2006/relationships" xmlns:p="http://schemas.openxmlformats.org/presentationml/2006/main">
+  <p:cSld>
+    <p:spTree>
+      <p:nvGrpSpPr>
+        <p:cNvPr id="1" name=""/>
+        <p:cNvGrpSpPr/>
+        <p:nvPr/>
+      </p:nvGrpSpPr>
+      <p:grpSpPr>
+        <a:xfrm>
+          <a:off x="0" y="0"/>
+          <a:ext cx="0" cy="0"/>
+          <a:chOff x="0" y="0"/>
+          <a:chExt cx="0" cy="0"/>
+        </a:xfrm>
+      </p:grpSpPr>
+      <p:pic>
+        <p:nvPicPr>
+          <p:cNvPr id="4" name="그림 3"/>
+          <p:cNvPicPr>
+            <a:picLocks noChangeAspect="1"/>
+          </p:cNvPicPr>
+          <p:nvPr/>
+        </p:nvPicPr>
+        <p:blipFill>
+          <a:blip r:embed="rId2"/>
+          <a:stretch>
+            <a:fillRect/>
+          </a:stretch>
+        </p:blipFill>
+        <p:spPr>
+          <a:xfrm>
+            <a:off x="533401" y="533400"/>
+            <a:ext cx="3429000" cy="2015039"/>
+          </a:xfrm>
+          <a:prstGeom prst="rect">
+            <a:avLst/>
+          </a:prstGeom>
+        </p:spPr>
+      </p:pic>
+      <p:pic>
+        <p:nvPicPr>
+          <p:cNvPr id="5" name="그림 4"/>
+          <p:cNvPicPr>
+            <a:picLocks noChangeAspect="1"/>
+          </p:cNvPicPr>
+          <p:nvPr/>
+        </p:nvPicPr>
+        <p:blipFill>
+          <a:blip r:embed="rId3"/>
+          <a:stretch>
+            <a:fillRect/>
+          </a:stretch>
+        </p:blipFill>
+        <p:spPr>
+          <a:xfrm>
+            <a:off x="5072957" y="1848271"/>
+            <a:ext cx="2362200" cy="1400336"/>
+          </a:xfrm>
+          <a:prstGeom prst="rect">
+            <a:avLst/>
+          </a:prstGeom>
+        </p:spPr>
+      </p:pic>
+      <p:pic>
+        <p:nvPicPr>
+          <p:cNvPr id="6" name="그림 5"/>
+          <p:cNvPicPr>
+            <a:picLocks noChangeAspect="1"/>
+          </p:cNvPicPr>
+          <p:nvPr/>
+        </p:nvPicPr>
+        <p:blipFill>
+          <a:blip r:embed="rId4"/>
+          <a:stretch>
+            <a:fillRect/>
+          </a:stretch>
+        </p:blipFill>
+        <p:spPr>
+          <a:xfrm>
+            <a:off x="497733" y="3463046"/>
+            <a:ext cx="5756324" cy="2328153"/>
+          </a:xfrm>
+          <a:prstGeom prst="rect">
+            <a:avLst/>
+          </a:prstGeom>
+        </p:spPr>
+      </p:pic>
+      <p:sp>
+        <p:nvSpPr>
+          <p:cNvPr id="7" name="TextBox 6"/>
+          <p:cNvSpPr txBox="1"/>
+          <p:nvPr/>
+        </p:nvSpPr>
+        <p:spPr>
+          <a:xfrm>
+            <a:off x="304800" y="6096000"/>
+            <a:ext cx="8258992" cy="584775"/>
+          </a:xfrm>
+          <a:prstGeom prst="rect">
+            <a:avLst/>
+          </a:prstGeom>
+          <a:noFill/>
+        </p:spPr>
+        <p:txBody>
+          <a:bodyPr wrap="none" rtlCol="0">
+            <a:spAutoFit/>
+          </a:bodyPr>
+          <a:lstStyle/>
+          <a:p>
+            <a:r>
+              <a:rPr lang="en-US" altLang="ko-KR" sz="1600" dirty="0" smtClean="0"/>
+              <a:t>Simple scaling behavior of nuclear reactions </a:t>
+            </a:r>
+          </a:p>
+          <a:p>
+            <a:r>
+              <a:rPr lang="en-US" altLang="ko-KR" sz="1600" dirty="0" smtClean="0"/>
+              <a:t>involving emission of several loosely bound neutrons  (approximate conformal symmetry)</a:t>
+            </a:r>
+            <a:endParaRPr lang="ko-KR" altLang="en-US" sz="1600" dirty="0"/>
+          </a:p>
+        </p:txBody>
+      </p:sp>
+      <p:sp>
+        <p:nvSpPr>
+          <p:cNvPr id="8" name="TextBox 7"/>
+          <p:cNvSpPr txBox="1"/>
+          <p:nvPr/>
+        </p:nvSpPr>
+        <p:spPr>
+          <a:xfrm>
+            <a:off x="6288104" y="5230025"/>
+            <a:ext cx="1428596" cy="461665"/>
+          </a:xfrm>
+          <a:prstGeom prst="rect">
+            <a:avLst/>
+          </a:prstGeom>
+          <a:noFill/>
+        </p:spPr>
+        <p:txBody>
+          <a:bodyPr wrap="none" rtlCol="0">
+            <a:spAutoFit/>
+          </a:bodyPr>
+          <a:lstStyle/>
+          <a:p>
+            <a:r>
+              <a:rPr lang="en-US" altLang="ko-KR" sz="1200" dirty="0" smtClean="0"/>
+              <a:t>Fig. from </a:t>
+            </a:r>
+          </a:p>
+          <a:p>
+            <a:r>
+              <a:rPr lang="en-US" altLang="ko-KR" sz="1200" dirty="0" err="1" smtClean="0"/>
+              <a:t>arXiv</a:t>
+            </a:r>
+            <a:r>
+              <a:rPr lang="en-US" altLang="ko-KR" sz="1200" dirty="0" smtClean="0"/>
+              <a:t>: 2109.06924</a:t>
+            </a:r>
+            <a:endParaRPr lang="ko-KR" altLang="en-US" sz="1200" dirty="0"/>
+          </a:p>
+        </p:txBody>
+      </p:sp>
+      <p:pic>
+        <p:nvPicPr>
+          <p:cNvPr id="9" name="그림 8"/>
+          <p:cNvPicPr>
+            <a:picLocks noChangeAspect="1"/>
+          </p:cNvPicPr>
+          <p:nvPr/>
+        </p:nvPicPr>
+        <p:blipFill>
+          <a:blip r:embed="rId5"/>
+          <a:stretch>
+            <a:fillRect/>
+          </a:stretch>
+        </p:blipFill>
+        <p:spPr>
+          <a:xfrm>
+            <a:off x="685801" y="2667282"/>
+            <a:ext cx="3200400" cy="715474"/>
+          </a:xfrm>
+          <a:prstGeom prst="rect">
+            <a:avLst/>
+          </a:prstGeom>
+        </p:spPr>
+      </p:pic>
+    </p:spTree>
+    <p:extLst>
+      <p:ext uri="{BB962C8B-B14F-4D97-AF65-F5344CB8AC3E}">
+        <p14:creationId xmlns:p14="http://schemas.microsoft.com/office/powerpoint/2010/main" val="3221101421"/>
+      </p:ext>
+    </p:extLst>
+  </p:cSld>
+  <p:clrMapOvr>
+    <a:masterClrMapping/>
+  </p:clrMapOvr>
+</p:sld>
+</file>
+
+<file path=ppt/slides/slide24.xml><?xml version="1.0" encoding="utf-8"?>
+<p:sld xmlns:a="http://schemas.openxmlformats.org/drawingml/2006/main" xmlns:r="http://schemas.openxmlformats.org/officeDocument/2006/relationships" xmlns:p="http://schemas.openxmlformats.org/presentationml/2006/main">
+  <p:cSld>
+    <p:spTree>
+      <p:nvGrpSpPr>
+        <p:cNvPr id="1" name=""/>
+        <p:cNvGrpSpPr/>
+        <p:nvPr/>
+      </p:nvGrpSpPr>
+      <p:grpSpPr>
+        <a:xfrm>
+          <a:off x="0" y="0"/>
+          <a:ext cx="0" cy="0"/>
+          <a:chOff x="0" y="0"/>
+          <a:chExt cx="0" cy="0"/>
+        </a:xfrm>
+      </p:grpSpPr>
+      <p:sp>
+        <p:nvSpPr>
+          <p:cNvPr id="2" name="제목 1"/>
+          <p:cNvSpPr>
+            <a:spLocks noGrp="1"/>
+          </p:cNvSpPr>
+          <p:nvPr>
+            <p:ph type="title"/>
+          </p:nvPr>
+        </p:nvSpPr>
+        <p:spPr/>
+        <p:txBody>
+          <a:bodyPr/>
+          <a:lstStyle/>
+          <a:p>
+            <a:r>
+              <a:rPr lang="en-US" altLang="ko-KR" dirty="0" smtClean="0"/>
+              <a:t>Unitary limit Hamiltonian in BCC</a:t>
+            </a:r>
+            <a:endParaRPr lang="ko-KR" altLang="en-US" dirty="0"/>
+          </a:p>
+        </p:txBody>
+      </p:sp>
+      <p:pic>
+        <p:nvPicPr>
+          <p:cNvPr id="14" name="그림 13"/>
+          <p:cNvPicPr>
+            <a:picLocks noChangeAspect="1"/>
+          </p:cNvPicPr>
+          <p:nvPr/>
+        </p:nvPicPr>
+        <p:blipFill>
+          <a:blip r:embed="rId2"/>
+          <a:stretch>
+            <a:fillRect/>
+          </a:stretch>
+        </p:blipFill>
+        <p:spPr>
+          <a:xfrm>
+            <a:off x="914400" y="1540213"/>
+            <a:ext cx="1905000" cy="1801841"/>
+          </a:xfrm>
+          <a:prstGeom prst="rect">
+            <a:avLst/>
+          </a:prstGeom>
+        </p:spPr>
+      </p:pic>
+      <p:sp>
+        <p:nvSpPr>
+          <p:cNvPr id="15" name="TextBox 14"/>
+          <p:cNvSpPr txBox="1"/>
+          <p:nvPr/>
+        </p:nvSpPr>
+        <p:spPr>
+          <a:xfrm>
+            <a:off x="4419600" y="1425470"/>
+            <a:ext cx="4006290" cy="2585323"/>
+          </a:xfrm>
+          <a:prstGeom prst="rect">
+            <a:avLst/>
+          </a:prstGeom>
+          <a:noFill/>
+        </p:spPr>
+        <p:txBody>
+          <a:bodyPr wrap="none" rtlCol="0">
+            <a:spAutoFit/>
+          </a:bodyPr>
+          <a:lstStyle/>
+          <a:p>
+            <a:r>
+              <a:rPr lang="en-US" altLang="ko-KR" dirty="0" smtClean="0"/>
+              <a:t>BCC lattice is constructed as </a:t>
+            </a:r>
+          </a:p>
+          <a:p>
+            <a:r>
+              <a:rPr lang="en-US" altLang="ko-KR" dirty="0" smtClean="0"/>
+              <a:t>Two cubic lattice</a:t>
+            </a:r>
+          </a:p>
+          <a:p>
+            <a:r>
+              <a:rPr lang="en-US" altLang="ko-KR" dirty="0" smtClean="0"/>
+              <a:t>(shifted by (1/2,1/2,1/2) in lattice unit)</a:t>
+            </a:r>
+          </a:p>
+          <a:p>
+            <a:endParaRPr lang="en-US" altLang="ko-KR" dirty="0" smtClean="0"/>
+          </a:p>
+          <a:p>
+            <a:r>
+              <a:rPr lang="en-US" altLang="ko-KR" dirty="0" smtClean="0"/>
+              <a:t>2 L^3 lattice points </a:t>
+            </a:r>
+          </a:p>
+          <a:p>
+            <a:endParaRPr lang="en-US" altLang="ko-KR" dirty="0"/>
+          </a:p>
+          <a:p>
+            <a:r>
+              <a:rPr lang="en-US" altLang="ko-KR" dirty="0" smtClean="0"/>
+              <a:t>Lattice spacing a=1/100 MeV^-1</a:t>
+            </a:r>
+          </a:p>
+          <a:p>
+            <a:r>
+              <a:rPr lang="en-US" altLang="ko-KR" dirty="0" smtClean="0"/>
+              <a:t>Lattice Time step at = 1/1000 MeV^-1</a:t>
+            </a:r>
+          </a:p>
+          <a:p>
+            <a:r>
+              <a:rPr lang="en-US" altLang="ko-KR" dirty="0" smtClean="0"/>
+              <a:t>(For outer region at’=1/200 MeV^-1)</a:t>
+            </a:r>
+            <a:endParaRPr lang="ko-KR" altLang="en-US" dirty="0"/>
+          </a:p>
+        </p:txBody>
+      </p:sp>
+      <p:pic>
+        <p:nvPicPr>
+          <p:cNvPr id="16" name="그림 15"/>
+          <p:cNvPicPr>
+            <a:picLocks noChangeAspect="1"/>
+          </p:cNvPicPr>
+          <p:nvPr/>
+        </p:nvPicPr>
+        <p:blipFill>
+          <a:blip r:embed="rId3"/>
+          <a:stretch>
+            <a:fillRect/>
+          </a:stretch>
+        </p:blipFill>
+        <p:spPr>
+          <a:xfrm>
+            <a:off x="914400" y="3456795"/>
+            <a:ext cx="2257740" cy="876422"/>
+          </a:xfrm>
+          <a:prstGeom prst="rect">
+            <a:avLst/>
+          </a:prstGeom>
+        </p:spPr>
+      </p:pic>
+      <p:pic>
+        <p:nvPicPr>
+          <p:cNvPr id="17" name="그림 16"/>
+          <p:cNvPicPr>
+            <a:picLocks noChangeAspect="1"/>
+          </p:cNvPicPr>
+          <p:nvPr/>
+        </p:nvPicPr>
+        <p:blipFill>
+          <a:blip r:embed="rId4"/>
+          <a:stretch>
+            <a:fillRect/>
+          </a:stretch>
+        </p:blipFill>
+        <p:spPr>
+          <a:xfrm>
+            <a:off x="990600" y="4267201"/>
+            <a:ext cx="4419600" cy="1157416"/>
+          </a:xfrm>
+          <a:prstGeom prst="rect">
+            <a:avLst/>
+          </a:prstGeom>
+        </p:spPr>
+      </p:pic>
+      <p:pic>
+        <p:nvPicPr>
+          <p:cNvPr id="18" name="그림 17"/>
+          <p:cNvPicPr>
+            <a:picLocks noChangeAspect="1"/>
+          </p:cNvPicPr>
+          <p:nvPr/>
+        </p:nvPicPr>
+        <p:blipFill>
+          <a:blip r:embed="rId5"/>
+          <a:stretch>
+            <a:fillRect/>
+          </a:stretch>
+        </p:blipFill>
+        <p:spPr>
+          <a:xfrm>
+            <a:off x="877111" y="5779035"/>
+            <a:ext cx="1848255" cy="612440"/>
+          </a:xfrm>
+          <a:prstGeom prst="rect">
+            <a:avLst/>
+          </a:prstGeom>
+        </p:spPr>
+      </p:pic>
+      <p:pic>
+        <p:nvPicPr>
+          <p:cNvPr id="20" name="그림 19"/>
+          <p:cNvPicPr>
+            <a:picLocks noChangeAspect="1"/>
+          </p:cNvPicPr>
+          <p:nvPr/>
+        </p:nvPicPr>
+        <p:blipFill>
+          <a:blip r:embed="rId6"/>
+          <a:stretch>
+            <a:fillRect/>
+          </a:stretch>
+        </p:blipFill>
+        <p:spPr>
+          <a:xfrm>
+            <a:off x="4648200" y="5825877"/>
+            <a:ext cx="3229821" cy="518756"/>
+          </a:xfrm>
+          <a:prstGeom prst="rect">
+            <a:avLst/>
+          </a:prstGeom>
+        </p:spPr>
+      </p:pic>
+    </p:spTree>
+    <p:extLst>
+      <p:ext uri="{BB962C8B-B14F-4D97-AF65-F5344CB8AC3E}">
+        <p14:creationId xmlns:p14="http://schemas.microsoft.com/office/powerpoint/2010/main" val="3071628708"/>
+      </p:ext>
+    </p:extLst>
+  </p:cSld>
+  <p:clrMapOvr>
+    <a:masterClrMapping/>
+  </p:clrMapOvr>
+</p:sld>
+</file>
+
+<file path=ppt/slides/slide25.xml><?xml version="1.0" encoding="utf-8"?>
+<p:sld xmlns:a="http://schemas.openxmlformats.org/drawingml/2006/main" xmlns:r="http://schemas.openxmlformats.org/officeDocument/2006/relationships" xmlns:p="http://schemas.openxmlformats.org/presentationml/2006/main">
+  <p:cSld>
+    <p:spTree>
+      <p:nvGrpSpPr>
+        <p:cNvPr id="1" name=""/>
+        <p:cNvGrpSpPr/>
+        <p:nvPr/>
+      </p:nvGrpSpPr>
+      <p:grpSpPr>
+        <a:xfrm>
+          <a:off x="0" y="0"/>
+          <a:ext cx="0" cy="0"/>
+          <a:chOff x="0" y="0"/>
+          <a:chExt cx="0" cy="0"/>
+        </a:xfrm>
+      </p:grpSpPr>
+      <p:sp>
+        <p:nvSpPr>
+          <p:cNvPr id="2" name="제목 1"/>
+          <p:cNvSpPr>
+            <a:spLocks noGrp="1"/>
+          </p:cNvSpPr>
+          <p:nvPr>
+            <p:ph type="title"/>
+          </p:nvPr>
+        </p:nvSpPr>
+        <p:spPr/>
+        <p:txBody>
+          <a:bodyPr/>
+          <a:lstStyle/>
+          <a:p>
+            <a:r>
+              <a:rPr lang="en-US" altLang="ko-KR" dirty="0" smtClean="0"/>
+              <a:t>Unitary limit Hamiltonian in BCC</a:t>
+            </a:r>
+            <a:endParaRPr lang="ko-KR" altLang="en-US" dirty="0"/>
+          </a:p>
+        </p:txBody>
+      </p:sp>
+      <p:pic>
+        <p:nvPicPr>
+          <p:cNvPr id="17" name="그림 16"/>
+          <p:cNvPicPr>
+            <a:picLocks noChangeAspect="1"/>
+          </p:cNvPicPr>
+          <p:nvPr/>
+        </p:nvPicPr>
+        <p:blipFill>
+          <a:blip r:embed="rId2"/>
+          <a:stretch>
+            <a:fillRect/>
+          </a:stretch>
+        </p:blipFill>
+        <p:spPr>
+          <a:xfrm>
+            <a:off x="685800" y="1519136"/>
+            <a:ext cx="4419600" cy="1157416"/>
+          </a:xfrm>
+          <a:prstGeom prst="rect">
+            <a:avLst/>
+          </a:prstGeom>
+        </p:spPr>
+      </p:pic>
+      <p:pic>
+        <p:nvPicPr>
+          <p:cNvPr id="3" name="그림 2"/>
+          <p:cNvPicPr>
+            <a:picLocks noChangeAspect="1"/>
+          </p:cNvPicPr>
+          <p:nvPr/>
+        </p:nvPicPr>
+        <p:blipFill>
+          <a:blip r:embed="rId3"/>
+          <a:stretch>
+            <a:fillRect/>
+          </a:stretch>
+        </p:blipFill>
+        <p:spPr>
+          <a:xfrm>
+            <a:off x="677694" y="2819400"/>
+            <a:ext cx="2514600" cy="726934"/>
+          </a:xfrm>
+          <a:prstGeom prst="rect">
+            <a:avLst/>
+          </a:prstGeom>
+        </p:spPr>
+      </p:pic>
+      <p:pic>
+        <p:nvPicPr>
+          <p:cNvPr id="4" name="그림 3"/>
+          <p:cNvPicPr>
+            <a:picLocks noChangeAspect="1"/>
+          </p:cNvPicPr>
+          <p:nvPr/>
+        </p:nvPicPr>
+        <p:blipFill>
+          <a:blip r:embed="rId4"/>
+          <a:stretch>
+            <a:fillRect/>
+          </a:stretch>
+        </p:blipFill>
+        <p:spPr>
+          <a:xfrm>
+            <a:off x="658239" y="3689182"/>
+            <a:ext cx="4980561" cy="1437687"/>
+          </a:xfrm>
+          <a:prstGeom prst="rect">
+            <a:avLst/>
+          </a:prstGeom>
+        </p:spPr>
+      </p:pic>
+      <p:sp>
+        <p:nvSpPr>
+          <p:cNvPr id="5" name="TextBox 4"/>
+          <p:cNvSpPr txBox="1"/>
+          <p:nvPr/>
+        </p:nvSpPr>
+        <p:spPr>
+          <a:xfrm>
+            <a:off x="685800" y="5562600"/>
+            <a:ext cx="5474576" cy="369332"/>
+          </a:xfrm>
+          <a:prstGeom prst="rect">
+            <a:avLst/>
+          </a:prstGeom>
+          <a:noFill/>
+        </p:spPr>
+        <p:txBody>
+          <a:bodyPr wrap="none" rtlCol="0">
+            <a:spAutoFit/>
+          </a:bodyPr>
+          <a:lstStyle/>
+          <a:p>
+            <a:r>
+              <a:rPr lang="en-US" altLang="ko-KR" dirty="0" smtClean="0"/>
+              <a:t>Our choice is valid up to O(p^6) : f(p) = p^2 +O(p^6)</a:t>
+            </a:r>
+            <a:endParaRPr lang="ko-KR" altLang="en-US" dirty="0"/>
+          </a:p>
+        </p:txBody>
+      </p:sp>
+    </p:spTree>
+    <p:extLst>
+      <p:ext uri="{BB962C8B-B14F-4D97-AF65-F5344CB8AC3E}">
+        <p14:creationId xmlns:p14="http://schemas.microsoft.com/office/powerpoint/2010/main" val="1112720487"/>
+      </p:ext>
+    </p:extLst>
+  </p:cSld>
+  <p:clrMapOvr>
+    <a:masterClrMapping/>
+  </p:clrMapOvr>
+</p:sld>
+</file>
+
+<file path=ppt/slides/slide26.xml><?xml version="1.0" encoding="utf-8"?>
+<p:sld xmlns:a="http://schemas.openxmlformats.org/drawingml/2006/main" xmlns:r="http://schemas.openxmlformats.org/officeDocument/2006/relationships" xmlns:p="http://schemas.openxmlformats.org/presentationml/2006/main">
+  <p:cSld>
+    <p:spTree>
+      <p:nvGrpSpPr>
+        <p:cNvPr id="1" name=""/>
+        <p:cNvGrpSpPr/>
+        <p:nvPr/>
+      </p:nvGrpSpPr>
+      <p:grpSpPr>
+        <a:xfrm>
+          <a:off x="0" y="0"/>
+          <a:ext cx="0" cy="0"/>
+          <a:chOff x="0" y="0"/>
+          <a:chExt cx="0" cy="0"/>
+        </a:xfrm>
+      </p:grpSpPr>
+      <p:sp>
+        <p:nvSpPr>
+          <p:cNvPr id="2" name="제목 1"/>
+          <p:cNvSpPr>
+            <a:spLocks noGrp="1"/>
+          </p:cNvSpPr>
+          <p:nvPr>
+            <p:ph type="title"/>
+          </p:nvPr>
+        </p:nvSpPr>
+        <p:spPr/>
+        <p:txBody>
+          <a:bodyPr/>
+          <a:lstStyle/>
+          <a:p>
+            <a:r>
+              <a:rPr lang="en-US" altLang="ko-KR" dirty="0" smtClean="0"/>
+              <a:t>Unitary limit Hamiltonian in BCC</a:t>
+            </a:r>
+            <a:endParaRPr lang="ko-KR" altLang="en-US" dirty="0"/>
+          </a:p>
+        </p:txBody>
+      </p:sp>
+      <p:pic>
+        <p:nvPicPr>
+          <p:cNvPr id="10" name="그림 9"/>
+          <p:cNvPicPr>
+            <a:picLocks noChangeAspect="1"/>
+          </p:cNvPicPr>
+          <p:nvPr/>
+        </p:nvPicPr>
+        <p:blipFill>
+          <a:blip r:embed="rId2"/>
+          <a:stretch>
+            <a:fillRect/>
+          </a:stretch>
+        </p:blipFill>
+        <p:spPr>
+          <a:xfrm>
+            <a:off x="533400" y="1524000"/>
+            <a:ext cx="2524477" cy="685896"/>
+          </a:xfrm>
+          <a:prstGeom prst="rect">
+            <a:avLst/>
+          </a:prstGeom>
+        </p:spPr>
+      </p:pic>
+      <p:pic>
+        <p:nvPicPr>
+          <p:cNvPr id="11" name="그림 10"/>
+          <p:cNvPicPr>
+            <a:picLocks noChangeAspect="1"/>
+          </p:cNvPicPr>
+          <p:nvPr/>
+        </p:nvPicPr>
+        <p:blipFill>
+          <a:blip r:embed="rId3"/>
+          <a:stretch>
+            <a:fillRect/>
+          </a:stretch>
+        </p:blipFill>
+        <p:spPr>
+          <a:xfrm>
+            <a:off x="3429000" y="1600200"/>
+            <a:ext cx="2924583" cy="1505160"/>
+          </a:xfrm>
+          <a:prstGeom prst="rect">
+            <a:avLst/>
+          </a:prstGeom>
+        </p:spPr>
+      </p:pic>
+      <p:pic>
+        <p:nvPicPr>
+          <p:cNvPr id="13" name="그림 12"/>
+          <p:cNvPicPr>
+            <a:picLocks noChangeAspect="1"/>
+          </p:cNvPicPr>
+          <p:nvPr/>
+        </p:nvPicPr>
+        <p:blipFill>
+          <a:blip r:embed="rId4"/>
+          <a:stretch>
+            <a:fillRect/>
+          </a:stretch>
+        </p:blipFill>
+        <p:spPr>
+          <a:xfrm>
+            <a:off x="304800" y="3420208"/>
+            <a:ext cx="3439090" cy="2516605"/>
+          </a:xfrm>
+          <a:prstGeom prst="rect">
+            <a:avLst/>
+          </a:prstGeom>
+        </p:spPr>
+      </p:pic>
+      <p:sp>
+        <p:nvSpPr>
+          <p:cNvPr id="14" name="TextBox 13"/>
+          <p:cNvSpPr txBox="1"/>
+          <p:nvPr/>
+        </p:nvSpPr>
+        <p:spPr>
+          <a:xfrm>
+            <a:off x="3886200" y="3623359"/>
+            <a:ext cx="4031873" cy="2585323"/>
+          </a:xfrm>
+          <a:prstGeom prst="rect">
+            <a:avLst/>
+          </a:prstGeom>
+          <a:noFill/>
+        </p:spPr>
+        <p:txBody>
+          <a:bodyPr wrap="none" rtlCol="0">
+            <a:spAutoFit/>
+          </a:bodyPr>
+          <a:lstStyle/>
+          <a:p>
+            <a:r>
+              <a:rPr lang="en-US" altLang="ko-KR" dirty="0" smtClean="0"/>
+              <a:t>1S0 NN scattering phase shift is fitted</a:t>
+            </a:r>
+          </a:p>
+          <a:p>
+            <a:r>
+              <a:rPr lang="en-US" altLang="ko-KR" dirty="0" smtClean="0"/>
+              <a:t>For unitary limit .</a:t>
+            </a:r>
+          </a:p>
+          <a:p>
+            <a:endParaRPr lang="en-US" altLang="ko-KR" dirty="0"/>
+          </a:p>
+          <a:p>
+            <a:r>
+              <a:rPr lang="en-US" altLang="ko-KR" dirty="0" smtClean="0"/>
+              <a:t>C0= -0.7449172 [</a:t>
+            </a:r>
+            <a:r>
+              <a:rPr lang="en-US" altLang="ko-KR" dirty="0" err="1" smtClean="0"/>
+              <a:t>l.u</a:t>
+            </a:r>
+            <a:r>
+              <a:rPr lang="en-US" altLang="ko-KR" dirty="0" smtClean="0"/>
+              <a:t>.]</a:t>
+            </a:r>
+          </a:p>
+          <a:p>
+            <a:r>
+              <a:rPr lang="en-US" altLang="ko-KR" dirty="0" err="1" smtClean="0"/>
+              <a:t>sNL</a:t>
+            </a:r>
+            <a:r>
+              <a:rPr lang="en-US" altLang="ko-KR" dirty="0" smtClean="0"/>
+              <a:t> = - 0.0009533729</a:t>
+            </a:r>
+          </a:p>
+          <a:p>
+            <a:r>
+              <a:rPr lang="en-US" altLang="ko-KR" dirty="0" smtClean="0">
+                <a:sym typeface="Wingdings" panose="05000000000000000000" pitchFamily="2" charset="2"/>
+              </a:rPr>
+              <a:t></a:t>
+            </a:r>
+          </a:p>
+          <a:p>
+            <a:r>
+              <a:rPr lang="en-US" altLang="ko-KR" dirty="0">
+                <a:sym typeface="Wingdings" panose="05000000000000000000" pitchFamily="2" charset="2"/>
+              </a:rPr>
+              <a:t>a</a:t>
+            </a:r>
+            <a:r>
+              <a:rPr lang="en-US" altLang="ko-KR" dirty="0" smtClean="0">
+                <a:sym typeface="Wingdings" panose="05000000000000000000" pitchFamily="2" charset="2"/>
+              </a:rPr>
+              <a:t>0 = 125658 </a:t>
+            </a:r>
+            <a:r>
+              <a:rPr lang="en-US" altLang="ko-KR" dirty="0" err="1" smtClean="0">
+                <a:sym typeface="Wingdings" panose="05000000000000000000" pitchFamily="2" charset="2"/>
+              </a:rPr>
+              <a:t>fm</a:t>
+            </a:r>
+            <a:r>
+              <a:rPr lang="en-US" altLang="ko-KR" dirty="0" smtClean="0">
+                <a:sym typeface="Wingdings" panose="05000000000000000000" pitchFamily="2" charset="2"/>
+              </a:rPr>
+              <a:t>, r0 = 0.110 </a:t>
+            </a:r>
+            <a:r>
+              <a:rPr lang="en-US" altLang="ko-KR" dirty="0" err="1" smtClean="0">
+                <a:sym typeface="Wingdings" panose="05000000000000000000" pitchFamily="2" charset="2"/>
+              </a:rPr>
+              <a:t>fm</a:t>
+            </a:r>
+            <a:r>
+              <a:rPr lang="en-US" altLang="ko-KR" dirty="0" smtClean="0">
+                <a:sym typeface="Wingdings" panose="05000000000000000000" pitchFamily="2" charset="2"/>
+              </a:rPr>
+              <a:t> </a:t>
+            </a:r>
+            <a:endParaRPr lang="en-US" altLang="ko-KR" dirty="0" smtClean="0">
+              <a:sym typeface="Wingdings" panose="05000000000000000000" pitchFamily="2" charset="2"/>
+            </a:endParaRPr>
+          </a:p>
+          <a:p>
+            <a:endParaRPr lang="en-US" altLang="ko-KR" dirty="0">
+              <a:sym typeface="Wingdings" panose="05000000000000000000" pitchFamily="2" charset="2"/>
+            </a:endParaRPr>
+          </a:p>
+          <a:p>
+            <a:r>
+              <a:rPr lang="en-US" altLang="ko-KR" dirty="0" smtClean="0">
+                <a:solidFill>
+                  <a:srgbClr val="FF0000"/>
+                </a:solidFill>
+                <a:sym typeface="Wingdings" panose="05000000000000000000" pitchFamily="2" charset="2"/>
+              </a:rPr>
+              <a:t>Spherical</a:t>
+            </a:r>
+            <a:r>
+              <a:rPr lang="en-US" altLang="ko-KR" dirty="0" smtClean="0">
+                <a:solidFill>
+                  <a:srgbClr val="FF0000"/>
+                </a:solidFill>
+                <a:sym typeface="Wingdings" panose="05000000000000000000" pitchFamily="2" charset="2"/>
+              </a:rPr>
+              <a:t> Wall Method</a:t>
+            </a:r>
+            <a:endParaRPr lang="ko-KR" altLang="en-US" dirty="0">
+              <a:solidFill>
+                <a:srgbClr val="FF0000"/>
+              </a:solidFill>
+            </a:endParaRPr>
+          </a:p>
+        </p:txBody>
+      </p:sp>
+    </p:spTree>
+    <p:extLst>
+      <p:ext uri="{BB962C8B-B14F-4D97-AF65-F5344CB8AC3E}">
+        <p14:creationId xmlns:p14="http://schemas.microsoft.com/office/powerpoint/2010/main" val="376425969"/>
+      </p:ext>
+    </p:extLst>
+  </p:cSld>
+  <p:clrMapOvr>
+    <a:masterClrMapping/>
+  </p:clrMapOvr>
+</p:sld>
+</file>
+
+<file path=ppt/slides/slide27.xml><?xml version="1.0" encoding="utf-8"?>
+<p:sld xmlns:a="http://schemas.openxmlformats.org/drawingml/2006/main" xmlns:r="http://schemas.openxmlformats.org/officeDocument/2006/relationships" xmlns:p="http://schemas.openxmlformats.org/presentationml/2006/main">
+  <p:cSld>
+    <p:spTree>
+      <p:nvGrpSpPr>
+        <p:cNvPr id="1" name=""/>
+        <p:cNvGrpSpPr/>
+        <p:nvPr/>
+      </p:nvGrpSpPr>
+      <p:grpSpPr>
+        <a:xfrm>
+          <a:off x="0" y="0"/>
+          <a:ext cx="0" cy="0"/>
+          <a:chOff x="0" y="0"/>
+          <a:chExt cx="0" cy="0"/>
+        </a:xfrm>
+      </p:grpSpPr>
+      <p:sp>
+        <p:nvSpPr>
+          <p:cNvPr id="2" name="제목 1"/>
+          <p:cNvSpPr>
+            <a:spLocks noGrp="1"/>
+          </p:cNvSpPr>
+          <p:nvPr>
+            <p:ph type="title"/>
+          </p:nvPr>
+        </p:nvSpPr>
+        <p:spPr/>
+        <p:txBody>
+          <a:bodyPr/>
+          <a:lstStyle/>
+          <a:p>
+            <a:r>
+              <a:rPr lang="en-US" altLang="ko-KR" dirty="0" smtClean="0"/>
+              <a:t>Auxiliary Field Monte Carlo </a:t>
+            </a:r>
+            <a:endParaRPr lang="ko-KR" altLang="en-US" dirty="0"/>
+          </a:p>
+        </p:txBody>
+      </p:sp>
+      <p:pic>
+        <p:nvPicPr>
+          <p:cNvPr id="17410" name="Picture 2"/>
+          <p:cNvPicPr>
+            <a:picLocks noChangeAspect="1" noChangeArrowheads="1"/>
+          </p:cNvPicPr>
+          <p:nvPr/>
+        </p:nvPicPr>
+        <p:blipFill>
+          <a:blip r:embed="rId2">
+            <a:extLst>
+              <a:ext uri="{28A0092B-C50C-407E-A947-70E740481C1C}">
+                <a14:useLocalDpi xmlns:a14="http://schemas.microsoft.com/office/drawing/2010/main" val="0"/>
+              </a:ext>
+            </a:extLst>
+          </a:blip>
+          <a:srcRect/>
+          <a:stretch>
+            <a:fillRect/>
+          </a:stretch>
+        </p:blipFill>
+        <p:spPr bwMode="auto">
+          <a:xfrm>
+            <a:off x="2199056" y="1704975"/>
+            <a:ext cx="4114800" cy="1402773"/>
+          </a:xfrm>
+          <a:prstGeom prst="rect">
+            <a:avLst/>
+          </a:prstGeom>
+          <a:noFill/>
+          <a:ln>
+            <a:noFill/>
+          </a:ln>
+          <a:extLst>
+            <a:ext uri="{909E8E84-426E-40DD-AFC4-6F175D3DCCD1}">
+              <a14:hiddenFill xmlns:a14="http://schemas.microsoft.com/office/drawing/2010/main">
+                <a:solidFill>
+                  <a:schemeClr val="accent1"/>
+                </a:solidFill>
+              </a14:hiddenFill>
+            </a:ext>
+            <a:ext uri="{91240B29-F687-4F45-9708-019B960494DF}">
+              <a14:hiddenLine xmlns:a14="http://schemas.microsoft.com/office/drawing/2010/main" w="9525">
+                <a:solidFill>
+                  <a:schemeClr val="tx1"/>
+                </a:solidFill>
+                <a:miter lim="800000"/>
+                <a:headEnd/>
+                <a:tailEnd/>
+              </a14:hiddenLine>
+            </a:ext>
+          </a:extLst>
+        </p:spPr>
+      </p:pic>
+      <p:pic>
+        <p:nvPicPr>
+          <p:cNvPr id="17411" name="Picture 3"/>
+          <p:cNvPicPr>
+            <a:picLocks noChangeAspect="1" noChangeArrowheads="1"/>
+          </p:cNvPicPr>
+          <p:nvPr/>
+        </p:nvPicPr>
+        <p:blipFill>
+          <a:blip r:embed="rId3">
+            <a:extLst>
+              <a:ext uri="{28A0092B-C50C-407E-A947-70E740481C1C}">
+                <a14:useLocalDpi xmlns:a14="http://schemas.microsoft.com/office/drawing/2010/main" val="0"/>
+              </a:ext>
+            </a:extLst>
+          </a:blip>
+          <a:srcRect/>
+          <a:stretch>
+            <a:fillRect/>
+          </a:stretch>
+        </p:blipFill>
+        <p:spPr bwMode="auto">
+          <a:xfrm>
+            <a:off x="4747603" y="2945824"/>
+            <a:ext cx="4335094" cy="3533774"/>
+          </a:xfrm>
+          <a:prstGeom prst="rect">
+            <a:avLst/>
+          </a:prstGeom>
+          <a:noFill/>
+          <a:ln>
+            <a:noFill/>
+          </a:ln>
+          <a:extLst>
+            <a:ext uri="{909E8E84-426E-40DD-AFC4-6F175D3DCCD1}">
+              <a14:hiddenFill xmlns:a14="http://schemas.microsoft.com/office/drawing/2010/main">
+                <a:solidFill>
+                  <a:schemeClr val="accent1"/>
+                </a:solidFill>
+              </a14:hiddenFill>
+            </a:ext>
+            <a:ext uri="{91240B29-F687-4F45-9708-019B960494DF}">
+              <a14:hiddenLine xmlns:a14="http://schemas.microsoft.com/office/drawing/2010/main" w="9525">
+                <a:solidFill>
+                  <a:schemeClr val="tx1"/>
+                </a:solidFill>
+                <a:miter lim="800000"/>
+                <a:headEnd/>
+                <a:tailEnd/>
+              </a14:hiddenLine>
+            </a:ext>
+          </a:extLst>
+        </p:spPr>
+      </p:pic>
+      <p:pic>
+        <p:nvPicPr>
+          <p:cNvPr id="6" name="Picture 2"/>
+          <p:cNvPicPr>
+            <a:picLocks noChangeAspect="1" noChangeArrowheads="1"/>
+          </p:cNvPicPr>
+          <p:nvPr/>
+        </p:nvPicPr>
+        <p:blipFill>
+          <a:blip r:embed="rId4">
+            <a:extLst>
+              <a:ext uri="{28A0092B-C50C-407E-A947-70E740481C1C}">
+                <a14:useLocalDpi xmlns:a14="http://schemas.microsoft.com/office/drawing/2010/main" val="0"/>
+              </a:ext>
+            </a:extLst>
+          </a:blip>
+          <a:srcRect/>
+          <a:stretch>
+            <a:fillRect/>
+          </a:stretch>
+        </p:blipFill>
+        <p:spPr bwMode="auto">
+          <a:xfrm>
+            <a:off x="533400" y="3107748"/>
+            <a:ext cx="4083862" cy="3352800"/>
+          </a:xfrm>
+          <a:prstGeom prst="rect">
+            <a:avLst/>
+          </a:prstGeom>
+          <a:noFill/>
+          <a:ln>
+            <a:noFill/>
+          </a:ln>
+          <a:extLst>
+            <a:ext uri="{909E8E84-426E-40DD-AFC4-6F175D3DCCD1}">
+              <a14:hiddenFill xmlns:a14="http://schemas.microsoft.com/office/drawing/2010/main">
+                <a:solidFill>
+                  <a:schemeClr val="accent1"/>
+                </a:solidFill>
+              </a14:hiddenFill>
+            </a:ext>
+            <a:ext uri="{91240B29-F687-4F45-9708-019B960494DF}">
+              <a14:hiddenLine xmlns:a14="http://schemas.microsoft.com/office/drawing/2010/main" w="9525">
+                <a:solidFill>
+                  <a:schemeClr val="tx1"/>
+                </a:solidFill>
+                <a:miter lim="800000"/>
+                <a:headEnd/>
+                <a:tailEnd/>
+              </a14:hiddenLine>
+            </a:ext>
+          </a:extLst>
+        </p:spPr>
+      </p:pic>
+    </p:spTree>
+    <p:extLst>
+      <p:ext uri="{BB962C8B-B14F-4D97-AF65-F5344CB8AC3E}">
+        <p14:creationId xmlns:p14="http://schemas.microsoft.com/office/powerpoint/2010/main" val="2425565033"/>
+      </p:ext>
+    </p:extLst>
+  </p:cSld>
+  <p:clrMapOvr>
+    <a:masterClrMapping/>
+  </p:clrMapOvr>
+  <p:timing>
+    <p:tnLst>
+      <p:par>
+        <p:cTn id="1" dur="indefinite" restart="never" nodeType="tmRoot"/>
+      </p:par>
+    </p:tnLst>
+  </p:timing>
+</p:sld>
+</file>
+
+<file path=ppt/slides/slide28.xml><?xml version="1.0" encoding="utf-8"?>
+<p:sld xmlns:a="http://schemas.openxmlformats.org/drawingml/2006/main" xmlns:r="http://schemas.openxmlformats.org/officeDocument/2006/relationships" xmlns:p="http://schemas.openxmlformats.org/presentationml/2006/main">
+  <p:cSld>
+    <p:spTree>
+      <p:nvGrpSpPr>
+        <p:cNvPr id="1" name=""/>
+        <p:cNvGrpSpPr/>
+        <p:nvPr/>
+      </p:nvGrpSpPr>
+      <p:grpSpPr>
+        <a:xfrm>
+          <a:off x="0" y="0"/>
+          <a:ext cx="0" cy="0"/>
+          <a:chOff x="0" y="0"/>
+          <a:chExt cx="0" cy="0"/>
+        </a:xfrm>
+      </p:grpSpPr>
+      <p:sp>
+        <p:nvSpPr>
+          <p:cNvPr id="2" name="제목 1"/>
+          <p:cNvSpPr>
+            <a:spLocks noGrp="1"/>
+          </p:cNvSpPr>
+          <p:nvPr>
+            <p:ph type="title"/>
+          </p:nvPr>
+        </p:nvSpPr>
+        <p:spPr/>
+        <p:txBody>
+          <a:bodyPr/>
+          <a:lstStyle/>
+          <a:p>
+            <a:endParaRPr lang="ko-KR" altLang="en-US"/>
+          </a:p>
+        </p:txBody>
+      </p:sp>
+      <p:sp>
+        <p:nvSpPr>
+          <p:cNvPr id="3" name="내용 개체 틀 2"/>
+          <p:cNvSpPr>
+            <a:spLocks noGrp="1"/>
+          </p:cNvSpPr>
+          <p:nvPr>
+            <p:ph idx="1"/>
+          </p:nvPr>
+        </p:nvSpPr>
+        <p:spPr/>
+        <p:txBody>
+          <a:bodyPr/>
+          <a:lstStyle/>
+          <a:p>
+            <a:endParaRPr lang="ko-KR" altLang="en-US"/>
+          </a:p>
+        </p:txBody>
+      </p:sp>
+      <p:pic>
+        <p:nvPicPr>
+          <p:cNvPr id="15362" name="Picture 2"/>
+          <p:cNvPicPr>
+            <a:picLocks noChangeAspect="1" noChangeArrowheads="1"/>
+          </p:cNvPicPr>
+          <p:nvPr/>
+        </p:nvPicPr>
+        <p:blipFill>
+          <a:blip r:embed="rId2">
+            <a:extLst>
+              <a:ext uri="{28A0092B-C50C-407E-A947-70E740481C1C}">
+                <a14:useLocalDpi xmlns:a14="http://schemas.microsoft.com/office/drawing/2010/main" val="0"/>
+              </a:ext>
+            </a:extLst>
+          </a:blip>
+          <a:srcRect/>
+          <a:stretch>
+            <a:fillRect/>
+          </a:stretch>
+        </p:blipFill>
+        <p:spPr bwMode="auto">
+          <a:xfrm>
+            <a:off x="609600" y="762000"/>
+            <a:ext cx="7984519" cy="5410200"/>
+          </a:xfrm>
+          <a:prstGeom prst="rect">
+            <a:avLst/>
+          </a:prstGeom>
+          <a:noFill/>
+          <a:ln>
+            <a:noFill/>
+          </a:ln>
+          <a:extLst>
+            <a:ext uri="{909E8E84-426E-40DD-AFC4-6F175D3DCCD1}">
+              <a14:hiddenFill xmlns:a14="http://schemas.microsoft.com/office/drawing/2010/main">
+                <a:solidFill>
+                  <a:schemeClr val="accent1"/>
+                </a:solidFill>
+              </a14:hiddenFill>
+            </a:ext>
+            <a:ext uri="{91240B29-F687-4F45-9708-019B960494DF}">
+              <a14:hiddenLine xmlns:a14="http://schemas.microsoft.com/office/drawing/2010/main" w="9525">
+                <a:solidFill>
+                  <a:schemeClr val="tx1"/>
+                </a:solidFill>
+                <a:miter lim="800000"/>
+                <a:headEnd/>
+                <a:tailEnd/>
+              </a14:hiddenLine>
+            </a:ext>
+          </a:extLst>
+        </p:spPr>
+      </p:pic>
+    </p:spTree>
+    <p:extLst>
+      <p:ext uri="{BB962C8B-B14F-4D97-AF65-F5344CB8AC3E}">
+        <p14:creationId xmlns:p14="http://schemas.microsoft.com/office/powerpoint/2010/main" val="1289664695"/>
+      </p:ext>
+    </p:extLst>
+  </p:cSld>
+  <p:clrMapOvr>
+    <a:masterClrMapping/>
+  </p:clrMapOvr>
+  <p:timing>
+    <p:tnLst>
+      <p:par>
+        <p:cTn id="1" dur="indefinite" restart="never" nodeType="tmRoot"/>
+      </p:par>
+    </p:tnLst>
+  </p:timing>
+</p:sld>
+</file>
+
+<file path=ppt/slides/slide29.xml><?xml version="1.0" encoding="utf-8"?>
+<p:sld xmlns:a="http://schemas.openxmlformats.org/drawingml/2006/main" xmlns:r="http://schemas.openxmlformats.org/officeDocument/2006/relationships" xmlns:p="http://schemas.openxmlformats.org/presentationml/2006/main">
+  <p:cSld>
+    <p:spTree>
+      <p:nvGrpSpPr>
+        <p:cNvPr id="1" name=""/>
+        <p:cNvGrpSpPr/>
+        <p:nvPr/>
+      </p:nvGrpSpPr>
+      <p:grpSpPr>
+        <a:xfrm>
+          <a:off x="0" y="0"/>
+          <a:ext cx="0" cy="0"/>
+          <a:chOff x="0" y="0"/>
+          <a:chExt cx="0" cy="0"/>
+        </a:xfrm>
+      </p:grpSpPr>
+      <p:pic>
+        <p:nvPicPr>
+          <p:cNvPr id="4" name="그림 3"/>
+          <p:cNvPicPr>
+            <a:picLocks noChangeAspect="1"/>
+          </p:cNvPicPr>
+          <p:nvPr/>
+        </p:nvPicPr>
+        <p:blipFill>
+          <a:blip r:embed="rId2"/>
+          <a:stretch>
+            <a:fillRect/>
+          </a:stretch>
+        </p:blipFill>
+        <p:spPr>
+          <a:xfrm>
+            <a:off x="381000" y="609600"/>
+            <a:ext cx="4563112" cy="743054"/>
+          </a:xfrm>
+          <a:prstGeom prst="rect">
+            <a:avLst/>
+          </a:prstGeom>
+        </p:spPr>
+      </p:pic>
+      <p:sp>
+        <p:nvSpPr>
+          <p:cNvPr id="5" name="TextBox 4"/>
+          <p:cNvSpPr txBox="1"/>
+          <p:nvPr/>
+        </p:nvSpPr>
+        <p:spPr>
+          <a:xfrm>
+            <a:off x="418289" y="1447800"/>
+            <a:ext cx="6801862" cy="369332"/>
+          </a:xfrm>
+          <a:prstGeom prst="rect">
+            <a:avLst/>
+          </a:prstGeom>
+          <a:noFill/>
+        </p:spPr>
+        <p:txBody>
+          <a:bodyPr wrap="none" rtlCol="0">
+            <a:spAutoFit/>
+          </a:bodyPr>
+          <a:lstStyle/>
+          <a:p>
+            <a:r>
+              <a:rPr lang="en-US" altLang="ko-KR" dirty="0" smtClean="0"/>
+              <a:t>Outer region uses 1.6 stronger interaction for faster convergence</a:t>
+            </a:r>
+            <a:endParaRPr lang="ko-KR" altLang="en-US" dirty="0"/>
+          </a:p>
+        </p:txBody>
+      </p:sp>
+      <p:pic>
+        <p:nvPicPr>
+          <p:cNvPr id="6" name="그림 5"/>
+          <p:cNvPicPr>
+            <a:picLocks noChangeAspect="1"/>
+          </p:cNvPicPr>
+          <p:nvPr/>
+        </p:nvPicPr>
+        <p:blipFill>
+          <a:blip r:embed="rId3"/>
+          <a:stretch>
+            <a:fillRect/>
+          </a:stretch>
+        </p:blipFill>
+        <p:spPr>
+          <a:xfrm>
+            <a:off x="502596" y="3342706"/>
+            <a:ext cx="4038600" cy="864350"/>
+          </a:xfrm>
+          <a:prstGeom prst="rect">
+            <a:avLst/>
+          </a:prstGeom>
+        </p:spPr>
+      </p:pic>
+      <p:pic>
+        <p:nvPicPr>
+          <p:cNvPr id="7" name="그림 6"/>
+          <p:cNvPicPr>
+            <a:picLocks noChangeAspect="1"/>
+          </p:cNvPicPr>
+          <p:nvPr/>
+        </p:nvPicPr>
+        <p:blipFill>
+          <a:blip r:embed="rId4"/>
+          <a:stretch>
+            <a:fillRect/>
+          </a:stretch>
+        </p:blipFill>
+        <p:spPr>
+          <a:xfrm>
+            <a:off x="609600" y="4224890"/>
+            <a:ext cx="2590800" cy="791633"/>
+          </a:xfrm>
+          <a:prstGeom prst="rect">
+            <a:avLst/>
+          </a:prstGeom>
+        </p:spPr>
+      </p:pic>
+      <p:pic>
+        <p:nvPicPr>
+          <p:cNvPr id="8" name="그림 7"/>
+          <p:cNvPicPr>
+            <a:picLocks noChangeAspect="1"/>
+          </p:cNvPicPr>
+          <p:nvPr/>
+        </p:nvPicPr>
+        <p:blipFill>
+          <a:blip r:embed="rId5"/>
+          <a:stretch>
+            <a:fillRect/>
+          </a:stretch>
+        </p:blipFill>
+        <p:spPr>
+          <a:xfrm>
+            <a:off x="507460" y="1981792"/>
+            <a:ext cx="7162800" cy="995970"/>
+          </a:xfrm>
+          <a:prstGeom prst="rect">
+            <a:avLst/>
+          </a:prstGeom>
+        </p:spPr>
+      </p:pic>
+      <p:pic>
+        <p:nvPicPr>
+          <p:cNvPr id="9" name="Picture 3"/>
+          <p:cNvPicPr>
+            <a:picLocks noChangeAspect="1" noChangeArrowheads="1"/>
+          </p:cNvPicPr>
+          <p:nvPr/>
+        </p:nvPicPr>
+        <p:blipFill>
+          <a:blip r:embed="rId6" cstate="print">
+            <a:extLst>
+              <a:ext uri="{28A0092B-C50C-407E-A947-70E740481C1C}">
+                <a14:useLocalDpi xmlns:a14="http://schemas.microsoft.com/office/drawing/2010/main" val="0"/>
+              </a:ext>
+            </a:extLst>
+          </a:blip>
+          <a:srcRect/>
+          <a:stretch>
+            <a:fillRect/>
+          </a:stretch>
+        </p:blipFill>
+        <p:spPr bwMode="auto">
+          <a:xfrm>
+            <a:off x="5489194" y="3810000"/>
+            <a:ext cx="3211072" cy="2617522"/>
+          </a:xfrm>
+          <a:prstGeom prst="rect">
+            <a:avLst/>
+          </a:prstGeom>
+          <a:noFill/>
+          <a:ln>
+            <a:noFill/>
+          </a:ln>
+          <a:extLst>
+            <a:ext uri="{909E8E84-426E-40DD-AFC4-6F175D3DCCD1}">
+              <a14:hiddenFill xmlns:a14="http://schemas.microsoft.com/office/drawing/2010/main">
+                <a:solidFill>
+                  <a:schemeClr val="accent1"/>
+                </a:solidFill>
+              </a14:hiddenFill>
+            </a:ext>
+            <a:ext uri="{91240B29-F687-4F45-9708-019B960494DF}">
+              <a14:hiddenLine xmlns:a14="http://schemas.microsoft.com/office/drawing/2010/main" w="9525">
+                <a:solidFill>
+                  <a:schemeClr val="tx1"/>
+                </a:solidFill>
+                <a:miter lim="800000"/>
+                <a:headEnd/>
+                <a:tailEnd/>
+              </a14:hiddenLine>
+            </a:ext>
+          </a:extLst>
+        </p:spPr>
+      </p:pic>
+    </p:spTree>
+    <p:extLst>
+      <p:ext uri="{BB962C8B-B14F-4D97-AF65-F5344CB8AC3E}">
+        <p14:creationId xmlns:p14="http://schemas.microsoft.com/office/powerpoint/2010/main" val="2285968701"/>
+      </p:ext>
+    </p:extLst>
+  </p:cSld>
+  <p:clrMapOvr>
+    <a:masterClrMapping/>
+  </p:clrMapOvr>
+</p:sld>
+</file>
+
+<file path=ppt/slides/slide3.xml><?xml version="1.0" encoding="utf-8"?>
+<p:sld xmlns:a="http://schemas.openxmlformats.org/drawingml/2006/main" xmlns:r="http://schemas.openxmlformats.org/officeDocument/2006/relationships" xmlns:p="http://schemas.openxmlformats.org/presentationml/2006/main">
+  <p:cSld>
+    <p:spTree>
+      <p:nvGrpSpPr>
+        <p:cNvPr id="1" name=""/>
+        <p:cNvGrpSpPr/>
+        <p:nvPr/>
+      </p:nvGrpSpPr>
+      <p:grpSpPr>
+        <a:xfrm>
+          <a:off x="0" y="0"/>
+          <a:ext cx="0" cy="0"/>
+          <a:chOff x="0" y="0"/>
+          <a:chExt cx="0" cy="0"/>
+        </a:xfrm>
+      </p:grpSpPr>
+      <p:sp>
+        <p:nvSpPr>
+          <p:cNvPr id="2" name="제목 1"/>
+          <p:cNvSpPr>
+            <a:spLocks noGrp="1"/>
+          </p:cNvSpPr>
+          <p:nvPr>
+            <p:ph type="title"/>
+          </p:nvPr>
+        </p:nvSpPr>
+        <p:spPr/>
+        <p:txBody>
+          <a:bodyPr/>
+          <a:lstStyle/>
+          <a:p>
+            <a:endParaRPr lang="ko-KR" altLang="en-US"/>
+          </a:p>
+        </p:txBody>
+      </p:sp>
+      <p:pic>
+        <p:nvPicPr>
+          <p:cNvPr id="4" name="내용 개체 틀 3"/>
+          <p:cNvPicPr>
+            <a:picLocks noGrp="1" noChangeAspect="1"/>
+          </p:cNvPicPr>
+          <p:nvPr>
+            <p:ph idx="1"/>
+          </p:nvPr>
+        </p:nvPicPr>
+        <p:blipFill>
+          <a:blip r:embed="rId2"/>
+          <a:stretch>
+            <a:fillRect/>
+          </a:stretch>
+        </p:blipFill>
+        <p:spPr>
+          <a:xfrm>
+            <a:off x="457200" y="457200"/>
+            <a:ext cx="8241145" cy="6060411"/>
+          </a:xfrm>
+          <a:prstGeom prst="rect">
+            <a:avLst/>
+          </a:prstGeom>
+        </p:spPr>
+      </p:pic>
+      <p:sp>
+        <p:nvSpPr>
+          <p:cNvPr id="3" name="TextBox 2"/>
+          <p:cNvSpPr txBox="1"/>
+          <p:nvPr/>
+        </p:nvSpPr>
+        <p:spPr>
+          <a:xfrm>
+            <a:off x="1265005" y="6409145"/>
+            <a:ext cx="6613990" cy="369332"/>
+          </a:xfrm>
+          <a:prstGeom prst="rect">
+            <a:avLst/>
+          </a:prstGeom>
+          <a:solidFill>
+            <a:srgbClr val="FFFF00"/>
+          </a:solidFill>
+        </p:spPr>
+        <p:txBody>
+          <a:bodyPr wrap="none" rtlCol="0">
+            <a:spAutoFit/>
+          </a:bodyPr>
+          <a:lstStyle/>
+          <a:p>
+            <a:r>
+              <a:rPr lang="en-US" altLang="ko-KR" dirty="0" smtClean="0"/>
+              <a:t>At each scale, there are effective </a:t>
+            </a:r>
+            <a:r>
+              <a:rPr lang="en-US" altLang="ko-KR" dirty="0" err="1" smtClean="0"/>
+              <a:t>d.o.f</a:t>
+            </a:r>
+            <a:r>
+              <a:rPr lang="en-US" altLang="ko-KR" dirty="0" smtClean="0"/>
+              <a:t>. and effective interaction</a:t>
+            </a:r>
+            <a:endParaRPr lang="ko-KR" altLang="en-US" dirty="0"/>
+          </a:p>
+        </p:txBody>
+      </p:sp>
+    </p:spTree>
+    <p:extLst>
+      <p:ext uri="{BB962C8B-B14F-4D97-AF65-F5344CB8AC3E}">
+        <p14:creationId xmlns:p14="http://schemas.microsoft.com/office/powerpoint/2010/main" val="3465481"/>
+      </p:ext>
+    </p:extLst>
+  </p:cSld>
+  <p:clrMapOvr>
+    <a:masterClrMapping/>
+  </p:clrMapOvr>
+  <p:timing>
+    <p:tnLst>
+      <p:par>
+        <p:cTn id="1" dur="indefinite" restart="never" nodeType="tmRoot"/>
+      </p:par>
+    </p:tnLst>
+  </p:timing>
+</p:sld>
+</file>
+
+<file path=ppt/slides/slide30.xml><?xml version="1.0" encoding="utf-8"?>
+<p:sld xmlns:a="http://schemas.openxmlformats.org/drawingml/2006/main" xmlns:r="http://schemas.openxmlformats.org/officeDocument/2006/relationships" xmlns:p="http://schemas.openxmlformats.org/presentationml/2006/main">
+  <p:cSld>
+    <p:spTree>
+      <p:nvGrpSpPr>
+        <p:cNvPr id="1" name=""/>
+        <p:cNvGrpSpPr/>
+        <p:nvPr/>
+      </p:nvGrpSpPr>
+      <p:grpSpPr>
+        <a:xfrm>
+          <a:off x="0" y="0"/>
+          <a:ext cx="0" cy="0"/>
+          <a:chOff x="0" y="0"/>
+          <a:chExt cx="0" cy="0"/>
+        </a:xfrm>
+      </p:grpSpPr>
+      <p:sp>
+        <p:nvSpPr>
+          <p:cNvPr id="2" name="제목 1"/>
+          <p:cNvSpPr>
+            <a:spLocks noGrp="1"/>
+          </p:cNvSpPr>
+          <p:nvPr>
+            <p:ph type="title"/>
+          </p:nvPr>
+        </p:nvSpPr>
+        <p:spPr/>
+        <p:txBody>
+          <a:bodyPr/>
+          <a:lstStyle/>
+          <a:p>
+            <a:r>
+              <a:rPr lang="en-US" altLang="ko-KR" dirty="0" smtClean="0"/>
+              <a:t>Results</a:t>
+            </a:r>
+            <a:endParaRPr lang="ko-KR" altLang="en-US" dirty="0"/>
+          </a:p>
+        </p:txBody>
+      </p:sp>
+      <p:sp>
+        <p:nvSpPr>
+          <p:cNvPr id="3" name="내용 개체 틀 2"/>
+          <p:cNvSpPr>
+            <a:spLocks noGrp="1"/>
+          </p:cNvSpPr>
+          <p:nvPr>
+            <p:ph idx="1"/>
+          </p:nvPr>
+        </p:nvSpPr>
+        <p:spPr/>
+        <p:txBody>
+          <a:bodyPr>
+            <a:normAutofit/>
+          </a:bodyPr>
+          <a:lstStyle/>
+          <a:p>
+            <a:r>
+              <a:rPr lang="en-US" altLang="ko-KR" dirty="0" smtClean="0"/>
+              <a:t>N=66 neutrons (33 spin up, 33 spin down</a:t>
+            </a:r>
+            <a:r>
+              <a:rPr lang="en-US" altLang="ko-KR" dirty="0" smtClean="0"/>
+              <a:t>)</a:t>
+            </a:r>
+          </a:p>
+          <a:p>
+            <a:r>
+              <a:rPr lang="en-US" altLang="ko-KR" dirty="0" smtClean="0"/>
+              <a:t>L = 4,…, 10 </a:t>
+            </a:r>
+            <a:endParaRPr lang="en-US" altLang="ko-KR" dirty="0" smtClean="0"/>
+          </a:p>
+        </p:txBody>
+      </p:sp>
+      <p:pic>
+        <p:nvPicPr>
+          <p:cNvPr id="7" name="그림 6"/>
+          <p:cNvPicPr>
+            <a:picLocks noChangeAspect="1"/>
+          </p:cNvPicPr>
+          <p:nvPr/>
+        </p:nvPicPr>
+        <p:blipFill>
+          <a:blip r:embed="rId2"/>
+          <a:stretch>
+            <a:fillRect/>
+          </a:stretch>
+        </p:blipFill>
+        <p:spPr>
+          <a:xfrm>
+            <a:off x="762000" y="2590800"/>
+            <a:ext cx="1952898" cy="638264"/>
+          </a:xfrm>
+          <a:prstGeom prst="rect">
+            <a:avLst/>
+          </a:prstGeom>
+        </p:spPr>
+      </p:pic>
+      <p:pic>
+        <p:nvPicPr>
+          <p:cNvPr id="9" name="그림 8"/>
+          <p:cNvPicPr>
+            <a:picLocks noChangeAspect="1"/>
+          </p:cNvPicPr>
+          <p:nvPr/>
+        </p:nvPicPr>
+        <p:blipFill>
+          <a:blip r:embed="rId3"/>
+          <a:stretch>
+            <a:fillRect/>
+          </a:stretch>
+        </p:blipFill>
+        <p:spPr>
+          <a:xfrm>
+            <a:off x="685800" y="3710005"/>
+            <a:ext cx="3801005" cy="1019317"/>
+          </a:xfrm>
+          <a:prstGeom prst="rect">
+            <a:avLst/>
+          </a:prstGeom>
+        </p:spPr>
+      </p:pic>
+      <p:pic>
+        <p:nvPicPr>
+          <p:cNvPr id="10" name="그림 9"/>
+          <p:cNvPicPr>
+            <a:picLocks noChangeAspect="1"/>
+          </p:cNvPicPr>
+          <p:nvPr/>
+        </p:nvPicPr>
+        <p:blipFill>
+          <a:blip r:embed="rId4"/>
+          <a:stretch>
+            <a:fillRect/>
+          </a:stretch>
+        </p:blipFill>
+        <p:spPr>
+          <a:xfrm>
+            <a:off x="4961655" y="3790392"/>
+            <a:ext cx="3715417" cy="858542"/>
+          </a:xfrm>
+          <a:prstGeom prst="rect">
+            <a:avLst/>
+          </a:prstGeom>
+        </p:spPr>
+      </p:pic>
+      <p:pic>
+        <p:nvPicPr>
+          <p:cNvPr id="11" name="그림 10"/>
+          <p:cNvPicPr>
+            <a:picLocks noChangeAspect="1"/>
+          </p:cNvPicPr>
+          <p:nvPr/>
+        </p:nvPicPr>
+        <p:blipFill>
+          <a:blip r:embed="rId5"/>
+          <a:stretch>
+            <a:fillRect/>
+          </a:stretch>
+        </p:blipFill>
+        <p:spPr>
+          <a:xfrm>
+            <a:off x="762000" y="3409777"/>
+            <a:ext cx="685896" cy="552527"/>
+          </a:xfrm>
+          <a:prstGeom prst="rect">
+            <a:avLst/>
+          </a:prstGeom>
+        </p:spPr>
+      </p:pic>
+      <p:pic>
+        <p:nvPicPr>
+          <p:cNvPr id="12" name="그림 11"/>
+          <p:cNvPicPr>
+            <a:picLocks noChangeAspect="1"/>
+          </p:cNvPicPr>
+          <p:nvPr/>
+        </p:nvPicPr>
+        <p:blipFill>
+          <a:blip r:embed="rId6"/>
+          <a:stretch>
+            <a:fillRect/>
+          </a:stretch>
+        </p:blipFill>
+        <p:spPr>
+          <a:xfrm>
+            <a:off x="685800" y="4876255"/>
+            <a:ext cx="5115639" cy="1086002"/>
+          </a:xfrm>
+          <a:prstGeom prst="rect">
+            <a:avLst/>
+          </a:prstGeom>
+        </p:spPr>
+      </p:pic>
+      <p:pic>
+        <p:nvPicPr>
+          <p:cNvPr id="13" name="그림 12"/>
+          <p:cNvPicPr>
+            <a:picLocks noChangeAspect="1"/>
+          </p:cNvPicPr>
+          <p:nvPr/>
+        </p:nvPicPr>
+        <p:blipFill>
+          <a:blip r:embed="rId7"/>
+          <a:stretch>
+            <a:fillRect/>
+          </a:stretch>
+        </p:blipFill>
+        <p:spPr>
+          <a:xfrm>
+            <a:off x="6477000" y="5562600"/>
+            <a:ext cx="1857634" cy="295316"/>
+          </a:xfrm>
+          <a:prstGeom prst="rect">
+            <a:avLst/>
+          </a:prstGeom>
+        </p:spPr>
+      </p:pic>
+    </p:spTree>
+    <p:extLst>
+      <p:ext uri="{BB962C8B-B14F-4D97-AF65-F5344CB8AC3E}">
+        <p14:creationId xmlns:p14="http://schemas.microsoft.com/office/powerpoint/2010/main" val="969077185"/>
+      </p:ext>
+    </p:extLst>
+  </p:cSld>
+  <p:clrMapOvr>
+    <a:masterClrMapping/>
+  </p:clrMapOvr>
+</p:sld>
+</file>
+
+<file path=ppt/slides/slide31.xml><?xml version="1.0" encoding="utf-8"?>
+<p:sld xmlns:a="http://schemas.openxmlformats.org/drawingml/2006/main" xmlns:r="http://schemas.openxmlformats.org/officeDocument/2006/relationships" xmlns:p="http://schemas.openxmlformats.org/presentationml/2006/main">
+  <p:cSld>
+    <p:spTree>
+      <p:nvGrpSpPr>
+        <p:cNvPr id="1" name=""/>
+        <p:cNvGrpSpPr/>
+        <p:nvPr/>
+      </p:nvGrpSpPr>
+      <p:grpSpPr>
+        <a:xfrm>
+          <a:off x="0" y="0"/>
+          <a:ext cx="0" cy="0"/>
+          <a:chOff x="0" y="0"/>
+          <a:chExt cx="0" cy="0"/>
+        </a:xfrm>
+      </p:grpSpPr>
+      <p:pic>
+        <p:nvPicPr>
+          <p:cNvPr id="4" name="그림 3"/>
+          <p:cNvPicPr>
+            <a:picLocks noChangeAspect="1"/>
+          </p:cNvPicPr>
+          <p:nvPr/>
+        </p:nvPicPr>
+        <p:blipFill>
+          <a:blip r:embed="rId2"/>
+          <a:stretch>
+            <a:fillRect/>
+          </a:stretch>
+        </p:blipFill>
+        <p:spPr>
+          <a:xfrm>
+            <a:off x="609600" y="609600"/>
+            <a:ext cx="2638793" cy="819264"/>
+          </a:xfrm>
+          <a:prstGeom prst="rect">
+            <a:avLst/>
+          </a:prstGeom>
+        </p:spPr>
+      </p:pic>
+      <p:pic>
+        <p:nvPicPr>
+          <p:cNvPr id="5" name="그림 4"/>
+          <p:cNvPicPr>
+            <a:picLocks noChangeAspect="1"/>
+          </p:cNvPicPr>
+          <p:nvPr/>
+        </p:nvPicPr>
+        <p:blipFill>
+          <a:blip r:embed="rId3"/>
+          <a:stretch>
+            <a:fillRect/>
+          </a:stretch>
+        </p:blipFill>
+        <p:spPr>
+          <a:xfrm>
+            <a:off x="4572000" y="414310"/>
+            <a:ext cx="3915321" cy="1209844"/>
+          </a:xfrm>
+          <a:prstGeom prst="rect">
+            <a:avLst/>
+          </a:prstGeom>
+        </p:spPr>
+      </p:pic>
+      <p:pic>
+        <p:nvPicPr>
+          <p:cNvPr id="6" name="그림 5"/>
+          <p:cNvPicPr>
+            <a:picLocks noChangeAspect="1"/>
+          </p:cNvPicPr>
+          <p:nvPr/>
+        </p:nvPicPr>
+        <p:blipFill>
+          <a:blip r:embed="rId4"/>
+          <a:stretch>
+            <a:fillRect/>
+          </a:stretch>
+        </p:blipFill>
+        <p:spPr>
+          <a:xfrm>
+            <a:off x="762021" y="1752600"/>
+            <a:ext cx="2486372" cy="952633"/>
+          </a:xfrm>
+          <a:prstGeom prst="rect">
+            <a:avLst/>
+          </a:prstGeom>
+        </p:spPr>
+      </p:pic>
+      <p:pic>
+        <p:nvPicPr>
+          <p:cNvPr id="7" name="그림 6"/>
+          <p:cNvPicPr>
+            <a:picLocks noChangeAspect="1"/>
+          </p:cNvPicPr>
+          <p:nvPr/>
+        </p:nvPicPr>
+        <p:blipFill>
+          <a:blip r:embed="rId5"/>
+          <a:stretch>
+            <a:fillRect/>
+          </a:stretch>
+        </p:blipFill>
+        <p:spPr>
+          <a:xfrm>
+            <a:off x="414584" y="4191000"/>
+            <a:ext cx="4229690" cy="914528"/>
+          </a:xfrm>
+          <a:prstGeom prst="rect">
+            <a:avLst/>
+          </a:prstGeom>
+        </p:spPr>
+      </p:pic>
+      <p:sp>
+        <p:nvSpPr>
+          <p:cNvPr id="8" name="TextBox 7"/>
+          <p:cNvSpPr txBox="1"/>
+          <p:nvPr/>
+        </p:nvSpPr>
+        <p:spPr>
+          <a:xfrm>
+            <a:off x="616085" y="3593068"/>
+            <a:ext cx="3826689" cy="369332"/>
+          </a:xfrm>
+          <a:prstGeom prst="rect">
+            <a:avLst/>
+          </a:prstGeom>
+          <a:noFill/>
+        </p:spPr>
+        <p:txBody>
+          <a:bodyPr wrap="none" rtlCol="0">
+            <a:spAutoFit/>
+          </a:bodyPr>
+          <a:lstStyle/>
+          <a:p>
+            <a:r>
+              <a:rPr lang="en-US" altLang="ko-KR" dirty="0" smtClean="0"/>
+              <a:t>Infinite Euclidian time extrapolation</a:t>
+            </a:r>
+            <a:endParaRPr lang="ko-KR" altLang="en-US" dirty="0"/>
+          </a:p>
+        </p:txBody>
+      </p:sp>
+      <p:sp>
+        <p:nvSpPr>
+          <p:cNvPr id="9" name="TextBox 8"/>
+          <p:cNvSpPr txBox="1"/>
+          <p:nvPr/>
+        </p:nvSpPr>
+        <p:spPr>
+          <a:xfrm>
+            <a:off x="482032" y="5272079"/>
+            <a:ext cx="7118295" cy="646331"/>
+          </a:xfrm>
+          <a:prstGeom prst="rect">
+            <a:avLst/>
+          </a:prstGeom>
+          <a:noFill/>
+        </p:spPr>
+        <p:txBody>
+          <a:bodyPr wrap="none" rtlCol="0">
+            <a:spAutoFit/>
+          </a:bodyPr>
+          <a:lstStyle/>
+          <a:p>
+            <a:r>
+              <a:rPr lang="en-US" altLang="ko-KR" dirty="0" smtClean="0"/>
+              <a:t>We performed Simultaneous fits using asymptotic form , if available,</a:t>
+            </a:r>
+          </a:p>
+          <a:p>
+            <a:r>
+              <a:rPr lang="en-US" altLang="ko-KR" dirty="0" smtClean="0"/>
+              <a:t>With different Lt’ results. </a:t>
+            </a:r>
+            <a:endParaRPr lang="ko-KR" altLang="en-US" dirty="0"/>
+          </a:p>
+        </p:txBody>
+      </p:sp>
+    </p:spTree>
+    <p:extLst>
+      <p:ext uri="{BB962C8B-B14F-4D97-AF65-F5344CB8AC3E}">
+        <p14:creationId xmlns:p14="http://schemas.microsoft.com/office/powerpoint/2010/main" val="1912204996"/>
+      </p:ext>
+    </p:extLst>
+  </p:cSld>
+  <p:clrMapOvr>
+    <a:masterClrMapping/>
+  </p:clrMapOvr>
+</p:sld>
+</file>
+
+<file path=ppt/slides/slide32.xml><?xml version="1.0" encoding="utf-8"?>
+<p:sld xmlns:a="http://schemas.openxmlformats.org/drawingml/2006/main" xmlns:r="http://schemas.openxmlformats.org/officeDocument/2006/relationships" xmlns:p="http://schemas.openxmlformats.org/presentationml/2006/main">
+  <p:cSld>
+    <p:spTree>
+      <p:nvGrpSpPr>
+        <p:cNvPr id="1" name=""/>
+        <p:cNvGrpSpPr/>
+        <p:nvPr/>
+      </p:nvGrpSpPr>
+      <p:grpSpPr>
+        <a:xfrm>
+          <a:off x="0" y="0"/>
+          <a:ext cx="0" cy="0"/>
+          <a:chOff x="0" y="0"/>
+          <a:chExt cx="0" cy="0"/>
+        </a:xfrm>
+      </p:grpSpPr>
+      <p:pic>
+        <p:nvPicPr>
+          <p:cNvPr id="4" name="그림 3"/>
+          <p:cNvPicPr>
+            <a:picLocks noChangeAspect="1"/>
+          </p:cNvPicPr>
+          <p:nvPr/>
+        </p:nvPicPr>
+        <p:blipFill>
+          <a:blip r:embed="rId2"/>
+          <a:stretch>
+            <a:fillRect/>
+          </a:stretch>
+        </p:blipFill>
+        <p:spPr>
+          <a:xfrm>
+            <a:off x="381000" y="609600"/>
+            <a:ext cx="8496300" cy="2957692"/>
+          </a:xfrm>
+          <a:prstGeom prst="rect">
+            <a:avLst/>
+          </a:prstGeom>
+        </p:spPr>
+      </p:pic>
+      <p:pic>
+        <p:nvPicPr>
+          <p:cNvPr id="5" name="그림 4"/>
+          <p:cNvPicPr>
+            <a:picLocks noChangeAspect="1"/>
+          </p:cNvPicPr>
+          <p:nvPr/>
+        </p:nvPicPr>
+        <p:blipFill>
+          <a:blip r:embed="rId3"/>
+          <a:stretch>
+            <a:fillRect/>
+          </a:stretch>
+        </p:blipFill>
+        <p:spPr>
+          <a:xfrm>
+            <a:off x="361950" y="3602960"/>
+            <a:ext cx="8420100" cy="2806700"/>
+          </a:xfrm>
+          <a:prstGeom prst="rect">
+            <a:avLst/>
+          </a:prstGeom>
+        </p:spPr>
+      </p:pic>
+    </p:spTree>
+    <p:extLst>
+      <p:ext uri="{BB962C8B-B14F-4D97-AF65-F5344CB8AC3E}">
+        <p14:creationId xmlns:p14="http://schemas.microsoft.com/office/powerpoint/2010/main" val="1673671918"/>
+      </p:ext>
+    </p:extLst>
+  </p:cSld>
+  <p:clrMapOvr>
+    <a:masterClrMapping/>
+  </p:clrMapOvr>
+</p:sld>
+</file>
+
+<file path=ppt/slides/slide33.xml><?xml version="1.0" encoding="utf-8"?>
+<p:sld xmlns:a="http://schemas.openxmlformats.org/drawingml/2006/main" xmlns:r="http://schemas.openxmlformats.org/officeDocument/2006/relationships" xmlns:p="http://schemas.openxmlformats.org/presentationml/2006/main">
+  <p:cSld>
+    <p:spTree>
+      <p:nvGrpSpPr>
+        <p:cNvPr id="1" name=""/>
+        <p:cNvGrpSpPr/>
+        <p:nvPr/>
+      </p:nvGrpSpPr>
+      <p:grpSpPr>
+        <a:xfrm>
+          <a:off x="0" y="0"/>
+          <a:ext cx="0" cy="0"/>
+          <a:chOff x="0" y="0"/>
+          <a:chExt cx="0" cy="0"/>
+        </a:xfrm>
+      </p:grpSpPr>
+      <p:pic>
+        <p:nvPicPr>
+          <p:cNvPr id="4" name="그림 3"/>
+          <p:cNvPicPr>
+            <a:picLocks noChangeAspect="1"/>
+          </p:cNvPicPr>
+          <p:nvPr/>
+        </p:nvPicPr>
+        <p:blipFill>
+          <a:blip r:embed="rId2"/>
+          <a:stretch>
+            <a:fillRect/>
+          </a:stretch>
+        </p:blipFill>
+        <p:spPr>
+          <a:xfrm>
+            <a:off x="571500" y="609600"/>
+            <a:ext cx="8001000" cy="2670914"/>
+          </a:xfrm>
+          <a:prstGeom prst="rect">
+            <a:avLst/>
+          </a:prstGeom>
+        </p:spPr>
+      </p:pic>
+      <p:pic>
+        <p:nvPicPr>
+          <p:cNvPr id="5" name="그림 4"/>
+          <p:cNvPicPr>
+            <a:picLocks noChangeAspect="1"/>
+          </p:cNvPicPr>
+          <p:nvPr/>
+        </p:nvPicPr>
+        <p:blipFill>
+          <a:blip r:embed="rId3"/>
+          <a:stretch>
+            <a:fillRect/>
+          </a:stretch>
+        </p:blipFill>
+        <p:spPr>
+          <a:xfrm>
+            <a:off x="5486400" y="3741904"/>
+            <a:ext cx="2741877" cy="3037409"/>
+          </a:xfrm>
+          <a:prstGeom prst="rect">
+            <a:avLst/>
+          </a:prstGeom>
+        </p:spPr>
+      </p:pic>
+      <p:pic>
+        <p:nvPicPr>
+          <p:cNvPr id="6" name="그림 5"/>
+          <p:cNvPicPr>
+            <a:picLocks noChangeAspect="1"/>
+          </p:cNvPicPr>
+          <p:nvPr/>
+        </p:nvPicPr>
+        <p:blipFill>
+          <a:blip r:embed="rId4"/>
+          <a:stretch>
+            <a:fillRect/>
+          </a:stretch>
+        </p:blipFill>
+        <p:spPr>
+          <a:xfrm>
+            <a:off x="734019" y="3761359"/>
+            <a:ext cx="3837981" cy="2562519"/>
+          </a:xfrm>
+          <a:prstGeom prst="rect">
+            <a:avLst/>
+          </a:prstGeom>
+        </p:spPr>
+      </p:pic>
+    </p:spTree>
+    <p:extLst>
+      <p:ext uri="{BB962C8B-B14F-4D97-AF65-F5344CB8AC3E}">
+        <p14:creationId xmlns:p14="http://schemas.microsoft.com/office/powerpoint/2010/main" val="3997468180"/>
+      </p:ext>
+    </p:extLst>
+  </p:cSld>
+  <p:clrMapOvr>
+    <a:masterClrMapping/>
+  </p:clrMapOvr>
+</p:sld>
+</file>
+
+<file path=ppt/slides/slide34.xml><?xml version="1.0" encoding="utf-8"?>
+<p:sld xmlns:a="http://schemas.openxmlformats.org/drawingml/2006/main" xmlns:r="http://schemas.openxmlformats.org/officeDocument/2006/relationships" xmlns:p="http://schemas.openxmlformats.org/presentationml/2006/main">
+  <p:cSld>
+    <p:spTree>
+      <p:nvGrpSpPr>
+        <p:cNvPr id="1" name=""/>
+        <p:cNvGrpSpPr/>
+        <p:nvPr/>
+      </p:nvGrpSpPr>
+      <p:grpSpPr>
+        <a:xfrm>
+          <a:off x="0" y="0"/>
+          <a:ext cx="0" cy="0"/>
+          <a:chOff x="0" y="0"/>
+          <a:chExt cx="0" cy="0"/>
+        </a:xfrm>
+      </p:grpSpPr>
+      <p:pic>
+        <p:nvPicPr>
+          <p:cNvPr id="2" name="그림 1"/>
+          <p:cNvPicPr>
+            <a:picLocks noChangeAspect="1"/>
+          </p:cNvPicPr>
+          <p:nvPr/>
+        </p:nvPicPr>
+        <p:blipFill>
+          <a:blip r:embed="rId2"/>
+          <a:stretch>
+            <a:fillRect/>
+          </a:stretch>
+        </p:blipFill>
+        <p:spPr>
+          <a:xfrm>
+            <a:off x="381000" y="609600"/>
+            <a:ext cx="3991532" cy="876422"/>
+          </a:xfrm>
+          <a:prstGeom prst="rect">
+            <a:avLst/>
+          </a:prstGeom>
+        </p:spPr>
+      </p:pic>
+      <p:pic>
+        <p:nvPicPr>
+          <p:cNvPr id="3" name="그림 2"/>
+          <p:cNvPicPr>
+            <a:picLocks noChangeAspect="1"/>
+          </p:cNvPicPr>
+          <p:nvPr/>
+        </p:nvPicPr>
+        <p:blipFill>
+          <a:blip r:embed="rId3"/>
+          <a:stretch>
+            <a:fillRect/>
+          </a:stretch>
+        </p:blipFill>
+        <p:spPr>
+          <a:xfrm>
+            <a:off x="5029200" y="542915"/>
+            <a:ext cx="2867425" cy="1009791"/>
+          </a:xfrm>
+          <a:prstGeom prst="rect">
+            <a:avLst/>
+          </a:prstGeom>
+        </p:spPr>
+      </p:pic>
+      <p:pic>
+        <p:nvPicPr>
+          <p:cNvPr id="4" name="그림 3"/>
+          <p:cNvPicPr>
+            <a:picLocks noChangeAspect="1"/>
+          </p:cNvPicPr>
+          <p:nvPr/>
+        </p:nvPicPr>
+        <p:blipFill>
+          <a:blip r:embed="rId4"/>
+          <a:stretch>
+            <a:fillRect/>
+          </a:stretch>
+        </p:blipFill>
+        <p:spPr>
+          <a:xfrm>
+            <a:off x="228600" y="1458460"/>
+            <a:ext cx="5852281" cy="3905667"/>
+          </a:xfrm>
+          <a:prstGeom prst="rect">
+            <a:avLst/>
+          </a:prstGeom>
+        </p:spPr>
+      </p:pic>
+      <p:pic>
+        <p:nvPicPr>
+          <p:cNvPr id="5" name="그림 4"/>
+          <p:cNvPicPr>
+            <a:picLocks noChangeAspect="1"/>
+          </p:cNvPicPr>
+          <p:nvPr/>
+        </p:nvPicPr>
+        <p:blipFill>
+          <a:blip r:embed="rId5"/>
+          <a:stretch>
+            <a:fillRect/>
+          </a:stretch>
+        </p:blipFill>
+        <p:spPr>
+          <a:xfrm>
+            <a:off x="762000" y="5486400"/>
+            <a:ext cx="1828800" cy="478420"/>
+          </a:xfrm>
+          <a:prstGeom prst="rect">
+            <a:avLst/>
+          </a:prstGeom>
+        </p:spPr>
+      </p:pic>
+      <p:pic>
+        <p:nvPicPr>
+          <p:cNvPr id="6" name="그림 5"/>
+          <p:cNvPicPr>
+            <a:picLocks noChangeAspect="1"/>
+          </p:cNvPicPr>
+          <p:nvPr/>
+        </p:nvPicPr>
+        <p:blipFill>
+          <a:blip r:embed="rId6"/>
+          <a:stretch>
+            <a:fillRect/>
+          </a:stretch>
+        </p:blipFill>
+        <p:spPr>
+          <a:xfrm>
+            <a:off x="2971800" y="5554587"/>
+            <a:ext cx="1838497" cy="342046"/>
+          </a:xfrm>
+          <a:prstGeom prst="rect">
+            <a:avLst/>
+          </a:prstGeom>
+        </p:spPr>
+      </p:pic>
+    </p:spTree>
+    <p:extLst>
+      <p:ext uri="{BB962C8B-B14F-4D97-AF65-F5344CB8AC3E}">
+        <p14:creationId xmlns:p14="http://schemas.microsoft.com/office/powerpoint/2010/main" val="1756595536"/>
+      </p:ext>
+    </p:extLst>
+  </p:cSld>
+  <p:clrMapOvr>
+    <a:masterClrMapping/>
+  </p:clrMapOvr>
+</p:sld>
+</file>
+
+<file path=ppt/slides/slide35.xml><?xml version="1.0" encoding="utf-8"?>
+<p:sld xmlns:a="http://schemas.openxmlformats.org/drawingml/2006/main" xmlns:r="http://schemas.openxmlformats.org/officeDocument/2006/relationships" xmlns:p="http://schemas.openxmlformats.org/presentationml/2006/main">
+  <p:cSld>
+    <p:spTree>
+      <p:nvGrpSpPr>
+        <p:cNvPr id="1" name=""/>
+        <p:cNvGrpSpPr/>
+        <p:nvPr/>
+      </p:nvGrpSpPr>
+      <p:grpSpPr>
+        <a:xfrm>
+          <a:off x="0" y="0"/>
+          <a:ext cx="0" cy="0"/>
+          <a:chOff x="0" y="0"/>
+          <a:chExt cx="0" cy="0"/>
+        </a:xfrm>
+      </p:grpSpPr>
+      <p:sp>
+        <p:nvSpPr>
+          <p:cNvPr id="2" name="제목 1"/>
+          <p:cNvSpPr>
+            <a:spLocks noGrp="1"/>
+          </p:cNvSpPr>
+          <p:nvPr>
+            <p:ph type="title"/>
+          </p:nvPr>
+        </p:nvSpPr>
+        <p:spPr/>
+        <p:txBody>
+          <a:bodyPr/>
+          <a:lstStyle/>
+          <a:p>
+            <a:r>
+              <a:rPr lang="en-US" altLang="ko-KR" dirty="0" smtClean="0"/>
+              <a:t>Discussion</a:t>
+            </a:r>
+            <a:endParaRPr lang="ko-KR" altLang="en-US" dirty="0"/>
+          </a:p>
+        </p:txBody>
+      </p:sp>
+      <p:sp>
+        <p:nvSpPr>
+          <p:cNvPr id="3" name="내용 개체 틀 2"/>
+          <p:cNvSpPr>
+            <a:spLocks noGrp="1"/>
+          </p:cNvSpPr>
+          <p:nvPr>
+            <p:ph idx="1"/>
+          </p:nvPr>
+        </p:nvSpPr>
+        <p:spPr/>
+        <p:txBody>
+          <a:bodyPr>
+            <a:normAutofit fontScale="92500" lnSpcReduction="10000"/>
+          </a:bodyPr>
+          <a:lstStyle/>
+          <a:p>
+            <a:r>
+              <a:rPr lang="en-US" altLang="ko-KR" dirty="0" smtClean="0"/>
+              <a:t>We confirm the regularization independence of NLEFT calculation for Unitary </a:t>
+            </a:r>
+            <a:r>
+              <a:rPr lang="en-US" altLang="ko-KR" dirty="0" smtClean="0"/>
+              <a:t>Fermi </a:t>
+            </a:r>
+            <a:r>
+              <a:rPr lang="en-US" altLang="ko-KR" dirty="0" smtClean="0"/>
+              <a:t>Gas. </a:t>
+            </a:r>
+          </a:p>
+          <a:p>
+            <a:r>
+              <a:rPr lang="en-US" altLang="ko-KR" dirty="0" err="1" smtClean="0"/>
+              <a:t>Bertsch</a:t>
+            </a:r>
+            <a:r>
+              <a:rPr lang="en-US" altLang="ko-KR" dirty="0" smtClean="0"/>
+              <a:t> parameter of UFG estimated </a:t>
+            </a:r>
+            <a:r>
+              <a:rPr lang="en-US" altLang="ko-KR" dirty="0" smtClean="0"/>
+              <a:t>0.369(2) </a:t>
+            </a:r>
+            <a:r>
+              <a:rPr lang="en-US" altLang="ko-KR" dirty="0"/>
+              <a:t>,</a:t>
+            </a:r>
+            <a:r>
+              <a:rPr lang="en-US" altLang="ko-KR" dirty="0" smtClean="0"/>
+              <a:t> 0.371(2)</a:t>
+            </a:r>
+          </a:p>
+          <a:p>
+            <a:r>
+              <a:rPr lang="en-US" altLang="ko-KR" dirty="0" smtClean="0"/>
+              <a:t>Consistent with Previous Cubic Lattice Calculation:</a:t>
+            </a:r>
+          </a:p>
+          <a:p>
+            <a:pPr marL="0" indent="0">
+              <a:buNone/>
+            </a:pPr>
+            <a:r>
+              <a:rPr lang="en-US" altLang="ko-KR" dirty="0"/>
+              <a:t>   [He et al., Phys. Rev. A 101, 063615 (2020)].</a:t>
+            </a:r>
+            <a:endParaRPr lang="en-US" altLang="ko-KR" dirty="0" smtClean="0"/>
+          </a:p>
+          <a:p>
+            <a:pPr marL="0" indent="0">
+              <a:buNone/>
+            </a:pPr>
+            <a:r>
+              <a:rPr lang="en-US" altLang="ko-KR" dirty="0"/>
+              <a:t> </a:t>
+            </a:r>
+            <a:r>
+              <a:rPr lang="en-US" altLang="ko-KR" dirty="0" smtClean="0"/>
+              <a:t>   0.369(2), 0.372(2).</a:t>
+            </a:r>
+          </a:p>
+          <a:p>
+            <a:r>
+              <a:rPr lang="en-US" altLang="ko-KR" dirty="0" smtClean="0"/>
+              <a:t>Good agreement with other theoretical calculations</a:t>
+            </a:r>
+            <a:endParaRPr lang="en-US" altLang="ko-KR" dirty="0"/>
+          </a:p>
+          <a:p>
+            <a:r>
+              <a:rPr lang="en-US" altLang="ko-KR" dirty="0" smtClean="0"/>
+              <a:t>Good agreement with the </a:t>
+            </a:r>
+            <a:r>
+              <a:rPr lang="en-US" altLang="ko-KR" dirty="0"/>
+              <a:t>experimental measurement </a:t>
+            </a:r>
+            <a:r>
+              <a:rPr lang="en-US" altLang="ko-KR" dirty="0" smtClean="0"/>
+              <a:t>0.376(4).</a:t>
+            </a:r>
+            <a:endParaRPr lang="en-US" altLang="ko-KR" dirty="0" smtClean="0"/>
+          </a:p>
+          <a:p>
+            <a:r>
+              <a:rPr lang="en-US" altLang="ko-KR" dirty="0" smtClean="0"/>
+              <a:t>BCC lattice calculation shows faster convergence between </a:t>
+            </a:r>
+            <a:r>
+              <a:rPr lang="en-US" altLang="ko-KR" dirty="0" err="1" smtClean="0"/>
+              <a:t>beta^few</a:t>
+            </a:r>
+            <a:r>
+              <a:rPr lang="en-US" altLang="ko-KR" dirty="0" smtClean="0"/>
+              <a:t> </a:t>
+            </a:r>
+            <a:r>
+              <a:rPr lang="en-US" altLang="ko-KR" dirty="0" smtClean="0"/>
+              <a:t>and </a:t>
+            </a:r>
+            <a:r>
+              <a:rPr lang="en-US" altLang="ko-KR" dirty="0" err="1" smtClean="0"/>
+              <a:t>beta^therm</a:t>
+            </a:r>
+            <a:r>
+              <a:rPr lang="en-US" altLang="ko-KR" dirty="0" smtClean="0"/>
+              <a:t>. BCC lattice requires larger number of lattice points for the same lattice size. However, for the similar number of lattice points, computational cost is similar for BCC and cubic lattice. </a:t>
+            </a:r>
+            <a:endParaRPr lang="en-US" altLang="ko-KR" dirty="0" smtClean="0"/>
+          </a:p>
+          <a:p>
+            <a:r>
+              <a:rPr lang="en-US" altLang="ko-KR" dirty="0" smtClean="0"/>
+              <a:t>Plan for nuclear system with realistic interaction. </a:t>
+            </a:r>
+            <a:endParaRPr lang="ko-KR" altLang="en-US" dirty="0"/>
+          </a:p>
+        </p:txBody>
+      </p:sp>
+    </p:spTree>
+    <p:extLst>
+      <p:ext uri="{BB962C8B-B14F-4D97-AF65-F5344CB8AC3E}">
+        <p14:creationId xmlns:p14="http://schemas.microsoft.com/office/powerpoint/2010/main" val="3803415619"/>
+      </p:ext>
+    </p:extLst>
+  </p:cSld>
+  <p:clrMapOvr>
+    <a:masterClrMapping/>
+  </p:clrMapOvr>
+  <p:timing>
+    <p:tnLst>
+      <p:par>
+        <p:cTn id="1" dur="indefinite" restart="never" nodeType="tmRoot"/>
+      </p:par>
+    </p:tnLst>
+  </p:timing>
+</p:sld>
+</file>
+
+<file path=ppt/slides/slide4.xml><?xml version="1.0" encoding="utf-8"?>
+<p:sld xmlns:a="http://schemas.openxmlformats.org/drawingml/2006/main" xmlns:r="http://schemas.openxmlformats.org/officeDocument/2006/relationships" xmlns:p="http://schemas.openxmlformats.org/presentationml/2006/main">
+  <p:cSld>
+    <p:spTree>
+      <p:nvGrpSpPr>
+        <p:cNvPr id="1" name=""/>
+        <p:cNvGrpSpPr/>
+        <p:nvPr/>
+      </p:nvGrpSpPr>
+      <p:grpSpPr>
+        <a:xfrm>
+          <a:off x="0" y="0"/>
+          <a:ext cx="0" cy="0"/>
+          <a:chOff x="0" y="0"/>
+          <a:chExt cx="0" cy="0"/>
+        </a:xfrm>
+      </p:grpSpPr>
+      <p:sp>
+        <p:nvSpPr>
+          <p:cNvPr id="2" name="제목 1"/>
+          <p:cNvSpPr>
+            <a:spLocks noGrp="1"/>
+          </p:cNvSpPr>
+          <p:nvPr>
+            <p:ph type="title"/>
+          </p:nvPr>
+        </p:nvSpPr>
+        <p:spPr/>
+        <p:txBody>
+          <a:bodyPr/>
+          <a:lstStyle/>
+          <a:p>
+            <a:endParaRPr lang="ko-KR" altLang="en-US"/>
+          </a:p>
+        </p:txBody>
+      </p:sp>
+      <p:pic>
+        <p:nvPicPr>
+          <p:cNvPr id="4" name="내용 개체 틀 3"/>
+          <p:cNvPicPr>
+            <a:picLocks noGrp="1" noChangeAspect="1"/>
+          </p:cNvPicPr>
+          <p:nvPr>
+            <p:ph idx="1"/>
+          </p:nvPr>
+        </p:nvPicPr>
+        <p:blipFill>
+          <a:blip r:embed="rId2"/>
+          <a:stretch>
+            <a:fillRect/>
+          </a:stretch>
+        </p:blipFill>
+        <p:spPr>
+          <a:xfrm>
+            <a:off x="457200" y="457200"/>
+            <a:ext cx="8241145" cy="6060411"/>
+          </a:xfrm>
+          <a:prstGeom prst="rect">
+            <a:avLst/>
+          </a:prstGeom>
+        </p:spPr>
+      </p:pic>
+      <p:sp>
+        <p:nvSpPr>
+          <p:cNvPr id="7" name="오른쪽 중괄호 6"/>
+          <p:cNvSpPr/>
+          <p:nvPr/>
+        </p:nvSpPr>
+        <p:spPr>
+          <a:xfrm>
+            <a:off x="8001000" y="2895600"/>
+            <a:ext cx="457200" cy="3276600"/>
+          </a:xfrm>
+          <a:prstGeom prst="rightBrace">
+            <a:avLst/>
+          </a:prstGeom>
+          <a:ln>
+            <a:solidFill>
+              <a:srgbClr val="0070C0"/>
+            </a:solidFill>
+          </a:ln>
+        </p:spPr>
+        <p:style>
+          <a:lnRef idx="1">
+            <a:schemeClr val="accent1"/>
+          </a:lnRef>
+          <a:fillRef idx="0">
+            <a:schemeClr val="accent1"/>
+          </a:fillRef>
+          <a:effectRef idx="0">
+            <a:schemeClr val="accent1"/>
+          </a:effectRef>
+          <a:fontRef idx="minor">
+            <a:schemeClr val="tx1"/>
+          </a:fontRef>
+        </p:style>
+        <p:txBody>
+          <a:bodyPr rtlCol="0" anchor="ctr"/>
+          <a:lstStyle/>
+          <a:p>
+            <a:pPr algn="ctr"/>
+            <a:endParaRPr lang="ko-KR" altLang="en-US"/>
+          </a:p>
+        </p:txBody>
+      </p:sp>
+      <p:sp>
+        <p:nvSpPr>
+          <p:cNvPr id="8" name="TextBox 7"/>
+          <p:cNvSpPr txBox="1"/>
+          <p:nvPr/>
+        </p:nvSpPr>
+        <p:spPr>
+          <a:xfrm>
+            <a:off x="8338113" y="4268926"/>
+            <a:ext cx="729687" cy="646331"/>
+          </a:xfrm>
+          <a:prstGeom prst="rect">
+            <a:avLst/>
+          </a:prstGeom>
+          <a:solidFill>
+            <a:srgbClr val="FFFF00"/>
+          </a:solidFill>
+        </p:spPr>
+        <p:txBody>
+          <a:bodyPr wrap="none" rtlCol="0">
+            <a:spAutoFit/>
+          </a:bodyPr>
+          <a:lstStyle/>
+          <a:p>
+            <a:r>
+              <a:rPr lang="en-US" altLang="ko-KR" sz="1200" dirty="0" smtClean="0"/>
+              <a:t>Ab initio</a:t>
+            </a:r>
+          </a:p>
+          <a:p>
+            <a:r>
+              <a:rPr lang="en-US" altLang="ko-KR" sz="1200" dirty="0" smtClean="0"/>
+              <a:t>Nuclear</a:t>
+            </a:r>
+          </a:p>
+          <a:p>
+            <a:r>
+              <a:rPr lang="en-US" altLang="ko-KR" sz="1200" dirty="0" smtClean="0"/>
+              <a:t>Theory</a:t>
+            </a:r>
+            <a:endParaRPr lang="ko-KR" altLang="en-US" sz="1200" dirty="0"/>
+          </a:p>
+        </p:txBody>
+      </p:sp>
+    </p:spTree>
+    <p:extLst>
+      <p:ext uri="{BB962C8B-B14F-4D97-AF65-F5344CB8AC3E}">
+        <p14:creationId xmlns:p14="http://schemas.microsoft.com/office/powerpoint/2010/main" val="1666045712"/>
+      </p:ext>
+    </p:extLst>
+  </p:cSld>
+  <p:clrMapOvr>
+    <a:masterClrMapping/>
+  </p:clrMapOvr>
+  <p:timing>
+    <p:tnLst>
+      <p:par>
+        <p:cTn id="1" dur="indefinite" restart="never" nodeType="tmRoot"/>
+      </p:par>
+    </p:tnLst>
+  </p:timing>
+</p:sld>
+</file>
+
+<file path=ppt/slides/slide5.xml><?xml version="1.0" encoding="utf-8"?>
+<p:sld xmlns:a="http://schemas.openxmlformats.org/drawingml/2006/main" xmlns:r="http://schemas.openxmlformats.org/officeDocument/2006/relationships" xmlns:p="http://schemas.openxmlformats.org/presentationml/2006/main">
+  <p:cSld>
+    <p:spTree>
+      <p:nvGrpSpPr>
+        <p:cNvPr id="1" name=""/>
+        <p:cNvGrpSpPr/>
+        <p:nvPr/>
+      </p:nvGrpSpPr>
+      <p:grpSpPr>
+        <a:xfrm>
+          <a:off x="0" y="0"/>
+          <a:ext cx="0" cy="0"/>
+          <a:chOff x="0" y="0"/>
+          <a:chExt cx="0" cy="0"/>
+        </a:xfrm>
+      </p:grpSpPr>
+      <p:sp>
+        <p:nvSpPr>
+          <p:cNvPr id="2" name="제목 1"/>
+          <p:cNvSpPr>
+            <a:spLocks noGrp="1"/>
+          </p:cNvSpPr>
+          <p:nvPr>
+            <p:ph type="title"/>
+          </p:nvPr>
+        </p:nvSpPr>
+        <p:spPr/>
+        <p:txBody>
+          <a:bodyPr/>
+          <a:lstStyle/>
+          <a:p>
+            <a:r>
+              <a:rPr lang="en-US" altLang="ko-KR" dirty="0" smtClean="0"/>
+              <a:t>Ab-initio method</a:t>
+            </a:r>
+            <a:endParaRPr lang="ko-KR" altLang="en-US" dirty="0"/>
+          </a:p>
+        </p:txBody>
+      </p:sp>
+      <p:sp>
+        <p:nvSpPr>
+          <p:cNvPr id="3" name="내용 개체 틀 2"/>
+          <p:cNvSpPr>
+            <a:spLocks noGrp="1"/>
+          </p:cNvSpPr>
+          <p:nvPr>
+            <p:ph idx="1"/>
+          </p:nvPr>
+        </p:nvSpPr>
+        <p:spPr>
+          <a:xfrm>
+            <a:off x="4572000" y="1600200"/>
+            <a:ext cx="4114800" cy="5257800"/>
+          </a:xfrm>
+        </p:spPr>
+        <p:txBody>
+          <a:bodyPr>
+            <a:normAutofit lnSpcReduction="10000"/>
+          </a:bodyPr>
+          <a:lstStyle/>
+          <a:p>
+            <a:r>
+              <a:rPr lang="en-US" altLang="ko-KR" i="1" dirty="0" smtClean="0"/>
+              <a:t>Ab-initio</a:t>
+            </a:r>
+            <a:r>
+              <a:rPr lang="en-US" altLang="ko-KR" dirty="0" smtClean="0"/>
+              <a:t> can mean many different things. </a:t>
+            </a:r>
+          </a:p>
+          <a:p>
+            <a:r>
+              <a:rPr lang="en-US" altLang="ko-KR" i="1" dirty="0" smtClean="0"/>
+              <a:t>ab-initio</a:t>
+            </a:r>
+            <a:r>
+              <a:rPr lang="en-US" altLang="ko-KR" dirty="0" smtClean="0"/>
+              <a:t> in my definition</a:t>
+            </a:r>
+          </a:p>
+          <a:p>
+            <a:pPr marL="274320" lvl="1" indent="0">
+              <a:buNone/>
+            </a:pPr>
+            <a:r>
+              <a:rPr lang="en-US" altLang="ko-KR" dirty="0" smtClean="0"/>
+              <a:t>(1) nucleon degrees of freedom</a:t>
+            </a:r>
+          </a:p>
+          <a:p>
+            <a:pPr marL="274320" lvl="1" indent="0">
+              <a:buNone/>
+            </a:pPr>
+            <a:r>
+              <a:rPr lang="en-US" altLang="ko-KR" dirty="0" smtClean="0"/>
+              <a:t>(2) nucleon-nucleon interaction</a:t>
+            </a:r>
+          </a:p>
+          <a:p>
+            <a:pPr marL="274320" lvl="1" indent="0">
+              <a:buNone/>
+            </a:pPr>
+            <a:endParaRPr lang="en-US" altLang="ko-KR" dirty="0"/>
+          </a:p>
+          <a:p>
+            <a:pPr marL="0" indent="0">
+              <a:buNone/>
+            </a:pPr>
+            <a:r>
+              <a:rPr lang="en-US" altLang="ko-KR" dirty="0" smtClean="0"/>
+              <a:t>Goal: predict nuclear phenomena (without parameter fitting) from fundamental nuclear interaction. </a:t>
+            </a:r>
+          </a:p>
+          <a:p>
+            <a:pPr marL="0" indent="0">
+              <a:buNone/>
+            </a:pPr>
+            <a:r>
+              <a:rPr lang="en-US" altLang="ko-KR" dirty="0" smtClean="0">
+                <a:sym typeface="Wingdings" panose="05000000000000000000" pitchFamily="2" charset="2"/>
+              </a:rPr>
+              <a:t> rare isotopes, dripline,</a:t>
+            </a:r>
+          </a:p>
+          <a:p>
+            <a:pPr marL="0" indent="0">
+              <a:buNone/>
+            </a:pPr>
+            <a:r>
+              <a:rPr lang="en-US" altLang="ko-KR" dirty="0">
+                <a:sym typeface="Wingdings" panose="05000000000000000000" pitchFamily="2" charset="2"/>
+              </a:rPr>
+              <a:t> </a:t>
+            </a:r>
+            <a:r>
+              <a:rPr lang="en-US" altLang="ko-KR" dirty="0" smtClean="0">
+                <a:sym typeface="Wingdings" panose="05000000000000000000" pitchFamily="2" charset="2"/>
+              </a:rPr>
+              <a:t>   r-process, </a:t>
+            </a:r>
+          </a:p>
+          <a:p>
+            <a:pPr marL="0" indent="0">
+              <a:buNone/>
+            </a:pPr>
+            <a:r>
+              <a:rPr lang="en-US" altLang="ko-KR" dirty="0">
+                <a:sym typeface="Wingdings" panose="05000000000000000000" pitchFamily="2" charset="2"/>
+              </a:rPr>
+              <a:t> </a:t>
+            </a:r>
+            <a:r>
+              <a:rPr lang="en-US" altLang="ko-KR" dirty="0" smtClean="0">
+                <a:sym typeface="Wingdings" panose="05000000000000000000" pitchFamily="2" charset="2"/>
+              </a:rPr>
+              <a:t>   </a:t>
+            </a:r>
+            <a:r>
+              <a:rPr lang="en-US" altLang="ko-KR" dirty="0" smtClean="0">
+                <a:sym typeface="Wingdings" panose="05000000000000000000" pitchFamily="2" charset="2"/>
+              </a:rPr>
+              <a:t>extreme conditions</a:t>
+            </a:r>
+            <a:endParaRPr lang="ko-KR" altLang="en-US" dirty="0"/>
+          </a:p>
+        </p:txBody>
+      </p:sp>
+      <p:pic>
+        <p:nvPicPr>
+          <p:cNvPr id="4" name="그림 3"/>
+          <p:cNvPicPr>
+            <a:picLocks noChangeAspect="1"/>
+          </p:cNvPicPr>
+          <p:nvPr/>
+        </p:nvPicPr>
+        <p:blipFill>
+          <a:blip r:embed="rId2"/>
+          <a:stretch>
+            <a:fillRect/>
+          </a:stretch>
+        </p:blipFill>
+        <p:spPr>
+          <a:xfrm>
+            <a:off x="152400" y="1611746"/>
+            <a:ext cx="4114800" cy="3850958"/>
+          </a:xfrm>
+          <a:prstGeom prst="rect">
+            <a:avLst/>
+          </a:prstGeom>
+        </p:spPr>
+      </p:pic>
+    </p:spTree>
+    <p:extLst>
+      <p:ext uri="{BB962C8B-B14F-4D97-AF65-F5344CB8AC3E}">
+        <p14:creationId xmlns:p14="http://schemas.microsoft.com/office/powerpoint/2010/main" val="1876242095"/>
+      </p:ext>
+    </p:extLst>
+  </p:cSld>
+  <p:clrMapOvr>
+    <a:masterClrMapping/>
+  </p:clrMapOvr>
+  <p:timing>
+    <p:tnLst>
+      <p:par>
+        <p:cTn id="1" dur="indefinite" restart="never" nodeType="tmRoot"/>
+      </p:par>
+    </p:tnLst>
+  </p:timing>
+</p:sld>
+</file>
+
 <file path=ppt/slides/slide6.xml><?xml version="1.0" encoding="utf-8"?>
 <p:sld xmlns:a="http://schemas.openxmlformats.org/drawingml/2006/main" xmlns:r="http://schemas.openxmlformats.org/officeDocument/2006/relationships" xmlns:p="http://schemas.openxmlformats.org/presentationml/2006/main">
   <p:cSld>
@@ -6509,7 +9249,7 @@
           <a:p>
             <a:r>
               <a:rPr lang="en-US" altLang="ko-KR" dirty="0" smtClean="0"/>
-              <a:t>Unitary Fermion Gas in BCC lattice</a:t>
+              <a:t>Non-perturbative many-body problem</a:t>
             </a:r>
             <a:endParaRPr lang="ko-KR" altLang="en-US" dirty="0"/>
           </a:p>
@@ -6527,257 +9267,149 @@
         </p:nvSpPr>
         <p:spPr/>
         <p:txBody>
-          <a:bodyPr>
-            <a:normAutofit/>
-          </a:bodyPr>
-          <a:lstStyle/>
-          <a:p>
+          <a:bodyPr/>
+          <a:lstStyle/>
+          <a:p>
+            <a:r>
+              <a:rPr lang="en-US" altLang="ko-KR" dirty="0" smtClean="0">
+                <a:sym typeface="Wingdings" panose="05000000000000000000" pitchFamily="2" charset="2"/>
+              </a:rPr>
+              <a:t>Nuclear </a:t>
+            </a:r>
+            <a:r>
+              <a:rPr lang="en-US" altLang="ko-KR" dirty="0" smtClean="0">
+                <a:sym typeface="Wingdings" panose="05000000000000000000" pitchFamily="2" charset="2"/>
+              </a:rPr>
+              <a:t>many body problem</a:t>
+            </a:r>
+          </a:p>
+          <a:p>
+            <a:pPr lvl="1"/>
+            <a:r>
+              <a:rPr lang="en-US" altLang="ko-KR" dirty="0" smtClean="0">
+                <a:sym typeface="Wingdings" panose="05000000000000000000" pitchFamily="2" charset="2"/>
+              </a:rPr>
+              <a:t>Requires Non-perturbative method.</a:t>
+            </a:r>
+          </a:p>
+          <a:p>
+            <a:pPr lvl="1"/>
+            <a:r>
+              <a:rPr lang="en-US" altLang="ko-KR" dirty="0" smtClean="0">
+                <a:sym typeface="Wingdings" panose="05000000000000000000" pitchFamily="2" charset="2"/>
+              </a:rPr>
+              <a:t>Ab-initio nuclear many body methods</a:t>
+            </a:r>
+          </a:p>
+          <a:p>
+            <a:pPr lvl="2"/>
+            <a:r>
+              <a:rPr lang="en-US" altLang="ko-KR" dirty="0" smtClean="0">
+                <a:sym typeface="Wingdings" panose="05000000000000000000" pitchFamily="2" charset="2"/>
+              </a:rPr>
+              <a:t>Greens function Monte </a:t>
+            </a:r>
+            <a:r>
+              <a:rPr lang="en-US" altLang="ko-KR" dirty="0" smtClean="0">
+                <a:sym typeface="Wingdings" panose="05000000000000000000" pitchFamily="2" charset="2"/>
+              </a:rPr>
+              <a:t>Carlo(GFMC)</a:t>
+            </a:r>
             <a:endParaRPr lang="en-US" altLang="ko-KR" dirty="0" smtClean="0">
               <a:sym typeface="Wingdings" panose="05000000000000000000" pitchFamily="2" charset="2"/>
             </a:endParaRPr>
           </a:p>
           <a:p>
-            <a:endParaRPr lang="ko-KR" altLang="en-US" dirty="0"/>
-          </a:p>
-        </p:txBody>
-      </p:sp>
-      <p:pic>
-        <p:nvPicPr>
-          <p:cNvPr id="6" name="그림 5"/>
-          <p:cNvPicPr>
-            <a:picLocks noChangeAspect="1"/>
-          </p:cNvPicPr>
-          <p:nvPr/>
-        </p:nvPicPr>
-        <p:blipFill>
-          <a:blip r:embed="rId2"/>
-          <a:stretch>
-            <a:fillRect/>
-          </a:stretch>
-        </p:blipFill>
-        <p:spPr>
-          <a:xfrm>
-            <a:off x="483577" y="3499925"/>
-            <a:ext cx="4683215" cy="1667009"/>
-          </a:xfrm>
-          <a:prstGeom prst="rect">
-            <a:avLst/>
-          </a:prstGeom>
-        </p:spPr>
-      </p:pic>
-      <p:pic>
-        <p:nvPicPr>
-          <p:cNvPr id="7" name="그림 6"/>
-          <p:cNvPicPr>
-            <a:picLocks noChangeAspect="1"/>
-          </p:cNvPicPr>
-          <p:nvPr/>
-        </p:nvPicPr>
-        <p:blipFill>
-          <a:blip r:embed="rId3"/>
-          <a:stretch>
-            <a:fillRect/>
-          </a:stretch>
-        </p:blipFill>
-        <p:spPr>
-          <a:xfrm>
-            <a:off x="533400" y="1524000"/>
-            <a:ext cx="2133600" cy="1776195"/>
-          </a:xfrm>
-          <a:prstGeom prst="rect">
-            <a:avLst/>
-          </a:prstGeom>
-        </p:spPr>
-      </p:pic>
-      <p:pic>
-        <p:nvPicPr>
-          <p:cNvPr id="9" name="그림 8"/>
-          <p:cNvPicPr>
-            <a:picLocks noChangeAspect="1"/>
-          </p:cNvPicPr>
-          <p:nvPr/>
-        </p:nvPicPr>
-        <p:blipFill>
-          <a:blip r:embed="rId4"/>
-          <a:stretch>
-            <a:fillRect/>
-          </a:stretch>
-        </p:blipFill>
-        <p:spPr>
-          <a:xfrm>
-            <a:off x="6477000" y="1488767"/>
-            <a:ext cx="1828800" cy="1571222"/>
-          </a:xfrm>
-          <a:prstGeom prst="rect">
-            <a:avLst/>
-          </a:prstGeom>
-        </p:spPr>
-      </p:pic>
-      <p:sp>
-        <p:nvSpPr>
-          <p:cNvPr id="10" name="TextBox 9"/>
-          <p:cNvSpPr txBox="1"/>
-          <p:nvPr/>
-        </p:nvSpPr>
-        <p:spPr>
-          <a:xfrm>
-            <a:off x="3383513" y="1488767"/>
-            <a:ext cx="2864887" cy="923330"/>
-          </a:xfrm>
-          <a:prstGeom prst="rect">
-            <a:avLst/>
-          </a:prstGeom>
-          <a:noFill/>
-        </p:spPr>
-        <p:txBody>
-          <a:bodyPr wrap="none" rtlCol="0">
-            <a:spAutoFit/>
-          </a:bodyPr>
-          <a:lstStyle/>
-          <a:p>
-            <a:r>
-              <a:rPr lang="en-US" altLang="ko-KR" dirty="0" smtClean="0"/>
-              <a:t>Universality of unitary limit</a:t>
-            </a:r>
-          </a:p>
-          <a:p>
-            <a:r>
-              <a:rPr lang="en-US" altLang="ko-KR" dirty="0" smtClean="0"/>
-              <a:t>Of many fermion system</a:t>
-            </a:r>
-          </a:p>
-          <a:p>
+            <a:pPr lvl="2"/>
             <a:r>
               <a:rPr lang="en-US" altLang="ko-KR" dirty="0" smtClean="0">
                 <a:sym typeface="Wingdings" panose="05000000000000000000" pitchFamily="2" charset="2"/>
               </a:rPr>
-              <a:t> </a:t>
-            </a:r>
-            <a:r>
-              <a:rPr lang="en-US" altLang="ko-KR" dirty="0" err="1" smtClean="0">
-                <a:sym typeface="Wingdings" panose="05000000000000000000" pitchFamily="2" charset="2"/>
-              </a:rPr>
-              <a:t>Bertsch</a:t>
+              <a:t>No-core shell </a:t>
             </a:r>
             <a:r>
               <a:rPr lang="en-US" altLang="ko-KR" dirty="0" smtClean="0">
                 <a:sym typeface="Wingdings" panose="05000000000000000000" pitchFamily="2" charset="2"/>
               </a:rPr>
-              <a:t> Parameter</a:t>
-            </a:r>
-            <a:endParaRPr lang="ko-KR" altLang="en-US" dirty="0"/>
-          </a:p>
-        </p:txBody>
-      </p:sp>
-      <p:sp>
-        <p:nvSpPr>
-          <p:cNvPr id="12" name="TextBox 11"/>
-          <p:cNvSpPr txBox="1"/>
-          <p:nvPr/>
-        </p:nvSpPr>
-        <p:spPr>
-          <a:xfrm>
-            <a:off x="5638800" y="3499925"/>
-            <a:ext cx="3276600" cy="1477328"/>
-          </a:xfrm>
-          <a:prstGeom prst="rect">
-            <a:avLst/>
-          </a:prstGeom>
-          <a:noFill/>
-        </p:spPr>
-        <p:txBody>
-          <a:bodyPr wrap="square" rtlCol="0">
-            <a:spAutoFit/>
-          </a:bodyPr>
-          <a:lstStyle/>
-          <a:p>
-            <a:r>
-              <a:rPr lang="en-US" altLang="ko-KR" dirty="0" smtClean="0"/>
-              <a:t>Experiment in</a:t>
-            </a:r>
-          </a:p>
-          <a:p>
-            <a:r>
-              <a:rPr lang="en-US" altLang="ko-KR" dirty="0" err="1" smtClean="0"/>
-              <a:t>Ultracold</a:t>
-            </a:r>
-            <a:r>
-              <a:rPr lang="en-US" altLang="ko-KR" dirty="0" smtClean="0"/>
-              <a:t> trapped atoms</a:t>
-            </a:r>
-          </a:p>
-          <a:p>
-            <a:r>
-              <a:rPr lang="en-US" altLang="ko-KR" dirty="0" smtClean="0"/>
-              <a:t>(</a:t>
-            </a:r>
-            <a:r>
-              <a:rPr lang="en-US" altLang="ko-KR" dirty="0"/>
-              <a:t>M. J. H. </a:t>
-            </a:r>
-            <a:r>
-              <a:rPr lang="en-US" altLang="ko-KR" dirty="0" smtClean="0"/>
-              <a:t>Ku et al, </a:t>
-            </a:r>
-            <a:r>
-              <a:rPr lang="en-US" altLang="ko-KR" dirty="0"/>
-              <a:t>Science 335, 563-567 (2012</a:t>
-            </a:r>
-            <a:r>
-              <a:rPr lang="en-US" altLang="ko-KR" dirty="0" smtClean="0"/>
-              <a:t>).)</a:t>
-            </a:r>
-          </a:p>
-          <a:p>
-            <a:r>
-              <a:rPr lang="en-US" altLang="ko-KR" dirty="0" err="1" smtClean="0"/>
-              <a:t>Bertch</a:t>
-            </a:r>
-            <a:r>
-              <a:rPr lang="en-US" altLang="ko-KR" dirty="0" smtClean="0"/>
-              <a:t> parameter ~ 0.376(4)</a:t>
-            </a:r>
-            <a:endParaRPr lang="ko-KR" altLang="en-US" dirty="0"/>
-          </a:p>
-        </p:txBody>
-      </p:sp>
-      <p:sp>
-        <p:nvSpPr>
-          <p:cNvPr id="13" name="TextBox 12"/>
-          <p:cNvSpPr txBox="1"/>
-          <p:nvPr/>
-        </p:nvSpPr>
-        <p:spPr>
-          <a:xfrm>
-            <a:off x="807751" y="5455142"/>
-            <a:ext cx="5720477" cy="923330"/>
-          </a:xfrm>
-          <a:prstGeom prst="rect">
-            <a:avLst/>
-          </a:prstGeom>
-          <a:noFill/>
-        </p:spPr>
-        <p:txBody>
-          <a:bodyPr wrap="none" rtlCol="0">
-            <a:spAutoFit/>
-          </a:bodyPr>
-          <a:lstStyle/>
-          <a:p>
-            <a:r>
-              <a:rPr lang="en-US" altLang="ko-KR" dirty="0" smtClean="0"/>
-              <a:t>Many theoretical calculation exists including NLEFT.</a:t>
-            </a:r>
-          </a:p>
-          <a:p>
-            <a:r>
-              <a:rPr lang="en-US" altLang="ko-KR" dirty="0" smtClean="0"/>
-              <a:t>Previous NLEFT calculation was done in cubic lattice. </a:t>
-            </a:r>
-          </a:p>
-          <a:p>
-            <a:r>
-              <a:rPr lang="en-US" altLang="ko-KR" dirty="0" smtClean="0"/>
-              <a:t>Here we applied NLEFT in BCC lattice . </a:t>
+              <a:t>model(NCSM)</a:t>
+            </a:r>
+            <a:endParaRPr lang="en-US" altLang="ko-KR" dirty="0" smtClean="0">
+              <a:sym typeface="Wingdings" panose="05000000000000000000" pitchFamily="2" charset="2"/>
+            </a:endParaRPr>
+          </a:p>
+          <a:p>
+            <a:pPr lvl="2"/>
+            <a:r>
+              <a:rPr lang="en-US" altLang="ko-KR" dirty="0" smtClean="0">
+                <a:sym typeface="Wingdings" panose="05000000000000000000" pitchFamily="2" charset="2"/>
+              </a:rPr>
+              <a:t>Coupled Cluster </a:t>
+            </a:r>
+            <a:r>
+              <a:rPr lang="en-US" altLang="ko-KR" dirty="0" smtClean="0">
+                <a:sym typeface="Wingdings" panose="05000000000000000000" pitchFamily="2" charset="2"/>
+              </a:rPr>
+              <a:t>(CC)</a:t>
+            </a:r>
+          </a:p>
+          <a:p>
+            <a:pPr lvl="2"/>
+            <a:r>
+              <a:rPr lang="en-US" altLang="ko-KR" dirty="0" smtClean="0">
+                <a:sym typeface="Wingdings" panose="05000000000000000000" pitchFamily="2" charset="2"/>
+              </a:rPr>
+              <a:t>IM-SRG, VS-SRG </a:t>
+            </a:r>
+            <a:endParaRPr lang="en-US" altLang="ko-KR" dirty="0" smtClean="0">
+              <a:sym typeface="Wingdings" panose="05000000000000000000" pitchFamily="2" charset="2"/>
+            </a:endParaRPr>
+          </a:p>
+          <a:p>
+            <a:pPr lvl="2"/>
+            <a:r>
+              <a:rPr lang="en-US" altLang="ko-KR" dirty="0" smtClean="0">
+                <a:solidFill>
+                  <a:srgbClr val="FF0000"/>
+                </a:solidFill>
+                <a:sym typeface="Wingdings" panose="05000000000000000000" pitchFamily="2" charset="2"/>
+              </a:rPr>
+              <a:t>Nuclear Lattice Effective Field </a:t>
+            </a:r>
+            <a:r>
+              <a:rPr lang="en-US" altLang="ko-KR" dirty="0" smtClean="0">
+                <a:solidFill>
+                  <a:srgbClr val="FF0000"/>
+                </a:solidFill>
+                <a:sym typeface="Wingdings" panose="05000000000000000000" pitchFamily="2" charset="2"/>
+              </a:rPr>
+              <a:t>Theory(NLEFT)</a:t>
+            </a:r>
+          </a:p>
+          <a:p>
+            <a:pPr lvl="1"/>
+            <a:r>
+              <a:rPr lang="en-US" altLang="ko-KR" dirty="0" smtClean="0">
+                <a:sym typeface="Wingdings" panose="05000000000000000000" pitchFamily="2" charset="2"/>
+              </a:rPr>
+              <a:t>With recent progress in ab-initio methods</a:t>
+            </a:r>
+          </a:p>
+          <a:p>
+            <a:pPr lvl="2"/>
+            <a:r>
+              <a:rPr lang="en-US" altLang="ko-KR" dirty="0" smtClean="0">
+                <a:sym typeface="Wingdings" panose="05000000000000000000" pitchFamily="2" charset="2"/>
+              </a:rPr>
+              <a:t>Binding energies for wide range of nuclei </a:t>
+            </a:r>
+          </a:p>
+          <a:p>
+            <a:pPr lvl="2"/>
+            <a:r>
+              <a:rPr lang="en-US" altLang="ko-KR" dirty="0" smtClean="0">
+                <a:sym typeface="Wingdings" panose="05000000000000000000" pitchFamily="2" charset="2"/>
+              </a:rPr>
+              <a:t>Some reaction calculation in light nuclei.</a:t>
             </a:r>
             <a:endParaRPr lang="ko-KR" altLang="en-US" dirty="0"/>
           </a:p>
@@ -6786,13 +9418,20 @@
     </p:spTree>
     <p:extLst>
       <p:ext uri="{BB962C8B-B14F-4D97-AF65-F5344CB8AC3E}">
-        <p14:creationId xmlns:p14="http://schemas.microsoft.com/office/powerpoint/2010/main" val="3407700620"/>
+        <p14:creationId xmlns:p14="http://schemas.microsoft.com/office/powerpoint/2010/main" val="2980022073"/>
       </p:ext>
     </p:extLst>
   </p:cSld>
   <p:clrMapOvr>
     <a:masterClrMapping/>
   </p:clrMapOvr>
+  <p:timing>
+    <p:tnLst>
+      <p:par>
+        <p:cTn id="1" dur="indefinite" restart="never" nodeType="tmRoot"/>
+      </p:par>
+    </p:tnLst>
+  </p:timing>
 </p:sld>
 </file>
 
@@ -7234,108 +9873,7 @@
           <a:p>
             <a:r>
               <a:rPr lang="en-US" altLang="ko-KR" dirty="0" smtClean="0"/>
-              <a:t>Applications of NLEFT</a:t>
-            </a:r>
-            <a:endParaRPr lang="ko-KR" altLang="en-US" dirty="0"/>
-          </a:p>
-        </p:txBody>
-      </p:sp>
-      <p:sp>
-        <p:nvSpPr>
-          <p:cNvPr id="3" name="내용 개체 틀 2"/>
-          <p:cNvSpPr>
-            <a:spLocks noGrp="1"/>
-          </p:cNvSpPr>
-          <p:nvPr>
-            <p:ph idx="1"/>
-          </p:nvPr>
-        </p:nvSpPr>
-        <p:spPr/>
-        <p:txBody>
-          <a:bodyPr>
-            <a:normAutofit/>
-          </a:bodyPr>
-          <a:lstStyle/>
-          <a:p>
-            <a:r>
-              <a:rPr lang="en-US" altLang="ko-KR" dirty="0" smtClean="0"/>
-              <a:t>Has been successfully applied to </a:t>
-            </a:r>
-          </a:p>
-          <a:p>
-            <a:pPr lvl="1"/>
-            <a:r>
-              <a:rPr lang="en-US" altLang="ko-KR" dirty="0" smtClean="0"/>
-              <a:t>Nuclear matter, Cold atom, dilute fermion system</a:t>
-            </a:r>
-          </a:p>
-          <a:p>
-            <a:pPr lvl="1"/>
-            <a:r>
-              <a:rPr lang="en-US" altLang="ko-KR" dirty="0" smtClean="0"/>
-              <a:t>Finite nuclei (A&lt;=50) </a:t>
-            </a:r>
-          </a:p>
-          <a:p>
-            <a:pPr lvl="1"/>
-            <a:r>
-              <a:rPr lang="en-US" altLang="ko-KR" dirty="0" smtClean="0"/>
-              <a:t>First ab-initio calculation of Hoyle state</a:t>
-            </a:r>
-          </a:p>
-          <a:p>
-            <a:pPr lvl="1"/>
-            <a:r>
-              <a:rPr lang="en-US" altLang="ko-KR" dirty="0" smtClean="0"/>
-              <a:t>Cluster structure of </a:t>
-            </a:r>
-            <a:r>
-              <a:rPr lang="en-US" altLang="ko-KR" baseline="30000" dirty="0"/>
-              <a:t>12</a:t>
-            </a:r>
-            <a:r>
-              <a:rPr lang="en-US" altLang="ko-KR" dirty="0"/>
-              <a:t>C </a:t>
-            </a:r>
-            <a:r>
-              <a:rPr lang="en-US" altLang="ko-KR" dirty="0" smtClean="0"/>
-              <a:t>and </a:t>
-            </a:r>
-            <a:r>
-              <a:rPr lang="en-US" altLang="ko-KR" baseline="30000" dirty="0" smtClean="0"/>
-              <a:t>16</a:t>
-            </a:r>
-            <a:r>
-              <a:rPr lang="en-US" altLang="ko-KR" dirty="0" smtClean="0"/>
-              <a:t>O</a:t>
-            </a:r>
-          </a:p>
-          <a:p>
-            <a:pPr lvl="1"/>
-            <a:r>
-              <a:rPr lang="en-US" altLang="ko-KR" dirty="0" smtClean="0"/>
-              <a:t>NN scattering, N-D scattering</a:t>
-            </a:r>
-          </a:p>
-          <a:p>
-            <a:pPr lvl="1"/>
-            <a:r>
-              <a:rPr lang="en-US" altLang="ko-KR" dirty="0" smtClean="0"/>
-              <a:t>Alpha-alpha scattering</a:t>
-            </a:r>
-          </a:p>
-          <a:p>
-            <a:pPr lvl="1"/>
-            <a:r>
-              <a:rPr lang="en-US" altLang="ko-KR" dirty="0" smtClean="0"/>
-              <a:t>radiative capture, fusion </a:t>
-            </a:r>
-          </a:p>
-          <a:p>
-            <a:pPr lvl="1"/>
-            <a:r>
-              <a:rPr lang="en-US" altLang="ko-KR" dirty="0" smtClean="0"/>
-              <a:t>Etc. </a:t>
+              <a:t>Path integral (transfer matrix method)</a:t>
             </a:r>
             <a:endParaRPr lang="ko-KR" altLang="en-US" dirty="0"/>
           </a:p>
@@ -7343,11 +9881,13 @@
       </p:sp>
       <p:pic>
         <p:nvPicPr>
-          <p:cNvPr id="4" name="Picture 2"/>
+          <p:cNvPr id="24578" name="Picture 2"/>
           <p:cNvPicPr>
-            <a:picLocks noChangeAspect="1" noChangeArrowheads="1"/>
+            <a:picLocks noGrp="1" noChangeAspect="1" noChangeArrowheads="1"/>
           </p:cNvPicPr>
-          <p:nvPr/>
+          <p:nvPr>
+            <p:ph idx="1"/>
+          </p:nvPr>
         </p:nvPicPr>
         <p:blipFill>
           <a:blip r:embed="rId2">
@@ -7364,8 +9904,8 @@
         </p:blipFill>
         <p:spPr bwMode="auto">
           <a:xfrm>
-            <a:off x="6652379" y="2872469"/>
-            <a:ext cx="1773316" cy="2054052"/>
+            <a:off x="457200" y="2514600"/>
+            <a:ext cx="8229600" cy="3678669"/>
           </a:xfrm>
           <a:prstGeom prst="rect">
             <a:avLst/>
@@ -7397,7 +9937,7 @@
       </p:pic>
       <p:pic>
         <p:nvPicPr>
-          <p:cNvPr id="5" name="Picture 5"/>
+          <p:cNvPr id="4" name="Picture 6"/>
           <p:cNvPicPr>
             <a:picLocks noChangeAspect="1" noChangeArrowheads="1"/>
           </p:cNvPicPr>
@@ -7418,8 +9958,8 @@
         </p:blipFill>
         <p:spPr bwMode="auto">
           <a:xfrm>
-            <a:off x="6019799" y="4926521"/>
-            <a:ext cx="3038475" cy="464293"/>
+            <a:off x="609600" y="1447800"/>
+            <a:ext cx="7000875" cy="942975"/>
           </a:xfrm>
           <a:prstGeom prst="rect">
             <a:avLst/>
@@ -7449,46 +9989,10 @@
           </a:extLst>
         </p:spPr>
       </p:pic>
-      <p:sp>
-        <p:nvSpPr>
-          <p:cNvPr id="6" name="TextBox 5"/>
-          <p:cNvSpPr txBox="1"/>
-          <p:nvPr/>
-        </p:nvSpPr>
-        <p:spPr>
-          <a:xfrm>
-            <a:off x="6400800" y="2477441"/>
-            <a:ext cx="2076291" cy="430887"/>
-          </a:xfrm>
-          <a:prstGeom prst="rect">
-            <a:avLst/>
-          </a:prstGeom>
-          <a:noFill/>
-        </p:spPr>
-        <p:txBody>
-          <a:bodyPr wrap="square" rtlCol="0">
-            <a:spAutoFit/>
-          </a:bodyPr>
-          <a:lstStyle/>
-          <a:p>
-            <a:r>
-              <a:rPr lang="en-US" altLang="ko-KR" sz="1100" dirty="0" smtClean="0"/>
-              <a:t>The first ab-initio calculation of </a:t>
-            </a:r>
-          </a:p>
-          <a:p>
-            <a:r>
-              <a:rPr lang="en-US" altLang="ko-KR" sz="1100" dirty="0" smtClean="0"/>
-              <a:t>Hoyle state</a:t>
-            </a:r>
-            <a:endParaRPr lang="ko-KR" altLang="en-US" sz="1100" dirty="0"/>
-          </a:p>
-        </p:txBody>
-      </p:sp>
     </p:spTree>
     <p:extLst>
       <p:ext uri="{BB962C8B-B14F-4D97-AF65-F5344CB8AC3E}">
-        <p14:creationId xmlns:p14="http://schemas.microsoft.com/office/powerpoint/2010/main" val="3769960710"/>
+        <p14:creationId xmlns:p14="http://schemas.microsoft.com/office/powerpoint/2010/main" val="1449740134"/>
       </p:ext>
     </p:extLst>
   </p:cSld>

--- a/20211002_BCC_OMEG.pptx
+++ b/20211002_BCC_OMEG.pptx
@@ -16,30 +16,34 @@
     <p:sldId id="313" r:id="rId10"/>
     <p:sldId id="361" r:id="rId11"/>
     <p:sldId id="362" r:id="rId12"/>
-    <p:sldId id="373" r:id="rId13"/>
-    <p:sldId id="344" r:id="rId14"/>
-    <p:sldId id="363" r:id="rId15"/>
-    <p:sldId id="366" r:id="rId16"/>
-    <p:sldId id="364" r:id="rId17"/>
-    <p:sldId id="365" r:id="rId18"/>
-    <p:sldId id="368" r:id="rId19"/>
-    <p:sldId id="335" r:id="rId20"/>
-    <p:sldId id="338" r:id="rId21"/>
-    <p:sldId id="340" r:id="rId22"/>
-    <p:sldId id="369" r:id="rId23"/>
-    <p:sldId id="370" r:id="rId24"/>
-    <p:sldId id="346" r:id="rId25"/>
-    <p:sldId id="372" r:id="rId26"/>
-    <p:sldId id="348" r:id="rId27"/>
-    <p:sldId id="375" r:id="rId28"/>
-    <p:sldId id="376" r:id="rId29"/>
-    <p:sldId id="377" r:id="rId30"/>
-    <p:sldId id="349" r:id="rId31"/>
-    <p:sldId id="378" r:id="rId32"/>
-    <p:sldId id="379" r:id="rId33"/>
-    <p:sldId id="380" r:id="rId34"/>
-    <p:sldId id="381" r:id="rId35"/>
-    <p:sldId id="284" r:id="rId36"/>
+    <p:sldId id="382" r:id="rId13"/>
+    <p:sldId id="383" r:id="rId14"/>
+    <p:sldId id="373" r:id="rId15"/>
+    <p:sldId id="384" r:id="rId16"/>
+    <p:sldId id="385" r:id="rId17"/>
+    <p:sldId id="344" r:id="rId18"/>
+    <p:sldId id="363" r:id="rId19"/>
+    <p:sldId id="366" r:id="rId20"/>
+    <p:sldId id="364" r:id="rId21"/>
+    <p:sldId id="365" r:id="rId22"/>
+    <p:sldId id="368" r:id="rId23"/>
+    <p:sldId id="335" r:id="rId24"/>
+    <p:sldId id="338" r:id="rId25"/>
+    <p:sldId id="340" r:id="rId26"/>
+    <p:sldId id="369" r:id="rId27"/>
+    <p:sldId id="370" r:id="rId28"/>
+    <p:sldId id="346" r:id="rId29"/>
+    <p:sldId id="372" r:id="rId30"/>
+    <p:sldId id="348" r:id="rId31"/>
+    <p:sldId id="375" r:id="rId32"/>
+    <p:sldId id="376" r:id="rId33"/>
+    <p:sldId id="377" r:id="rId34"/>
+    <p:sldId id="349" r:id="rId35"/>
+    <p:sldId id="378" r:id="rId36"/>
+    <p:sldId id="379" r:id="rId37"/>
+    <p:sldId id="380" r:id="rId38"/>
+    <p:sldId id="381" r:id="rId39"/>
+    <p:sldId id="284" r:id="rId40"/>
   </p:sldIdLst>
   <p:sldSz cx="9144000" cy="6858000" type="screen4x3"/>
   <p:notesSz cx="6858000" cy="9144000"/>
@@ -346,7 +350,7 @@
             <a:fld id="{1D8BD707-D9CF-40AE-B4C6-C98DA3205C09}" type="datetimeFigureOut">
               <a:rPr lang="en-US" smtClean="0"/>
               <a:pPr/>
-              <a:t>9/29/2021</a:t>
+              <a:t>10/1/2021</a:t>
             </a:fld>
             <a:endParaRPr lang="en-US"/>
           </a:p>
@@ -548,7 +552,7 @@
             <a:fld id="{1D8BD707-D9CF-40AE-B4C6-C98DA3205C09}" type="datetimeFigureOut">
               <a:rPr lang="en-US" smtClean="0"/>
               <a:pPr/>
-              <a:t>9/29/2021</a:t>
+              <a:t>10/1/2021</a:t>
             </a:fld>
             <a:endParaRPr lang="en-US"/>
           </a:p>
@@ -725,7 +729,7 @@
             <a:fld id="{1D8BD707-D9CF-40AE-B4C6-C98DA3205C09}" type="datetimeFigureOut">
               <a:rPr lang="en-US" smtClean="0"/>
               <a:pPr/>
-              <a:t>9/29/2021</a:t>
+              <a:t>10/1/2021</a:t>
             </a:fld>
             <a:endParaRPr lang="en-US"/>
           </a:p>
@@ -892,7 +896,7 @@
             <a:fld id="{1D8BD707-D9CF-40AE-B4C6-C98DA3205C09}" type="datetimeFigureOut">
               <a:rPr lang="en-US" smtClean="0"/>
               <a:pPr/>
-              <a:t>9/29/2021</a:t>
+              <a:t>10/1/2021</a:t>
             </a:fld>
             <a:endParaRPr lang="en-US"/>
           </a:p>
@@ -1142,7 +1146,7 @@
             <a:fld id="{1D8BD707-D9CF-40AE-B4C6-C98DA3205C09}" type="datetimeFigureOut">
               <a:rPr lang="en-US" smtClean="0"/>
               <a:pPr/>
-              <a:t>9/29/2021</a:t>
+              <a:t>10/1/2021</a:t>
             </a:fld>
             <a:endParaRPr lang="en-US"/>
           </a:p>
@@ -1462,7 +1466,7 @@
             <a:fld id="{1D8BD707-D9CF-40AE-B4C6-C98DA3205C09}" type="datetimeFigureOut">
               <a:rPr lang="en-US" smtClean="0"/>
               <a:pPr/>
-              <a:t>9/29/2021</a:t>
+              <a:t>10/1/2021</a:t>
             </a:fld>
             <a:endParaRPr lang="en-US"/>
           </a:p>
@@ -1930,7 +1934,7 @@
             <a:fld id="{1D8BD707-D9CF-40AE-B4C6-C98DA3205C09}" type="datetimeFigureOut">
               <a:rPr lang="en-US" smtClean="0"/>
               <a:pPr/>
-              <a:t>9/29/2021</a:t>
+              <a:t>10/1/2021</a:t>
             </a:fld>
             <a:endParaRPr lang="en-US"/>
           </a:p>
@@ -2080,7 +2084,7 @@
             <a:fld id="{1D8BD707-D9CF-40AE-B4C6-C98DA3205C09}" type="datetimeFigureOut">
               <a:rPr lang="en-US" smtClean="0"/>
               <a:pPr/>
-              <a:t>9/29/2021</a:t>
+              <a:t>10/1/2021</a:t>
             </a:fld>
             <a:endParaRPr lang="en-US"/>
           </a:p>
@@ -2172,7 +2176,7 @@
             <a:fld id="{1D8BD707-D9CF-40AE-B4C6-C98DA3205C09}" type="datetimeFigureOut">
               <a:rPr lang="en-US" smtClean="0"/>
               <a:pPr/>
-              <a:t>9/29/2021</a:t>
+              <a:t>10/1/2021</a:t>
             </a:fld>
             <a:endParaRPr lang="en-US"/>
           </a:p>
@@ -2448,7 +2452,7 @@
             <a:fld id="{1D8BD707-D9CF-40AE-B4C6-C98DA3205C09}" type="datetimeFigureOut">
               <a:rPr lang="en-US" smtClean="0"/>
               <a:pPr/>
-              <a:t>9/29/2021</a:t>
+              <a:t>10/1/2021</a:t>
             </a:fld>
             <a:endParaRPr lang="en-US"/>
           </a:p>
@@ -2755,7 +2759,7 @@
             <a:fld id="{1D8BD707-D9CF-40AE-B4C6-C98DA3205C09}" type="datetimeFigureOut">
               <a:rPr lang="en-US" smtClean="0"/>
               <a:pPr/>
-              <a:t>9/29/2021</a:t>
+              <a:t>10/1/2021</a:t>
             </a:fld>
             <a:endParaRPr lang="en-US"/>
           </a:p>
@@ -3055,7 +3059,7 @@
             <a:fld id="{1D8BD707-D9CF-40AE-B4C6-C98DA3205C09}" type="datetimeFigureOut">
               <a:rPr lang="en-US" smtClean="0"/>
               <a:pPr/>
-              <a:t>9/29/2021</a:t>
+              <a:t>10/1/2021</a:t>
             </a:fld>
             <a:endParaRPr lang="en-US"/>
           </a:p>
@@ -3819,6 +3823,114 @@
           <a:chExt cx="0" cy="0"/>
         </a:xfrm>
       </p:grpSpPr>
+      <p:pic>
+        <p:nvPicPr>
+          <p:cNvPr id="4" name="그림 3"/>
+          <p:cNvPicPr>
+            <a:picLocks noChangeAspect="1"/>
+          </p:cNvPicPr>
+          <p:nvPr/>
+        </p:nvPicPr>
+        <p:blipFill>
+          <a:blip r:embed="rId2"/>
+          <a:stretch>
+            <a:fillRect/>
+          </a:stretch>
+        </p:blipFill>
+        <p:spPr>
+          <a:xfrm>
+            <a:off x="685800" y="381000"/>
+            <a:ext cx="8113233" cy="6323675"/>
+          </a:xfrm>
+          <a:prstGeom prst="rect">
+            <a:avLst/>
+          </a:prstGeom>
+        </p:spPr>
+      </p:pic>
+    </p:spTree>
+    <p:extLst>
+      <p:ext uri="{BB962C8B-B14F-4D97-AF65-F5344CB8AC3E}">
+        <p14:creationId xmlns:p14="http://schemas.microsoft.com/office/powerpoint/2010/main" val="763134634"/>
+      </p:ext>
+    </p:extLst>
+  </p:cSld>
+  <p:clrMapOvr>
+    <a:masterClrMapping/>
+  </p:clrMapOvr>
+</p:sld>
+</file>
+
+<file path=ppt/slides/slide13.xml><?xml version="1.0" encoding="utf-8"?>
+<p:sld xmlns:a="http://schemas.openxmlformats.org/drawingml/2006/main" xmlns:r="http://schemas.openxmlformats.org/officeDocument/2006/relationships" xmlns:p="http://schemas.openxmlformats.org/presentationml/2006/main">
+  <p:cSld>
+    <p:spTree>
+      <p:nvGrpSpPr>
+        <p:cNvPr id="1" name=""/>
+        <p:cNvGrpSpPr/>
+        <p:nvPr/>
+      </p:nvGrpSpPr>
+      <p:grpSpPr>
+        <a:xfrm>
+          <a:off x="0" y="0"/>
+          <a:ext cx="0" cy="0"/>
+          <a:chOff x="0" y="0"/>
+          <a:chExt cx="0" cy="0"/>
+        </a:xfrm>
+      </p:grpSpPr>
+      <p:pic>
+        <p:nvPicPr>
+          <p:cNvPr id="2" name="그림 1"/>
+          <p:cNvPicPr>
+            <a:picLocks noChangeAspect="1"/>
+          </p:cNvPicPr>
+          <p:nvPr/>
+        </p:nvPicPr>
+        <p:blipFill>
+          <a:blip r:embed="rId2"/>
+          <a:stretch>
+            <a:fillRect/>
+          </a:stretch>
+        </p:blipFill>
+        <p:spPr>
+          <a:xfrm>
+            <a:off x="609600" y="1143000"/>
+            <a:ext cx="8198268" cy="5358044"/>
+          </a:xfrm>
+          <a:prstGeom prst="rect">
+            <a:avLst/>
+          </a:prstGeom>
+        </p:spPr>
+      </p:pic>
+    </p:spTree>
+    <p:extLst>
+      <p:ext uri="{BB962C8B-B14F-4D97-AF65-F5344CB8AC3E}">
+        <p14:creationId xmlns:p14="http://schemas.microsoft.com/office/powerpoint/2010/main" val="3605086923"/>
+      </p:ext>
+    </p:extLst>
+  </p:cSld>
+  <p:clrMapOvr>
+    <a:masterClrMapping/>
+  </p:clrMapOvr>
+</p:sld>
+</file>
+
+<file path=ppt/slides/slide14.xml><?xml version="1.0" encoding="utf-8"?>
+<p:sld xmlns:a="http://schemas.openxmlformats.org/drawingml/2006/main" xmlns:r="http://schemas.openxmlformats.org/officeDocument/2006/relationships" xmlns:p="http://schemas.openxmlformats.org/presentationml/2006/main">
+  <p:cSld>
+    <p:spTree>
+      <p:nvGrpSpPr>
+        <p:cNvPr id="1" name=""/>
+        <p:cNvGrpSpPr/>
+        <p:nvPr/>
+      </p:nvGrpSpPr>
+      <p:grpSpPr>
+        <a:xfrm>
+          <a:off x="0" y="0"/>
+          <a:ext cx="0" cy="0"/>
+          <a:chOff x="0" y="0"/>
+          <a:chExt cx="0" cy="0"/>
+        </a:xfrm>
+      </p:grpSpPr>
       <p:sp>
         <p:nvSpPr>
           <p:cNvPr id="2" name="제목 1"/>
@@ -3953,499 +4065,6 @@
     <p:extLst>
       <p:ext uri="{BB962C8B-B14F-4D97-AF65-F5344CB8AC3E}">
         <p14:creationId xmlns:p14="http://schemas.microsoft.com/office/powerpoint/2010/main" val="1476290333"/>
-      </p:ext>
-    </p:extLst>
-  </p:cSld>
-  <p:clrMapOvr>
-    <a:masterClrMapping/>
-  </p:clrMapOvr>
-  <p:timing>
-    <p:tnLst>
-      <p:par>
-        <p:cTn id="1" dur="indefinite" restart="never" nodeType="tmRoot"/>
-      </p:par>
-    </p:tnLst>
-  </p:timing>
-</p:sld>
-</file>
-
-<file path=ppt/slides/slide13.xml><?xml version="1.0" encoding="utf-8"?>
-<p:sld xmlns:a="http://schemas.openxmlformats.org/drawingml/2006/main" xmlns:r="http://schemas.openxmlformats.org/officeDocument/2006/relationships" xmlns:p="http://schemas.openxmlformats.org/presentationml/2006/main">
-  <p:cSld>
-    <p:spTree>
-      <p:nvGrpSpPr>
-        <p:cNvPr id="1" name=""/>
-        <p:cNvGrpSpPr/>
-        <p:nvPr/>
-      </p:nvGrpSpPr>
-      <p:grpSpPr>
-        <a:xfrm>
-          <a:off x="0" y="0"/>
-          <a:ext cx="0" cy="0"/>
-          <a:chOff x="0" y="0"/>
-          <a:chExt cx="0" cy="0"/>
-        </a:xfrm>
-      </p:grpSpPr>
-      <p:sp>
-        <p:nvSpPr>
-          <p:cNvPr id="2" name="제목 1"/>
-          <p:cNvSpPr>
-            <a:spLocks noGrp="1"/>
-          </p:cNvSpPr>
-          <p:nvPr>
-            <p:ph type="title"/>
-          </p:nvPr>
-        </p:nvSpPr>
-        <p:spPr/>
-        <p:txBody>
-          <a:bodyPr/>
-          <a:lstStyle/>
-          <a:p>
-            <a:r>
-              <a:rPr lang="en-US" altLang="ko-KR" dirty="0" smtClean="0"/>
-              <a:t>Applications of NLEFT</a:t>
-            </a:r>
-            <a:endParaRPr lang="ko-KR" altLang="en-US" dirty="0"/>
-          </a:p>
-        </p:txBody>
-      </p:sp>
-      <p:sp>
-        <p:nvSpPr>
-          <p:cNvPr id="3" name="내용 개체 틀 2"/>
-          <p:cNvSpPr>
-            <a:spLocks noGrp="1"/>
-          </p:cNvSpPr>
-          <p:nvPr>
-            <p:ph idx="1"/>
-          </p:nvPr>
-        </p:nvSpPr>
-        <p:spPr/>
-        <p:txBody>
-          <a:bodyPr>
-            <a:normAutofit/>
-          </a:bodyPr>
-          <a:lstStyle/>
-          <a:p>
-            <a:r>
-              <a:rPr lang="en-US" altLang="ko-KR" dirty="0" smtClean="0"/>
-              <a:t>Has been successfully applied to </a:t>
-            </a:r>
-          </a:p>
-          <a:p>
-            <a:pPr lvl="1"/>
-            <a:r>
-              <a:rPr lang="en-US" altLang="ko-KR" dirty="0" smtClean="0"/>
-              <a:t>Nuclear matter, Cold atom, dilute fermion system</a:t>
-            </a:r>
-          </a:p>
-          <a:p>
-            <a:pPr lvl="1"/>
-            <a:r>
-              <a:rPr lang="en-US" altLang="ko-KR" dirty="0" smtClean="0"/>
-              <a:t>Finite nuclei (A&lt;=50) </a:t>
-            </a:r>
-          </a:p>
-          <a:p>
-            <a:pPr lvl="1"/>
-            <a:r>
-              <a:rPr lang="en-US" altLang="ko-KR" dirty="0" smtClean="0"/>
-              <a:t>First ab-initio calculation of Hoyle state</a:t>
-            </a:r>
-          </a:p>
-          <a:p>
-            <a:pPr lvl="1"/>
-            <a:r>
-              <a:rPr lang="en-US" altLang="ko-KR" dirty="0" smtClean="0"/>
-              <a:t>Cluster structure of </a:t>
-            </a:r>
-            <a:r>
-              <a:rPr lang="en-US" altLang="ko-KR" baseline="30000" dirty="0"/>
-              <a:t>12</a:t>
-            </a:r>
-            <a:r>
-              <a:rPr lang="en-US" altLang="ko-KR" dirty="0"/>
-              <a:t>C </a:t>
-            </a:r>
-            <a:r>
-              <a:rPr lang="en-US" altLang="ko-KR" dirty="0" smtClean="0"/>
-              <a:t>and </a:t>
-            </a:r>
-            <a:r>
-              <a:rPr lang="en-US" altLang="ko-KR" baseline="30000" dirty="0" smtClean="0"/>
-              <a:t>16</a:t>
-            </a:r>
-            <a:r>
-              <a:rPr lang="en-US" altLang="ko-KR" dirty="0" smtClean="0"/>
-              <a:t>O</a:t>
-            </a:r>
-          </a:p>
-          <a:p>
-            <a:pPr lvl="1"/>
-            <a:r>
-              <a:rPr lang="en-US" altLang="ko-KR" dirty="0" smtClean="0"/>
-              <a:t>NN scattering, N-D scattering</a:t>
-            </a:r>
-          </a:p>
-          <a:p>
-            <a:pPr lvl="1"/>
-            <a:r>
-              <a:rPr lang="en-US" altLang="ko-KR" dirty="0" smtClean="0"/>
-              <a:t>Alpha-alpha scattering</a:t>
-            </a:r>
-          </a:p>
-          <a:p>
-            <a:pPr lvl="1"/>
-            <a:r>
-              <a:rPr lang="en-US" altLang="ko-KR" dirty="0" smtClean="0"/>
-              <a:t>radiative capture, fusion </a:t>
-            </a:r>
-          </a:p>
-          <a:p>
-            <a:pPr lvl="1"/>
-            <a:r>
-              <a:rPr lang="en-US" altLang="ko-KR" dirty="0" smtClean="0"/>
-              <a:t>Etc. </a:t>
-            </a:r>
-            <a:endParaRPr lang="ko-KR" altLang="en-US" dirty="0"/>
-          </a:p>
-        </p:txBody>
-      </p:sp>
-      <p:pic>
-        <p:nvPicPr>
-          <p:cNvPr id="4" name="Picture 2"/>
-          <p:cNvPicPr>
-            <a:picLocks noChangeAspect="1" noChangeArrowheads="1"/>
-          </p:cNvPicPr>
-          <p:nvPr/>
-        </p:nvPicPr>
-        <p:blipFill>
-          <a:blip r:embed="rId2">
-            <a:extLst>
-              <a:ext uri="{28A0092B-C50C-407E-A947-70E740481C1C}">
-                <a14:useLocalDpi xmlns:a14="http://schemas.microsoft.com/office/drawing/2010/main" val="0"/>
-              </a:ext>
-            </a:extLst>
-          </a:blip>
-          <a:srcRect/>
-          <a:stretch>
-            <a:fillRect/>
-          </a:stretch>
-        </p:blipFill>
-        <p:spPr bwMode="auto">
-          <a:xfrm>
-            <a:off x="6652379" y="2872469"/>
-            <a:ext cx="1773316" cy="2054052"/>
-          </a:xfrm>
-          <a:prstGeom prst="rect">
-            <a:avLst/>
-          </a:prstGeom>
-          <a:noFill/>
-          <a:ln>
-            <a:noFill/>
-          </a:ln>
-          <a:extLst>
-            <a:ext uri="{909E8E84-426E-40DD-AFC4-6F175D3DCCD1}">
-              <a14:hiddenFill xmlns:a14="http://schemas.microsoft.com/office/drawing/2010/main">
-                <a:solidFill>
-                  <a:schemeClr val="accent1"/>
-                </a:solidFill>
-              </a14:hiddenFill>
-            </a:ext>
-            <a:ext uri="{91240B29-F687-4F45-9708-019B960494DF}">
-              <a14:hiddenLine xmlns:a14="http://schemas.microsoft.com/office/drawing/2010/main" w="9525">
-                <a:solidFill>
-                  <a:schemeClr val="tx1"/>
-                </a:solidFill>
-                <a:miter lim="800000"/>
-                <a:headEnd/>
-                <a:tailEnd/>
-              </a14:hiddenLine>
-            </a:ext>
-          </a:extLst>
-        </p:spPr>
-      </p:pic>
-      <p:pic>
-        <p:nvPicPr>
-          <p:cNvPr id="5" name="Picture 5"/>
-          <p:cNvPicPr>
-            <a:picLocks noChangeAspect="1" noChangeArrowheads="1"/>
-          </p:cNvPicPr>
-          <p:nvPr/>
-        </p:nvPicPr>
-        <p:blipFill>
-          <a:blip r:embed="rId3">
-            <a:extLst>
-              <a:ext uri="{28A0092B-C50C-407E-A947-70E740481C1C}">
-                <a14:useLocalDpi xmlns:a14="http://schemas.microsoft.com/office/drawing/2010/main" val="0"/>
-              </a:ext>
-            </a:extLst>
-          </a:blip>
-          <a:srcRect/>
-          <a:stretch>
-            <a:fillRect/>
-          </a:stretch>
-        </p:blipFill>
-        <p:spPr bwMode="auto">
-          <a:xfrm>
-            <a:off x="6019799" y="4926521"/>
-            <a:ext cx="3038475" cy="464293"/>
-          </a:xfrm>
-          <a:prstGeom prst="rect">
-            <a:avLst/>
-          </a:prstGeom>
-          <a:noFill/>
-          <a:ln>
-            <a:noFill/>
-          </a:ln>
-          <a:extLst>
-            <a:ext uri="{909E8E84-426E-40DD-AFC4-6F175D3DCCD1}">
-              <a14:hiddenFill xmlns:a14="http://schemas.microsoft.com/office/drawing/2010/main">
-                <a:solidFill>
-                  <a:schemeClr val="accent1"/>
-                </a:solidFill>
-              </a14:hiddenFill>
-            </a:ext>
-            <a:ext uri="{91240B29-F687-4F45-9708-019B960494DF}">
-              <a14:hiddenLine xmlns:a14="http://schemas.microsoft.com/office/drawing/2010/main" w="9525">
-                <a:solidFill>
-                  <a:schemeClr val="tx1"/>
-                </a:solidFill>
-                <a:miter lim="800000"/>
-                <a:headEnd/>
-                <a:tailEnd/>
-              </a14:hiddenLine>
-            </a:ext>
-          </a:extLst>
-        </p:spPr>
-      </p:pic>
-      <p:sp>
-        <p:nvSpPr>
-          <p:cNvPr id="6" name="TextBox 5"/>
-          <p:cNvSpPr txBox="1"/>
-          <p:nvPr/>
-        </p:nvSpPr>
-        <p:spPr>
-          <a:xfrm>
-            <a:off x="6400800" y="2477441"/>
-            <a:ext cx="2076291" cy="430887"/>
-          </a:xfrm>
-          <a:prstGeom prst="rect">
-            <a:avLst/>
-          </a:prstGeom>
-          <a:noFill/>
-        </p:spPr>
-        <p:txBody>
-          <a:bodyPr wrap="square" rtlCol="0">
-            <a:spAutoFit/>
-          </a:bodyPr>
-          <a:lstStyle/>
-          <a:p>
-            <a:r>
-              <a:rPr lang="en-US" altLang="ko-KR" sz="1100" dirty="0" smtClean="0"/>
-              <a:t>The first ab-initio calculation of </a:t>
-            </a:r>
-          </a:p>
-          <a:p>
-            <a:r>
-              <a:rPr lang="en-US" altLang="ko-KR" sz="1100" dirty="0" smtClean="0"/>
-              <a:t>Hoyle state</a:t>
-            </a:r>
-            <a:endParaRPr lang="ko-KR" altLang="en-US" sz="1100" dirty="0"/>
-          </a:p>
-        </p:txBody>
-      </p:sp>
-    </p:spTree>
-    <p:extLst>
-      <p:ext uri="{BB962C8B-B14F-4D97-AF65-F5344CB8AC3E}">
-        <p14:creationId xmlns:p14="http://schemas.microsoft.com/office/powerpoint/2010/main" val="3769960710"/>
-      </p:ext>
-    </p:extLst>
-  </p:cSld>
-  <p:clrMapOvr>
-    <a:masterClrMapping/>
-  </p:clrMapOvr>
-  <p:timing>
-    <p:tnLst>
-      <p:par>
-        <p:cTn id="1" dur="indefinite" restart="never" nodeType="tmRoot"/>
-      </p:par>
-    </p:tnLst>
-  </p:timing>
-</p:sld>
-</file>
-
-<file path=ppt/slides/slide14.xml><?xml version="1.0" encoding="utf-8"?>
-<p:sld xmlns:a="http://schemas.openxmlformats.org/drawingml/2006/main" xmlns:r="http://schemas.openxmlformats.org/officeDocument/2006/relationships" xmlns:p="http://schemas.openxmlformats.org/presentationml/2006/main">
-  <p:cSld>
-    <p:spTree>
-      <p:nvGrpSpPr>
-        <p:cNvPr id="1" name=""/>
-        <p:cNvGrpSpPr/>
-        <p:nvPr/>
-      </p:nvGrpSpPr>
-      <p:grpSpPr>
-        <a:xfrm>
-          <a:off x="0" y="0"/>
-          <a:ext cx="0" cy="0"/>
-          <a:chOff x="0" y="0"/>
-          <a:chExt cx="0" cy="0"/>
-        </a:xfrm>
-      </p:grpSpPr>
-      <p:pic>
-        <p:nvPicPr>
-          <p:cNvPr id="4" name="그림 3"/>
-          <p:cNvPicPr>
-            <a:picLocks noChangeAspect="1"/>
-          </p:cNvPicPr>
-          <p:nvPr/>
-        </p:nvPicPr>
-        <p:blipFill>
-          <a:blip r:embed="rId2"/>
-          <a:stretch>
-            <a:fillRect/>
-          </a:stretch>
-        </p:blipFill>
-        <p:spPr>
-          <a:xfrm>
-            <a:off x="228600" y="457200"/>
-            <a:ext cx="5982535" cy="1162212"/>
-          </a:xfrm>
-          <a:prstGeom prst="rect">
-            <a:avLst/>
-          </a:prstGeom>
-        </p:spPr>
-      </p:pic>
-      <p:pic>
-        <p:nvPicPr>
-          <p:cNvPr id="5" name="그림 4"/>
-          <p:cNvPicPr>
-            <a:picLocks noChangeAspect="1"/>
-          </p:cNvPicPr>
-          <p:nvPr/>
-        </p:nvPicPr>
-        <p:blipFill>
-          <a:blip r:embed="rId3"/>
-          <a:stretch>
-            <a:fillRect/>
-          </a:stretch>
-        </p:blipFill>
-        <p:spPr>
-          <a:xfrm>
-            <a:off x="304800" y="1905000"/>
-            <a:ext cx="2363151" cy="3048000"/>
-          </a:xfrm>
-          <a:prstGeom prst="rect">
-            <a:avLst/>
-          </a:prstGeom>
-        </p:spPr>
-      </p:pic>
-      <p:pic>
-        <p:nvPicPr>
-          <p:cNvPr id="6" name="그림 5"/>
-          <p:cNvPicPr>
-            <a:picLocks noChangeAspect="1"/>
-          </p:cNvPicPr>
-          <p:nvPr/>
-        </p:nvPicPr>
-        <p:blipFill>
-          <a:blip r:embed="rId4"/>
-          <a:stretch>
-            <a:fillRect/>
-          </a:stretch>
-        </p:blipFill>
-        <p:spPr>
-          <a:xfrm>
-            <a:off x="3048000" y="1981200"/>
-            <a:ext cx="2194254" cy="2286000"/>
-          </a:xfrm>
-          <a:prstGeom prst="rect">
-            <a:avLst/>
-          </a:prstGeom>
-        </p:spPr>
-      </p:pic>
-      <p:pic>
-        <p:nvPicPr>
-          <p:cNvPr id="7" name="그림 6"/>
-          <p:cNvPicPr>
-            <a:picLocks noChangeAspect="1"/>
-          </p:cNvPicPr>
-          <p:nvPr/>
-        </p:nvPicPr>
-        <p:blipFill>
-          <a:blip r:embed="rId5"/>
-          <a:stretch>
-            <a:fillRect/>
-          </a:stretch>
-        </p:blipFill>
-        <p:spPr>
-          <a:xfrm>
-            <a:off x="5595926" y="1780610"/>
-            <a:ext cx="2632860" cy="4973180"/>
-          </a:xfrm>
-          <a:prstGeom prst="rect">
-            <a:avLst/>
-          </a:prstGeom>
-        </p:spPr>
-      </p:pic>
-      <p:pic>
-        <p:nvPicPr>
-          <p:cNvPr id="2" name="그림 1"/>
-          <p:cNvPicPr>
-            <a:picLocks noChangeAspect="1"/>
-          </p:cNvPicPr>
-          <p:nvPr/>
-        </p:nvPicPr>
-        <p:blipFill>
-          <a:blip r:embed="rId6"/>
-          <a:stretch>
-            <a:fillRect/>
-          </a:stretch>
-        </p:blipFill>
-        <p:spPr>
-          <a:xfrm>
-            <a:off x="1921126" y="5410200"/>
-            <a:ext cx="1493649" cy="281964"/>
-          </a:xfrm>
-          <a:prstGeom prst="rect">
-            <a:avLst/>
-          </a:prstGeom>
-        </p:spPr>
-      </p:pic>
-      <p:sp>
-        <p:nvSpPr>
-          <p:cNvPr id="3" name="TextBox 2"/>
-          <p:cNvSpPr txBox="1"/>
-          <p:nvPr/>
-        </p:nvSpPr>
-        <p:spPr>
-          <a:xfrm>
-            <a:off x="3297747" y="4469368"/>
-            <a:ext cx="1967205" cy="369332"/>
-          </a:xfrm>
-          <a:prstGeom prst="rect">
-            <a:avLst/>
-          </a:prstGeom>
-          <a:solidFill>
-            <a:srgbClr val="FFFF00"/>
-          </a:solidFill>
-        </p:spPr>
-        <p:txBody>
-          <a:bodyPr wrap="none" rtlCol="0">
-            <a:spAutoFit/>
-          </a:bodyPr>
-          <a:lstStyle/>
-          <a:p>
-            <a:r>
-              <a:rPr lang="en-US" altLang="ko-KR" dirty="0" smtClean="0"/>
-              <a:t>Pinhole algorithm</a:t>
-            </a:r>
-          </a:p>
-        </p:txBody>
-      </p:sp>
-    </p:spTree>
-    <p:extLst>
-      <p:ext uri="{BB962C8B-B14F-4D97-AF65-F5344CB8AC3E}">
-        <p14:creationId xmlns:p14="http://schemas.microsoft.com/office/powerpoint/2010/main" val="20906122"/>
       </p:ext>
     </p:extLst>
   </p:cSld>
@@ -4481,7 +4100,7 @@
       </p:grpSpPr>
       <p:pic>
         <p:nvPicPr>
-          <p:cNvPr id="2" name="그림 1"/>
+          <p:cNvPr id="4" name="그림 3"/>
           <p:cNvPicPr>
             <a:picLocks noChangeAspect="1"/>
           </p:cNvPicPr>
@@ -4495,8 +4114,8 @@
         </p:blipFill>
         <p:spPr>
           <a:xfrm>
-            <a:off x="152400" y="533400"/>
-            <a:ext cx="6849431" cy="1438476"/>
+            <a:off x="457200" y="381000"/>
+            <a:ext cx="8076396" cy="5790494"/>
           </a:xfrm>
           <a:prstGeom prst="rect">
             <a:avLst/>
@@ -4505,14 +4124,14 @@
       </p:pic>
       <p:sp>
         <p:nvSpPr>
-          <p:cNvPr id="3" name="TextBox 2"/>
+          <p:cNvPr id="5" name="TextBox 4"/>
           <p:cNvSpPr txBox="1"/>
           <p:nvPr/>
         </p:nvSpPr>
         <p:spPr>
           <a:xfrm>
-            <a:off x="457200" y="2362200"/>
-            <a:ext cx="8028160" cy="923330"/>
+            <a:off x="1626322" y="6324600"/>
+            <a:ext cx="5891356" cy="369332"/>
           </a:xfrm>
           <a:prstGeom prst="rect">
             <a:avLst/>
@@ -4527,66 +4146,16 @@
           <a:p>
             <a:r>
               <a:rPr lang="en-US" altLang="ko-KR" dirty="0" smtClean="0"/>
-              <a:t>Changing the range and locality of nuclear force</a:t>
-            </a:r>
-          </a:p>
-          <a:p>
-            <a:pPr marL="285750" indent="-285750">
-              <a:buFont typeface="Wingdings" panose="05000000000000000000" pitchFamily="2" charset="2"/>
-              <a:buChar char="à"/>
-            </a:pPr>
-            <a:r>
-              <a:rPr lang="en-US" altLang="ko-KR" dirty="0" smtClean="0">
-                <a:sym typeface="Wingdings" panose="05000000000000000000" pitchFamily="2" charset="2"/>
-              </a:rPr>
-              <a:t>Quantum phase transition </a:t>
-            </a:r>
-          </a:p>
-          <a:p>
-            <a:r>
-              <a:rPr lang="en-US" altLang="ko-KR" dirty="0">
-                <a:sym typeface="Wingdings" panose="05000000000000000000" pitchFamily="2" charset="2"/>
-              </a:rPr>
-              <a:t> </a:t>
-            </a:r>
-            <a:r>
-              <a:rPr lang="en-US" altLang="ko-KR" dirty="0" smtClean="0">
-                <a:sym typeface="Wingdings" panose="05000000000000000000" pitchFamily="2" charset="2"/>
-              </a:rPr>
-              <a:t>between a nuclear liquid and a Bose-Einstein condensate of alpha clusters</a:t>
+              <a:t>Determine LECs by fitting phase shifts of N-N scattering</a:t>
             </a:r>
             <a:endParaRPr lang="ko-KR" altLang="en-US" dirty="0"/>
           </a:p>
         </p:txBody>
       </p:sp>
-      <p:pic>
-        <p:nvPicPr>
-          <p:cNvPr id="4" name="그림 3"/>
-          <p:cNvPicPr>
-            <a:picLocks noChangeAspect="1"/>
-          </p:cNvPicPr>
-          <p:nvPr/>
-        </p:nvPicPr>
-        <p:blipFill>
-          <a:blip r:embed="rId3"/>
-          <a:stretch>
-            <a:fillRect/>
-          </a:stretch>
-        </p:blipFill>
-        <p:spPr>
-          <a:xfrm>
-            <a:off x="457200" y="3429000"/>
-            <a:ext cx="4038600" cy="3191521"/>
-          </a:xfrm>
-          <a:prstGeom prst="rect">
-            <a:avLst/>
-          </a:prstGeom>
-        </p:spPr>
-      </p:pic>
     </p:spTree>
     <p:extLst>
       <p:ext uri="{BB962C8B-B14F-4D97-AF65-F5344CB8AC3E}">
-        <p14:creationId xmlns:p14="http://schemas.microsoft.com/office/powerpoint/2010/main" val="1506806834"/>
+        <p14:creationId xmlns:p14="http://schemas.microsoft.com/office/powerpoint/2010/main" val="4030331627"/>
       </p:ext>
     </p:extLst>
   </p:cSld>
@@ -4629,152 +4198,8 @@
         </p:blipFill>
         <p:spPr>
           <a:xfrm>
-            <a:off x="304800" y="533400"/>
-            <a:ext cx="5158363" cy="1828800"/>
-          </a:xfrm>
-          <a:prstGeom prst="rect">
-            <a:avLst/>
-          </a:prstGeom>
-        </p:spPr>
-      </p:pic>
-      <p:pic>
-        <p:nvPicPr>
-          <p:cNvPr id="3" name="그림 2"/>
-          <p:cNvPicPr>
-            <a:picLocks noChangeAspect="1"/>
-          </p:cNvPicPr>
-          <p:nvPr/>
-        </p:nvPicPr>
-        <p:blipFill>
-          <a:blip r:embed="rId3"/>
-          <a:stretch>
-            <a:fillRect/>
-          </a:stretch>
-        </p:blipFill>
-        <p:spPr>
-          <a:xfrm>
-            <a:off x="304800" y="2514600"/>
-            <a:ext cx="3508661" cy="580570"/>
-          </a:xfrm>
-          <a:prstGeom prst="rect">
-            <a:avLst/>
-          </a:prstGeom>
-        </p:spPr>
-      </p:pic>
-      <p:pic>
-        <p:nvPicPr>
-          <p:cNvPr id="4" name="그림 3"/>
-          <p:cNvPicPr>
-            <a:picLocks noChangeAspect="1"/>
-          </p:cNvPicPr>
-          <p:nvPr/>
-        </p:nvPicPr>
-        <p:blipFill>
-          <a:blip r:embed="rId4"/>
-          <a:stretch>
-            <a:fillRect/>
-          </a:stretch>
-        </p:blipFill>
-        <p:spPr>
-          <a:xfrm>
-            <a:off x="685800" y="4495800"/>
-            <a:ext cx="3405663" cy="2114845"/>
-          </a:xfrm>
-          <a:prstGeom prst="rect">
-            <a:avLst/>
-          </a:prstGeom>
-        </p:spPr>
-      </p:pic>
-      <p:pic>
-        <p:nvPicPr>
-          <p:cNvPr id="5" name="그림 4"/>
-          <p:cNvPicPr>
-            <a:picLocks noChangeAspect="1"/>
-          </p:cNvPicPr>
-          <p:nvPr/>
-        </p:nvPicPr>
-        <p:blipFill>
-          <a:blip r:embed="rId5"/>
-          <a:stretch>
-            <a:fillRect/>
-          </a:stretch>
-        </p:blipFill>
-        <p:spPr>
-          <a:xfrm>
-            <a:off x="5791200" y="1600200"/>
-            <a:ext cx="2450649" cy="2006883"/>
-          </a:xfrm>
-          <a:prstGeom prst="rect">
-            <a:avLst/>
-          </a:prstGeom>
-        </p:spPr>
-      </p:pic>
-      <p:pic>
-        <p:nvPicPr>
-          <p:cNvPr id="6" name="그림 5"/>
-          <p:cNvPicPr>
-            <a:picLocks noChangeAspect="1"/>
-          </p:cNvPicPr>
-          <p:nvPr/>
-        </p:nvPicPr>
-        <p:blipFill>
-          <a:blip r:embed="rId6"/>
-          <a:stretch>
-            <a:fillRect/>
-          </a:stretch>
-        </p:blipFill>
-        <p:spPr>
-          <a:xfrm>
-            <a:off x="5782408" y="3962400"/>
-            <a:ext cx="2667000" cy="2440984"/>
-          </a:xfrm>
-          <a:prstGeom prst="rect">
-            <a:avLst/>
-          </a:prstGeom>
-        </p:spPr>
-      </p:pic>
-      <p:pic>
-        <p:nvPicPr>
-          <p:cNvPr id="7" name="그림 6"/>
-          <p:cNvPicPr>
-            <a:picLocks noChangeAspect="1"/>
-          </p:cNvPicPr>
-          <p:nvPr/>
-        </p:nvPicPr>
-        <p:blipFill>
-          <a:blip r:embed="rId7"/>
-          <a:stretch>
-            <a:fillRect/>
-          </a:stretch>
-        </p:blipFill>
-        <p:spPr>
-          <a:xfrm>
-            <a:off x="458931" y="3095170"/>
-            <a:ext cx="2895600" cy="455023"/>
-          </a:xfrm>
-          <a:prstGeom prst="rect">
-            <a:avLst/>
-          </a:prstGeom>
-        </p:spPr>
-      </p:pic>
-      <p:pic>
-        <p:nvPicPr>
-          <p:cNvPr id="8" name="그림 7"/>
-          <p:cNvPicPr>
-            <a:picLocks noChangeAspect="1"/>
-          </p:cNvPicPr>
-          <p:nvPr/>
-        </p:nvPicPr>
-        <p:blipFill>
-          <a:blip r:embed="rId8"/>
-          <a:stretch>
-            <a:fillRect/>
-          </a:stretch>
-        </p:blipFill>
-        <p:spPr>
-          <a:xfrm>
-            <a:off x="475107" y="3645434"/>
-            <a:ext cx="1733792" cy="395343"/>
+            <a:off x="259147" y="1981200"/>
+            <a:ext cx="8625705" cy="3352800"/>
           </a:xfrm>
           <a:prstGeom prst="rect">
             <a:avLst/>
@@ -4784,20 +4209,13 @@
     </p:spTree>
     <p:extLst>
       <p:ext uri="{BB962C8B-B14F-4D97-AF65-F5344CB8AC3E}">
-        <p14:creationId xmlns:p14="http://schemas.microsoft.com/office/powerpoint/2010/main" val="2989461132"/>
+        <p14:creationId xmlns:p14="http://schemas.microsoft.com/office/powerpoint/2010/main" val="2369880873"/>
       </p:ext>
     </p:extLst>
   </p:cSld>
   <p:clrMapOvr>
     <a:masterClrMapping/>
   </p:clrMapOvr>
-  <p:timing>
-    <p:tnLst>
-      <p:par>
-        <p:cTn id="1" dur="indefinite" restart="never" nodeType="tmRoot"/>
-      </p:par>
-    </p:tnLst>
-  </p:timing>
 </p:sld>
 </file>
 
@@ -4820,31 +4238,123 @@
       </p:grpSpPr>
       <p:sp>
         <p:nvSpPr>
-          <p:cNvPr id="3" name="TextBox 2"/>
-          <p:cNvSpPr txBox="1"/>
-          <p:nvPr/>
-        </p:nvSpPr>
-        <p:spPr>
-          <a:xfrm>
-            <a:off x="899557" y="6292572"/>
-            <a:ext cx="2544286" cy="369332"/>
-          </a:xfrm>
-          <a:prstGeom prst="rect">
-            <a:avLst/>
-          </a:prstGeom>
-          <a:solidFill>
-            <a:srgbClr val="FFFF00"/>
-          </a:solidFill>
-        </p:spPr>
-        <p:txBody>
-          <a:bodyPr wrap="none" rtlCol="0">
-            <a:spAutoFit/>
+          <p:cNvPr id="2" name="제목 1"/>
+          <p:cNvSpPr>
+            <a:spLocks noGrp="1"/>
+          </p:cNvSpPr>
+          <p:nvPr>
+            <p:ph type="title"/>
+          </p:nvPr>
+        </p:nvSpPr>
+        <p:spPr/>
+        <p:txBody>
+          <a:bodyPr/>
+          <a:lstStyle/>
+          <a:p>
+            <a:r>
+              <a:rPr lang="en-US" altLang="ko-KR" dirty="0" smtClean="0"/>
+              <a:t>Applications of NLEFT</a:t>
+            </a:r>
+            <a:endParaRPr lang="ko-KR" altLang="en-US" dirty="0"/>
+          </a:p>
+        </p:txBody>
+      </p:sp>
+      <p:sp>
+        <p:nvSpPr>
+          <p:cNvPr id="3" name="내용 개체 틀 2"/>
+          <p:cNvSpPr>
+            <a:spLocks noGrp="1"/>
+          </p:cNvSpPr>
+          <p:nvPr>
+            <p:ph idx="1"/>
+          </p:nvPr>
+        </p:nvSpPr>
+        <p:spPr/>
+        <p:txBody>
+          <a:bodyPr>
+            <a:normAutofit/>
           </a:bodyPr>
           <a:lstStyle/>
           <a:p>
             <a:r>
               <a:rPr lang="en-US" altLang="ko-KR" dirty="0" smtClean="0"/>
-              <a:t>Pinhole trace algorithm</a:t>
+              <a:t>Has been successfully applied to </a:t>
+            </a:r>
+          </a:p>
+          <a:p>
+            <a:pPr lvl="1"/>
+            <a:r>
+              <a:rPr lang="en-US" altLang="ko-KR" dirty="0" smtClean="0"/>
+              <a:t>Nuclear matter, Cold atom, dilute fermion system</a:t>
+            </a:r>
+          </a:p>
+          <a:p>
+            <a:pPr lvl="1"/>
+            <a:r>
+              <a:rPr lang="en-US" altLang="ko-KR" dirty="0" smtClean="0"/>
+              <a:t>Finite nuclei (A&lt;=50) </a:t>
+            </a:r>
+          </a:p>
+          <a:p>
+            <a:pPr lvl="1"/>
+            <a:r>
+              <a:rPr lang="en-US" altLang="ko-KR" dirty="0" smtClean="0"/>
+              <a:t>First ab-initio calculation of Hoyle state</a:t>
+            </a:r>
+          </a:p>
+          <a:p>
+            <a:pPr lvl="1"/>
+            <a:r>
+              <a:rPr lang="en-US" altLang="ko-KR" dirty="0" smtClean="0"/>
+              <a:t>Cluster structure of </a:t>
+            </a:r>
+            <a:r>
+              <a:rPr lang="en-US" altLang="ko-KR" baseline="30000" dirty="0"/>
+              <a:t>12</a:t>
+            </a:r>
+            <a:r>
+              <a:rPr lang="en-US" altLang="ko-KR" dirty="0"/>
+              <a:t>C </a:t>
+            </a:r>
+            <a:r>
+              <a:rPr lang="en-US" altLang="ko-KR" dirty="0" smtClean="0"/>
+              <a:t>and </a:t>
+            </a:r>
+            <a:r>
+              <a:rPr lang="en-US" altLang="ko-KR" baseline="30000" dirty="0" smtClean="0"/>
+              <a:t>16</a:t>
+            </a:r>
+            <a:r>
+              <a:rPr lang="en-US" altLang="ko-KR" dirty="0" smtClean="0"/>
+              <a:t>O</a:t>
+            </a:r>
+          </a:p>
+          <a:p>
+            <a:pPr lvl="1"/>
+            <a:r>
+              <a:rPr lang="en-US" altLang="ko-KR" dirty="0" smtClean="0"/>
+              <a:t>NN scattering, N-D scattering</a:t>
+            </a:r>
+          </a:p>
+          <a:p>
+            <a:pPr lvl="1"/>
+            <a:r>
+              <a:rPr lang="en-US" altLang="ko-KR" dirty="0" smtClean="0"/>
+              <a:t>Alpha-alpha scattering</a:t>
+            </a:r>
+          </a:p>
+          <a:p>
+            <a:pPr lvl="1"/>
+            <a:r>
+              <a:rPr lang="en-US" altLang="ko-KR" dirty="0" smtClean="0"/>
+              <a:t>radiative capture, fusion </a:t>
+            </a:r>
+          </a:p>
+          <a:p>
+            <a:pPr lvl="1"/>
+            <a:r>
+              <a:rPr lang="en-US" altLang="ko-KR" dirty="0" smtClean="0"/>
+              <a:t>Etc. </a:t>
             </a:r>
             <a:endParaRPr lang="ko-KR" altLang="en-US" dirty="0"/>
           </a:p>
@@ -4852,50 +4362,110 @@
       </p:sp>
       <p:pic>
         <p:nvPicPr>
-          <p:cNvPr id="4" name="그림 3"/>
+          <p:cNvPr id="4" name="Picture 2"/>
           <p:cNvPicPr>
-            <a:picLocks noChangeAspect="1"/>
+            <a:picLocks noChangeAspect="1" noChangeArrowheads="1"/>
           </p:cNvPicPr>
           <p:nvPr/>
         </p:nvPicPr>
         <p:blipFill>
-          <a:blip r:embed="rId2"/>
+          <a:blip r:embed="rId2">
+            <a:extLst>
+              <a:ext uri="{28A0092B-C50C-407E-A947-70E740481C1C}">
+                <a14:useLocalDpi xmlns:a14="http://schemas.microsoft.com/office/drawing/2010/main" val="0"/>
+              </a:ext>
+            </a:extLst>
+          </a:blip>
+          <a:srcRect/>
           <a:stretch>
             <a:fillRect/>
           </a:stretch>
         </p:blipFill>
-        <p:spPr>
-          <a:xfrm>
-            <a:off x="609600" y="2057400"/>
-            <a:ext cx="3124200" cy="3901441"/>
-          </a:xfrm>
-          <a:prstGeom prst="rect">
-            <a:avLst/>
-          </a:prstGeom>
+        <p:spPr bwMode="auto">
+          <a:xfrm>
+            <a:off x="6652379" y="2872469"/>
+            <a:ext cx="1773316" cy="2054052"/>
+          </a:xfrm>
+          <a:prstGeom prst="rect">
+            <a:avLst/>
+          </a:prstGeom>
+          <a:noFill/>
+          <a:ln>
+            <a:noFill/>
+          </a:ln>
+          <a:extLst>
+            <a:ext uri="{909E8E84-426E-40DD-AFC4-6F175D3DCCD1}">
+              <a14:hiddenFill xmlns:a14="http://schemas.microsoft.com/office/drawing/2010/main">
+                <a:solidFill>
+                  <a:schemeClr val="accent1"/>
+                </a:solidFill>
+              </a14:hiddenFill>
+            </a:ext>
+            <a:ext uri="{91240B29-F687-4F45-9708-019B960494DF}">
+              <a14:hiddenLine xmlns:a14="http://schemas.microsoft.com/office/drawing/2010/main" w="9525">
+                <a:solidFill>
+                  <a:schemeClr val="tx1"/>
+                </a:solidFill>
+                <a:miter lim="800000"/>
+                <a:headEnd/>
+                <a:tailEnd/>
+              </a14:hiddenLine>
+            </a:ext>
+          </a:extLst>
         </p:spPr>
       </p:pic>
       <p:pic>
         <p:nvPicPr>
-          <p:cNvPr id="5" name="그림 4"/>
+          <p:cNvPr id="5" name="Picture 5"/>
           <p:cNvPicPr>
-            <a:picLocks noChangeAspect="1"/>
+            <a:picLocks noChangeAspect="1" noChangeArrowheads="1"/>
           </p:cNvPicPr>
           <p:nvPr/>
         </p:nvPicPr>
         <p:blipFill>
-          <a:blip r:embed="rId3"/>
+          <a:blip r:embed="rId3">
+            <a:extLst>
+              <a:ext uri="{28A0092B-C50C-407E-A947-70E740481C1C}">
+                <a14:useLocalDpi xmlns:a14="http://schemas.microsoft.com/office/drawing/2010/main" val="0"/>
+              </a:ext>
+            </a:extLst>
+          </a:blip>
+          <a:srcRect/>
           <a:stretch>
             <a:fillRect/>
           </a:stretch>
         </p:blipFill>
-        <p:spPr>
-          <a:xfrm>
-            <a:off x="4596319" y="2209800"/>
-            <a:ext cx="4146166" cy="2581720"/>
-          </a:xfrm>
-          <a:prstGeom prst="rect">
-            <a:avLst/>
-          </a:prstGeom>
+        <p:spPr bwMode="auto">
+          <a:xfrm>
+            <a:off x="6019799" y="4926521"/>
+            <a:ext cx="3038475" cy="464293"/>
+          </a:xfrm>
+          <a:prstGeom prst="rect">
+            <a:avLst/>
+          </a:prstGeom>
+          <a:noFill/>
+          <a:ln>
+            <a:noFill/>
+          </a:ln>
+          <a:extLst>
+            <a:ext uri="{909E8E84-426E-40DD-AFC4-6F175D3DCCD1}">
+              <a14:hiddenFill xmlns:a14="http://schemas.microsoft.com/office/drawing/2010/main">
+                <a:solidFill>
+                  <a:schemeClr val="accent1"/>
+                </a:solidFill>
+              </a14:hiddenFill>
+            </a:ext>
+            <a:ext uri="{91240B29-F687-4F45-9708-019B960494DF}">
+              <a14:hiddenLine xmlns:a14="http://schemas.microsoft.com/office/drawing/2010/main" w="9525">
+                <a:solidFill>
+                  <a:schemeClr val="tx1"/>
+                </a:solidFill>
+                <a:miter lim="800000"/>
+                <a:headEnd/>
+                <a:tailEnd/>
+              </a14:hiddenLine>
+            </a:ext>
+          </a:extLst>
         </p:spPr>
       </p:pic>
       <p:sp>
@@ -4906,8 +4476,8 @@
         </p:nvSpPr>
         <p:spPr>
           <a:xfrm>
-            <a:off x="4724400" y="4876800"/>
-            <a:ext cx="4230645" cy="1600438"/>
+            <a:off x="6400800" y="2477441"/>
+            <a:ext cx="2076291" cy="430887"/>
           </a:xfrm>
           <a:prstGeom prst="rect">
             <a:avLst/>
@@ -4915,130 +4485,42 @@
           <a:noFill/>
         </p:spPr>
         <p:txBody>
-          <a:bodyPr wrap="none" rtlCol="0">
+          <a:bodyPr wrap="square" rtlCol="0">
             <a:spAutoFit/>
           </a:bodyPr>
           <a:lstStyle/>
           <a:p>
-            <a:pPr marL="285750" indent="-285750">
-              <a:buFont typeface="Arial" panose="020B0604020202020204" pitchFamily="34" charset="0"/>
-              <a:buChar char="•"/>
-            </a:pPr>
-            <a:r>
-              <a:rPr lang="en-US" altLang="ko-KR" sz="1400" dirty="0"/>
-              <a:t>determine the location of the critical point </a:t>
-            </a:r>
-            <a:endParaRPr lang="en-US" altLang="ko-KR" sz="1400" dirty="0" smtClean="0"/>
-          </a:p>
-          <a:p>
-            <a:r>
-              <a:rPr lang="en-US" altLang="ko-KR" sz="1400" dirty="0" smtClean="0"/>
-              <a:t>and </a:t>
-            </a:r>
-            <a:r>
-              <a:rPr lang="en-US" altLang="ko-KR" sz="1400" dirty="0"/>
-              <a:t>the liquid-vapor coexistence </a:t>
-            </a:r>
-            <a:r>
-              <a:rPr lang="en-US" altLang="ko-KR" sz="1400" dirty="0" smtClean="0"/>
-              <a:t>line</a:t>
-            </a:r>
-          </a:p>
-          <a:p>
-            <a:r>
-              <a:rPr lang="en-US" altLang="ko-KR" sz="1400" dirty="0" smtClean="0"/>
-              <a:t> </a:t>
-            </a:r>
-            <a:r>
-              <a:rPr lang="en-US" altLang="ko-KR" sz="1400" dirty="0"/>
-              <a:t>for symmetric nuclear matter </a:t>
-            </a:r>
-            <a:endParaRPr lang="en-US" altLang="ko-KR" sz="1400" dirty="0" smtClean="0"/>
-          </a:p>
-          <a:p>
-            <a:r>
-              <a:rPr lang="en-US" altLang="ko-KR" sz="1400" dirty="0" smtClean="0"/>
-              <a:t>with </a:t>
-            </a:r>
-            <a:r>
-              <a:rPr lang="en-US" altLang="ko-KR" sz="1400" dirty="0"/>
-              <a:t>equal numbers of protons and neutrons. </a:t>
-            </a:r>
-            <a:endParaRPr lang="en-US" altLang="ko-KR" sz="1400" dirty="0" smtClean="0"/>
-          </a:p>
-          <a:p>
-            <a:endParaRPr lang="en-US" altLang="ko-KR" sz="1400" dirty="0" smtClean="0"/>
-          </a:p>
-          <a:p>
-            <a:pPr marL="285750" indent="-285750">
-              <a:buFont typeface="Arial" panose="020B0604020202020204" pitchFamily="34" charset="0"/>
-              <a:buChar char="•"/>
-            </a:pPr>
-            <a:r>
-              <a:rPr lang="en-US" altLang="ko-KR" sz="1400" dirty="0" smtClean="0"/>
-              <a:t>the </a:t>
-            </a:r>
-            <a:r>
-              <a:rPr lang="en-US" altLang="ko-KR" sz="1400" dirty="0"/>
-              <a:t>first </a:t>
-            </a:r>
-            <a:r>
-              <a:rPr lang="en-US" altLang="ko-KR" sz="1400" i="1" dirty="0"/>
-              <a:t>ab initio</a:t>
-            </a:r>
-            <a:r>
-              <a:rPr lang="en-US" altLang="ko-KR" sz="1400" dirty="0"/>
-              <a:t> study of the density </a:t>
-            </a:r>
-            <a:endParaRPr lang="en-US" altLang="ko-KR" sz="1400" dirty="0" smtClean="0"/>
-          </a:p>
-          <a:p>
-            <a:r>
-              <a:rPr lang="en-US" altLang="ko-KR" sz="1400" dirty="0" smtClean="0"/>
-              <a:t>and </a:t>
-            </a:r>
-            <a:r>
-              <a:rPr lang="en-US" altLang="ko-KR" sz="1400" dirty="0"/>
-              <a:t>temperature dependence of nuclear clustering.</a:t>
-            </a:r>
-            <a:endParaRPr lang="ko-KR" altLang="en-US" sz="1400" dirty="0"/>
-          </a:p>
-        </p:txBody>
-      </p:sp>
-      <p:pic>
-        <p:nvPicPr>
-          <p:cNvPr id="7" name="그림 6"/>
-          <p:cNvPicPr>
-            <a:picLocks noChangeAspect="1"/>
-          </p:cNvPicPr>
-          <p:nvPr/>
-        </p:nvPicPr>
-        <p:blipFill>
-          <a:blip r:embed="rId4"/>
-          <a:stretch>
-            <a:fillRect/>
-          </a:stretch>
-        </p:blipFill>
-        <p:spPr>
-          <a:xfrm>
-            <a:off x="37923" y="479732"/>
-            <a:ext cx="6286677" cy="1382365"/>
-          </a:xfrm>
-          <a:prstGeom prst="rect">
-            <a:avLst/>
-          </a:prstGeom>
-        </p:spPr>
-      </p:pic>
+            <a:r>
+              <a:rPr lang="en-US" altLang="ko-KR" sz="1100" dirty="0" smtClean="0"/>
+              <a:t>The first ab-initio calculation of </a:t>
+            </a:r>
+          </a:p>
+          <a:p>
+            <a:r>
+              <a:rPr lang="en-US" altLang="ko-KR" sz="1100" dirty="0" smtClean="0"/>
+              <a:t>Hoyle state</a:t>
+            </a:r>
+            <a:endParaRPr lang="ko-KR" altLang="en-US" sz="1100" dirty="0"/>
+          </a:p>
+        </p:txBody>
+      </p:sp>
     </p:spTree>
     <p:extLst>
       <p:ext uri="{BB962C8B-B14F-4D97-AF65-F5344CB8AC3E}">
-        <p14:creationId xmlns:p14="http://schemas.microsoft.com/office/powerpoint/2010/main" val="1107506914"/>
+        <p14:creationId xmlns:p14="http://schemas.microsoft.com/office/powerpoint/2010/main" val="3769960710"/>
       </p:ext>
     </p:extLst>
   </p:cSld>
   <p:clrMapOvr>
     <a:masterClrMapping/>
   </p:clrMapOvr>
+  <p:timing>
+    <p:tnLst>
+      <p:par>
+        <p:cTn id="1" dur="indefinite" restart="never" nodeType="tmRoot"/>
+      </p:par>
+    </p:tnLst>
+  </p:timing>
 </p:sld>
 </file>
 
@@ -5059,147 +4541,9 @@
           <a:chExt cx="0" cy="0"/>
         </a:xfrm>
       </p:grpSpPr>
-      <p:sp>
-        <p:nvSpPr>
-          <p:cNvPr id="2" name="제목 1"/>
-          <p:cNvSpPr>
-            <a:spLocks noGrp="1"/>
-          </p:cNvSpPr>
-          <p:nvPr>
-            <p:ph type="title"/>
-          </p:nvPr>
-        </p:nvSpPr>
-        <p:spPr/>
-        <p:txBody>
-          <a:bodyPr>
-            <a:normAutofit/>
-          </a:bodyPr>
-          <a:lstStyle/>
-          <a:p>
-            <a:r>
-              <a:rPr lang="en-US" altLang="ko-KR" dirty="0"/>
-              <a:t>BCC </a:t>
-            </a:r>
-            <a:r>
-              <a:rPr lang="en-US" altLang="ko-KR" dirty="0" smtClean="0"/>
-              <a:t>lattice</a:t>
-            </a:r>
-            <a:endParaRPr lang="ko-KR" altLang="en-US" dirty="0"/>
-          </a:p>
-        </p:txBody>
-      </p:sp>
-      <p:sp>
-        <p:nvSpPr>
-          <p:cNvPr id="4" name="내용 개체 틀 3"/>
-          <p:cNvSpPr>
-            <a:spLocks noGrp="1"/>
-          </p:cNvSpPr>
-          <p:nvPr>
-            <p:ph idx="1"/>
-          </p:nvPr>
-        </p:nvSpPr>
-        <p:spPr/>
-        <p:txBody>
-          <a:bodyPr/>
-          <a:lstStyle/>
-          <a:p>
-            <a:r>
-              <a:rPr lang="en-US" altLang="ko-KR" dirty="0" smtClean="0"/>
-              <a:t>Because of </a:t>
-            </a:r>
-            <a:r>
-              <a:rPr lang="en-US" altLang="ko-KR" dirty="0" smtClean="0"/>
-              <a:t>convenience, </a:t>
-            </a:r>
-            <a:r>
-              <a:rPr lang="en-US" altLang="ko-KR" dirty="0" smtClean="0"/>
-              <a:t>all NLEFT calculation has been done on cubic lattice </a:t>
-            </a:r>
-          </a:p>
-          <a:p>
-            <a:r>
-              <a:rPr lang="en-US" altLang="ko-KR" dirty="0"/>
-              <a:t>Physical result should not depends on the specific lattice</a:t>
-            </a:r>
-          </a:p>
-          <a:p>
-            <a:pPr marL="0" indent="0">
-              <a:buNone/>
-            </a:pPr>
-            <a:r>
-              <a:rPr lang="en-US" altLang="ko-KR" dirty="0"/>
-              <a:t>  structure. (lattice size, spacing, type)</a:t>
-            </a:r>
-            <a:endParaRPr lang="ko-KR" altLang="en-US" dirty="0"/>
-          </a:p>
-        </p:txBody>
-      </p:sp>
-      <p:sp>
-        <p:nvSpPr>
-          <p:cNvPr id="6" name="TextBox 5"/>
-          <p:cNvSpPr txBox="1"/>
-          <p:nvPr/>
-        </p:nvSpPr>
-        <p:spPr>
-          <a:xfrm>
-            <a:off x="4572000" y="3576935"/>
-            <a:ext cx="4006290" cy="2031325"/>
-          </a:xfrm>
-          <a:prstGeom prst="rect">
-            <a:avLst/>
-          </a:prstGeom>
-          <a:noFill/>
-        </p:spPr>
-        <p:txBody>
-          <a:bodyPr wrap="none" rtlCol="0">
-            <a:spAutoFit/>
-          </a:bodyPr>
-          <a:lstStyle/>
-          <a:p>
-            <a:r>
-              <a:rPr lang="en-US" altLang="ko-KR" dirty="0" smtClean="0"/>
-              <a:t>BCC lattice is constructed as </a:t>
-            </a:r>
-          </a:p>
-          <a:p>
-            <a:r>
-              <a:rPr lang="en-US" altLang="ko-KR" dirty="0" smtClean="0"/>
-              <a:t>Two cubic lattice</a:t>
-            </a:r>
-          </a:p>
-          <a:p>
-            <a:r>
-              <a:rPr lang="en-US" altLang="ko-KR" dirty="0" smtClean="0"/>
-              <a:t>(shifted by (1/2,1/2,1/2) in lattice unit)</a:t>
-            </a:r>
-          </a:p>
-          <a:p>
-            <a:endParaRPr lang="en-US" altLang="ko-KR" dirty="0"/>
-          </a:p>
-          <a:p>
-            <a:r>
-              <a:rPr lang="en-US" altLang="ko-KR" dirty="0" smtClean="0"/>
-              <a:t>Lattice spacing a=1/100 MeV^-1</a:t>
-            </a:r>
-          </a:p>
-          <a:p>
-            <a:r>
-              <a:rPr lang="en-US" altLang="ko-KR" dirty="0" smtClean="0"/>
-              <a:t>Lattice Time step at = 1/1000 MeV^-1</a:t>
-            </a:r>
-          </a:p>
-          <a:p>
-            <a:r>
-              <a:rPr lang="en-US" altLang="ko-KR" dirty="0" smtClean="0"/>
-              <a:t>(For outer region at’=1/200 MeV^-1)</a:t>
-            </a:r>
-            <a:endParaRPr lang="ko-KR" altLang="en-US" dirty="0"/>
-          </a:p>
-        </p:txBody>
-      </p:sp>
       <p:pic>
         <p:nvPicPr>
-          <p:cNvPr id="5" name="그림 4"/>
+          <p:cNvPr id="4" name="그림 3"/>
           <p:cNvPicPr>
             <a:picLocks noChangeAspect="1"/>
           </p:cNvPicPr>
@@ -5213,24 +4557,158 @@
         </p:blipFill>
         <p:spPr>
           <a:xfrm>
-            <a:off x="457200" y="3464668"/>
-            <a:ext cx="3265356" cy="3088532"/>
+            <a:off x="228600" y="457200"/>
+            <a:ext cx="5982535" cy="1162212"/>
           </a:xfrm>
           <a:prstGeom prst="rect">
             <a:avLst/>
           </a:prstGeom>
         </p:spPr>
       </p:pic>
+      <p:pic>
+        <p:nvPicPr>
+          <p:cNvPr id="5" name="그림 4"/>
+          <p:cNvPicPr>
+            <a:picLocks noChangeAspect="1"/>
+          </p:cNvPicPr>
+          <p:nvPr/>
+        </p:nvPicPr>
+        <p:blipFill>
+          <a:blip r:embed="rId3"/>
+          <a:stretch>
+            <a:fillRect/>
+          </a:stretch>
+        </p:blipFill>
+        <p:spPr>
+          <a:xfrm>
+            <a:off x="304800" y="1905000"/>
+            <a:ext cx="3072096" cy="3962400"/>
+          </a:xfrm>
+          <a:prstGeom prst="rect">
+            <a:avLst/>
+          </a:prstGeom>
+        </p:spPr>
+      </p:pic>
+      <p:pic>
+        <p:nvPicPr>
+          <p:cNvPr id="6" name="그림 5"/>
+          <p:cNvPicPr>
+            <a:picLocks noChangeAspect="1"/>
+          </p:cNvPicPr>
+          <p:nvPr/>
+        </p:nvPicPr>
+        <p:blipFill>
+          <a:blip r:embed="rId4"/>
+          <a:stretch>
+            <a:fillRect/>
+          </a:stretch>
+        </p:blipFill>
+        <p:spPr>
+          <a:xfrm>
+            <a:off x="3600522" y="2057400"/>
+            <a:ext cx="2194254" cy="2286000"/>
+          </a:xfrm>
+          <a:prstGeom prst="rect">
+            <a:avLst/>
+          </a:prstGeom>
+        </p:spPr>
+      </p:pic>
+      <p:pic>
+        <p:nvPicPr>
+          <p:cNvPr id="7" name="그림 6"/>
+          <p:cNvPicPr>
+            <a:picLocks noChangeAspect="1"/>
+          </p:cNvPicPr>
+          <p:nvPr/>
+        </p:nvPicPr>
+        <p:blipFill>
+          <a:blip r:embed="rId5"/>
+          <a:stretch>
+            <a:fillRect/>
+          </a:stretch>
+        </p:blipFill>
+        <p:spPr>
+          <a:xfrm>
+            <a:off x="6324600" y="1656701"/>
+            <a:ext cx="2632860" cy="4973180"/>
+          </a:xfrm>
+          <a:prstGeom prst="rect">
+            <a:avLst/>
+          </a:prstGeom>
+        </p:spPr>
+      </p:pic>
+      <p:pic>
+        <p:nvPicPr>
+          <p:cNvPr id="2" name="그림 1"/>
+          <p:cNvPicPr>
+            <a:picLocks noChangeAspect="1"/>
+          </p:cNvPicPr>
+          <p:nvPr/>
+        </p:nvPicPr>
+        <p:blipFill>
+          <a:blip r:embed="rId6"/>
+          <a:stretch>
+            <a:fillRect/>
+          </a:stretch>
+        </p:blipFill>
+        <p:spPr>
+          <a:xfrm>
+            <a:off x="685800" y="6206136"/>
+            <a:ext cx="1493649" cy="381000"/>
+          </a:xfrm>
+          <a:prstGeom prst="rect">
+            <a:avLst/>
+          </a:prstGeom>
+        </p:spPr>
+      </p:pic>
+      <p:sp>
+        <p:nvSpPr>
+          <p:cNvPr id="3" name="TextBox 2"/>
+          <p:cNvSpPr txBox="1"/>
+          <p:nvPr/>
+        </p:nvSpPr>
+        <p:spPr>
+          <a:xfrm>
+            <a:off x="3762020" y="4596722"/>
+            <a:ext cx="1967205" cy="369332"/>
+          </a:xfrm>
+          <a:prstGeom prst="rect">
+            <a:avLst/>
+          </a:prstGeom>
+          <a:solidFill>
+            <a:srgbClr val="FFFF00"/>
+          </a:solidFill>
+        </p:spPr>
+        <p:txBody>
+          <a:bodyPr wrap="none" rtlCol="0">
+            <a:spAutoFit/>
+          </a:bodyPr>
+          <a:lstStyle/>
+          <a:p>
+            <a:r>
+              <a:rPr lang="en-US" altLang="ko-KR" dirty="0" smtClean="0"/>
+              <a:t>Pinhole algorithm</a:t>
+            </a:r>
+          </a:p>
+        </p:txBody>
+      </p:sp>
     </p:spTree>
     <p:extLst>
       <p:ext uri="{BB962C8B-B14F-4D97-AF65-F5344CB8AC3E}">
-        <p14:creationId xmlns:p14="http://schemas.microsoft.com/office/powerpoint/2010/main" val="670247407"/>
+        <p14:creationId xmlns:p14="http://schemas.microsoft.com/office/powerpoint/2010/main" val="20906122"/>
       </p:ext>
     </p:extLst>
   </p:cSld>
   <p:clrMapOvr>
     <a:masterClrMapping/>
   </p:clrMapOvr>
+  <p:timing>
+    <p:tnLst>
+      <p:par>
+        <p:cTn id="1" dur="indefinite" restart="never" nodeType="tmRoot"/>
+      </p:par>
+    </p:tnLst>
+  </p:timing>
 </p:sld>
 </file>
 
@@ -5251,89 +4729,9 @@
           <a:chExt cx="0" cy="0"/>
         </a:xfrm>
       </p:grpSpPr>
-      <p:sp>
-        <p:nvSpPr>
-          <p:cNvPr id="2" name="제목 1"/>
-          <p:cNvSpPr>
-            <a:spLocks noGrp="1"/>
-          </p:cNvSpPr>
-          <p:nvPr>
-            <p:ph type="title"/>
-          </p:nvPr>
-        </p:nvSpPr>
-        <p:spPr/>
-        <p:txBody>
-          <a:bodyPr/>
-          <a:lstStyle/>
-          <a:p>
-            <a:r>
-              <a:rPr lang="en-US" altLang="ko-KR" dirty="0" smtClean="0"/>
-              <a:t>Unitary Fermion Gas in BCC lattice</a:t>
-            </a:r>
-            <a:endParaRPr lang="ko-KR" altLang="en-US" dirty="0"/>
-          </a:p>
-        </p:txBody>
-      </p:sp>
-      <p:sp>
-        <p:nvSpPr>
-          <p:cNvPr id="3" name="내용 개체 틀 2"/>
-          <p:cNvSpPr>
-            <a:spLocks noGrp="1"/>
-          </p:cNvSpPr>
-          <p:nvPr>
-            <p:ph idx="1"/>
-          </p:nvPr>
-        </p:nvSpPr>
-        <p:spPr/>
-        <p:txBody>
-          <a:bodyPr/>
-          <a:lstStyle/>
-          <a:p>
-            <a:r>
-              <a:rPr lang="en-US" altLang="ko-KR" dirty="0" smtClean="0"/>
-              <a:t>Studying the bulk properties of many nucleon system</a:t>
-            </a:r>
-          </a:p>
-          <a:p>
-            <a:r>
-              <a:rPr lang="en-US" altLang="ko-KR" dirty="0" smtClean="0">
-                <a:sym typeface="Wingdings" panose="05000000000000000000" pitchFamily="2" charset="2"/>
-              </a:rPr>
-              <a:t> relation between realistic nuclear interaction and symmetric/asymmetric nuclear matter EOS.</a:t>
-            </a:r>
-          </a:p>
-          <a:p>
-            <a:r>
-              <a:rPr lang="en-US" altLang="ko-KR" dirty="0" smtClean="0">
-                <a:sym typeface="Wingdings" panose="05000000000000000000" pitchFamily="2" charset="2"/>
-              </a:rPr>
-              <a:t> requires very accurate nuclear force which reproduce both few-body system(NN scattering, binding energies)</a:t>
-            </a:r>
-          </a:p>
-          <a:p>
-            <a:pPr marL="0" indent="0">
-              <a:buNone/>
-            </a:pPr>
-            <a:r>
-              <a:rPr lang="en-US" altLang="ko-KR" dirty="0" smtClean="0">
-                <a:sym typeface="Wingdings" panose="05000000000000000000" pitchFamily="2" charset="2"/>
-              </a:rPr>
-              <a:t>   And infinite nuclear matter (nuclear matter saturation )</a:t>
-            </a:r>
-          </a:p>
-          <a:p>
-            <a:endParaRPr lang="en-US" altLang="ko-KR" dirty="0" smtClean="0">
-              <a:sym typeface="Wingdings" panose="05000000000000000000" pitchFamily="2" charset="2"/>
-            </a:endParaRPr>
-          </a:p>
-          <a:p>
-            <a:endParaRPr lang="ko-KR" altLang="en-US" dirty="0"/>
-          </a:p>
-        </p:txBody>
-      </p:sp>
       <p:pic>
         <p:nvPicPr>
-          <p:cNvPr id="7" name="그림 6"/>
+          <p:cNvPr id="2" name="그림 1"/>
           <p:cNvPicPr>
             <a:picLocks noChangeAspect="1"/>
           </p:cNvPicPr>
@@ -5347,18 +4745,174 @@
         </p:blipFill>
         <p:spPr>
           <a:xfrm>
-            <a:off x="4580792" y="4114800"/>
-            <a:ext cx="3191565" cy="2667000"/>
+            <a:off x="152400" y="533400"/>
+            <a:ext cx="6849431" cy="1438476"/>
           </a:xfrm>
           <a:prstGeom prst="rect">
             <a:avLst/>
           </a:prstGeom>
         </p:spPr>
       </p:pic>
+      <p:sp>
+        <p:nvSpPr>
+          <p:cNvPr id="3" name="TextBox 2"/>
+          <p:cNvSpPr txBox="1"/>
+          <p:nvPr/>
+        </p:nvSpPr>
+        <p:spPr>
+          <a:xfrm>
+            <a:off x="421532" y="2133600"/>
+            <a:ext cx="8028160" cy="923330"/>
+          </a:xfrm>
+          <a:prstGeom prst="rect">
+            <a:avLst/>
+          </a:prstGeom>
+          <a:noFill/>
+        </p:spPr>
+        <p:txBody>
+          <a:bodyPr wrap="none" rtlCol="0">
+            <a:spAutoFit/>
+          </a:bodyPr>
+          <a:lstStyle/>
+          <a:p>
+            <a:r>
+              <a:rPr lang="en-US" altLang="ko-KR" dirty="0" smtClean="0"/>
+              <a:t>Changing the range and locality of nuclear force</a:t>
+            </a:r>
+          </a:p>
+          <a:p>
+            <a:pPr marL="285750" indent="-285750">
+              <a:buFont typeface="Wingdings" panose="05000000000000000000" pitchFamily="2" charset="2"/>
+              <a:buChar char="à"/>
+            </a:pPr>
+            <a:r>
+              <a:rPr lang="en-US" altLang="ko-KR" dirty="0" smtClean="0">
+                <a:sym typeface="Wingdings" panose="05000000000000000000" pitchFamily="2" charset="2"/>
+              </a:rPr>
+              <a:t>Quantum phase transition </a:t>
+            </a:r>
+          </a:p>
+          <a:p>
+            <a:r>
+              <a:rPr lang="en-US" altLang="ko-KR" dirty="0">
+                <a:sym typeface="Wingdings" panose="05000000000000000000" pitchFamily="2" charset="2"/>
+              </a:rPr>
+              <a:t> </a:t>
+            </a:r>
+            <a:r>
+              <a:rPr lang="en-US" altLang="ko-KR" dirty="0" smtClean="0">
+                <a:sym typeface="Wingdings" panose="05000000000000000000" pitchFamily="2" charset="2"/>
+              </a:rPr>
+              <a:t>between a nuclear liquid and a Bose-Einstein condensate of alpha clusters</a:t>
+            </a:r>
+            <a:endParaRPr lang="ko-KR" altLang="en-US" dirty="0"/>
+          </a:p>
+        </p:txBody>
+      </p:sp>
+      <p:pic>
+        <p:nvPicPr>
+          <p:cNvPr id="4" name="그림 3"/>
+          <p:cNvPicPr>
+            <a:picLocks noChangeAspect="1"/>
+          </p:cNvPicPr>
+          <p:nvPr/>
+        </p:nvPicPr>
+        <p:blipFill>
+          <a:blip r:embed="rId3"/>
+          <a:stretch>
+            <a:fillRect/>
+          </a:stretch>
+        </p:blipFill>
+        <p:spPr>
+          <a:xfrm>
+            <a:off x="457200" y="3248348"/>
+            <a:ext cx="4267200" cy="3372173"/>
+          </a:xfrm>
+          <a:prstGeom prst="rect">
+            <a:avLst/>
+          </a:prstGeom>
+        </p:spPr>
+      </p:pic>
+      <p:sp>
+        <p:nvSpPr>
+          <p:cNvPr id="5" name="TextBox 4"/>
+          <p:cNvSpPr txBox="1"/>
+          <p:nvPr/>
+        </p:nvSpPr>
+        <p:spPr>
+          <a:xfrm>
+            <a:off x="4876800" y="3505200"/>
+            <a:ext cx="4134465" cy="1477328"/>
+          </a:xfrm>
+          <a:prstGeom prst="rect">
+            <a:avLst/>
+          </a:prstGeom>
+          <a:noFill/>
+        </p:spPr>
+        <p:txBody>
+          <a:bodyPr wrap="none" rtlCol="0">
+            <a:spAutoFit/>
+          </a:bodyPr>
+          <a:lstStyle/>
+          <a:p>
+            <a:r>
+              <a:rPr lang="en-US" altLang="ko-KR" dirty="0" smtClean="0"/>
+              <a:t>two N-N interaction </a:t>
+            </a:r>
+          </a:p>
+          <a:p>
+            <a:r>
+              <a:rPr lang="en-US" altLang="ko-KR" dirty="0" smtClean="0"/>
+              <a:t>which reproduce phase shifts</a:t>
+            </a:r>
+          </a:p>
+          <a:p>
+            <a:pPr marL="285750" indent="-285750">
+              <a:buFont typeface="Wingdings" panose="05000000000000000000" pitchFamily="2" charset="2"/>
+              <a:buChar char="à"/>
+            </a:pPr>
+            <a:r>
+              <a:rPr lang="en-US" altLang="ko-KR" dirty="0" smtClean="0">
+                <a:sym typeface="Wingdings" panose="05000000000000000000" pitchFamily="2" charset="2"/>
+              </a:rPr>
+              <a:t>Can give very different alpha-alpha</a:t>
+            </a:r>
+          </a:p>
+          <a:p>
+            <a:r>
+              <a:rPr lang="en-US" altLang="ko-KR" dirty="0">
+                <a:sym typeface="Wingdings" panose="05000000000000000000" pitchFamily="2" charset="2"/>
+              </a:rPr>
+              <a:t> </a:t>
+            </a:r>
+            <a:r>
+              <a:rPr lang="en-US" altLang="ko-KR" dirty="0" smtClean="0">
+                <a:sym typeface="Wingdings" panose="05000000000000000000" pitchFamily="2" charset="2"/>
+              </a:rPr>
+              <a:t>   interaction depending the range and</a:t>
+            </a:r>
+          </a:p>
+          <a:p>
+            <a:r>
+              <a:rPr lang="en-US" altLang="ko-KR" dirty="0">
+                <a:sym typeface="Wingdings" panose="05000000000000000000" pitchFamily="2" charset="2"/>
+              </a:rPr>
+              <a:t> </a:t>
+            </a:r>
+            <a:r>
+              <a:rPr lang="en-US" altLang="ko-KR" dirty="0" smtClean="0">
+                <a:sym typeface="Wingdings" panose="05000000000000000000" pitchFamily="2" charset="2"/>
+              </a:rPr>
+              <a:t>   (non)locality of force.</a:t>
+            </a:r>
+            <a:endParaRPr lang="ko-KR" altLang="en-US" dirty="0"/>
+          </a:p>
+        </p:txBody>
+      </p:sp>
     </p:spTree>
     <p:extLst>
       <p:ext uri="{BB962C8B-B14F-4D97-AF65-F5344CB8AC3E}">
-        <p14:creationId xmlns:p14="http://schemas.microsoft.com/office/powerpoint/2010/main" val="79768324"/>
+        <p14:creationId xmlns:p14="http://schemas.microsoft.com/office/powerpoint/2010/main" val="1506806834"/>
       </p:ext>
     </p:extLst>
   </p:cSld>
@@ -5462,7 +5016,6 @@
               <a:rPr lang="en-US" sz="3200" dirty="0" smtClean="0"/>
               <a:t>Formalism </a:t>
             </a:r>
-            <a:endParaRPr lang="en-US" sz="3200" dirty="0" smtClean="0"/>
           </a:p>
           <a:p>
             <a:pPr lvl="1">
@@ -5483,7 +5036,6 @@
               <a:rPr lang="en-US" sz="2800" dirty="0" smtClean="0"/>
               <a:t>Details of UFG in BCC lattice </a:t>
             </a:r>
-            <a:endParaRPr lang="en-US" sz="2800" dirty="0" smtClean="0"/>
           </a:p>
           <a:p>
             <a:pPr>
@@ -5494,7 +5046,6 @@
               <a:rPr lang="en-US" sz="3200" dirty="0" smtClean="0"/>
               <a:t>Results</a:t>
             </a:r>
-            <a:endParaRPr lang="en-US" sz="3200" dirty="0" smtClean="0"/>
           </a:p>
           <a:p>
             <a:pPr>
@@ -5539,6 +5090,778 @@
 </file>
 
 <file path=ppt/slides/slide20.xml><?xml version="1.0" encoding="utf-8"?>
+<p:sld xmlns:a="http://schemas.openxmlformats.org/drawingml/2006/main" xmlns:r="http://schemas.openxmlformats.org/officeDocument/2006/relationships" xmlns:p="http://schemas.openxmlformats.org/presentationml/2006/main">
+  <p:cSld>
+    <p:spTree>
+      <p:nvGrpSpPr>
+        <p:cNvPr id="1" name=""/>
+        <p:cNvGrpSpPr/>
+        <p:nvPr/>
+      </p:nvGrpSpPr>
+      <p:grpSpPr>
+        <a:xfrm>
+          <a:off x="0" y="0"/>
+          <a:ext cx="0" cy="0"/>
+          <a:chOff x="0" y="0"/>
+          <a:chExt cx="0" cy="0"/>
+        </a:xfrm>
+      </p:grpSpPr>
+      <p:pic>
+        <p:nvPicPr>
+          <p:cNvPr id="2" name="그림 1"/>
+          <p:cNvPicPr>
+            <a:picLocks noChangeAspect="1"/>
+          </p:cNvPicPr>
+          <p:nvPr/>
+        </p:nvPicPr>
+        <p:blipFill>
+          <a:blip r:embed="rId2"/>
+          <a:stretch>
+            <a:fillRect/>
+          </a:stretch>
+        </p:blipFill>
+        <p:spPr>
+          <a:xfrm>
+            <a:off x="304800" y="533400"/>
+            <a:ext cx="5158363" cy="1828800"/>
+          </a:xfrm>
+          <a:prstGeom prst="rect">
+            <a:avLst/>
+          </a:prstGeom>
+        </p:spPr>
+      </p:pic>
+      <p:pic>
+        <p:nvPicPr>
+          <p:cNvPr id="3" name="그림 2"/>
+          <p:cNvPicPr>
+            <a:picLocks noChangeAspect="1"/>
+          </p:cNvPicPr>
+          <p:nvPr/>
+        </p:nvPicPr>
+        <p:blipFill>
+          <a:blip r:embed="rId3"/>
+          <a:stretch>
+            <a:fillRect/>
+          </a:stretch>
+        </p:blipFill>
+        <p:spPr>
+          <a:xfrm>
+            <a:off x="304800" y="2514600"/>
+            <a:ext cx="3508661" cy="580570"/>
+          </a:xfrm>
+          <a:prstGeom prst="rect">
+            <a:avLst/>
+          </a:prstGeom>
+        </p:spPr>
+      </p:pic>
+      <p:pic>
+        <p:nvPicPr>
+          <p:cNvPr id="4" name="그림 3"/>
+          <p:cNvPicPr>
+            <a:picLocks noChangeAspect="1"/>
+          </p:cNvPicPr>
+          <p:nvPr/>
+        </p:nvPicPr>
+        <p:blipFill>
+          <a:blip r:embed="rId4"/>
+          <a:stretch>
+            <a:fillRect/>
+          </a:stretch>
+        </p:blipFill>
+        <p:spPr>
+          <a:xfrm>
+            <a:off x="685800" y="4495800"/>
+            <a:ext cx="3405663" cy="2114845"/>
+          </a:xfrm>
+          <a:prstGeom prst="rect">
+            <a:avLst/>
+          </a:prstGeom>
+        </p:spPr>
+      </p:pic>
+      <p:pic>
+        <p:nvPicPr>
+          <p:cNvPr id="5" name="그림 4"/>
+          <p:cNvPicPr>
+            <a:picLocks noChangeAspect="1"/>
+          </p:cNvPicPr>
+          <p:nvPr/>
+        </p:nvPicPr>
+        <p:blipFill>
+          <a:blip r:embed="rId5"/>
+          <a:stretch>
+            <a:fillRect/>
+          </a:stretch>
+        </p:blipFill>
+        <p:spPr>
+          <a:xfrm>
+            <a:off x="5791200" y="1600200"/>
+            <a:ext cx="2450649" cy="2006883"/>
+          </a:xfrm>
+          <a:prstGeom prst="rect">
+            <a:avLst/>
+          </a:prstGeom>
+        </p:spPr>
+      </p:pic>
+      <p:pic>
+        <p:nvPicPr>
+          <p:cNvPr id="6" name="그림 5"/>
+          <p:cNvPicPr>
+            <a:picLocks noChangeAspect="1"/>
+          </p:cNvPicPr>
+          <p:nvPr/>
+        </p:nvPicPr>
+        <p:blipFill>
+          <a:blip r:embed="rId6"/>
+          <a:stretch>
+            <a:fillRect/>
+          </a:stretch>
+        </p:blipFill>
+        <p:spPr>
+          <a:xfrm>
+            <a:off x="5782408" y="3962400"/>
+            <a:ext cx="2667000" cy="2440984"/>
+          </a:xfrm>
+          <a:prstGeom prst="rect">
+            <a:avLst/>
+          </a:prstGeom>
+        </p:spPr>
+      </p:pic>
+      <p:pic>
+        <p:nvPicPr>
+          <p:cNvPr id="7" name="그림 6"/>
+          <p:cNvPicPr>
+            <a:picLocks noChangeAspect="1"/>
+          </p:cNvPicPr>
+          <p:nvPr/>
+        </p:nvPicPr>
+        <p:blipFill>
+          <a:blip r:embed="rId7"/>
+          <a:stretch>
+            <a:fillRect/>
+          </a:stretch>
+        </p:blipFill>
+        <p:spPr>
+          <a:xfrm>
+            <a:off x="458931" y="3095170"/>
+            <a:ext cx="2895600" cy="455023"/>
+          </a:xfrm>
+          <a:prstGeom prst="rect">
+            <a:avLst/>
+          </a:prstGeom>
+        </p:spPr>
+      </p:pic>
+      <p:pic>
+        <p:nvPicPr>
+          <p:cNvPr id="8" name="그림 7"/>
+          <p:cNvPicPr>
+            <a:picLocks noChangeAspect="1"/>
+          </p:cNvPicPr>
+          <p:nvPr/>
+        </p:nvPicPr>
+        <p:blipFill>
+          <a:blip r:embed="rId8"/>
+          <a:stretch>
+            <a:fillRect/>
+          </a:stretch>
+        </p:blipFill>
+        <p:spPr>
+          <a:xfrm>
+            <a:off x="475107" y="3645434"/>
+            <a:ext cx="1733792" cy="395343"/>
+          </a:xfrm>
+          <a:prstGeom prst="rect">
+            <a:avLst/>
+          </a:prstGeom>
+        </p:spPr>
+      </p:pic>
+    </p:spTree>
+    <p:extLst>
+      <p:ext uri="{BB962C8B-B14F-4D97-AF65-F5344CB8AC3E}">
+        <p14:creationId xmlns:p14="http://schemas.microsoft.com/office/powerpoint/2010/main" val="2989461132"/>
+      </p:ext>
+    </p:extLst>
+  </p:cSld>
+  <p:clrMapOvr>
+    <a:masterClrMapping/>
+  </p:clrMapOvr>
+  <p:timing>
+    <p:tnLst>
+      <p:par>
+        <p:cTn id="1" dur="indefinite" restart="never" nodeType="tmRoot"/>
+      </p:par>
+    </p:tnLst>
+  </p:timing>
+</p:sld>
+</file>
+
+<file path=ppt/slides/slide21.xml><?xml version="1.0" encoding="utf-8"?>
+<p:sld xmlns:a="http://schemas.openxmlformats.org/drawingml/2006/main" xmlns:r="http://schemas.openxmlformats.org/officeDocument/2006/relationships" xmlns:p="http://schemas.openxmlformats.org/presentationml/2006/main">
+  <p:cSld>
+    <p:spTree>
+      <p:nvGrpSpPr>
+        <p:cNvPr id="1" name=""/>
+        <p:cNvGrpSpPr/>
+        <p:nvPr/>
+      </p:nvGrpSpPr>
+      <p:grpSpPr>
+        <a:xfrm>
+          <a:off x="0" y="0"/>
+          <a:ext cx="0" cy="0"/>
+          <a:chOff x="0" y="0"/>
+          <a:chExt cx="0" cy="0"/>
+        </a:xfrm>
+      </p:grpSpPr>
+      <p:sp>
+        <p:nvSpPr>
+          <p:cNvPr id="3" name="TextBox 2"/>
+          <p:cNvSpPr txBox="1"/>
+          <p:nvPr/>
+        </p:nvSpPr>
+        <p:spPr>
+          <a:xfrm>
+            <a:off x="899557" y="6292572"/>
+            <a:ext cx="2544286" cy="369332"/>
+          </a:xfrm>
+          <a:prstGeom prst="rect">
+            <a:avLst/>
+          </a:prstGeom>
+          <a:solidFill>
+            <a:srgbClr val="FFFF00"/>
+          </a:solidFill>
+        </p:spPr>
+        <p:txBody>
+          <a:bodyPr wrap="none" rtlCol="0">
+            <a:spAutoFit/>
+          </a:bodyPr>
+          <a:lstStyle/>
+          <a:p>
+            <a:r>
+              <a:rPr lang="en-US" altLang="ko-KR" dirty="0" smtClean="0"/>
+              <a:t>Pinhole trace algorithm</a:t>
+            </a:r>
+            <a:endParaRPr lang="ko-KR" altLang="en-US" dirty="0"/>
+          </a:p>
+        </p:txBody>
+      </p:sp>
+      <p:pic>
+        <p:nvPicPr>
+          <p:cNvPr id="4" name="그림 3"/>
+          <p:cNvPicPr>
+            <a:picLocks noChangeAspect="1"/>
+          </p:cNvPicPr>
+          <p:nvPr/>
+        </p:nvPicPr>
+        <p:blipFill>
+          <a:blip r:embed="rId2"/>
+          <a:stretch>
+            <a:fillRect/>
+          </a:stretch>
+        </p:blipFill>
+        <p:spPr>
+          <a:xfrm>
+            <a:off x="609600" y="2057400"/>
+            <a:ext cx="3124200" cy="3901441"/>
+          </a:xfrm>
+          <a:prstGeom prst="rect">
+            <a:avLst/>
+          </a:prstGeom>
+        </p:spPr>
+      </p:pic>
+      <p:pic>
+        <p:nvPicPr>
+          <p:cNvPr id="5" name="그림 4"/>
+          <p:cNvPicPr>
+            <a:picLocks noChangeAspect="1"/>
+          </p:cNvPicPr>
+          <p:nvPr/>
+        </p:nvPicPr>
+        <p:blipFill>
+          <a:blip r:embed="rId3"/>
+          <a:stretch>
+            <a:fillRect/>
+          </a:stretch>
+        </p:blipFill>
+        <p:spPr>
+          <a:xfrm>
+            <a:off x="4596319" y="2209800"/>
+            <a:ext cx="4146166" cy="2581720"/>
+          </a:xfrm>
+          <a:prstGeom prst="rect">
+            <a:avLst/>
+          </a:prstGeom>
+        </p:spPr>
+      </p:pic>
+      <p:sp>
+        <p:nvSpPr>
+          <p:cNvPr id="6" name="TextBox 5"/>
+          <p:cNvSpPr txBox="1"/>
+          <p:nvPr/>
+        </p:nvSpPr>
+        <p:spPr>
+          <a:xfrm>
+            <a:off x="4724400" y="4876800"/>
+            <a:ext cx="4230645" cy="1600438"/>
+          </a:xfrm>
+          <a:prstGeom prst="rect">
+            <a:avLst/>
+          </a:prstGeom>
+          <a:noFill/>
+        </p:spPr>
+        <p:txBody>
+          <a:bodyPr wrap="none" rtlCol="0">
+            <a:spAutoFit/>
+          </a:bodyPr>
+          <a:lstStyle/>
+          <a:p>
+            <a:pPr marL="285750" indent="-285750">
+              <a:buFont typeface="Arial" panose="020B0604020202020204" pitchFamily="34" charset="0"/>
+              <a:buChar char="•"/>
+            </a:pPr>
+            <a:r>
+              <a:rPr lang="en-US" altLang="ko-KR" sz="1400" dirty="0"/>
+              <a:t>determine the location of the critical point </a:t>
+            </a:r>
+            <a:endParaRPr lang="en-US" altLang="ko-KR" sz="1400" dirty="0" smtClean="0"/>
+          </a:p>
+          <a:p>
+            <a:r>
+              <a:rPr lang="en-US" altLang="ko-KR" sz="1400" dirty="0" smtClean="0"/>
+              <a:t>and </a:t>
+            </a:r>
+            <a:r>
+              <a:rPr lang="en-US" altLang="ko-KR" sz="1400" dirty="0"/>
+              <a:t>the liquid-vapor coexistence </a:t>
+            </a:r>
+            <a:r>
+              <a:rPr lang="en-US" altLang="ko-KR" sz="1400" dirty="0" smtClean="0"/>
+              <a:t>line</a:t>
+            </a:r>
+          </a:p>
+          <a:p>
+            <a:r>
+              <a:rPr lang="en-US" altLang="ko-KR" sz="1400" dirty="0" smtClean="0"/>
+              <a:t> </a:t>
+            </a:r>
+            <a:r>
+              <a:rPr lang="en-US" altLang="ko-KR" sz="1400" dirty="0"/>
+              <a:t>for symmetric nuclear matter </a:t>
+            </a:r>
+            <a:endParaRPr lang="en-US" altLang="ko-KR" sz="1400" dirty="0" smtClean="0"/>
+          </a:p>
+          <a:p>
+            <a:r>
+              <a:rPr lang="en-US" altLang="ko-KR" sz="1400" dirty="0" smtClean="0"/>
+              <a:t>with </a:t>
+            </a:r>
+            <a:r>
+              <a:rPr lang="en-US" altLang="ko-KR" sz="1400" dirty="0"/>
+              <a:t>equal numbers of protons and neutrons. </a:t>
+            </a:r>
+            <a:endParaRPr lang="en-US" altLang="ko-KR" sz="1400" dirty="0" smtClean="0"/>
+          </a:p>
+          <a:p>
+            <a:endParaRPr lang="en-US" altLang="ko-KR" sz="1400" dirty="0" smtClean="0"/>
+          </a:p>
+          <a:p>
+            <a:pPr marL="285750" indent="-285750">
+              <a:buFont typeface="Arial" panose="020B0604020202020204" pitchFamily="34" charset="0"/>
+              <a:buChar char="•"/>
+            </a:pPr>
+            <a:r>
+              <a:rPr lang="en-US" altLang="ko-KR" sz="1400" dirty="0" smtClean="0"/>
+              <a:t>the </a:t>
+            </a:r>
+            <a:r>
+              <a:rPr lang="en-US" altLang="ko-KR" sz="1400" dirty="0"/>
+              <a:t>first </a:t>
+            </a:r>
+            <a:r>
+              <a:rPr lang="en-US" altLang="ko-KR" sz="1400" i="1" dirty="0"/>
+              <a:t>ab initio</a:t>
+            </a:r>
+            <a:r>
+              <a:rPr lang="en-US" altLang="ko-KR" sz="1400" dirty="0"/>
+              <a:t> study of the density </a:t>
+            </a:r>
+            <a:endParaRPr lang="en-US" altLang="ko-KR" sz="1400" dirty="0" smtClean="0"/>
+          </a:p>
+          <a:p>
+            <a:r>
+              <a:rPr lang="en-US" altLang="ko-KR" sz="1400" dirty="0" smtClean="0"/>
+              <a:t>and </a:t>
+            </a:r>
+            <a:r>
+              <a:rPr lang="en-US" altLang="ko-KR" sz="1400" dirty="0"/>
+              <a:t>temperature dependence of nuclear clustering.</a:t>
+            </a:r>
+            <a:endParaRPr lang="ko-KR" altLang="en-US" sz="1400" dirty="0"/>
+          </a:p>
+        </p:txBody>
+      </p:sp>
+      <p:pic>
+        <p:nvPicPr>
+          <p:cNvPr id="7" name="그림 6"/>
+          <p:cNvPicPr>
+            <a:picLocks noChangeAspect="1"/>
+          </p:cNvPicPr>
+          <p:nvPr/>
+        </p:nvPicPr>
+        <p:blipFill>
+          <a:blip r:embed="rId4"/>
+          <a:stretch>
+            <a:fillRect/>
+          </a:stretch>
+        </p:blipFill>
+        <p:spPr>
+          <a:xfrm>
+            <a:off x="37923" y="479732"/>
+            <a:ext cx="6286677" cy="1382365"/>
+          </a:xfrm>
+          <a:prstGeom prst="rect">
+            <a:avLst/>
+          </a:prstGeom>
+        </p:spPr>
+      </p:pic>
+    </p:spTree>
+    <p:extLst>
+      <p:ext uri="{BB962C8B-B14F-4D97-AF65-F5344CB8AC3E}">
+        <p14:creationId xmlns:p14="http://schemas.microsoft.com/office/powerpoint/2010/main" val="1107506914"/>
+      </p:ext>
+    </p:extLst>
+  </p:cSld>
+  <p:clrMapOvr>
+    <a:masterClrMapping/>
+  </p:clrMapOvr>
+</p:sld>
+</file>
+
+<file path=ppt/slides/slide22.xml><?xml version="1.0" encoding="utf-8"?>
+<p:sld xmlns:a="http://schemas.openxmlformats.org/drawingml/2006/main" xmlns:r="http://schemas.openxmlformats.org/officeDocument/2006/relationships" xmlns:p="http://schemas.openxmlformats.org/presentationml/2006/main">
+  <p:cSld>
+    <p:spTree>
+      <p:nvGrpSpPr>
+        <p:cNvPr id="1" name=""/>
+        <p:cNvGrpSpPr/>
+        <p:nvPr/>
+      </p:nvGrpSpPr>
+      <p:grpSpPr>
+        <a:xfrm>
+          <a:off x="0" y="0"/>
+          <a:ext cx="0" cy="0"/>
+          <a:chOff x="0" y="0"/>
+          <a:chExt cx="0" cy="0"/>
+        </a:xfrm>
+      </p:grpSpPr>
+      <p:sp>
+        <p:nvSpPr>
+          <p:cNvPr id="2" name="제목 1"/>
+          <p:cNvSpPr>
+            <a:spLocks noGrp="1"/>
+          </p:cNvSpPr>
+          <p:nvPr>
+            <p:ph type="title"/>
+          </p:nvPr>
+        </p:nvSpPr>
+        <p:spPr/>
+        <p:txBody>
+          <a:bodyPr>
+            <a:normAutofit/>
+          </a:bodyPr>
+          <a:lstStyle/>
+          <a:p>
+            <a:r>
+              <a:rPr lang="en-US" altLang="ko-KR" dirty="0"/>
+              <a:t>BCC </a:t>
+            </a:r>
+            <a:r>
+              <a:rPr lang="en-US" altLang="ko-KR" dirty="0" smtClean="0"/>
+              <a:t>lattice</a:t>
+            </a:r>
+            <a:endParaRPr lang="ko-KR" altLang="en-US" dirty="0"/>
+          </a:p>
+        </p:txBody>
+      </p:sp>
+      <p:sp>
+        <p:nvSpPr>
+          <p:cNvPr id="4" name="내용 개체 틀 3"/>
+          <p:cNvSpPr>
+            <a:spLocks noGrp="1"/>
+          </p:cNvSpPr>
+          <p:nvPr>
+            <p:ph idx="1"/>
+          </p:nvPr>
+        </p:nvSpPr>
+        <p:spPr/>
+        <p:txBody>
+          <a:bodyPr/>
+          <a:lstStyle/>
+          <a:p>
+            <a:r>
+              <a:rPr lang="en-US" altLang="ko-KR" dirty="0" smtClean="0"/>
+              <a:t>Because of convenience, all NLEFT calculation has been done on cubic lattice </a:t>
+            </a:r>
+          </a:p>
+          <a:p>
+            <a:r>
+              <a:rPr lang="en-US" altLang="ko-KR" dirty="0"/>
+              <a:t>Physical result should not depends on the specific lattice</a:t>
+            </a:r>
+          </a:p>
+          <a:p>
+            <a:pPr marL="0" indent="0">
+              <a:buNone/>
+            </a:pPr>
+            <a:r>
+              <a:rPr lang="en-US" altLang="ko-KR" dirty="0"/>
+              <a:t>  structure. (lattice size, spacing, type)</a:t>
+            </a:r>
+            <a:endParaRPr lang="ko-KR" altLang="en-US" dirty="0"/>
+          </a:p>
+        </p:txBody>
+      </p:sp>
+      <p:sp>
+        <p:nvSpPr>
+          <p:cNvPr id="6" name="TextBox 5"/>
+          <p:cNvSpPr txBox="1"/>
+          <p:nvPr/>
+        </p:nvSpPr>
+        <p:spPr>
+          <a:xfrm>
+            <a:off x="4572000" y="3576935"/>
+            <a:ext cx="4006290" cy="2031325"/>
+          </a:xfrm>
+          <a:prstGeom prst="rect">
+            <a:avLst/>
+          </a:prstGeom>
+          <a:noFill/>
+        </p:spPr>
+        <p:txBody>
+          <a:bodyPr wrap="none" rtlCol="0">
+            <a:spAutoFit/>
+          </a:bodyPr>
+          <a:lstStyle/>
+          <a:p>
+            <a:r>
+              <a:rPr lang="en-US" altLang="ko-KR" dirty="0" smtClean="0"/>
+              <a:t>BCC lattice is constructed as </a:t>
+            </a:r>
+          </a:p>
+          <a:p>
+            <a:r>
+              <a:rPr lang="en-US" altLang="ko-KR" dirty="0" smtClean="0"/>
+              <a:t>Two cubic lattice</a:t>
+            </a:r>
+          </a:p>
+          <a:p>
+            <a:r>
+              <a:rPr lang="en-US" altLang="ko-KR" dirty="0" smtClean="0"/>
+              <a:t>(shifted by (1/2,1/2,1/2) in lattice unit)</a:t>
+            </a:r>
+          </a:p>
+          <a:p>
+            <a:endParaRPr lang="en-US" altLang="ko-KR" dirty="0"/>
+          </a:p>
+          <a:p>
+            <a:r>
+              <a:rPr lang="en-US" altLang="ko-KR" dirty="0" smtClean="0"/>
+              <a:t>Lattice spacing a=1/100 MeV^-1</a:t>
+            </a:r>
+          </a:p>
+          <a:p>
+            <a:r>
+              <a:rPr lang="en-US" altLang="ko-KR" dirty="0" smtClean="0"/>
+              <a:t>Lattice Time step at = 1/1000 MeV^-1</a:t>
+            </a:r>
+          </a:p>
+          <a:p>
+            <a:r>
+              <a:rPr lang="en-US" altLang="ko-KR" dirty="0" smtClean="0"/>
+              <a:t>(For outer region at’=1/200 MeV^-1)</a:t>
+            </a:r>
+            <a:endParaRPr lang="ko-KR" altLang="en-US" dirty="0"/>
+          </a:p>
+        </p:txBody>
+      </p:sp>
+      <p:pic>
+        <p:nvPicPr>
+          <p:cNvPr id="5" name="그림 4"/>
+          <p:cNvPicPr>
+            <a:picLocks noChangeAspect="1"/>
+          </p:cNvPicPr>
+          <p:nvPr/>
+        </p:nvPicPr>
+        <p:blipFill>
+          <a:blip r:embed="rId2"/>
+          <a:stretch>
+            <a:fillRect/>
+          </a:stretch>
+        </p:blipFill>
+        <p:spPr>
+          <a:xfrm>
+            <a:off x="457200" y="3464668"/>
+            <a:ext cx="3265356" cy="3088532"/>
+          </a:xfrm>
+          <a:prstGeom prst="rect">
+            <a:avLst/>
+          </a:prstGeom>
+        </p:spPr>
+      </p:pic>
+    </p:spTree>
+    <p:extLst>
+      <p:ext uri="{BB962C8B-B14F-4D97-AF65-F5344CB8AC3E}">
+        <p14:creationId xmlns:p14="http://schemas.microsoft.com/office/powerpoint/2010/main" val="670247407"/>
+      </p:ext>
+    </p:extLst>
+  </p:cSld>
+  <p:clrMapOvr>
+    <a:masterClrMapping/>
+  </p:clrMapOvr>
+</p:sld>
+</file>
+
+<file path=ppt/slides/slide23.xml><?xml version="1.0" encoding="utf-8"?>
+<p:sld xmlns:a="http://schemas.openxmlformats.org/drawingml/2006/main" xmlns:r="http://schemas.openxmlformats.org/officeDocument/2006/relationships" xmlns:p="http://schemas.openxmlformats.org/presentationml/2006/main">
+  <p:cSld>
+    <p:spTree>
+      <p:nvGrpSpPr>
+        <p:cNvPr id="1" name=""/>
+        <p:cNvGrpSpPr/>
+        <p:nvPr/>
+      </p:nvGrpSpPr>
+      <p:grpSpPr>
+        <a:xfrm>
+          <a:off x="0" y="0"/>
+          <a:ext cx="0" cy="0"/>
+          <a:chOff x="0" y="0"/>
+          <a:chExt cx="0" cy="0"/>
+        </a:xfrm>
+      </p:grpSpPr>
+      <p:sp>
+        <p:nvSpPr>
+          <p:cNvPr id="2" name="제목 1"/>
+          <p:cNvSpPr>
+            <a:spLocks noGrp="1"/>
+          </p:cNvSpPr>
+          <p:nvPr>
+            <p:ph type="title"/>
+          </p:nvPr>
+        </p:nvSpPr>
+        <p:spPr/>
+        <p:txBody>
+          <a:bodyPr/>
+          <a:lstStyle/>
+          <a:p>
+            <a:r>
+              <a:rPr lang="en-US" altLang="ko-KR" dirty="0" smtClean="0"/>
+              <a:t>Unitary </a:t>
+            </a:r>
+            <a:r>
+              <a:rPr lang="en-US" altLang="ko-KR" dirty="0" smtClean="0"/>
+              <a:t>Fermi </a:t>
+            </a:r>
+            <a:r>
+              <a:rPr lang="en-US" altLang="ko-KR" dirty="0" smtClean="0"/>
+              <a:t>Gas in BCC lattice</a:t>
+            </a:r>
+            <a:endParaRPr lang="ko-KR" altLang="en-US" dirty="0"/>
+          </a:p>
+        </p:txBody>
+      </p:sp>
+      <p:sp>
+        <p:nvSpPr>
+          <p:cNvPr id="3" name="내용 개체 틀 2"/>
+          <p:cNvSpPr>
+            <a:spLocks noGrp="1"/>
+          </p:cNvSpPr>
+          <p:nvPr>
+            <p:ph idx="1"/>
+          </p:nvPr>
+        </p:nvSpPr>
+        <p:spPr/>
+        <p:txBody>
+          <a:bodyPr/>
+          <a:lstStyle/>
+          <a:p>
+            <a:r>
+              <a:rPr lang="en-US" altLang="ko-KR" dirty="0" smtClean="0"/>
+              <a:t>Studying the bulk properties of many nucleon system</a:t>
+            </a:r>
+          </a:p>
+          <a:p>
+            <a:r>
+              <a:rPr lang="en-US" altLang="ko-KR" dirty="0" smtClean="0">
+                <a:sym typeface="Wingdings" panose="05000000000000000000" pitchFamily="2" charset="2"/>
+              </a:rPr>
+              <a:t> relation between realistic nuclear interaction and symmetric/asymmetric nuclear matter EOS.</a:t>
+            </a:r>
+          </a:p>
+          <a:p>
+            <a:r>
+              <a:rPr lang="en-US" altLang="ko-KR" dirty="0" smtClean="0">
+                <a:sym typeface="Wingdings" panose="05000000000000000000" pitchFamily="2" charset="2"/>
+              </a:rPr>
+              <a:t> requires very accurate nuclear force which reproduce both few-body system(NN scattering, binding energies)</a:t>
+            </a:r>
+          </a:p>
+          <a:p>
+            <a:pPr marL="0" indent="0">
+              <a:buNone/>
+            </a:pPr>
+            <a:r>
+              <a:rPr lang="en-US" altLang="ko-KR" dirty="0" smtClean="0">
+                <a:sym typeface="Wingdings" panose="05000000000000000000" pitchFamily="2" charset="2"/>
+              </a:rPr>
+              <a:t>   And infinite nuclear matter (nuclear matter saturation )</a:t>
+            </a:r>
+          </a:p>
+          <a:p>
+            <a:endParaRPr lang="en-US" altLang="ko-KR" dirty="0" smtClean="0">
+              <a:sym typeface="Wingdings" panose="05000000000000000000" pitchFamily="2" charset="2"/>
+            </a:endParaRPr>
+          </a:p>
+          <a:p>
+            <a:endParaRPr lang="ko-KR" altLang="en-US" dirty="0"/>
+          </a:p>
+        </p:txBody>
+      </p:sp>
+      <p:pic>
+        <p:nvPicPr>
+          <p:cNvPr id="7" name="그림 6"/>
+          <p:cNvPicPr>
+            <a:picLocks noChangeAspect="1"/>
+          </p:cNvPicPr>
+          <p:nvPr/>
+        </p:nvPicPr>
+        <p:blipFill>
+          <a:blip r:embed="rId2"/>
+          <a:stretch>
+            <a:fillRect/>
+          </a:stretch>
+        </p:blipFill>
+        <p:spPr>
+          <a:xfrm>
+            <a:off x="4580792" y="4114800"/>
+            <a:ext cx="3191565" cy="2667000"/>
+          </a:xfrm>
+          <a:prstGeom prst="rect">
+            <a:avLst/>
+          </a:prstGeom>
+        </p:spPr>
+      </p:pic>
+    </p:spTree>
+    <p:extLst>
+      <p:ext uri="{BB962C8B-B14F-4D97-AF65-F5344CB8AC3E}">
+        <p14:creationId xmlns:p14="http://schemas.microsoft.com/office/powerpoint/2010/main" val="79768324"/>
+      </p:ext>
+    </p:extLst>
+  </p:cSld>
+  <p:clrMapOvr>
+    <a:masterClrMapping/>
+  </p:clrMapOvr>
+</p:sld>
+</file>
+
+<file path=ppt/slides/slide24.xml><?xml version="1.0" encoding="utf-8"?>
 <p:sld xmlns:a="http://schemas.openxmlformats.org/drawingml/2006/main" xmlns:r="http://schemas.openxmlformats.org/officeDocument/2006/relationships" xmlns:p="http://schemas.openxmlformats.org/presentationml/2006/main">
   <p:cSld>
     <p:spTree>
@@ -5680,13 +6003,7 @@
                   <a:rPr lang="en-US" altLang="ko-KR" dirty="0" smtClean="0">
                     <a:sym typeface="Wingdings" panose="05000000000000000000" pitchFamily="2" charset="2"/>
                   </a:rPr>
-                  <a:t> </a:t>
-                </a:r>
-                <a:r>
-                  <a:rPr lang="en-US" altLang="ko-KR" dirty="0" smtClean="0">
-                    <a:sym typeface="Wingdings" panose="05000000000000000000" pitchFamily="2" charset="2"/>
-                  </a:rPr>
-                  <a:t>: Unitary limit </a:t>
+                  <a:t> : Unitary limit </a:t>
                 </a:r>
               </a:p>
               <a:p>
@@ -5694,19 +6011,7 @@
                   <a:rPr lang="en-US" altLang="ko-KR" dirty="0" smtClean="0">
                     <a:sym typeface="Wingdings" panose="05000000000000000000" pitchFamily="2" charset="2"/>
                   </a:rPr>
-                  <a:t></a:t>
-                </a:r>
-                <a:r>
-                  <a:rPr lang="en-US" altLang="ko-KR" dirty="0" smtClean="0">
-                    <a:sym typeface="Wingdings" panose="05000000000000000000" pitchFamily="2" charset="2"/>
-                  </a:rPr>
-                  <a:t>largest </a:t>
-                </a:r>
-                <a:r>
-                  <a:rPr lang="en-US" altLang="ko-KR" dirty="0" smtClean="0">
-                    <a:sym typeface="Wingdings" panose="05000000000000000000" pitchFamily="2" charset="2"/>
-                  </a:rPr>
-                  <a:t>possible scattering amplitude </a:t>
+                  <a:t>largest possible scattering amplitude </a:t>
                 </a:r>
               </a:p>
               <a:p>
@@ -5747,25 +6052,25 @@
                   <a:buNone/>
                 </a:pPr>
                 <a:r>
-                  <a:rPr lang="en-US" altLang="ko-KR" dirty="0">
+                  <a:rPr lang="en-US" altLang="ko-KR" sz="2000" dirty="0">
                     <a:sym typeface="Wingdings" panose="05000000000000000000" pitchFamily="2" charset="2"/>
                   </a:rPr>
                   <a:t>    ( Realistic nuclear force </a:t>
                 </a:r>
                 <a:r>
-                  <a:rPr lang="en-US" altLang="ko-KR" dirty="0" smtClean="0">
+                  <a:rPr lang="en-US" altLang="ko-KR" sz="2000" dirty="0" smtClean="0">
                     <a:sym typeface="Wingdings" panose="05000000000000000000" pitchFamily="2" charset="2"/>
                   </a:rPr>
                   <a:t>is </a:t>
                 </a:r>
                 <a:r>
-                  <a:rPr lang="en-US" altLang="ko-KR" dirty="0">
+                  <a:rPr lang="en-US" altLang="ko-KR" sz="2000" dirty="0">
                     <a:sym typeface="Wingdings" panose="05000000000000000000" pitchFamily="2" charset="2"/>
                   </a:rPr>
                   <a:t>close to unitary limit</a:t>
                 </a:r>
                 <a:r>
-                  <a:rPr lang="en-US" altLang="ko-KR" dirty="0" smtClean="0">
+                  <a:rPr lang="en-US" altLang="ko-KR" sz="2000" dirty="0" smtClean="0">
                     <a:sym typeface="Wingdings" panose="05000000000000000000" pitchFamily="2" charset="2"/>
                   </a:rPr>
                   <a:t>.) </a:t>
@@ -5853,930 +6158,6 @@
 </p:sld>
 </file>
 
-<file path=ppt/slides/slide21.xml><?xml version="1.0" encoding="utf-8"?>
-<p:sld xmlns:a="http://schemas.openxmlformats.org/drawingml/2006/main" xmlns:r="http://schemas.openxmlformats.org/officeDocument/2006/relationships" xmlns:p="http://schemas.openxmlformats.org/presentationml/2006/main">
-  <p:cSld>
-    <p:spTree>
-      <p:nvGrpSpPr>
-        <p:cNvPr id="1" name=""/>
-        <p:cNvGrpSpPr/>
-        <p:nvPr/>
-      </p:nvGrpSpPr>
-      <p:grpSpPr>
-        <a:xfrm>
-          <a:off x="0" y="0"/>
-          <a:ext cx="0" cy="0"/>
-          <a:chOff x="0" y="0"/>
-          <a:chExt cx="0" cy="0"/>
-        </a:xfrm>
-      </p:grpSpPr>
-      <p:sp>
-        <p:nvSpPr>
-          <p:cNvPr id="2" name="제목 1"/>
-          <p:cNvSpPr>
-            <a:spLocks noGrp="1"/>
-          </p:cNvSpPr>
-          <p:nvPr>
-            <p:ph type="title"/>
-          </p:nvPr>
-        </p:nvSpPr>
-        <p:spPr/>
-        <p:txBody>
-          <a:bodyPr/>
-          <a:lstStyle/>
-          <a:p>
-            <a:r>
-              <a:rPr lang="en-US" altLang="ko-KR" dirty="0" smtClean="0"/>
-              <a:t>Unitary Fermion Gas in BCC lattice</a:t>
-            </a:r>
-            <a:endParaRPr lang="ko-KR" altLang="en-US" dirty="0"/>
-          </a:p>
-        </p:txBody>
-      </p:sp>
-      <p:sp>
-        <p:nvSpPr>
-          <p:cNvPr id="3" name="내용 개체 틀 2"/>
-          <p:cNvSpPr>
-            <a:spLocks noGrp="1"/>
-          </p:cNvSpPr>
-          <p:nvPr>
-            <p:ph idx="1"/>
-          </p:nvPr>
-        </p:nvSpPr>
-        <p:spPr/>
-        <p:txBody>
-          <a:bodyPr>
-            <a:normAutofit/>
-          </a:bodyPr>
-          <a:lstStyle/>
-          <a:p>
-            <a:endParaRPr lang="en-US" altLang="ko-KR" dirty="0" smtClean="0">
-              <a:sym typeface="Wingdings" panose="05000000000000000000" pitchFamily="2" charset="2"/>
-            </a:endParaRPr>
-          </a:p>
-          <a:p>
-            <a:endParaRPr lang="ko-KR" altLang="en-US" dirty="0"/>
-          </a:p>
-        </p:txBody>
-      </p:sp>
-      <p:pic>
-        <p:nvPicPr>
-          <p:cNvPr id="6" name="그림 5"/>
-          <p:cNvPicPr>
-            <a:picLocks noChangeAspect="1"/>
-          </p:cNvPicPr>
-          <p:nvPr/>
-        </p:nvPicPr>
-        <p:blipFill>
-          <a:blip r:embed="rId2"/>
-          <a:stretch>
-            <a:fillRect/>
-          </a:stretch>
-        </p:blipFill>
-        <p:spPr>
-          <a:xfrm>
-            <a:off x="483577" y="3499925"/>
-            <a:ext cx="4683215" cy="1667009"/>
-          </a:xfrm>
-          <a:prstGeom prst="rect">
-            <a:avLst/>
-          </a:prstGeom>
-        </p:spPr>
-      </p:pic>
-      <p:pic>
-        <p:nvPicPr>
-          <p:cNvPr id="7" name="그림 6"/>
-          <p:cNvPicPr>
-            <a:picLocks noChangeAspect="1"/>
-          </p:cNvPicPr>
-          <p:nvPr/>
-        </p:nvPicPr>
-        <p:blipFill>
-          <a:blip r:embed="rId3"/>
-          <a:stretch>
-            <a:fillRect/>
-          </a:stretch>
-        </p:blipFill>
-        <p:spPr>
-          <a:xfrm>
-            <a:off x="533400" y="1524000"/>
-            <a:ext cx="2133600" cy="1776195"/>
-          </a:xfrm>
-          <a:prstGeom prst="rect">
-            <a:avLst/>
-          </a:prstGeom>
-        </p:spPr>
-      </p:pic>
-      <p:pic>
-        <p:nvPicPr>
-          <p:cNvPr id="9" name="그림 8"/>
-          <p:cNvPicPr>
-            <a:picLocks noChangeAspect="1"/>
-          </p:cNvPicPr>
-          <p:nvPr/>
-        </p:nvPicPr>
-        <p:blipFill>
-          <a:blip r:embed="rId4"/>
-          <a:stretch>
-            <a:fillRect/>
-          </a:stretch>
-        </p:blipFill>
-        <p:spPr>
-          <a:xfrm>
-            <a:off x="6477000" y="1488767"/>
-            <a:ext cx="1828800" cy="1571222"/>
-          </a:xfrm>
-          <a:prstGeom prst="rect">
-            <a:avLst/>
-          </a:prstGeom>
-        </p:spPr>
-      </p:pic>
-      <p:sp>
-        <p:nvSpPr>
-          <p:cNvPr id="10" name="TextBox 9"/>
-          <p:cNvSpPr txBox="1"/>
-          <p:nvPr/>
-        </p:nvSpPr>
-        <p:spPr>
-          <a:xfrm>
-            <a:off x="3383513" y="1488767"/>
-            <a:ext cx="2864887" cy="923330"/>
-          </a:xfrm>
-          <a:prstGeom prst="rect">
-            <a:avLst/>
-          </a:prstGeom>
-          <a:noFill/>
-        </p:spPr>
-        <p:txBody>
-          <a:bodyPr wrap="none" rtlCol="0">
-            <a:spAutoFit/>
-          </a:bodyPr>
-          <a:lstStyle/>
-          <a:p>
-            <a:r>
-              <a:rPr lang="en-US" altLang="ko-KR" dirty="0" smtClean="0"/>
-              <a:t>Universality of unitary limit</a:t>
-            </a:r>
-          </a:p>
-          <a:p>
-            <a:r>
-              <a:rPr lang="en-US" altLang="ko-KR" dirty="0" smtClean="0"/>
-              <a:t>Of many fermion system</a:t>
-            </a:r>
-          </a:p>
-          <a:p>
-            <a:r>
-              <a:rPr lang="en-US" altLang="ko-KR" dirty="0" smtClean="0">
-                <a:sym typeface="Wingdings" panose="05000000000000000000" pitchFamily="2" charset="2"/>
-              </a:rPr>
-              <a:t> </a:t>
-            </a:r>
-            <a:r>
-              <a:rPr lang="en-US" altLang="ko-KR" dirty="0" err="1" smtClean="0">
-                <a:sym typeface="Wingdings" panose="05000000000000000000" pitchFamily="2" charset="2"/>
-              </a:rPr>
-              <a:t>Bertsch</a:t>
-            </a:r>
-            <a:r>
-              <a:rPr lang="en-US" altLang="ko-KR" dirty="0" smtClean="0">
-                <a:sym typeface="Wingdings" panose="05000000000000000000" pitchFamily="2" charset="2"/>
-              </a:rPr>
-              <a:t> Parameter</a:t>
-            </a:r>
-            <a:endParaRPr lang="ko-KR" altLang="en-US" dirty="0"/>
-          </a:p>
-        </p:txBody>
-      </p:sp>
-      <p:sp>
-        <p:nvSpPr>
-          <p:cNvPr id="12" name="TextBox 11"/>
-          <p:cNvSpPr txBox="1"/>
-          <p:nvPr/>
-        </p:nvSpPr>
-        <p:spPr>
-          <a:xfrm>
-            <a:off x="5638800" y="3499925"/>
-            <a:ext cx="3276600" cy="1477328"/>
-          </a:xfrm>
-          <a:prstGeom prst="rect">
-            <a:avLst/>
-          </a:prstGeom>
-          <a:noFill/>
-        </p:spPr>
-        <p:txBody>
-          <a:bodyPr wrap="square" rtlCol="0">
-            <a:spAutoFit/>
-          </a:bodyPr>
-          <a:lstStyle/>
-          <a:p>
-            <a:r>
-              <a:rPr lang="en-US" altLang="ko-KR" dirty="0" smtClean="0"/>
-              <a:t>Experiment in</a:t>
-            </a:r>
-          </a:p>
-          <a:p>
-            <a:r>
-              <a:rPr lang="en-US" altLang="ko-KR" dirty="0" err="1" smtClean="0"/>
-              <a:t>Ultracold</a:t>
-            </a:r>
-            <a:r>
-              <a:rPr lang="en-US" altLang="ko-KR" dirty="0" smtClean="0"/>
-              <a:t> trapped atoms</a:t>
-            </a:r>
-          </a:p>
-          <a:p>
-            <a:r>
-              <a:rPr lang="en-US" altLang="ko-KR" dirty="0" smtClean="0"/>
-              <a:t>(</a:t>
-            </a:r>
-            <a:r>
-              <a:rPr lang="en-US" altLang="ko-KR" dirty="0"/>
-              <a:t>M. J. H. </a:t>
-            </a:r>
-            <a:r>
-              <a:rPr lang="en-US" altLang="ko-KR" dirty="0" smtClean="0"/>
-              <a:t>Ku et al, </a:t>
-            </a:r>
-            <a:r>
-              <a:rPr lang="en-US" altLang="ko-KR" dirty="0"/>
-              <a:t>Science 335, 563-567 (2012</a:t>
-            </a:r>
-            <a:r>
-              <a:rPr lang="en-US" altLang="ko-KR" dirty="0" smtClean="0"/>
-              <a:t>).)</a:t>
-            </a:r>
-          </a:p>
-          <a:p>
-            <a:r>
-              <a:rPr lang="en-US" altLang="ko-KR" dirty="0" err="1" smtClean="0"/>
-              <a:t>Bertch</a:t>
-            </a:r>
-            <a:r>
-              <a:rPr lang="en-US" altLang="ko-KR" dirty="0" smtClean="0"/>
-              <a:t> parameter ~ 0.376(4)</a:t>
-            </a:r>
-            <a:endParaRPr lang="ko-KR" altLang="en-US" dirty="0"/>
-          </a:p>
-        </p:txBody>
-      </p:sp>
-      <p:sp>
-        <p:nvSpPr>
-          <p:cNvPr id="13" name="TextBox 12"/>
-          <p:cNvSpPr txBox="1"/>
-          <p:nvPr/>
-        </p:nvSpPr>
-        <p:spPr>
-          <a:xfrm>
-            <a:off x="807751" y="5455142"/>
-            <a:ext cx="5720477" cy="923330"/>
-          </a:xfrm>
-          <a:prstGeom prst="rect">
-            <a:avLst/>
-          </a:prstGeom>
-          <a:noFill/>
-        </p:spPr>
-        <p:txBody>
-          <a:bodyPr wrap="none" rtlCol="0">
-            <a:spAutoFit/>
-          </a:bodyPr>
-          <a:lstStyle/>
-          <a:p>
-            <a:r>
-              <a:rPr lang="en-US" altLang="ko-KR" dirty="0" smtClean="0"/>
-              <a:t>Many theoretical calculation exists including NLEFT.</a:t>
-            </a:r>
-          </a:p>
-          <a:p>
-            <a:r>
-              <a:rPr lang="en-US" altLang="ko-KR" dirty="0" smtClean="0"/>
-              <a:t>Previous NLEFT calculation was done in cubic lattice. </a:t>
-            </a:r>
-          </a:p>
-          <a:p>
-            <a:r>
-              <a:rPr lang="en-US" altLang="ko-KR" dirty="0" smtClean="0"/>
-              <a:t>Here we applied NLEFT in BCC lattice . </a:t>
-            </a:r>
-            <a:endParaRPr lang="ko-KR" altLang="en-US" dirty="0"/>
-          </a:p>
-        </p:txBody>
-      </p:sp>
-    </p:spTree>
-    <p:extLst>
-      <p:ext uri="{BB962C8B-B14F-4D97-AF65-F5344CB8AC3E}">
-        <p14:creationId xmlns:p14="http://schemas.microsoft.com/office/powerpoint/2010/main" val="3407700620"/>
-      </p:ext>
-    </p:extLst>
-  </p:cSld>
-  <p:clrMapOvr>
-    <a:masterClrMapping/>
-  </p:clrMapOvr>
-</p:sld>
-</file>
-
-<file path=ppt/slides/slide22.xml><?xml version="1.0" encoding="utf-8"?>
-<p:sld xmlns:a="http://schemas.openxmlformats.org/drawingml/2006/main" xmlns:r="http://schemas.openxmlformats.org/officeDocument/2006/relationships" xmlns:p="http://schemas.openxmlformats.org/presentationml/2006/main">
-  <p:cSld>
-    <p:spTree>
-      <p:nvGrpSpPr>
-        <p:cNvPr id="1" name=""/>
-        <p:cNvGrpSpPr/>
-        <p:nvPr/>
-      </p:nvGrpSpPr>
-      <p:grpSpPr>
-        <a:xfrm>
-          <a:off x="0" y="0"/>
-          <a:ext cx="0" cy="0"/>
-          <a:chOff x="0" y="0"/>
-          <a:chExt cx="0" cy="0"/>
-        </a:xfrm>
-      </p:grpSpPr>
-      <p:pic>
-        <p:nvPicPr>
-          <p:cNvPr id="4" name="그림 3"/>
-          <p:cNvPicPr>
-            <a:picLocks noChangeAspect="1"/>
-          </p:cNvPicPr>
-          <p:nvPr/>
-        </p:nvPicPr>
-        <p:blipFill>
-          <a:blip r:embed="rId2"/>
-          <a:stretch>
-            <a:fillRect/>
-          </a:stretch>
-        </p:blipFill>
-        <p:spPr>
-          <a:xfrm>
-            <a:off x="457200" y="457200"/>
-            <a:ext cx="4584785" cy="1676400"/>
-          </a:xfrm>
-          <a:prstGeom prst="rect">
-            <a:avLst/>
-          </a:prstGeom>
-        </p:spPr>
-      </p:pic>
-      <p:sp>
-        <p:nvSpPr>
-          <p:cNvPr id="5" name="직사각형 4"/>
-          <p:cNvSpPr/>
-          <p:nvPr/>
-        </p:nvSpPr>
-        <p:spPr>
-          <a:xfrm>
-            <a:off x="5181600" y="1219200"/>
-            <a:ext cx="3352800" cy="646331"/>
-          </a:xfrm>
-          <a:prstGeom prst="rect">
-            <a:avLst/>
-          </a:prstGeom>
-        </p:spPr>
-        <p:txBody>
-          <a:bodyPr wrap="square">
-            <a:spAutoFit/>
-          </a:bodyPr>
-          <a:lstStyle/>
-          <a:p>
-            <a:r>
-              <a:rPr lang="en-US" altLang="ko-KR" dirty="0"/>
-              <a:t>(M. J. H. Ku et al, Science 335, 563-567 (2012).)</a:t>
-            </a:r>
-          </a:p>
-        </p:txBody>
-      </p:sp>
-      <p:pic>
-        <p:nvPicPr>
-          <p:cNvPr id="6" name="그림 5"/>
-          <p:cNvPicPr>
-            <a:picLocks noChangeAspect="1"/>
-          </p:cNvPicPr>
-          <p:nvPr/>
-        </p:nvPicPr>
-        <p:blipFill>
-          <a:blip r:embed="rId3"/>
-          <a:stretch>
-            <a:fillRect/>
-          </a:stretch>
-        </p:blipFill>
-        <p:spPr>
-          <a:xfrm>
-            <a:off x="457200" y="2362200"/>
-            <a:ext cx="6177982" cy="3862799"/>
-          </a:xfrm>
-          <a:prstGeom prst="rect">
-            <a:avLst/>
-          </a:prstGeom>
-        </p:spPr>
-      </p:pic>
-      <p:sp>
-        <p:nvSpPr>
-          <p:cNvPr id="7" name="TextBox 6"/>
-          <p:cNvSpPr txBox="1"/>
-          <p:nvPr/>
-        </p:nvSpPr>
-        <p:spPr>
-          <a:xfrm>
-            <a:off x="609600" y="6224999"/>
-            <a:ext cx="6707798" cy="369332"/>
-          </a:xfrm>
-          <a:prstGeom prst="rect">
-            <a:avLst/>
-          </a:prstGeom>
-          <a:noFill/>
-        </p:spPr>
-        <p:txBody>
-          <a:bodyPr wrap="none" rtlCol="0">
-            <a:spAutoFit/>
-          </a:bodyPr>
-          <a:lstStyle/>
-          <a:p>
-            <a:r>
-              <a:rPr lang="en-US" altLang="ko-KR" dirty="0" smtClean="0">
-                <a:solidFill>
-                  <a:srgbClr val="FF0000"/>
-                </a:solidFill>
-              </a:rPr>
-              <a:t>Chemical potential</a:t>
-            </a:r>
-            <a:r>
-              <a:rPr lang="en-US" altLang="ko-KR" dirty="0" smtClean="0"/>
-              <a:t>, energy, </a:t>
-            </a:r>
-            <a:r>
-              <a:rPr lang="en-US" altLang="ko-KR" dirty="0" smtClean="0">
-                <a:solidFill>
-                  <a:srgbClr val="00B050"/>
-                </a:solidFill>
-              </a:rPr>
-              <a:t>free energy </a:t>
-            </a:r>
-            <a:r>
-              <a:rPr lang="en-US" altLang="ko-KR" dirty="0" smtClean="0"/>
-              <a:t>and Entropy per particle</a:t>
-            </a:r>
-            <a:endParaRPr lang="ko-KR" altLang="en-US" dirty="0"/>
-          </a:p>
-        </p:txBody>
-      </p:sp>
-    </p:spTree>
-    <p:extLst>
-      <p:ext uri="{BB962C8B-B14F-4D97-AF65-F5344CB8AC3E}">
-        <p14:creationId xmlns:p14="http://schemas.microsoft.com/office/powerpoint/2010/main" val="854636479"/>
-      </p:ext>
-    </p:extLst>
-  </p:cSld>
-  <p:clrMapOvr>
-    <a:masterClrMapping/>
-  </p:clrMapOvr>
-</p:sld>
-</file>
-
-<file path=ppt/slides/slide23.xml><?xml version="1.0" encoding="utf-8"?>
-<p:sld xmlns:a="http://schemas.openxmlformats.org/drawingml/2006/main" xmlns:r="http://schemas.openxmlformats.org/officeDocument/2006/relationships" xmlns:p="http://schemas.openxmlformats.org/presentationml/2006/main">
-  <p:cSld>
-    <p:spTree>
-      <p:nvGrpSpPr>
-        <p:cNvPr id="1" name=""/>
-        <p:cNvGrpSpPr/>
-        <p:nvPr/>
-      </p:nvGrpSpPr>
-      <p:grpSpPr>
-        <a:xfrm>
-          <a:off x="0" y="0"/>
-          <a:ext cx="0" cy="0"/>
-          <a:chOff x="0" y="0"/>
-          <a:chExt cx="0" cy="0"/>
-        </a:xfrm>
-      </p:grpSpPr>
-      <p:pic>
-        <p:nvPicPr>
-          <p:cNvPr id="4" name="그림 3"/>
-          <p:cNvPicPr>
-            <a:picLocks noChangeAspect="1"/>
-          </p:cNvPicPr>
-          <p:nvPr/>
-        </p:nvPicPr>
-        <p:blipFill>
-          <a:blip r:embed="rId2"/>
-          <a:stretch>
-            <a:fillRect/>
-          </a:stretch>
-        </p:blipFill>
-        <p:spPr>
-          <a:xfrm>
-            <a:off x="533401" y="533400"/>
-            <a:ext cx="3429000" cy="2015039"/>
-          </a:xfrm>
-          <a:prstGeom prst="rect">
-            <a:avLst/>
-          </a:prstGeom>
-        </p:spPr>
-      </p:pic>
-      <p:pic>
-        <p:nvPicPr>
-          <p:cNvPr id="5" name="그림 4"/>
-          <p:cNvPicPr>
-            <a:picLocks noChangeAspect="1"/>
-          </p:cNvPicPr>
-          <p:nvPr/>
-        </p:nvPicPr>
-        <p:blipFill>
-          <a:blip r:embed="rId3"/>
-          <a:stretch>
-            <a:fillRect/>
-          </a:stretch>
-        </p:blipFill>
-        <p:spPr>
-          <a:xfrm>
-            <a:off x="5072957" y="1848271"/>
-            <a:ext cx="2362200" cy="1400336"/>
-          </a:xfrm>
-          <a:prstGeom prst="rect">
-            <a:avLst/>
-          </a:prstGeom>
-        </p:spPr>
-      </p:pic>
-      <p:pic>
-        <p:nvPicPr>
-          <p:cNvPr id="6" name="그림 5"/>
-          <p:cNvPicPr>
-            <a:picLocks noChangeAspect="1"/>
-          </p:cNvPicPr>
-          <p:nvPr/>
-        </p:nvPicPr>
-        <p:blipFill>
-          <a:blip r:embed="rId4"/>
-          <a:stretch>
-            <a:fillRect/>
-          </a:stretch>
-        </p:blipFill>
-        <p:spPr>
-          <a:xfrm>
-            <a:off x="497733" y="3463046"/>
-            <a:ext cx="5756324" cy="2328153"/>
-          </a:xfrm>
-          <a:prstGeom prst="rect">
-            <a:avLst/>
-          </a:prstGeom>
-        </p:spPr>
-      </p:pic>
-      <p:sp>
-        <p:nvSpPr>
-          <p:cNvPr id="7" name="TextBox 6"/>
-          <p:cNvSpPr txBox="1"/>
-          <p:nvPr/>
-        </p:nvSpPr>
-        <p:spPr>
-          <a:xfrm>
-            <a:off x="304800" y="6096000"/>
-            <a:ext cx="8258992" cy="584775"/>
-          </a:xfrm>
-          <a:prstGeom prst="rect">
-            <a:avLst/>
-          </a:prstGeom>
-          <a:noFill/>
-        </p:spPr>
-        <p:txBody>
-          <a:bodyPr wrap="none" rtlCol="0">
-            <a:spAutoFit/>
-          </a:bodyPr>
-          <a:lstStyle/>
-          <a:p>
-            <a:r>
-              <a:rPr lang="en-US" altLang="ko-KR" sz="1600" dirty="0" smtClean="0"/>
-              <a:t>Simple scaling behavior of nuclear reactions </a:t>
-            </a:r>
-          </a:p>
-          <a:p>
-            <a:r>
-              <a:rPr lang="en-US" altLang="ko-KR" sz="1600" dirty="0" smtClean="0"/>
-              <a:t>involving emission of several loosely bound neutrons  (approximate conformal symmetry)</a:t>
-            </a:r>
-            <a:endParaRPr lang="ko-KR" altLang="en-US" sz="1600" dirty="0"/>
-          </a:p>
-        </p:txBody>
-      </p:sp>
-      <p:sp>
-        <p:nvSpPr>
-          <p:cNvPr id="8" name="TextBox 7"/>
-          <p:cNvSpPr txBox="1"/>
-          <p:nvPr/>
-        </p:nvSpPr>
-        <p:spPr>
-          <a:xfrm>
-            <a:off x="6288104" y="5230025"/>
-            <a:ext cx="1428596" cy="461665"/>
-          </a:xfrm>
-          <a:prstGeom prst="rect">
-            <a:avLst/>
-          </a:prstGeom>
-          <a:noFill/>
-        </p:spPr>
-        <p:txBody>
-          <a:bodyPr wrap="none" rtlCol="0">
-            <a:spAutoFit/>
-          </a:bodyPr>
-          <a:lstStyle/>
-          <a:p>
-            <a:r>
-              <a:rPr lang="en-US" altLang="ko-KR" sz="1200" dirty="0" smtClean="0"/>
-              <a:t>Fig. from </a:t>
-            </a:r>
-          </a:p>
-          <a:p>
-            <a:r>
-              <a:rPr lang="en-US" altLang="ko-KR" sz="1200" dirty="0" err="1" smtClean="0"/>
-              <a:t>arXiv</a:t>
-            </a:r>
-            <a:r>
-              <a:rPr lang="en-US" altLang="ko-KR" sz="1200" dirty="0" smtClean="0"/>
-              <a:t>: 2109.06924</a:t>
-            </a:r>
-            <a:endParaRPr lang="ko-KR" altLang="en-US" sz="1200" dirty="0"/>
-          </a:p>
-        </p:txBody>
-      </p:sp>
-      <p:pic>
-        <p:nvPicPr>
-          <p:cNvPr id="9" name="그림 8"/>
-          <p:cNvPicPr>
-            <a:picLocks noChangeAspect="1"/>
-          </p:cNvPicPr>
-          <p:nvPr/>
-        </p:nvPicPr>
-        <p:blipFill>
-          <a:blip r:embed="rId5"/>
-          <a:stretch>
-            <a:fillRect/>
-          </a:stretch>
-        </p:blipFill>
-        <p:spPr>
-          <a:xfrm>
-            <a:off x="685801" y="2667282"/>
-            <a:ext cx="3200400" cy="715474"/>
-          </a:xfrm>
-          <a:prstGeom prst="rect">
-            <a:avLst/>
-          </a:prstGeom>
-        </p:spPr>
-      </p:pic>
-    </p:spTree>
-    <p:extLst>
-      <p:ext uri="{BB962C8B-B14F-4D97-AF65-F5344CB8AC3E}">
-        <p14:creationId xmlns:p14="http://schemas.microsoft.com/office/powerpoint/2010/main" val="3221101421"/>
-      </p:ext>
-    </p:extLst>
-  </p:cSld>
-  <p:clrMapOvr>
-    <a:masterClrMapping/>
-  </p:clrMapOvr>
-</p:sld>
-</file>
-
-<file path=ppt/slides/slide24.xml><?xml version="1.0" encoding="utf-8"?>
-<p:sld xmlns:a="http://schemas.openxmlformats.org/drawingml/2006/main" xmlns:r="http://schemas.openxmlformats.org/officeDocument/2006/relationships" xmlns:p="http://schemas.openxmlformats.org/presentationml/2006/main">
-  <p:cSld>
-    <p:spTree>
-      <p:nvGrpSpPr>
-        <p:cNvPr id="1" name=""/>
-        <p:cNvGrpSpPr/>
-        <p:nvPr/>
-      </p:nvGrpSpPr>
-      <p:grpSpPr>
-        <a:xfrm>
-          <a:off x="0" y="0"/>
-          <a:ext cx="0" cy="0"/>
-          <a:chOff x="0" y="0"/>
-          <a:chExt cx="0" cy="0"/>
-        </a:xfrm>
-      </p:grpSpPr>
-      <p:sp>
-        <p:nvSpPr>
-          <p:cNvPr id="2" name="제목 1"/>
-          <p:cNvSpPr>
-            <a:spLocks noGrp="1"/>
-          </p:cNvSpPr>
-          <p:nvPr>
-            <p:ph type="title"/>
-          </p:nvPr>
-        </p:nvSpPr>
-        <p:spPr/>
-        <p:txBody>
-          <a:bodyPr/>
-          <a:lstStyle/>
-          <a:p>
-            <a:r>
-              <a:rPr lang="en-US" altLang="ko-KR" dirty="0" smtClean="0"/>
-              <a:t>Unitary limit Hamiltonian in BCC</a:t>
-            </a:r>
-            <a:endParaRPr lang="ko-KR" altLang="en-US" dirty="0"/>
-          </a:p>
-        </p:txBody>
-      </p:sp>
-      <p:pic>
-        <p:nvPicPr>
-          <p:cNvPr id="14" name="그림 13"/>
-          <p:cNvPicPr>
-            <a:picLocks noChangeAspect="1"/>
-          </p:cNvPicPr>
-          <p:nvPr/>
-        </p:nvPicPr>
-        <p:blipFill>
-          <a:blip r:embed="rId2"/>
-          <a:stretch>
-            <a:fillRect/>
-          </a:stretch>
-        </p:blipFill>
-        <p:spPr>
-          <a:xfrm>
-            <a:off x="914400" y="1540213"/>
-            <a:ext cx="1905000" cy="1801841"/>
-          </a:xfrm>
-          <a:prstGeom prst="rect">
-            <a:avLst/>
-          </a:prstGeom>
-        </p:spPr>
-      </p:pic>
-      <p:sp>
-        <p:nvSpPr>
-          <p:cNvPr id="15" name="TextBox 14"/>
-          <p:cNvSpPr txBox="1"/>
-          <p:nvPr/>
-        </p:nvSpPr>
-        <p:spPr>
-          <a:xfrm>
-            <a:off x="4419600" y="1425470"/>
-            <a:ext cx="4006290" cy="2585323"/>
-          </a:xfrm>
-          <a:prstGeom prst="rect">
-            <a:avLst/>
-          </a:prstGeom>
-          <a:noFill/>
-        </p:spPr>
-        <p:txBody>
-          <a:bodyPr wrap="none" rtlCol="0">
-            <a:spAutoFit/>
-          </a:bodyPr>
-          <a:lstStyle/>
-          <a:p>
-            <a:r>
-              <a:rPr lang="en-US" altLang="ko-KR" dirty="0" smtClean="0"/>
-              <a:t>BCC lattice is constructed as </a:t>
-            </a:r>
-          </a:p>
-          <a:p>
-            <a:r>
-              <a:rPr lang="en-US" altLang="ko-KR" dirty="0" smtClean="0"/>
-              <a:t>Two cubic lattice</a:t>
-            </a:r>
-          </a:p>
-          <a:p>
-            <a:r>
-              <a:rPr lang="en-US" altLang="ko-KR" dirty="0" smtClean="0"/>
-              <a:t>(shifted by (1/2,1/2,1/2) in lattice unit)</a:t>
-            </a:r>
-          </a:p>
-          <a:p>
-            <a:endParaRPr lang="en-US" altLang="ko-KR" dirty="0" smtClean="0"/>
-          </a:p>
-          <a:p>
-            <a:r>
-              <a:rPr lang="en-US" altLang="ko-KR" dirty="0" smtClean="0"/>
-              <a:t>2 L^3 lattice points </a:t>
-            </a:r>
-          </a:p>
-          <a:p>
-            <a:endParaRPr lang="en-US" altLang="ko-KR" dirty="0"/>
-          </a:p>
-          <a:p>
-            <a:r>
-              <a:rPr lang="en-US" altLang="ko-KR" dirty="0" smtClean="0"/>
-              <a:t>Lattice spacing a=1/100 MeV^-1</a:t>
-            </a:r>
-          </a:p>
-          <a:p>
-            <a:r>
-              <a:rPr lang="en-US" altLang="ko-KR" dirty="0" smtClean="0"/>
-              <a:t>Lattice Time step at = 1/1000 MeV^-1</a:t>
-            </a:r>
-          </a:p>
-          <a:p>
-            <a:r>
-              <a:rPr lang="en-US" altLang="ko-KR" dirty="0" smtClean="0"/>
-              <a:t>(For outer region at’=1/200 MeV^-1)</a:t>
-            </a:r>
-            <a:endParaRPr lang="ko-KR" altLang="en-US" dirty="0"/>
-          </a:p>
-        </p:txBody>
-      </p:sp>
-      <p:pic>
-        <p:nvPicPr>
-          <p:cNvPr id="16" name="그림 15"/>
-          <p:cNvPicPr>
-            <a:picLocks noChangeAspect="1"/>
-          </p:cNvPicPr>
-          <p:nvPr/>
-        </p:nvPicPr>
-        <p:blipFill>
-          <a:blip r:embed="rId3"/>
-          <a:stretch>
-            <a:fillRect/>
-          </a:stretch>
-        </p:blipFill>
-        <p:spPr>
-          <a:xfrm>
-            <a:off x="914400" y="3456795"/>
-            <a:ext cx="2257740" cy="876422"/>
-          </a:xfrm>
-          <a:prstGeom prst="rect">
-            <a:avLst/>
-          </a:prstGeom>
-        </p:spPr>
-      </p:pic>
-      <p:pic>
-        <p:nvPicPr>
-          <p:cNvPr id="17" name="그림 16"/>
-          <p:cNvPicPr>
-            <a:picLocks noChangeAspect="1"/>
-          </p:cNvPicPr>
-          <p:nvPr/>
-        </p:nvPicPr>
-        <p:blipFill>
-          <a:blip r:embed="rId4"/>
-          <a:stretch>
-            <a:fillRect/>
-          </a:stretch>
-        </p:blipFill>
-        <p:spPr>
-          <a:xfrm>
-            <a:off x="990600" y="4267201"/>
-            <a:ext cx="4419600" cy="1157416"/>
-          </a:xfrm>
-          <a:prstGeom prst="rect">
-            <a:avLst/>
-          </a:prstGeom>
-        </p:spPr>
-      </p:pic>
-      <p:pic>
-        <p:nvPicPr>
-          <p:cNvPr id="18" name="그림 17"/>
-          <p:cNvPicPr>
-            <a:picLocks noChangeAspect="1"/>
-          </p:cNvPicPr>
-          <p:nvPr/>
-        </p:nvPicPr>
-        <p:blipFill>
-          <a:blip r:embed="rId5"/>
-          <a:stretch>
-            <a:fillRect/>
-          </a:stretch>
-        </p:blipFill>
-        <p:spPr>
-          <a:xfrm>
-            <a:off x="877111" y="5779035"/>
-            <a:ext cx="1848255" cy="612440"/>
-          </a:xfrm>
-          <a:prstGeom prst="rect">
-            <a:avLst/>
-          </a:prstGeom>
-        </p:spPr>
-      </p:pic>
-      <p:pic>
-        <p:nvPicPr>
-          <p:cNvPr id="20" name="그림 19"/>
-          <p:cNvPicPr>
-            <a:picLocks noChangeAspect="1"/>
-          </p:cNvPicPr>
-          <p:nvPr/>
-        </p:nvPicPr>
-        <p:blipFill>
-          <a:blip r:embed="rId6"/>
-          <a:stretch>
-            <a:fillRect/>
-          </a:stretch>
-        </p:blipFill>
-        <p:spPr>
-          <a:xfrm>
-            <a:off x="4648200" y="5825877"/>
-            <a:ext cx="3229821" cy="518756"/>
-          </a:xfrm>
-          <a:prstGeom prst="rect">
-            <a:avLst/>
-          </a:prstGeom>
-        </p:spPr>
-      </p:pic>
-    </p:spTree>
-    <p:extLst>
-      <p:ext uri="{BB962C8B-B14F-4D97-AF65-F5344CB8AC3E}">
-        <p14:creationId xmlns:p14="http://schemas.microsoft.com/office/powerpoint/2010/main" val="3071628708"/>
-      </p:ext>
-    </p:extLst>
-  </p:cSld>
-  <p:clrMapOvr>
-    <a:masterClrMapping/>
-  </p:clrMapOvr>
-</p:sld>
-</file>
-
 <file path=ppt/slides/slide25.xml><?xml version="1.0" encoding="utf-8"?>
 <p:sld xmlns:a="http://schemas.openxmlformats.org/drawingml/2006/main" xmlns:r="http://schemas.openxmlformats.org/officeDocument/2006/relationships" xmlns:p="http://schemas.openxmlformats.org/presentationml/2006/main">
   <p:cSld>
@@ -6811,15 +6192,41 @@
           <a:p>
             <a:r>
               <a:rPr lang="en-US" altLang="ko-KR" dirty="0" smtClean="0"/>
-              <a:t>Unitary limit Hamiltonian in BCC</a:t>
-            </a:r>
+              <a:t>Unitary Fermion Gas in BCC lattice</a:t>
+            </a:r>
+            <a:endParaRPr lang="ko-KR" altLang="en-US" dirty="0"/>
+          </a:p>
+        </p:txBody>
+      </p:sp>
+      <p:sp>
+        <p:nvSpPr>
+          <p:cNvPr id="3" name="내용 개체 틀 2"/>
+          <p:cNvSpPr>
+            <a:spLocks noGrp="1"/>
+          </p:cNvSpPr>
+          <p:nvPr>
+            <p:ph idx="1"/>
+          </p:nvPr>
+        </p:nvSpPr>
+        <p:spPr/>
+        <p:txBody>
+          <a:bodyPr>
+            <a:normAutofit/>
+          </a:bodyPr>
+          <a:lstStyle/>
+          <a:p>
+            <a:endParaRPr lang="en-US" altLang="ko-KR" dirty="0" smtClean="0">
+              <a:sym typeface="Wingdings" panose="05000000000000000000" pitchFamily="2" charset="2"/>
+            </a:endParaRPr>
+          </a:p>
+          <a:p>
             <a:endParaRPr lang="ko-KR" altLang="en-US" dirty="0"/>
           </a:p>
         </p:txBody>
       </p:sp>
       <p:pic>
         <p:nvPicPr>
-          <p:cNvPr id="17" name="그림 16"/>
+          <p:cNvPr id="6" name="그림 5"/>
           <p:cNvPicPr>
             <a:picLocks noChangeAspect="1"/>
           </p:cNvPicPr>
@@ -6833,8 +6240,8 @@
         </p:blipFill>
         <p:spPr>
           <a:xfrm>
-            <a:off x="685800" y="1519136"/>
-            <a:ext cx="4419600" cy="1157416"/>
+            <a:off x="483577" y="3499925"/>
+            <a:ext cx="4683215" cy="1667009"/>
           </a:xfrm>
           <a:prstGeom prst="rect">
             <a:avLst/>
@@ -6843,7 +6250,7 @@
       </p:pic>
       <p:pic>
         <p:nvPicPr>
-          <p:cNvPr id="3" name="그림 2"/>
+          <p:cNvPr id="7" name="그림 6"/>
           <p:cNvPicPr>
             <a:picLocks noChangeAspect="1"/>
           </p:cNvPicPr>
@@ -6857,8 +6264,8 @@
         </p:blipFill>
         <p:spPr>
           <a:xfrm>
-            <a:off x="677694" y="2819400"/>
-            <a:ext cx="2514600" cy="726934"/>
+            <a:off x="533400" y="1524000"/>
+            <a:ext cx="2133600" cy="1776195"/>
           </a:xfrm>
           <a:prstGeom prst="rect">
             <a:avLst/>
@@ -6867,7 +6274,7 @@
       </p:pic>
       <p:pic>
         <p:nvPicPr>
-          <p:cNvPr id="4" name="그림 3"/>
+          <p:cNvPr id="9" name="그림 8"/>
           <p:cNvPicPr>
             <a:picLocks noChangeAspect="1"/>
           </p:cNvPicPr>
@@ -6881,8 +6288,8 @@
         </p:blipFill>
         <p:spPr>
           <a:xfrm>
-            <a:off x="658239" y="3689182"/>
-            <a:ext cx="4980561" cy="1437687"/>
+            <a:off x="6477000" y="1488767"/>
+            <a:ext cx="1828800" cy="1571222"/>
           </a:xfrm>
           <a:prstGeom prst="rect">
             <a:avLst/>
@@ -6891,14 +6298,14 @@
       </p:pic>
       <p:sp>
         <p:nvSpPr>
-          <p:cNvPr id="5" name="TextBox 4"/>
+          <p:cNvPr id="10" name="TextBox 9"/>
           <p:cNvSpPr txBox="1"/>
           <p:nvPr/>
         </p:nvSpPr>
         <p:spPr>
           <a:xfrm>
-            <a:off x="685800" y="5562600"/>
-            <a:ext cx="5474576" cy="369332"/>
+            <a:off x="3383513" y="1488767"/>
+            <a:ext cx="2864887" cy="923330"/>
           </a:xfrm>
           <a:prstGeom prst="rect">
             <a:avLst/>
@@ -6912,8 +6319,156 @@
           <a:lstStyle/>
           <a:p>
             <a:r>
+              <a:rPr lang="en-US" altLang="ko-KR" dirty="0" smtClean="0">
+                <a:solidFill>
+                  <a:srgbClr val="FF0000"/>
+                </a:solidFill>
+              </a:rPr>
+              <a:t>Universality</a:t>
+            </a:r>
+            <a:r>
               <a:rPr lang="en-US" altLang="ko-KR" dirty="0" smtClean="0"/>
-              <a:t>Our choice is valid up to O(p^6) : f(p) = p^2 +O(p^6)</a:t>
+              <a:t> of unitary limit</a:t>
+            </a:r>
+          </a:p>
+          <a:p>
+            <a:r>
+              <a:rPr lang="en-US" altLang="ko-KR" dirty="0" smtClean="0"/>
+              <a:t>Of many fermion system</a:t>
+            </a:r>
+          </a:p>
+          <a:p>
+            <a:r>
+              <a:rPr lang="en-US" altLang="ko-KR" dirty="0" smtClean="0">
+                <a:sym typeface="Wingdings" panose="05000000000000000000" pitchFamily="2" charset="2"/>
+              </a:rPr>
+              <a:t> </a:t>
+            </a:r>
+            <a:r>
+              <a:rPr lang="en-US" altLang="ko-KR" dirty="0" err="1" smtClean="0">
+                <a:sym typeface="Wingdings" panose="05000000000000000000" pitchFamily="2" charset="2"/>
+              </a:rPr>
+              <a:t>Bertsch</a:t>
+            </a:r>
+            <a:r>
+              <a:rPr lang="en-US" altLang="ko-KR" dirty="0" smtClean="0">
+                <a:sym typeface="Wingdings" panose="05000000000000000000" pitchFamily="2" charset="2"/>
+              </a:rPr>
+              <a:t> Parameter</a:t>
+            </a:r>
+            <a:endParaRPr lang="ko-KR" altLang="en-US" dirty="0"/>
+          </a:p>
+        </p:txBody>
+      </p:sp>
+      <p:sp>
+        <p:nvSpPr>
+          <p:cNvPr id="12" name="TextBox 11"/>
+          <p:cNvSpPr txBox="1"/>
+          <p:nvPr/>
+        </p:nvSpPr>
+        <p:spPr>
+          <a:xfrm>
+            <a:off x="5638800" y="3499925"/>
+            <a:ext cx="3276600" cy="1477328"/>
+          </a:xfrm>
+          <a:prstGeom prst="rect">
+            <a:avLst/>
+          </a:prstGeom>
+          <a:noFill/>
+        </p:spPr>
+        <p:txBody>
+          <a:bodyPr wrap="square" rtlCol="0">
+            <a:spAutoFit/>
+          </a:bodyPr>
+          <a:lstStyle/>
+          <a:p>
+            <a:r>
+              <a:rPr lang="en-US" altLang="ko-KR" dirty="0" smtClean="0"/>
+              <a:t>Experiment in</a:t>
+            </a:r>
+          </a:p>
+          <a:p>
+            <a:r>
+              <a:rPr lang="en-US" altLang="ko-KR" dirty="0" err="1" smtClean="0"/>
+              <a:t>Ultracold</a:t>
+            </a:r>
+            <a:r>
+              <a:rPr lang="en-US" altLang="ko-KR" dirty="0" smtClean="0"/>
+              <a:t> trapped atoms</a:t>
+            </a:r>
+          </a:p>
+          <a:p>
+            <a:r>
+              <a:rPr lang="en-US" altLang="ko-KR" dirty="0" smtClean="0"/>
+              <a:t>(</a:t>
+            </a:r>
+            <a:r>
+              <a:rPr lang="en-US" altLang="ko-KR" dirty="0"/>
+              <a:t>M. J. H. </a:t>
+            </a:r>
+            <a:r>
+              <a:rPr lang="en-US" altLang="ko-KR" dirty="0" smtClean="0"/>
+              <a:t>Ku et al, </a:t>
+            </a:r>
+            <a:r>
+              <a:rPr lang="en-US" altLang="ko-KR" dirty="0"/>
+              <a:t>Science 335, 563-567 (2012</a:t>
+            </a:r>
+            <a:r>
+              <a:rPr lang="en-US" altLang="ko-KR" dirty="0" smtClean="0"/>
+              <a:t>).)</a:t>
+            </a:r>
+          </a:p>
+          <a:p>
+            <a:r>
+              <a:rPr lang="en-US" altLang="ko-KR" dirty="0" err="1" smtClean="0"/>
+              <a:t>Bertch</a:t>
+            </a:r>
+            <a:r>
+              <a:rPr lang="en-US" altLang="ko-KR" dirty="0" smtClean="0"/>
+              <a:t> parameter ~ 0.376(4)</a:t>
+            </a:r>
+            <a:endParaRPr lang="ko-KR" altLang="en-US" dirty="0"/>
+          </a:p>
+        </p:txBody>
+      </p:sp>
+      <p:sp>
+        <p:nvSpPr>
+          <p:cNvPr id="13" name="TextBox 12"/>
+          <p:cNvSpPr txBox="1"/>
+          <p:nvPr/>
+        </p:nvSpPr>
+        <p:spPr>
+          <a:xfrm>
+            <a:off x="807751" y="5455142"/>
+            <a:ext cx="5720477" cy="923330"/>
+          </a:xfrm>
+          <a:prstGeom prst="rect">
+            <a:avLst/>
+          </a:prstGeom>
+          <a:noFill/>
+        </p:spPr>
+        <p:txBody>
+          <a:bodyPr wrap="none" rtlCol="0">
+            <a:spAutoFit/>
+          </a:bodyPr>
+          <a:lstStyle/>
+          <a:p>
+            <a:r>
+              <a:rPr lang="en-US" altLang="ko-KR" dirty="0" smtClean="0"/>
+              <a:t>Many theoretical calculation exists including NLEFT.</a:t>
+            </a:r>
+          </a:p>
+          <a:p>
+            <a:r>
+              <a:rPr lang="en-US" altLang="ko-KR" dirty="0" smtClean="0"/>
+              <a:t>Previous NLEFT calculation was done in cubic lattice. </a:t>
+            </a:r>
+          </a:p>
+          <a:p>
+            <a:r>
+              <a:rPr lang="en-US" altLang="ko-KR" dirty="0" smtClean="0"/>
+              <a:t>Here we applied NLEFT in BCC lattice . </a:t>
             </a:r>
             <a:endParaRPr lang="ko-KR" altLang="en-US" dirty="0"/>
           </a:p>
@@ -6922,7 +6477,7 @@
     </p:spTree>
     <p:extLst>
       <p:ext uri="{BB962C8B-B14F-4D97-AF65-F5344CB8AC3E}">
-        <p14:creationId xmlns:p14="http://schemas.microsoft.com/office/powerpoint/2010/main" val="1112720487"/>
+        <p14:creationId xmlns:p14="http://schemas.microsoft.com/office/powerpoint/2010/main" val="3407700620"/>
       </p:ext>
     </p:extLst>
   </p:cSld>
@@ -6949,32 +6504,9 @@
           <a:chExt cx="0" cy="0"/>
         </a:xfrm>
       </p:grpSpPr>
-      <p:sp>
-        <p:nvSpPr>
-          <p:cNvPr id="2" name="제목 1"/>
-          <p:cNvSpPr>
-            <a:spLocks noGrp="1"/>
-          </p:cNvSpPr>
-          <p:nvPr>
-            <p:ph type="title"/>
-          </p:nvPr>
-        </p:nvSpPr>
-        <p:spPr/>
-        <p:txBody>
-          <a:bodyPr/>
-          <a:lstStyle/>
-          <a:p>
-            <a:r>
-              <a:rPr lang="en-US" altLang="ko-KR" dirty="0" smtClean="0"/>
-              <a:t>Unitary limit Hamiltonian in BCC</a:t>
-            </a:r>
-            <a:endParaRPr lang="ko-KR" altLang="en-US" dirty="0"/>
-          </a:p>
-        </p:txBody>
-      </p:sp>
       <p:pic>
         <p:nvPicPr>
-          <p:cNvPr id="10" name="그림 9"/>
+          <p:cNvPr id="4" name="그림 3"/>
           <p:cNvPicPr>
             <a:picLocks noChangeAspect="1"/>
           </p:cNvPicPr>
@@ -6988,17 +6520,45 @@
         </p:blipFill>
         <p:spPr>
           <a:xfrm>
-            <a:off x="533400" y="1524000"/>
-            <a:ext cx="2524477" cy="685896"/>
+            <a:off x="457200" y="457200"/>
+            <a:ext cx="4584785" cy="1676400"/>
           </a:xfrm>
           <a:prstGeom prst="rect">
             <a:avLst/>
           </a:prstGeom>
         </p:spPr>
       </p:pic>
+      <p:sp>
+        <p:nvSpPr>
+          <p:cNvPr id="5" name="직사각형 4"/>
+          <p:cNvSpPr/>
+          <p:nvPr/>
+        </p:nvSpPr>
+        <p:spPr>
+          <a:xfrm>
+            <a:off x="5181600" y="1219200"/>
+            <a:ext cx="3352800" cy="646331"/>
+          </a:xfrm>
+          <a:prstGeom prst="rect">
+            <a:avLst/>
+          </a:prstGeom>
+        </p:spPr>
+        <p:txBody>
+          <a:bodyPr wrap="square">
+            <a:spAutoFit/>
+          </a:bodyPr>
+          <a:lstStyle/>
+          <a:p>
+            <a:r>
+              <a:rPr lang="en-US" altLang="ko-KR" dirty="0"/>
+              <a:t>(M. J. H. Ku et al, Science 335, 563-567 (2012).)</a:t>
+            </a:r>
+          </a:p>
+        </p:txBody>
+      </p:sp>
       <p:pic>
         <p:nvPicPr>
-          <p:cNvPr id="11" name="그림 10"/>
+          <p:cNvPr id="6" name="그림 5"/>
           <p:cNvPicPr>
             <a:picLocks noChangeAspect="1"/>
           </p:cNvPicPr>
@@ -7012,48 +6572,24 @@
         </p:blipFill>
         <p:spPr>
           <a:xfrm>
-            <a:off x="3429000" y="1600200"/>
-            <a:ext cx="2924583" cy="1505160"/>
+            <a:off x="457200" y="2362200"/>
+            <a:ext cx="6177982" cy="3862799"/>
           </a:xfrm>
           <a:prstGeom prst="rect">
             <a:avLst/>
           </a:prstGeom>
         </p:spPr>
       </p:pic>
-      <p:pic>
-        <p:nvPicPr>
-          <p:cNvPr id="13" name="그림 12"/>
-          <p:cNvPicPr>
-            <a:picLocks noChangeAspect="1"/>
-          </p:cNvPicPr>
-          <p:nvPr/>
-        </p:nvPicPr>
-        <p:blipFill>
-          <a:blip r:embed="rId4"/>
-          <a:stretch>
-            <a:fillRect/>
-          </a:stretch>
-        </p:blipFill>
-        <p:spPr>
-          <a:xfrm>
-            <a:off x="304800" y="3420208"/>
-            <a:ext cx="3439090" cy="2516605"/>
-          </a:xfrm>
-          <a:prstGeom prst="rect">
-            <a:avLst/>
-          </a:prstGeom>
-        </p:spPr>
-      </p:pic>
-      <p:sp>
-        <p:nvSpPr>
-          <p:cNvPr id="14" name="TextBox 13"/>
+      <p:sp>
+        <p:nvSpPr>
+          <p:cNvPr id="7" name="TextBox 6"/>
           <p:cNvSpPr txBox="1"/>
           <p:nvPr/>
         </p:nvSpPr>
         <p:spPr>
           <a:xfrm>
-            <a:off x="3886200" y="3623359"/>
-            <a:ext cx="4031873" cy="2585323"/>
+            <a:off x="609600" y="6224999"/>
+            <a:ext cx="6707798" cy="369332"/>
           </a:xfrm>
           <a:prstGeom prst="rect">
             <a:avLst/>
@@ -7065,130 +6601,72 @@
             <a:spAutoFit/>
           </a:bodyPr>
           <a:lstStyle/>
-          <a:p>
-            <a:r>
-              <a:rPr lang="en-US" altLang="ko-KR" dirty="0" smtClean="0"/>
-              <a:t>1S0 NN scattering phase shift is fitted</a:t>
-            </a:r>
-          </a:p>
-          <a:p>
-            <a:r>
-              <a:rPr lang="en-US" altLang="ko-KR" dirty="0" smtClean="0"/>
-              <a:t>For unitary limit .</a:t>
-            </a:r>
-          </a:p>
-          <a:p>
-            <a:endParaRPr lang="en-US" altLang="ko-KR" dirty="0"/>
-          </a:p>
-          <a:p>
-            <a:r>
-              <a:rPr lang="en-US" altLang="ko-KR" dirty="0" smtClean="0"/>
-              <a:t>C0= -0.7449172 [</a:t>
-            </a:r>
-            <a:r>
-              <a:rPr lang="en-US" altLang="ko-KR" dirty="0" err="1" smtClean="0"/>
-              <a:t>l.u</a:t>
-            </a:r>
-            <a:r>
-              <a:rPr lang="en-US" altLang="ko-KR" dirty="0" smtClean="0"/>
-              <a:t>.]</a:t>
-            </a:r>
-          </a:p>
-          <a:p>
-            <a:r>
-              <a:rPr lang="en-US" altLang="ko-KR" dirty="0" err="1" smtClean="0"/>
-              <a:t>sNL</a:t>
-            </a:r>
-            <a:r>
-              <a:rPr lang="en-US" altLang="ko-KR" dirty="0" smtClean="0"/>
-              <a:t> = - 0.0009533729</a:t>
-            </a:r>
-          </a:p>
-          <a:p>
-            <a:r>
-              <a:rPr lang="en-US" altLang="ko-KR" dirty="0" smtClean="0">
-                <a:sym typeface="Wingdings" panose="05000000000000000000" pitchFamily="2" charset="2"/>
-              </a:rPr>
-              <a:t></a:t>
-            </a:r>
-          </a:p>
-          <a:p>
-            <a:r>
-              <a:rPr lang="en-US" altLang="ko-KR" dirty="0">
-                <a:sym typeface="Wingdings" panose="05000000000000000000" pitchFamily="2" charset="2"/>
-              </a:rPr>
-              <a:t>a</a:t>
-            </a:r>
-            <a:r>
-              <a:rPr lang="en-US" altLang="ko-KR" dirty="0" smtClean="0">
-                <a:sym typeface="Wingdings" panose="05000000000000000000" pitchFamily="2" charset="2"/>
-              </a:rPr>
-              <a:t>0 = 125658 </a:t>
-            </a:r>
-            <a:r>
-              <a:rPr lang="en-US" altLang="ko-KR" dirty="0" err="1" smtClean="0">
-                <a:sym typeface="Wingdings" panose="05000000000000000000" pitchFamily="2" charset="2"/>
-              </a:rPr>
-              <a:t>fm</a:t>
-            </a:r>
-            <a:r>
-              <a:rPr lang="en-US" altLang="ko-KR" dirty="0" smtClean="0">
-                <a:sym typeface="Wingdings" panose="05000000000000000000" pitchFamily="2" charset="2"/>
-              </a:rPr>
-              <a:t>, r0 = 0.110 </a:t>
-            </a:r>
-            <a:r>
-              <a:rPr lang="en-US" altLang="ko-KR" dirty="0" err="1" smtClean="0">
-                <a:sym typeface="Wingdings" panose="05000000000000000000" pitchFamily="2" charset="2"/>
-              </a:rPr>
-              <a:t>fm</a:t>
-            </a:r>
-            <a:r>
-              <a:rPr lang="en-US" altLang="ko-KR" dirty="0" smtClean="0">
-                <a:sym typeface="Wingdings" panose="05000000000000000000" pitchFamily="2" charset="2"/>
-              </a:rPr>
-              <a:t> </a:t>
-            </a:r>
-            <a:endParaRPr lang="en-US" altLang="ko-KR" dirty="0" smtClean="0">
-              <a:sym typeface="Wingdings" panose="05000000000000000000" pitchFamily="2" charset="2"/>
-            </a:endParaRPr>
-          </a:p>
-          <a:p>
-            <a:endParaRPr lang="en-US" altLang="ko-KR" dirty="0">
-              <a:sym typeface="Wingdings" panose="05000000000000000000" pitchFamily="2" charset="2"/>
-            </a:endParaRPr>
-          </a:p>
           <a:p>
             <a:r>
               <a:rPr lang="en-US" altLang="ko-KR" dirty="0" smtClean="0">
                 <a:solidFill>
                   <a:srgbClr val="FF0000"/>
                 </a:solidFill>
-                <a:sym typeface="Wingdings" panose="05000000000000000000" pitchFamily="2" charset="2"/>
               </a:rPr>
-              <a:t>Spherical</a:t>
+              <a:t>Chemical potential</a:t>
+            </a:r>
+            <a:r>
+              <a:rPr lang="en-US" altLang="ko-KR" dirty="0" smtClean="0"/>
+              <a:t>, energy, </a:t>
             </a:r>
             <a:r>
               <a:rPr lang="en-US" altLang="ko-KR" dirty="0" smtClean="0">
                 <a:solidFill>
-                  <a:srgbClr val="FF0000"/>
+                  <a:srgbClr val="00B050"/>
                 </a:solidFill>
-                <a:sym typeface="Wingdings" panose="05000000000000000000" pitchFamily="2" charset="2"/>
               </a:rPr>
-              <a:t> Wall Method</a:t>
-            </a:r>
-            <a:endParaRPr lang="ko-KR" altLang="en-US" dirty="0">
-              <a:solidFill>
-                <a:srgbClr val="FF0000"/>
-              </a:solidFill>
-            </a:endParaRPr>
+              <a:t>free energy </a:t>
+            </a:r>
+            <a:r>
+              <a:rPr lang="en-US" altLang="ko-KR" dirty="0" smtClean="0"/>
+              <a:t>and Entropy per particle</a:t>
+            </a:r>
+            <a:endParaRPr lang="ko-KR" altLang="en-US" dirty="0"/>
+          </a:p>
+        </p:txBody>
+      </p:sp>
+      <p:sp>
+        <p:nvSpPr>
+          <p:cNvPr id="2" name="직사각형 1"/>
+          <p:cNvSpPr/>
+          <p:nvPr/>
+        </p:nvSpPr>
+        <p:spPr>
+          <a:xfrm>
+            <a:off x="6054693" y="4724400"/>
+            <a:ext cx="3089307" cy="369332"/>
+          </a:xfrm>
+          <a:prstGeom prst="rect">
+            <a:avLst/>
+          </a:prstGeom>
+        </p:spPr>
+        <p:txBody>
+          <a:bodyPr wrap="none">
+            <a:spAutoFit/>
+          </a:bodyPr>
+          <a:lstStyle/>
+          <a:p>
+            <a:r>
+              <a:rPr lang="en-US" altLang="ko-KR" dirty="0" err="1"/>
+              <a:t>Bertch</a:t>
+            </a:r>
+            <a:r>
+              <a:rPr lang="en-US" altLang="ko-KR" dirty="0"/>
+              <a:t> parameter ~ 0.376(4)</a:t>
+            </a:r>
+            <a:endParaRPr lang="ko-KR" altLang="en-US" dirty="0"/>
           </a:p>
         </p:txBody>
       </p:sp>
     </p:spTree>
     <p:extLst>
       <p:ext uri="{BB962C8B-B14F-4D97-AF65-F5344CB8AC3E}">
-        <p14:creationId xmlns:p14="http://schemas.microsoft.com/office/powerpoint/2010/main" val="376425969"/>
+        <p14:creationId xmlns:p14="http://schemas.microsoft.com/office/powerpoint/2010/main" val="854636479"/>
       </p:ext>
     </p:extLst>
   </p:cSld>
@@ -7215,208 +6693,188 @@
           <a:chExt cx="0" cy="0"/>
         </a:xfrm>
       </p:grpSpPr>
-      <p:sp>
-        <p:nvSpPr>
-          <p:cNvPr id="2" name="제목 1"/>
-          <p:cNvSpPr>
-            <a:spLocks noGrp="1"/>
-          </p:cNvSpPr>
-          <p:nvPr>
-            <p:ph type="title"/>
-          </p:nvPr>
-        </p:nvSpPr>
-        <p:spPr/>
-        <p:txBody>
-          <a:bodyPr/>
-          <a:lstStyle/>
-          <a:p>
-            <a:r>
-              <a:rPr lang="en-US" altLang="ko-KR" dirty="0" smtClean="0"/>
-              <a:t>Auxiliary Field Monte Carlo </a:t>
-            </a:r>
-            <a:endParaRPr lang="ko-KR" altLang="en-US" dirty="0"/>
-          </a:p>
-        </p:txBody>
-      </p:sp>
       <p:pic>
         <p:nvPicPr>
-          <p:cNvPr id="17410" name="Picture 2"/>
+          <p:cNvPr id="4" name="그림 3"/>
           <p:cNvPicPr>
-            <a:picLocks noChangeAspect="1" noChangeArrowheads="1"/>
+            <a:picLocks noChangeAspect="1"/>
           </p:cNvPicPr>
           <p:nvPr/>
         </p:nvPicPr>
         <p:blipFill>
-          <a:blip r:embed="rId2">
-            <a:extLst>
-              <a:ext uri="{28A0092B-C50C-407E-A947-70E740481C1C}">
-                <a14:useLocalDpi xmlns:a14="http://schemas.microsoft.com/office/drawing/2010/main" val="0"/>
-              </a:ext>
-            </a:extLst>
-          </a:blip>
-          <a:srcRect/>
+          <a:blip r:embed="rId2"/>
           <a:stretch>
             <a:fillRect/>
           </a:stretch>
         </p:blipFill>
-        <p:spPr bwMode="auto">
-          <a:xfrm>
-            <a:off x="2199056" y="1704975"/>
-            <a:ext cx="4114800" cy="1402773"/>
-          </a:xfrm>
-          <a:prstGeom prst="rect">
-            <a:avLst/>
-          </a:prstGeom>
-          <a:noFill/>
-          <a:ln>
-            <a:noFill/>
-          </a:ln>
-          <a:extLst>
-            <a:ext uri="{909E8E84-426E-40DD-AFC4-6F175D3DCCD1}">
-              <a14:hiddenFill xmlns:a14="http://schemas.microsoft.com/office/drawing/2010/main">
-                <a:solidFill>
-                  <a:schemeClr val="accent1"/>
-                </a:solidFill>
-              </a14:hiddenFill>
-            </a:ext>
-            <a:ext uri="{91240B29-F687-4F45-9708-019B960494DF}">
-              <a14:hiddenLine xmlns:a14="http://schemas.microsoft.com/office/drawing/2010/main" w="9525">
-                <a:solidFill>
-                  <a:schemeClr val="tx1"/>
-                </a:solidFill>
-                <a:miter lim="800000"/>
-                <a:headEnd/>
-                <a:tailEnd/>
-              </a14:hiddenLine>
-            </a:ext>
-          </a:extLst>
+        <p:spPr>
+          <a:xfrm>
+            <a:off x="533401" y="533400"/>
+            <a:ext cx="3429000" cy="2015039"/>
+          </a:xfrm>
+          <a:prstGeom prst="rect">
+            <a:avLst/>
+          </a:prstGeom>
         </p:spPr>
       </p:pic>
       <p:pic>
         <p:nvPicPr>
-          <p:cNvPr id="17411" name="Picture 3"/>
+          <p:cNvPr id="5" name="그림 4"/>
           <p:cNvPicPr>
-            <a:picLocks noChangeAspect="1" noChangeArrowheads="1"/>
+            <a:picLocks noChangeAspect="1"/>
           </p:cNvPicPr>
           <p:nvPr/>
         </p:nvPicPr>
         <p:blipFill>
-          <a:blip r:embed="rId3">
-            <a:extLst>
-              <a:ext uri="{28A0092B-C50C-407E-A947-70E740481C1C}">
-                <a14:useLocalDpi xmlns:a14="http://schemas.microsoft.com/office/drawing/2010/main" val="0"/>
-              </a:ext>
-            </a:extLst>
-          </a:blip>
-          <a:srcRect/>
+          <a:blip r:embed="rId3"/>
           <a:stretch>
             <a:fillRect/>
           </a:stretch>
         </p:blipFill>
-        <p:spPr bwMode="auto">
-          <a:xfrm>
-            <a:off x="4747603" y="2945824"/>
-            <a:ext cx="4335094" cy="3533774"/>
-          </a:xfrm>
-          <a:prstGeom prst="rect">
-            <a:avLst/>
-          </a:prstGeom>
-          <a:noFill/>
-          <a:ln>
-            <a:noFill/>
-          </a:ln>
-          <a:extLst>
-            <a:ext uri="{909E8E84-426E-40DD-AFC4-6F175D3DCCD1}">
-              <a14:hiddenFill xmlns:a14="http://schemas.microsoft.com/office/drawing/2010/main">
-                <a:solidFill>
-                  <a:schemeClr val="accent1"/>
-                </a:solidFill>
-              </a14:hiddenFill>
-            </a:ext>
-            <a:ext uri="{91240B29-F687-4F45-9708-019B960494DF}">
-              <a14:hiddenLine xmlns:a14="http://schemas.microsoft.com/office/drawing/2010/main" w="9525">
-                <a:solidFill>
-                  <a:schemeClr val="tx1"/>
-                </a:solidFill>
-                <a:miter lim="800000"/>
-                <a:headEnd/>
-                <a:tailEnd/>
-              </a14:hiddenLine>
-            </a:ext>
-          </a:extLst>
+        <p:spPr>
+          <a:xfrm>
+            <a:off x="5072957" y="1848271"/>
+            <a:ext cx="2362200" cy="1400336"/>
+          </a:xfrm>
+          <a:prstGeom prst="rect">
+            <a:avLst/>
+          </a:prstGeom>
         </p:spPr>
       </p:pic>
       <p:pic>
         <p:nvPicPr>
-          <p:cNvPr id="6" name="Picture 2"/>
+          <p:cNvPr id="6" name="그림 5"/>
           <p:cNvPicPr>
-            <a:picLocks noChangeAspect="1" noChangeArrowheads="1"/>
+            <a:picLocks noChangeAspect="1"/>
           </p:cNvPicPr>
           <p:nvPr/>
         </p:nvPicPr>
         <p:blipFill>
-          <a:blip r:embed="rId4">
-            <a:extLst>
-              <a:ext uri="{28A0092B-C50C-407E-A947-70E740481C1C}">
-                <a14:useLocalDpi xmlns:a14="http://schemas.microsoft.com/office/drawing/2010/main" val="0"/>
-              </a:ext>
-            </a:extLst>
-          </a:blip>
-          <a:srcRect/>
+          <a:blip r:embed="rId4"/>
           <a:stretch>
             <a:fillRect/>
           </a:stretch>
         </p:blipFill>
-        <p:spPr bwMode="auto">
-          <a:xfrm>
-            <a:off x="533400" y="3107748"/>
-            <a:ext cx="4083862" cy="3352800"/>
+        <p:spPr>
+          <a:xfrm>
+            <a:off x="497733" y="3463046"/>
+            <a:ext cx="5756324" cy="2328153"/>
+          </a:xfrm>
+          <a:prstGeom prst="rect">
+            <a:avLst/>
+          </a:prstGeom>
+        </p:spPr>
+      </p:pic>
+      <p:sp>
+        <p:nvSpPr>
+          <p:cNvPr id="7" name="TextBox 6"/>
+          <p:cNvSpPr txBox="1"/>
+          <p:nvPr/>
+        </p:nvSpPr>
+        <p:spPr>
+          <a:xfrm>
+            <a:off x="304800" y="6096000"/>
+            <a:ext cx="8258992" cy="584775"/>
           </a:xfrm>
           <a:prstGeom prst="rect">
             <a:avLst/>
           </a:prstGeom>
           <a:noFill/>
-          <a:ln>
-            <a:noFill/>
-          </a:ln>
-          <a:extLst>
-            <a:ext uri="{909E8E84-426E-40DD-AFC4-6F175D3DCCD1}">
-              <a14:hiddenFill xmlns:a14="http://schemas.microsoft.com/office/drawing/2010/main">
-                <a:solidFill>
-                  <a:schemeClr val="accent1"/>
-                </a:solidFill>
-              </a14:hiddenFill>
-            </a:ext>
-            <a:ext uri="{91240B29-F687-4F45-9708-019B960494DF}">
-              <a14:hiddenLine xmlns:a14="http://schemas.microsoft.com/office/drawing/2010/main" w="9525">
-                <a:solidFill>
-                  <a:schemeClr val="tx1"/>
-                </a:solidFill>
-                <a:miter lim="800000"/>
-                <a:headEnd/>
-                <a:tailEnd/>
-              </a14:hiddenLine>
-            </a:ext>
-          </a:extLst>
+        </p:spPr>
+        <p:txBody>
+          <a:bodyPr wrap="none" rtlCol="0">
+            <a:spAutoFit/>
+          </a:bodyPr>
+          <a:lstStyle/>
+          <a:p>
+            <a:r>
+              <a:rPr lang="en-US" altLang="ko-KR" sz="1600" dirty="0" smtClean="0"/>
+              <a:t>Simple scaling behavior of nuclear reactions </a:t>
+            </a:r>
+          </a:p>
+          <a:p>
+            <a:r>
+              <a:rPr lang="en-US" altLang="ko-KR" sz="1600" dirty="0" smtClean="0"/>
+              <a:t>involving emission of several loosely bound neutrons  (approximate conformal symmetry)</a:t>
+            </a:r>
+            <a:endParaRPr lang="ko-KR" altLang="en-US" sz="1600" dirty="0"/>
+          </a:p>
+        </p:txBody>
+      </p:sp>
+      <p:sp>
+        <p:nvSpPr>
+          <p:cNvPr id="8" name="TextBox 7"/>
+          <p:cNvSpPr txBox="1"/>
+          <p:nvPr/>
+        </p:nvSpPr>
+        <p:spPr>
+          <a:xfrm>
+            <a:off x="6288104" y="5230025"/>
+            <a:ext cx="1428596" cy="461665"/>
+          </a:xfrm>
+          <a:prstGeom prst="rect">
+            <a:avLst/>
+          </a:prstGeom>
+          <a:noFill/>
+        </p:spPr>
+        <p:txBody>
+          <a:bodyPr wrap="none" rtlCol="0">
+            <a:spAutoFit/>
+          </a:bodyPr>
+          <a:lstStyle/>
+          <a:p>
+            <a:r>
+              <a:rPr lang="en-US" altLang="ko-KR" sz="1200" dirty="0" smtClean="0"/>
+              <a:t>Fig. from </a:t>
+            </a:r>
+          </a:p>
+          <a:p>
+            <a:r>
+              <a:rPr lang="en-US" altLang="ko-KR" sz="1200" dirty="0" err="1" smtClean="0"/>
+              <a:t>arXiv</a:t>
+            </a:r>
+            <a:r>
+              <a:rPr lang="en-US" altLang="ko-KR" sz="1200" dirty="0" smtClean="0"/>
+              <a:t>: 2109.06924</a:t>
+            </a:r>
+            <a:endParaRPr lang="ko-KR" altLang="en-US" sz="1200" dirty="0"/>
+          </a:p>
+        </p:txBody>
+      </p:sp>
+      <p:pic>
+        <p:nvPicPr>
+          <p:cNvPr id="9" name="그림 8"/>
+          <p:cNvPicPr>
+            <a:picLocks noChangeAspect="1"/>
+          </p:cNvPicPr>
+          <p:nvPr/>
+        </p:nvPicPr>
+        <p:blipFill>
+          <a:blip r:embed="rId5"/>
+          <a:stretch>
+            <a:fillRect/>
+          </a:stretch>
+        </p:blipFill>
+        <p:spPr>
+          <a:xfrm>
+            <a:off x="685801" y="2667282"/>
+            <a:ext cx="3200400" cy="715474"/>
+          </a:xfrm>
+          <a:prstGeom prst="rect">
+            <a:avLst/>
+          </a:prstGeom>
         </p:spPr>
       </p:pic>
     </p:spTree>
     <p:extLst>
       <p:ext uri="{BB962C8B-B14F-4D97-AF65-F5344CB8AC3E}">
-        <p14:creationId xmlns:p14="http://schemas.microsoft.com/office/powerpoint/2010/main" val="2425565033"/>
+        <p14:creationId xmlns:p14="http://schemas.microsoft.com/office/powerpoint/2010/main" val="3221101421"/>
       </p:ext>
     </p:extLst>
   </p:cSld>
   <p:clrMapOvr>
     <a:masterClrMapping/>
   </p:clrMapOvr>
-  <p:timing>
-    <p:tnLst>
-      <p:par>
-        <p:cTn id="1" dur="indefinite" restart="never" nodeType="tmRoot"/>
-      </p:par>
-    </p:tnLst>
-  </p:timing>
 </p:sld>
 </file>
 
@@ -7452,100 +6910,216 @@
           <a:bodyPr/>
           <a:lstStyle/>
           <a:p>
-            <a:endParaRPr lang="ko-KR" altLang="en-US"/>
-          </a:p>
-        </p:txBody>
-      </p:sp>
-      <p:sp>
-        <p:nvSpPr>
-          <p:cNvPr id="3" name="내용 개체 틀 2"/>
-          <p:cNvSpPr>
-            <a:spLocks noGrp="1"/>
-          </p:cNvSpPr>
-          <p:nvPr>
-            <p:ph idx="1"/>
-          </p:nvPr>
-        </p:nvSpPr>
-        <p:spPr/>
-        <p:txBody>
-          <a:bodyPr/>
-          <a:lstStyle/>
-          <a:p>
-            <a:endParaRPr lang="ko-KR" altLang="en-US"/>
+            <a:r>
+              <a:rPr lang="en-US" altLang="ko-KR" dirty="0" smtClean="0"/>
+              <a:t>Unitary limit Hamiltonian in BCC</a:t>
+            </a:r>
+            <a:endParaRPr lang="ko-KR" altLang="en-US" dirty="0"/>
           </a:p>
         </p:txBody>
       </p:sp>
       <p:pic>
         <p:nvPicPr>
-          <p:cNvPr id="15362" name="Picture 2"/>
+          <p:cNvPr id="14" name="그림 13"/>
           <p:cNvPicPr>
-            <a:picLocks noChangeAspect="1" noChangeArrowheads="1"/>
+            <a:picLocks noChangeAspect="1"/>
           </p:cNvPicPr>
           <p:nvPr/>
         </p:nvPicPr>
         <p:blipFill>
-          <a:blip r:embed="rId2">
-            <a:extLst>
-              <a:ext uri="{28A0092B-C50C-407E-A947-70E740481C1C}">
-                <a14:useLocalDpi xmlns:a14="http://schemas.microsoft.com/office/drawing/2010/main" val="0"/>
-              </a:ext>
-            </a:extLst>
-          </a:blip>
-          <a:srcRect/>
+          <a:blip r:embed="rId2"/>
           <a:stretch>
             <a:fillRect/>
           </a:stretch>
         </p:blipFill>
-        <p:spPr bwMode="auto">
-          <a:xfrm>
-            <a:off x="609600" y="762000"/>
-            <a:ext cx="7984519" cy="5410200"/>
+        <p:spPr>
+          <a:xfrm>
+            <a:off x="914400" y="1540213"/>
+            <a:ext cx="1905000" cy="1801841"/>
+          </a:xfrm>
+          <a:prstGeom prst="rect">
+            <a:avLst/>
+          </a:prstGeom>
+        </p:spPr>
+      </p:pic>
+      <p:sp>
+        <p:nvSpPr>
+          <p:cNvPr id="15" name="TextBox 14"/>
+          <p:cNvSpPr txBox="1"/>
+          <p:nvPr/>
+        </p:nvSpPr>
+        <p:spPr>
+          <a:xfrm>
+            <a:off x="4419600" y="1425470"/>
+            <a:ext cx="4006290" cy="2585323"/>
           </a:xfrm>
           <a:prstGeom prst="rect">
             <a:avLst/>
           </a:prstGeom>
           <a:noFill/>
-          <a:ln>
-            <a:noFill/>
-          </a:ln>
-          <a:extLst>
-            <a:ext uri="{909E8E84-426E-40DD-AFC4-6F175D3DCCD1}">
-              <a14:hiddenFill xmlns:a14="http://schemas.microsoft.com/office/drawing/2010/main">
-                <a:solidFill>
-                  <a:schemeClr val="accent1"/>
-                </a:solidFill>
-              </a14:hiddenFill>
-            </a:ext>
-            <a:ext uri="{91240B29-F687-4F45-9708-019B960494DF}">
-              <a14:hiddenLine xmlns:a14="http://schemas.microsoft.com/office/drawing/2010/main" w="9525">
-                <a:solidFill>
-                  <a:schemeClr val="tx1"/>
-                </a:solidFill>
-                <a:miter lim="800000"/>
-                <a:headEnd/>
-                <a:tailEnd/>
-              </a14:hiddenLine>
-            </a:ext>
-          </a:extLst>
+        </p:spPr>
+        <p:txBody>
+          <a:bodyPr wrap="none" rtlCol="0">
+            <a:spAutoFit/>
+          </a:bodyPr>
+          <a:lstStyle/>
+          <a:p>
+            <a:r>
+              <a:rPr lang="en-US" altLang="ko-KR" dirty="0" smtClean="0"/>
+              <a:t>BCC lattice is constructed as </a:t>
+            </a:r>
+          </a:p>
+          <a:p>
+            <a:r>
+              <a:rPr lang="en-US" altLang="ko-KR" dirty="0" smtClean="0"/>
+              <a:t>Two cubic lattice</a:t>
+            </a:r>
+          </a:p>
+          <a:p>
+            <a:r>
+              <a:rPr lang="en-US" altLang="ko-KR" dirty="0" smtClean="0"/>
+              <a:t>(shifted by (1/2,1/2,1/2) in lattice unit)</a:t>
+            </a:r>
+          </a:p>
+          <a:p>
+            <a:endParaRPr lang="en-US" altLang="ko-KR" dirty="0" smtClean="0"/>
+          </a:p>
+          <a:p>
+            <a:r>
+              <a:rPr lang="en-US" altLang="ko-KR" dirty="0" smtClean="0"/>
+              <a:t>2 L^3 lattice points </a:t>
+            </a:r>
+          </a:p>
+          <a:p>
+            <a:endParaRPr lang="en-US" altLang="ko-KR" dirty="0"/>
+          </a:p>
+          <a:p>
+            <a:r>
+              <a:rPr lang="en-US" altLang="ko-KR" dirty="0" smtClean="0"/>
+              <a:t>Lattice spacing a=1/100 MeV^-1</a:t>
+            </a:r>
+          </a:p>
+          <a:p>
+            <a:r>
+              <a:rPr lang="en-US" altLang="ko-KR" dirty="0" smtClean="0"/>
+              <a:t>Lattice Time step at = 1/1000 MeV^-1</a:t>
+            </a:r>
+          </a:p>
+          <a:p>
+            <a:r>
+              <a:rPr lang="en-US" altLang="ko-KR" dirty="0" smtClean="0"/>
+              <a:t>(For outer region at’=1/200 MeV^-1)</a:t>
+            </a:r>
+            <a:endParaRPr lang="ko-KR" altLang="en-US" dirty="0"/>
+          </a:p>
+        </p:txBody>
+      </p:sp>
+      <p:pic>
+        <p:nvPicPr>
+          <p:cNvPr id="16" name="그림 15"/>
+          <p:cNvPicPr>
+            <a:picLocks noChangeAspect="1"/>
+          </p:cNvPicPr>
+          <p:nvPr/>
+        </p:nvPicPr>
+        <p:blipFill>
+          <a:blip r:embed="rId3"/>
+          <a:stretch>
+            <a:fillRect/>
+          </a:stretch>
+        </p:blipFill>
+        <p:spPr>
+          <a:xfrm>
+            <a:off x="914400" y="3456795"/>
+            <a:ext cx="2257740" cy="876422"/>
+          </a:xfrm>
+          <a:prstGeom prst="rect">
+            <a:avLst/>
+          </a:prstGeom>
+        </p:spPr>
+      </p:pic>
+      <p:pic>
+        <p:nvPicPr>
+          <p:cNvPr id="17" name="그림 16"/>
+          <p:cNvPicPr>
+            <a:picLocks noChangeAspect="1"/>
+          </p:cNvPicPr>
+          <p:nvPr/>
+        </p:nvPicPr>
+        <p:blipFill>
+          <a:blip r:embed="rId4"/>
+          <a:stretch>
+            <a:fillRect/>
+          </a:stretch>
+        </p:blipFill>
+        <p:spPr>
+          <a:xfrm>
+            <a:off x="990600" y="4267201"/>
+            <a:ext cx="4419600" cy="1157416"/>
+          </a:xfrm>
+          <a:prstGeom prst="rect">
+            <a:avLst/>
+          </a:prstGeom>
+        </p:spPr>
+      </p:pic>
+      <p:pic>
+        <p:nvPicPr>
+          <p:cNvPr id="18" name="그림 17"/>
+          <p:cNvPicPr>
+            <a:picLocks noChangeAspect="1"/>
+          </p:cNvPicPr>
+          <p:nvPr/>
+        </p:nvPicPr>
+        <p:blipFill>
+          <a:blip r:embed="rId5"/>
+          <a:stretch>
+            <a:fillRect/>
+          </a:stretch>
+        </p:blipFill>
+        <p:spPr>
+          <a:xfrm>
+            <a:off x="877111" y="5779035"/>
+            <a:ext cx="1848255" cy="612440"/>
+          </a:xfrm>
+          <a:prstGeom prst="rect">
+            <a:avLst/>
+          </a:prstGeom>
+        </p:spPr>
+      </p:pic>
+      <p:pic>
+        <p:nvPicPr>
+          <p:cNvPr id="20" name="그림 19"/>
+          <p:cNvPicPr>
+            <a:picLocks noChangeAspect="1"/>
+          </p:cNvPicPr>
+          <p:nvPr/>
+        </p:nvPicPr>
+        <p:blipFill>
+          <a:blip r:embed="rId6"/>
+          <a:stretch>
+            <a:fillRect/>
+          </a:stretch>
+        </p:blipFill>
+        <p:spPr>
+          <a:xfrm>
+            <a:off x="4648200" y="5825877"/>
+            <a:ext cx="3229821" cy="518756"/>
+          </a:xfrm>
+          <a:prstGeom prst="rect">
+            <a:avLst/>
+          </a:prstGeom>
         </p:spPr>
       </p:pic>
     </p:spTree>
     <p:extLst>
       <p:ext uri="{BB962C8B-B14F-4D97-AF65-F5344CB8AC3E}">
-        <p14:creationId xmlns:p14="http://schemas.microsoft.com/office/powerpoint/2010/main" val="1289664695"/>
+        <p14:creationId xmlns:p14="http://schemas.microsoft.com/office/powerpoint/2010/main" val="3071628708"/>
       </p:ext>
     </p:extLst>
   </p:cSld>
   <p:clrMapOvr>
     <a:masterClrMapping/>
   </p:clrMapOvr>
-  <p:timing>
-    <p:tnLst>
-      <p:par>
-        <p:cTn id="1" dur="indefinite" restart="never" nodeType="tmRoot"/>
-      </p:par>
-    </p:tnLst>
-  </p:timing>
 </p:sld>
 </file>
 
@@ -7566,9 +7140,32 @@
           <a:chExt cx="0" cy="0"/>
         </a:xfrm>
       </p:grpSpPr>
+      <p:sp>
+        <p:nvSpPr>
+          <p:cNvPr id="2" name="제목 1"/>
+          <p:cNvSpPr>
+            <a:spLocks noGrp="1"/>
+          </p:cNvSpPr>
+          <p:nvPr>
+            <p:ph type="title"/>
+          </p:nvPr>
+        </p:nvSpPr>
+        <p:spPr/>
+        <p:txBody>
+          <a:bodyPr/>
+          <a:lstStyle/>
+          <a:p>
+            <a:r>
+              <a:rPr lang="en-US" altLang="ko-KR" dirty="0" smtClean="0"/>
+              <a:t>Unitary limit Hamiltonian in BCC</a:t>
+            </a:r>
+            <a:endParaRPr lang="ko-KR" altLang="en-US" dirty="0"/>
+          </a:p>
+        </p:txBody>
+      </p:sp>
       <p:pic>
         <p:nvPicPr>
-          <p:cNvPr id="4" name="그림 3"/>
+          <p:cNvPr id="17" name="그림 16"/>
           <p:cNvPicPr>
             <a:picLocks noChangeAspect="1"/>
           </p:cNvPicPr>
@@ -7582,47 +7179,17 @@
         </p:blipFill>
         <p:spPr>
           <a:xfrm>
-            <a:off x="381000" y="609600"/>
-            <a:ext cx="4563112" cy="743054"/>
+            <a:off x="685800" y="1519136"/>
+            <a:ext cx="4419600" cy="1157416"/>
           </a:xfrm>
           <a:prstGeom prst="rect">
             <a:avLst/>
           </a:prstGeom>
         </p:spPr>
       </p:pic>
-      <p:sp>
-        <p:nvSpPr>
-          <p:cNvPr id="5" name="TextBox 4"/>
-          <p:cNvSpPr txBox="1"/>
-          <p:nvPr/>
-        </p:nvSpPr>
-        <p:spPr>
-          <a:xfrm>
-            <a:off x="418289" y="1447800"/>
-            <a:ext cx="6801862" cy="369332"/>
-          </a:xfrm>
-          <a:prstGeom prst="rect">
-            <a:avLst/>
-          </a:prstGeom>
-          <a:noFill/>
-        </p:spPr>
-        <p:txBody>
-          <a:bodyPr wrap="none" rtlCol="0">
-            <a:spAutoFit/>
-          </a:bodyPr>
-          <a:lstStyle/>
-          <a:p>
-            <a:r>
-              <a:rPr lang="en-US" altLang="ko-KR" dirty="0" smtClean="0"/>
-              <a:t>Outer region uses 1.6 stronger interaction for faster convergence</a:t>
-            </a:r>
-            <a:endParaRPr lang="ko-KR" altLang="en-US" dirty="0"/>
-          </a:p>
-        </p:txBody>
-      </p:sp>
       <p:pic>
         <p:nvPicPr>
-          <p:cNvPr id="6" name="그림 5"/>
+          <p:cNvPr id="3" name="그림 2"/>
           <p:cNvPicPr>
             <a:picLocks noChangeAspect="1"/>
           </p:cNvPicPr>
@@ -7636,8 +7203,8 @@
         </p:blipFill>
         <p:spPr>
           <a:xfrm>
-            <a:off x="502596" y="3342706"/>
-            <a:ext cx="4038600" cy="864350"/>
+            <a:off x="677694" y="2819400"/>
+            <a:ext cx="2514600" cy="726934"/>
           </a:xfrm>
           <a:prstGeom prst="rect">
             <a:avLst/>
@@ -7646,7 +7213,7 @@
       </p:pic>
       <p:pic>
         <p:nvPicPr>
-          <p:cNvPr id="7" name="그림 6"/>
+          <p:cNvPr id="4" name="그림 3"/>
           <p:cNvPicPr>
             <a:picLocks noChangeAspect="1"/>
           </p:cNvPicPr>
@@ -7660,96 +7227,48 @@
         </p:blipFill>
         <p:spPr>
           <a:xfrm>
-            <a:off x="609600" y="4224890"/>
-            <a:ext cx="2590800" cy="791633"/>
+            <a:off x="658239" y="3689182"/>
+            <a:ext cx="4980561" cy="1437687"/>
           </a:xfrm>
           <a:prstGeom prst="rect">
             <a:avLst/>
           </a:prstGeom>
         </p:spPr>
       </p:pic>
-      <p:pic>
-        <p:nvPicPr>
-          <p:cNvPr id="8" name="그림 7"/>
-          <p:cNvPicPr>
-            <a:picLocks noChangeAspect="1"/>
-          </p:cNvPicPr>
-          <p:nvPr/>
-        </p:nvPicPr>
-        <p:blipFill>
-          <a:blip r:embed="rId5"/>
-          <a:stretch>
-            <a:fillRect/>
-          </a:stretch>
-        </p:blipFill>
-        <p:spPr>
-          <a:xfrm>
-            <a:off x="507460" y="1981792"/>
-            <a:ext cx="7162800" cy="995970"/>
-          </a:xfrm>
-          <a:prstGeom prst="rect">
-            <a:avLst/>
-          </a:prstGeom>
-        </p:spPr>
-      </p:pic>
-      <p:pic>
-        <p:nvPicPr>
-          <p:cNvPr id="9" name="Picture 3"/>
-          <p:cNvPicPr>
-            <a:picLocks noChangeAspect="1" noChangeArrowheads="1"/>
-          </p:cNvPicPr>
-          <p:nvPr/>
-        </p:nvPicPr>
-        <p:blipFill>
-          <a:blip r:embed="rId6" cstate="print">
-            <a:extLst>
-              <a:ext uri="{28A0092B-C50C-407E-A947-70E740481C1C}">
-                <a14:useLocalDpi xmlns:a14="http://schemas.microsoft.com/office/drawing/2010/main" val="0"/>
-              </a:ext>
-            </a:extLst>
-          </a:blip>
-          <a:srcRect/>
-          <a:stretch>
-            <a:fillRect/>
-          </a:stretch>
-        </p:blipFill>
-        <p:spPr bwMode="auto">
-          <a:xfrm>
-            <a:off x="5489194" y="3810000"/>
-            <a:ext cx="3211072" cy="2617522"/>
+      <p:sp>
+        <p:nvSpPr>
+          <p:cNvPr id="5" name="TextBox 4"/>
+          <p:cNvSpPr txBox="1"/>
+          <p:nvPr/>
+        </p:nvSpPr>
+        <p:spPr>
+          <a:xfrm>
+            <a:off x="685800" y="5562600"/>
+            <a:ext cx="5474576" cy="369332"/>
           </a:xfrm>
           <a:prstGeom prst="rect">
             <a:avLst/>
           </a:prstGeom>
           <a:noFill/>
-          <a:ln>
-            <a:noFill/>
-          </a:ln>
-          <a:extLst>
-            <a:ext uri="{909E8E84-426E-40DD-AFC4-6F175D3DCCD1}">
-              <a14:hiddenFill xmlns:a14="http://schemas.microsoft.com/office/drawing/2010/main">
-                <a:solidFill>
-                  <a:schemeClr val="accent1"/>
-                </a:solidFill>
-              </a14:hiddenFill>
-            </a:ext>
-            <a:ext uri="{91240B29-F687-4F45-9708-019B960494DF}">
-              <a14:hiddenLine xmlns:a14="http://schemas.microsoft.com/office/drawing/2010/main" w="9525">
-                <a:solidFill>
-                  <a:schemeClr val="tx1"/>
-                </a:solidFill>
-                <a:miter lim="800000"/>
-                <a:headEnd/>
-                <a:tailEnd/>
-              </a14:hiddenLine>
-            </a:ext>
-          </a:extLst>
-        </p:spPr>
-      </p:pic>
+        </p:spPr>
+        <p:txBody>
+          <a:bodyPr wrap="none" rtlCol="0">
+            <a:spAutoFit/>
+          </a:bodyPr>
+          <a:lstStyle/>
+          <a:p>
+            <a:r>
+              <a:rPr lang="en-US" altLang="ko-KR" dirty="0" smtClean="0"/>
+              <a:t>Our choice is valid up to O(p^6) : f(p) = p^2 +O(p^6)</a:t>
+            </a:r>
+            <a:endParaRPr lang="ko-KR" altLang="en-US" dirty="0"/>
+          </a:p>
+        </p:txBody>
+      </p:sp>
     </p:spTree>
     <p:extLst>
       <p:ext uri="{BB962C8B-B14F-4D97-AF65-F5344CB8AC3E}">
-        <p14:creationId xmlns:p14="http://schemas.microsoft.com/office/powerpoint/2010/main" val="2285968701"/>
+        <p14:creationId xmlns:p14="http://schemas.microsoft.com/office/powerpoint/2010/main" val="1112720487"/>
       </p:ext>
     </p:extLst>
   </p:cSld>
@@ -7915,50 +7434,15 @@
           <a:p>
             <a:r>
               <a:rPr lang="en-US" altLang="ko-KR" dirty="0" smtClean="0"/>
-              <a:t>Results</a:t>
+              <a:t>Unitary limit Hamiltonian in BCC</a:t>
             </a:r>
             <a:endParaRPr lang="ko-KR" altLang="en-US" dirty="0"/>
-          </a:p>
-        </p:txBody>
-      </p:sp>
-      <p:sp>
-        <p:nvSpPr>
-          <p:cNvPr id="3" name="내용 개체 틀 2"/>
-          <p:cNvSpPr>
-            <a:spLocks noGrp="1"/>
-          </p:cNvSpPr>
-          <p:nvPr>
-            <p:ph idx="1"/>
-          </p:nvPr>
-        </p:nvSpPr>
-        <p:spPr/>
-        <p:txBody>
-          <a:bodyPr>
-            <a:normAutofit/>
-          </a:bodyPr>
-          <a:lstStyle/>
-          <a:p>
-            <a:r>
-              <a:rPr lang="en-US" altLang="ko-KR" dirty="0" smtClean="0"/>
-              <a:t>N=66 neutrons (33 spin up, 33 spin down</a:t>
-            </a:r>
-            <a:r>
-              <a:rPr lang="en-US" altLang="ko-KR" dirty="0" smtClean="0"/>
-              <a:t>)</a:t>
-            </a:r>
-          </a:p>
-          <a:p>
-            <a:r>
-              <a:rPr lang="en-US" altLang="ko-KR" dirty="0" smtClean="0"/>
-              <a:t>L = 4,…, 10 </a:t>
-            </a:r>
-            <a:endParaRPr lang="en-US" altLang="ko-KR" dirty="0" smtClean="0"/>
           </a:p>
         </p:txBody>
       </p:sp>
       <p:pic>
         <p:nvPicPr>
-          <p:cNvPr id="7" name="그림 6"/>
+          <p:cNvPr id="10" name="그림 9"/>
           <p:cNvPicPr>
             <a:picLocks noChangeAspect="1"/>
           </p:cNvPicPr>
@@ -7972,8 +7456,8 @@
         </p:blipFill>
         <p:spPr>
           <a:xfrm>
-            <a:off x="762000" y="2590800"/>
-            <a:ext cx="1952898" cy="638264"/>
+            <a:off x="533400" y="1524000"/>
+            <a:ext cx="2524477" cy="685896"/>
           </a:xfrm>
           <a:prstGeom prst="rect">
             <a:avLst/>
@@ -7982,7 +7466,7 @@
       </p:pic>
       <p:pic>
         <p:nvPicPr>
-          <p:cNvPr id="9" name="그림 8"/>
+          <p:cNvPr id="11" name="그림 10"/>
           <p:cNvPicPr>
             <a:picLocks noChangeAspect="1"/>
           </p:cNvPicPr>
@@ -7996,8 +7480,8 @@
         </p:blipFill>
         <p:spPr>
           <a:xfrm>
-            <a:off x="685800" y="3710005"/>
-            <a:ext cx="3801005" cy="1019317"/>
+            <a:off x="3429000" y="1600200"/>
+            <a:ext cx="2924583" cy="1505160"/>
           </a:xfrm>
           <a:prstGeom prst="rect">
             <a:avLst/>
@@ -8006,7 +7490,7 @@
       </p:pic>
       <p:pic>
         <p:nvPicPr>
-          <p:cNvPr id="10" name="그림 9"/>
+          <p:cNvPr id="13" name="그림 12"/>
           <p:cNvPicPr>
             <a:picLocks noChangeAspect="1"/>
           </p:cNvPicPr>
@@ -8020,90 +7504,147 @@
         </p:blipFill>
         <p:spPr>
           <a:xfrm>
-            <a:off x="4961655" y="3790392"/>
-            <a:ext cx="3715417" cy="858542"/>
+            <a:off x="304800" y="3420208"/>
+            <a:ext cx="3439090" cy="2516605"/>
           </a:xfrm>
           <a:prstGeom prst="rect">
             <a:avLst/>
           </a:prstGeom>
         </p:spPr>
       </p:pic>
-      <p:pic>
-        <p:nvPicPr>
-          <p:cNvPr id="11" name="그림 10"/>
-          <p:cNvPicPr>
-            <a:picLocks noChangeAspect="1"/>
-          </p:cNvPicPr>
-          <p:nvPr/>
-        </p:nvPicPr>
-        <p:blipFill>
-          <a:blip r:embed="rId5"/>
-          <a:stretch>
-            <a:fillRect/>
-          </a:stretch>
-        </p:blipFill>
-        <p:spPr>
-          <a:xfrm>
-            <a:off x="762000" y="3409777"/>
-            <a:ext cx="685896" cy="552527"/>
-          </a:xfrm>
-          <a:prstGeom prst="rect">
-            <a:avLst/>
-          </a:prstGeom>
-        </p:spPr>
-      </p:pic>
-      <p:pic>
-        <p:nvPicPr>
-          <p:cNvPr id="12" name="그림 11"/>
-          <p:cNvPicPr>
-            <a:picLocks noChangeAspect="1"/>
-          </p:cNvPicPr>
-          <p:nvPr/>
-        </p:nvPicPr>
-        <p:blipFill>
-          <a:blip r:embed="rId6"/>
-          <a:stretch>
-            <a:fillRect/>
-          </a:stretch>
-        </p:blipFill>
-        <p:spPr>
-          <a:xfrm>
-            <a:off x="685800" y="4876255"/>
-            <a:ext cx="5115639" cy="1086002"/>
-          </a:xfrm>
-          <a:prstGeom prst="rect">
-            <a:avLst/>
-          </a:prstGeom>
-        </p:spPr>
-      </p:pic>
-      <p:pic>
-        <p:nvPicPr>
-          <p:cNvPr id="13" name="그림 12"/>
-          <p:cNvPicPr>
-            <a:picLocks noChangeAspect="1"/>
-          </p:cNvPicPr>
-          <p:nvPr/>
-        </p:nvPicPr>
-        <p:blipFill>
-          <a:blip r:embed="rId7"/>
-          <a:stretch>
-            <a:fillRect/>
-          </a:stretch>
-        </p:blipFill>
-        <p:spPr>
-          <a:xfrm>
-            <a:off x="6477000" y="5562600"/>
-            <a:ext cx="1857634" cy="295316"/>
-          </a:xfrm>
-          <a:prstGeom prst="rect">
-            <a:avLst/>
-          </a:prstGeom>
-        </p:spPr>
-      </p:pic>
+      <p:sp>
+        <p:nvSpPr>
+          <p:cNvPr id="14" name="TextBox 13"/>
+          <p:cNvSpPr txBox="1"/>
+          <p:nvPr/>
+        </p:nvSpPr>
+        <p:spPr>
+          <a:xfrm>
+            <a:off x="3886200" y="3623359"/>
+            <a:ext cx="4031873" cy="2585323"/>
+          </a:xfrm>
+          <a:prstGeom prst="rect">
+            <a:avLst/>
+          </a:prstGeom>
+          <a:noFill/>
+        </p:spPr>
+        <p:txBody>
+          <a:bodyPr wrap="none" rtlCol="0">
+            <a:spAutoFit/>
+          </a:bodyPr>
+          <a:lstStyle/>
+          <a:p>
+            <a:r>
+              <a:rPr lang="en-US" altLang="ko-KR" dirty="0" smtClean="0"/>
+              <a:t>1S0 NN scattering phase shift is fitted</a:t>
+            </a:r>
+          </a:p>
+          <a:p>
+            <a:r>
+              <a:rPr lang="en-US" altLang="ko-KR" dirty="0" smtClean="0"/>
+              <a:t>For unitary limit .</a:t>
+            </a:r>
+          </a:p>
+          <a:p>
+            <a:endParaRPr lang="en-US" altLang="ko-KR" dirty="0"/>
+          </a:p>
+          <a:p>
+            <a:r>
+              <a:rPr lang="en-US" altLang="ko-KR" dirty="0" smtClean="0"/>
+              <a:t>C0= -0.7449172 [</a:t>
+            </a:r>
+            <a:r>
+              <a:rPr lang="en-US" altLang="ko-KR" dirty="0" err="1" smtClean="0"/>
+              <a:t>l.u</a:t>
+            </a:r>
+            <a:r>
+              <a:rPr lang="en-US" altLang="ko-KR" dirty="0" smtClean="0"/>
+              <a:t>.]</a:t>
+            </a:r>
+          </a:p>
+          <a:p>
+            <a:r>
+              <a:rPr lang="en-US" altLang="ko-KR" dirty="0" err="1" smtClean="0"/>
+              <a:t>sNL</a:t>
+            </a:r>
+            <a:r>
+              <a:rPr lang="en-US" altLang="ko-KR" dirty="0" smtClean="0"/>
+              <a:t> = - 0.0009533729</a:t>
+            </a:r>
+          </a:p>
+          <a:p>
+            <a:r>
+              <a:rPr lang="en-US" altLang="ko-KR" dirty="0" smtClean="0">
+                <a:sym typeface="Wingdings" panose="05000000000000000000" pitchFamily="2" charset="2"/>
+              </a:rPr>
+              <a:t></a:t>
+            </a:r>
+          </a:p>
+          <a:p>
+            <a:r>
+              <a:rPr lang="en-US" altLang="ko-KR" dirty="0">
+                <a:sym typeface="Wingdings" panose="05000000000000000000" pitchFamily="2" charset="2"/>
+              </a:rPr>
+              <a:t>a</a:t>
+            </a:r>
+            <a:r>
+              <a:rPr lang="en-US" altLang="ko-KR" dirty="0" smtClean="0">
+                <a:sym typeface="Wingdings" panose="05000000000000000000" pitchFamily="2" charset="2"/>
+              </a:rPr>
+              <a:t>0 = 125658 </a:t>
+            </a:r>
+            <a:r>
+              <a:rPr lang="en-US" altLang="ko-KR" dirty="0" err="1" smtClean="0">
+                <a:sym typeface="Wingdings" panose="05000000000000000000" pitchFamily="2" charset="2"/>
+              </a:rPr>
+              <a:t>fm</a:t>
+            </a:r>
+            <a:r>
+              <a:rPr lang="en-US" altLang="ko-KR" dirty="0" smtClean="0">
+                <a:sym typeface="Wingdings" panose="05000000000000000000" pitchFamily="2" charset="2"/>
+              </a:rPr>
+              <a:t>, r0 = 0.110 </a:t>
+            </a:r>
+            <a:r>
+              <a:rPr lang="en-US" altLang="ko-KR" dirty="0" err="1" smtClean="0">
+                <a:sym typeface="Wingdings" panose="05000000000000000000" pitchFamily="2" charset="2"/>
+              </a:rPr>
+              <a:t>fm</a:t>
+            </a:r>
+            <a:r>
+              <a:rPr lang="en-US" altLang="ko-KR" dirty="0" smtClean="0">
+                <a:sym typeface="Wingdings" panose="05000000000000000000" pitchFamily="2" charset="2"/>
+              </a:rPr>
+              <a:t> </a:t>
+            </a:r>
+          </a:p>
+          <a:p>
+            <a:endParaRPr lang="en-US" altLang="ko-KR" dirty="0">
+              <a:sym typeface="Wingdings" panose="05000000000000000000" pitchFamily="2" charset="2"/>
+            </a:endParaRPr>
+          </a:p>
+          <a:p>
+            <a:r>
+              <a:rPr lang="en-US" altLang="ko-KR" dirty="0" smtClean="0">
+                <a:solidFill>
+                  <a:srgbClr val="FF0000"/>
+                </a:solidFill>
+                <a:sym typeface="Wingdings" panose="05000000000000000000" pitchFamily="2" charset="2"/>
+              </a:rPr>
+              <a:t>Spherical Wall Method</a:t>
+            </a:r>
+            <a:endParaRPr lang="ko-KR" altLang="en-US" dirty="0">
+              <a:solidFill>
+                <a:srgbClr val="FF0000"/>
+              </a:solidFill>
+            </a:endParaRPr>
+          </a:p>
+        </p:txBody>
+      </p:sp>
     </p:spTree>
     <p:extLst>
       <p:ext uri="{BB962C8B-B14F-4D97-AF65-F5344CB8AC3E}">
-        <p14:creationId xmlns:p14="http://schemas.microsoft.com/office/powerpoint/2010/main" val="969077185"/>
+        <p14:creationId xmlns:p14="http://schemas.microsoft.com/office/powerpoint/2010/main" val="376425969"/>
       </p:ext>
     </p:extLst>
   </p:cSld>
@@ -8130,178 +7671,208 @@
           <a:chExt cx="0" cy="0"/>
         </a:xfrm>
       </p:grpSpPr>
+      <p:sp>
+        <p:nvSpPr>
+          <p:cNvPr id="2" name="제목 1"/>
+          <p:cNvSpPr>
+            <a:spLocks noGrp="1"/>
+          </p:cNvSpPr>
+          <p:nvPr>
+            <p:ph type="title"/>
+          </p:nvPr>
+        </p:nvSpPr>
+        <p:spPr/>
+        <p:txBody>
+          <a:bodyPr/>
+          <a:lstStyle/>
+          <a:p>
+            <a:r>
+              <a:rPr lang="en-US" altLang="ko-KR" dirty="0" smtClean="0"/>
+              <a:t>Auxiliary Field Monte Carlo </a:t>
+            </a:r>
+            <a:endParaRPr lang="ko-KR" altLang="en-US" dirty="0"/>
+          </a:p>
+        </p:txBody>
+      </p:sp>
       <p:pic>
         <p:nvPicPr>
-          <p:cNvPr id="4" name="그림 3"/>
+          <p:cNvPr id="17410" name="Picture 2"/>
           <p:cNvPicPr>
-            <a:picLocks noChangeAspect="1"/>
+            <a:picLocks noChangeAspect="1" noChangeArrowheads="1"/>
           </p:cNvPicPr>
           <p:nvPr/>
         </p:nvPicPr>
         <p:blipFill>
-          <a:blip r:embed="rId2"/>
+          <a:blip r:embed="rId2">
+            <a:extLst>
+              <a:ext uri="{28A0092B-C50C-407E-A947-70E740481C1C}">
+                <a14:useLocalDpi xmlns:a14="http://schemas.microsoft.com/office/drawing/2010/main" val="0"/>
+              </a:ext>
+            </a:extLst>
+          </a:blip>
+          <a:srcRect/>
           <a:stretch>
             <a:fillRect/>
           </a:stretch>
         </p:blipFill>
-        <p:spPr>
-          <a:xfrm>
-            <a:off x="609600" y="609600"/>
-            <a:ext cx="2638793" cy="819264"/>
-          </a:xfrm>
-          <a:prstGeom prst="rect">
-            <a:avLst/>
-          </a:prstGeom>
+        <p:spPr bwMode="auto">
+          <a:xfrm>
+            <a:off x="2199056" y="1704975"/>
+            <a:ext cx="4114800" cy="1402773"/>
+          </a:xfrm>
+          <a:prstGeom prst="rect">
+            <a:avLst/>
+          </a:prstGeom>
+          <a:noFill/>
+          <a:ln>
+            <a:noFill/>
+          </a:ln>
+          <a:extLst>
+            <a:ext uri="{909E8E84-426E-40DD-AFC4-6F175D3DCCD1}">
+              <a14:hiddenFill xmlns:a14="http://schemas.microsoft.com/office/drawing/2010/main">
+                <a:solidFill>
+                  <a:schemeClr val="accent1"/>
+                </a:solidFill>
+              </a14:hiddenFill>
+            </a:ext>
+            <a:ext uri="{91240B29-F687-4F45-9708-019B960494DF}">
+              <a14:hiddenLine xmlns:a14="http://schemas.microsoft.com/office/drawing/2010/main" w="9525">
+                <a:solidFill>
+                  <a:schemeClr val="tx1"/>
+                </a:solidFill>
+                <a:miter lim="800000"/>
+                <a:headEnd/>
+                <a:tailEnd/>
+              </a14:hiddenLine>
+            </a:ext>
+          </a:extLst>
         </p:spPr>
       </p:pic>
       <p:pic>
         <p:nvPicPr>
-          <p:cNvPr id="5" name="그림 4"/>
+          <p:cNvPr id="17411" name="Picture 3"/>
           <p:cNvPicPr>
-            <a:picLocks noChangeAspect="1"/>
+            <a:picLocks noChangeAspect="1" noChangeArrowheads="1"/>
           </p:cNvPicPr>
           <p:nvPr/>
         </p:nvPicPr>
         <p:blipFill>
-          <a:blip r:embed="rId3"/>
+          <a:blip r:embed="rId3">
+            <a:extLst>
+              <a:ext uri="{28A0092B-C50C-407E-A947-70E740481C1C}">
+                <a14:useLocalDpi xmlns:a14="http://schemas.microsoft.com/office/drawing/2010/main" val="0"/>
+              </a:ext>
+            </a:extLst>
+          </a:blip>
+          <a:srcRect/>
           <a:stretch>
             <a:fillRect/>
           </a:stretch>
         </p:blipFill>
-        <p:spPr>
-          <a:xfrm>
-            <a:off x="4572000" y="414310"/>
-            <a:ext cx="3915321" cy="1209844"/>
-          </a:xfrm>
-          <a:prstGeom prst="rect">
-            <a:avLst/>
-          </a:prstGeom>
+        <p:spPr bwMode="auto">
+          <a:xfrm>
+            <a:off x="4747603" y="2945824"/>
+            <a:ext cx="4335094" cy="3533774"/>
+          </a:xfrm>
+          <a:prstGeom prst="rect">
+            <a:avLst/>
+          </a:prstGeom>
+          <a:noFill/>
+          <a:ln>
+            <a:noFill/>
+          </a:ln>
+          <a:extLst>
+            <a:ext uri="{909E8E84-426E-40DD-AFC4-6F175D3DCCD1}">
+              <a14:hiddenFill xmlns:a14="http://schemas.microsoft.com/office/drawing/2010/main">
+                <a:solidFill>
+                  <a:schemeClr val="accent1"/>
+                </a:solidFill>
+              </a14:hiddenFill>
+            </a:ext>
+            <a:ext uri="{91240B29-F687-4F45-9708-019B960494DF}">
+              <a14:hiddenLine xmlns:a14="http://schemas.microsoft.com/office/drawing/2010/main" w="9525">
+                <a:solidFill>
+                  <a:schemeClr val="tx1"/>
+                </a:solidFill>
+                <a:miter lim="800000"/>
+                <a:headEnd/>
+                <a:tailEnd/>
+              </a14:hiddenLine>
+            </a:ext>
+          </a:extLst>
         </p:spPr>
       </p:pic>
       <p:pic>
         <p:nvPicPr>
-          <p:cNvPr id="6" name="그림 5"/>
+          <p:cNvPr id="6" name="Picture 2"/>
           <p:cNvPicPr>
-            <a:picLocks noChangeAspect="1"/>
+            <a:picLocks noChangeAspect="1" noChangeArrowheads="1"/>
           </p:cNvPicPr>
           <p:nvPr/>
         </p:nvPicPr>
         <p:blipFill>
-          <a:blip r:embed="rId4"/>
+          <a:blip r:embed="rId4">
+            <a:extLst>
+              <a:ext uri="{28A0092B-C50C-407E-A947-70E740481C1C}">
+                <a14:useLocalDpi xmlns:a14="http://schemas.microsoft.com/office/drawing/2010/main" val="0"/>
+              </a:ext>
+            </a:extLst>
+          </a:blip>
+          <a:srcRect/>
           <a:stretch>
             <a:fillRect/>
           </a:stretch>
         </p:blipFill>
-        <p:spPr>
-          <a:xfrm>
-            <a:off x="762021" y="1752600"/>
-            <a:ext cx="2486372" cy="952633"/>
-          </a:xfrm>
-          <a:prstGeom prst="rect">
-            <a:avLst/>
-          </a:prstGeom>
+        <p:spPr bwMode="auto">
+          <a:xfrm>
+            <a:off x="533400" y="3107748"/>
+            <a:ext cx="4083862" cy="3352800"/>
+          </a:xfrm>
+          <a:prstGeom prst="rect">
+            <a:avLst/>
+          </a:prstGeom>
+          <a:noFill/>
+          <a:ln>
+            <a:noFill/>
+          </a:ln>
+          <a:extLst>
+            <a:ext uri="{909E8E84-426E-40DD-AFC4-6F175D3DCCD1}">
+              <a14:hiddenFill xmlns:a14="http://schemas.microsoft.com/office/drawing/2010/main">
+                <a:solidFill>
+                  <a:schemeClr val="accent1"/>
+                </a:solidFill>
+              </a14:hiddenFill>
+            </a:ext>
+            <a:ext uri="{91240B29-F687-4F45-9708-019B960494DF}">
+              <a14:hiddenLine xmlns:a14="http://schemas.microsoft.com/office/drawing/2010/main" w="9525">
+                <a:solidFill>
+                  <a:schemeClr val="tx1"/>
+                </a:solidFill>
+                <a:miter lim="800000"/>
+                <a:headEnd/>
+                <a:tailEnd/>
+              </a14:hiddenLine>
+            </a:ext>
+          </a:extLst>
         </p:spPr>
       </p:pic>
-      <p:pic>
-        <p:nvPicPr>
-          <p:cNvPr id="7" name="그림 6"/>
-          <p:cNvPicPr>
-            <a:picLocks noChangeAspect="1"/>
-          </p:cNvPicPr>
-          <p:nvPr/>
-        </p:nvPicPr>
-        <p:blipFill>
-          <a:blip r:embed="rId5"/>
-          <a:stretch>
-            <a:fillRect/>
-          </a:stretch>
-        </p:blipFill>
-        <p:spPr>
-          <a:xfrm>
-            <a:off x="414584" y="4191000"/>
-            <a:ext cx="4229690" cy="914528"/>
-          </a:xfrm>
-          <a:prstGeom prst="rect">
-            <a:avLst/>
-          </a:prstGeom>
-        </p:spPr>
-      </p:pic>
-      <p:sp>
-        <p:nvSpPr>
-          <p:cNvPr id="8" name="TextBox 7"/>
-          <p:cNvSpPr txBox="1"/>
-          <p:nvPr/>
-        </p:nvSpPr>
-        <p:spPr>
-          <a:xfrm>
-            <a:off x="616085" y="3593068"/>
-            <a:ext cx="3826689" cy="369332"/>
-          </a:xfrm>
-          <a:prstGeom prst="rect">
-            <a:avLst/>
-          </a:prstGeom>
-          <a:noFill/>
-        </p:spPr>
-        <p:txBody>
-          <a:bodyPr wrap="none" rtlCol="0">
-            <a:spAutoFit/>
-          </a:bodyPr>
-          <a:lstStyle/>
-          <a:p>
-            <a:r>
-              <a:rPr lang="en-US" altLang="ko-KR" dirty="0" smtClean="0"/>
-              <a:t>Infinite Euclidian time extrapolation</a:t>
-            </a:r>
-            <a:endParaRPr lang="ko-KR" altLang="en-US" dirty="0"/>
-          </a:p>
-        </p:txBody>
-      </p:sp>
-      <p:sp>
-        <p:nvSpPr>
-          <p:cNvPr id="9" name="TextBox 8"/>
-          <p:cNvSpPr txBox="1"/>
-          <p:nvPr/>
-        </p:nvSpPr>
-        <p:spPr>
-          <a:xfrm>
-            <a:off x="482032" y="5272079"/>
-            <a:ext cx="7118295" cy="646331"/>
-          </a:xfrm>
-          <a:prstGeom prst="rect">
-            <a:avLst/>
-          </a:prstGeom>
-          <a:noFill/>
-        </p:spPr>
-        <p:txBody>
-          <a:bodyPr wrap="none" rtlCol="0">
-            <a:spAutoFit/>
-          </a:bodyPr>
-          <a:lstStyle/>
-          <a:p>
-            <a:r>
-              <a:rPr lang="en-US" altLang="ko-KR" dirty="0" smtClean="0"/>
-              <a:t>We performed Simultaneous fits using asymptotic form , if available,</a:t>
-            </a:r>
-          </a:p>
-          <a:p>
-            <a:r>
-              <a:rPr lang="en-US" altLang="ko-KR" dirty="0" smtClean="0"/>
-              <a:t>With different Lt’ results. </a:t>
-            </a:r>
-            <a:endParaRPr lang="ko-KR" altLang="en-US" dirty="0"/>
-          </a:p>
-        </p:txBody>
-      </p:sp>
     </p:spTree>
     <p:extLst>
       <p:ext uri="{BB962C8B-B14F-4D97-AF65-F5344CB8AC3E}">
-        <p14:creationId xmlns:p14="http://schemas.microsoft.com/office/powerpoint/2010/main" val="1912204996"/>
+        <p14:creationId xmlns:p14="http://schemas.microsoft.com/office/powerpoint/2010/main" val="2425565033"/>
       </p:ext>
     </p:extLst>
   </p:cSld>
   <p:clrMapOvr>
     <a:masterClrMapping/>
   </p:clrMapOvr>
+  <p:timing>
+    <p:tnLst>
+      <p:par>
+        <p:cTn id="1" dur="indefinite" restart="never" nodeType="tmRoot"/>
+      </p:par>
+    </p:tnLst>
+  </p:timing>
 </p:sld>
 </file>
 
@@ -8322,64 +7893,115 @@
           <a:chExt cx="0" cy="0"/>
         </a:xfrm>
       </p:grpSpPr>
+      <p:sp>
+        <p:nvSpPr>
+          <p:cNvPr id="2" name="제목 1"/>
+          <p:cNvSpPr>
+            <a:spLocks noGrp="1"/>
+          </p:cNvSpPr>
+          <p:nvPr>
+            <p:ph type="title"/>
+          </p:nvPr>
+        </p:nvSpPr>
+        <p:spPr/>
+        <p:txBody>
+          <a:bodyPr/>
+          <a:lstStyle/>
+          <a:p>
+            <a:endParaRPr lang="ko-KR" altLang="en-US"/>
+          </a:p>
+        </p:txBody>
+      </p:sp>
+      <p:sp>
+        <p:nvSpPr>
+          <p:cNvPr id="3" name="내용 개체 틀 2"/>
+          <p:cNvSpPr>
+            <a:spLocks noGrp="1"/>
+          </p:cNvSpPr>
+          <p:nvPr>
+            <p:ph idx="1"/>
+          </p:nvPr>
+        </p:nvSpPr>
+        <p:spPr/>
+        <p:txBody>
+          <a:bodyPr/>
+          <a:lstStyle/>
+          <a:p>
+            <a:endParaRPr lang="ko-KR" altLang="en-US"/>
+          </a:p>
+        </p:txBody>
+      </p:sp>
       <p:pic>
         <p:nvPicPr>
-          <p:cNvPr id="4" name="그림 3"/>
+          <p:cNvPr id="15362" name="Picture 2"/>
           <p:cNvPicPr>
-            <a:picLocks noChangeAspect="1"/>
+            <a:picLocks noChangeAspect="1" noChangeArrowheads="1"/>
           </p:cNvPicPr>
           <p:nvPr/>
         </p:nvPicPr>
         <p:blipFill>
-          <a:blip r:embed="rId2"/>
+          <a:blip r:embed="rId2">
+            <a:extLst>
+              <a:ext uri="{28A0092B-C50C-407E-A947-70E740481C1C}">
+                <a14:useLocalDpi xmlns:a14="http://schemas.microsoft.com/office/drawing/2010/main" val="0"/>
+              </a:ext>
+            </a:extLst>
+          </a:blip>
+          <a:srcRect/>
           <a:stretch>
             <a:fillRect/>
           </a:stretch>
         </p:blipFill>
-        <p:spPr>
-          <a:xfrm>
-            <a:off x="381000" y="609600"/>
-            <a:ext cx="8496300" cy="2957692"/>
-          </a:xfrm>
-          <a:prstGeom prst="rect">
-            <a:avLst/>
-          </a:prstGeom>
-        </p:spPr>
-      </p:pic>
-      <p:pic>
-        <p:nvPicPr>
-          <p:cNvPr id="5" name="그림 4"/>
-          <p:cNvPicPr>
-            <a:picLocks noChangeAspect="1"/>
-          </p:cNvPicPr>
-          <p:nvPr/>
-        </p:nvPicPr>
-        <p:blipFill>
-          <a:blip r:embed="rId3"/>
-          <a:stretch>
-            <a:fillRect/>
-          </a:stretch>
-        </p:blipFill>
-        <p:spPr>
-          <a:xfrm>
-            <a:off x="361950" y="3602960"/>
-            <a:ext cx="8420100" cy="2806700"/>
-          </a:xfrm>
-          <a:prstGeom prst="rect">
-            <a:avLst/>
-          </a:prstGeom>
+        <p:spPr bwMode="auto">
+          <a:xfrm>
+            <a:off x="609600" y="762000"/>
+            <a:ext cx="7984519" cy="5410200"/>
+          </a:xfrm>
+          <a:prstGeom prst="rect">
+            <a:avLst/>
+          </a:prstGeom>
+          <a:noFill/>
+          <a:ln>
+            <a:noFill/>
+          </a:ln>
+          <a:extLst>
+            <a:ext uri="{909E8E84-426E-40DD-AFC4-6F175D3DCCD1}">
+              <a14:hiddenFill xmlns:a14="http://schemas.microsoft.com/office/drawing/2010/main">
+                <a:solidFill>
+                  <a:schemeClr val="accent1"/>
+                </a:solidFill>
+              </a14:hiddenFill>
+            </a:ext>
+            <a:ext uri="{91240B29-F687-4F45-9708-019B960494DF}">
+              <a14:hiddenLine xmlns:a14="http://schemas.microsoft.com/office/drawing/2010/main" w="9525">
+                <a:solidFill>
+                  <a:schemeClr val="tx1"/>
+                </a:solidFill>
+                <a:miter lim="800000"/>
+                <a:headEnd/>
+                <a:tailEnd/>
+              </a14:hiddenLine>
+            </a:ext>
+          </a:extLst>
         </p:spPr>
       </p:pic>
     </p:spTree>
     <p:extLst>
       <p:ext uri="{BB962C8B-B14F-4D97-AF65-F5344CB8AC3E}">
-        <p14:creationId xmlns:p14="http://schemas.microsoft.com/office/powerpoint/2010/main" val="1673671918"/>
+        <p14:creationId xmlns:p14="http://schemas.microsoft.com/office/powerpoint/2010/main" val="1289664695"/>
       </p:ext>
     </p:extLst>
   </p:cSld>
   <p:clrMapOvr>
     <a:masterClrMapping/>
   </p:clrMapOvr>
+  <p:timing>
+    <p:tnLst>
+      <p:par>
+        <p:cTn id="1" dur="indefinite" restart="never" nodeType="tmRoot"/>
+      </p:par>
+    </p:tnLst>
+  </p:timing>
 </p:sld>
 </file>
 
@@ -8416,17 +8038,47 @@
         </p:blipFill>
         <p:spPr>
           <a:xfrm>
-            <a:off x="571500" y="609600"/>
-            <a:ext cx="8001000" cy="2670914"/>
+            <a:off x="381000" y="609600"/>
+            <a:ext cx="4563112" cy="743054"/>
           </a:xfrm>
           <a:prstGeom prst="rect">
             <a:avLst/>
           </a:prstGeom>
         </p:spPr>
       </p:pic>
+      <p:sp>
+        <p:nvSpPr>
+          <p:cNvPr id="5" name="TextBox 4"/>
+          <p:cNvSpPr txBox="1"/>
+          <p:nvPr/>
+        </p:nvSpPr>
+        <p:spPr>
+          <a:xfrm>
+            <a:off x="418289" y="1447800"/>
+            <a:ext cx="6801862" cy="369332"/>
+          </a:xfrm>
+          <a:prstGeom prst="rect">
+            <a:avLst/>
+          </a:prstGeom>
+          <a:noFill/>
+        </p:spPr>
+        <p:txBody>
+          <a:bodyPr wrap="none" rtlCol="0">
+            <a:spAutoFit/>
+          </a:bodyPr>
+          <a:lstStyle/>
+          <a:p>
+            <a:r>
+              <a:rPr lang="en-US" altLang="ko-KR" dirty="0" smtClean="0"/>
+              <a:t>Outer region uses 1.6 stronger interaction for faster convergence</a:t>
+            </a:r>
+            <a:endParaRPr lang="ko-KR" altLang="en-US" dirty="0"/>
+          </a:p>
+        </p:txBody>
+      </p:sp>
       <p:pic>
         <p:nvPicPr>
-          <p:cNvPr id="5" name="그림 4"/>
+          <p:cNvPr id="6" name="그림 5"/>
           <p:cNvPicPr>
             <a:picLocks noChangeAspect="1"/>
           </p:cNvPicPr>
@@ -8440,8 +8092,8 @@
         </p:blipFill>
         <p:spPr>
           <a:xfrm>
-            <a:off x="5486400" y="3741904"/>
-            <a:ext cx="2741877" cy="3037409"/>
+            <a:off x="502596" y="3342706"/>
+            <a:ext cx="4038600" cy="864350"/>
           </a:xfrm>
           <a:prstGeom prst="rect">
             <a:avLst/>
@@ -8450,7 +8102,7 @@
       </p:pic>
       <p:pic>
         <p:nvPicPr>
-          <p:cNvPr id="6" name="그림 5"/>
+          <p:cNvPr id="7" name="그림 6"/>
           <p:cNvPicPr>
             <a:picLocks noChangeAspect="1"/>
           </p:cNvPicPr>
@@ -8464,18 +8116,96 @@
         </p:blipFill>
         <p:spPr>
           <a:xfrm>
-            <a:off x="734019" y="3761359"/>
-            <a:ext cx="3837981" cy="2562519"/>
-          </a:xfrm>
-          <a:prstGeom prst="rect">
-            <a:avLst/>
-          </a:prstGeom>
+            <a:off x="609600" y="4224890"/>
+            <a:ext cx="2590800" cy="791633"/>
+          </a:xfrm>
+          <a:prstGeom prst="rect">
+            <a:avLst/>
+          </a:prstGeom>
+        </p:spPr>
+      </p:pic>
+      <p:pic>
+        <p:nvPicPr>
+          <p:cNvPr id="8" name="그림 7"/>
+          <p:cNvPicPr>
+            <a:picLocks noChangeAspect="1"/>
+          </p:cNvPicPr>
+          <p:nvPr/>
+        </p:nvPicPr>
+        <p:blipFill>
+          <a:blip r:embed="rId5"/>
+          <a:stretch>
+            <a:fillRect/>
+          </a:stretch>
+        </p:blipFill>
+        <p:spPr>
+          <a:xfrm>
+            <a:off x="507460" y="1981792"/>
+            <a:ext cx="7162800" cy="995970"/>
+          </a:xfrm>
+          <a:prstGeom prst="rect">
+            <a:avLst/>
+          </a:prstGeom>
+        </p:spPr>
+      </p:pic>
+      <p:pic>
+        <p:nvPicPr>
+          <p:cNvPr id="9" name="Picture 3"/>
+          <p:cNvPicPr>
+            <a:picLocks noChangeAspect="1" noChangeArrowheads="1"/>
+          </p:cNvPicPr>
+          <p:nvPr/>
+        </p:nvPicPr>
+        <p:blipFill>
+          <a:blip r:embed="rId6" cstate="print">
+            <a:extLst>
+              <a:ext uri="{28A0092B-C50C-407E-A947-70E740481C1C}">
+                <a14:useLocalDpi xmlns:a14="http://schemas.microsoft.com/office/drawing/2010/main" val="0"/>
+              </a:ext>
+            </a:extLst>
+          </a:blip>
+          <a:srcRect/>
+          <a:stretch>
+            <a:fillRect/>
+          </a:stretch>
+        </p:blipFill>
+        <p:spPr bwMode="auto">
+          <a:xfrm>
+            <a:off x="5489194" y="3810000"/>
+            <a:ext cx="3211072" cy="2617522"/>
+          </a:xfrm>
+          <a:prstGeom prst="rect">
+            <a:avLst/>
+          </a:prstGeom>
+          <a:noFill/>
+          <a:ln>
+            <a:noFill/>
+          </a:ln>
+          <a:extLst>
+            <a:ext uri="{909E8E84-426E-40DD-AFC4-6F175D3DCCD1}">
+              <a14:hiddenFill xmlns:a14="http://schemas.microsoft.com/office/drawing/2010/main">
+                <a:solidFill>
+                  <a:schemeClr val="accent1"/>
+                </a:solidFill>
+              </a14:hiddenFill>
+            </a:ext>
+            <a:ext uri="{91240B29-F687-4F45-9708-019B960494DF}">
+              <a14:hiddenLine xmlns:a14="http://schemas.microsoft.com/office/drawing/2010/main" w="9525">
+                <a:solidFill>
+                  <a:schemeClr val="tx1"/>
+                </a:solidFill>
+                <a:miter lim="800000"/>
+                <a:headEnd/>
+                <a:tailEnd/>
+              </a14:hiddenLine>
+            </a:ext>
+          </a:extLst>
         </p:spPr>
       </p:pic>
     </p:spTree>
     <p:extLst>
       <p:ext uri="{BB962C8B-B14F-4D97-AF65-F5344CB8AC3E}">
-        <p14:creationId xmlns:p14="http://schemas.microsoft.com/office/powerpoint/2010/main" val="3997468180"/>
+        <p14:creationId xmlns:p14="http://schemas.microsoft.com/office/powerpoint/2010/main" val="2285968701"/>
       </p:ext>
     </p:extLst>
   </p:cSld>
@@ -8502,9 +8232,62 @@
           <a:chExt cx="0" cy="0"/>
         </a:xfrm>
       </p:grpSpPr>
+      <p:sp>
+        <p:nvSpPr>
+          <p:cNvPr id="2" name="제목 1"/>
+          <p:cNvSpPr>
+            <a:spLocks noGrp="1"/>
+          </p:cNvSpPr>
+          <p:nvPr>
+            <p:ph type="title"/>
+          </p:nvPr>
+        </p:nvSpPr>
+        <p:spPr/>
+        <p:txBody>
+          <a:bodyPr/>
+          <a:lstStyle/>
+          <a:p>
+            <a:r>
+              <a:rPr lang="en-US" altLang="ko-KR" dirty="0" smtClean="0"/>
+              <a:t>Results</a:t>
+            </a:r>
+            <a:endParaRPr lang="ko-KR" altLang="en-US" dirty="0"/>
+          </a:p>
+        </p:txBody>
+      </p:sp>
+      <p:sp>
+        <p:nvSpPr>
+          <p:cNvPr id="3" name="내용 개체 틀 2"/>
+          <p:cNvSpPr>
+            <a:spLocks noGrp="1"/>
+          </p:cNvSpPr>
+          <p:nvPr>
+            <p:ph idx="1"/>
+          </p:nvPr>
+        </p:nvSpPr>
+        <p:spPr/>
+        <p:txBody>
+          <a:bodyPr>
+            <a:normAutofit/>
+          </a:bodyPr>
+          <a:lstStyle/>
+          <a:p>
+            <a:r>
+              <a:rPr lang="en-US" altLang="ko-KR" dirty="0" smtClean="0"/>
+              <a:t>N=66 neutrons (33 spin up, 33 spin down)</a:t>
+            </a:r>
+          </a:p>
+          <a:p>
+            <a:r>
+              <a:rPr lang="en-US" altLang="ko-KR" dirty="0" smtClean="0"/>
+              <a:t>L = 4,…, 10 </a:t>
+            </a:r>
+          </a:p>
+        </p:txBody>
+      </p:sp>
       <p:pic>
         <p:nvPicPr>
-          <p:cNvPr id="2" name="그림 1"/>
+          <p:cNvPr id="7" name="그림 6"/>
           <p:cNvPicPr>
             <a:picLocks noChangeAspect="1"/>
           </p:cNvPicPr>
@@ -8518,8 +8301,8 @@
         </p:blipFill>
         <p:spPr>
           <a:xfrm>
-            <a:off x="381000" y="609600"/>
-            <a:ext cx="3991532" cy="876422"/>
+            <a:off x="762000" y="2590800"/>
+            <a:ext cx="1952898" cy="638264"/>
           </a:xfrm>
           <a:prstGeom prst="rect">
             <a:avLst/>
@@ -8528,7 +8311,7 @@
       </p:pic>
       <p:pic>
         <p:nvPicPr>
-          <p:cNvPr id="3" name="그림 2"/>
+          <p:cNvPr id="9" name="그림 8"/>
           <p:cNvPicPr>
             <a:picLocks noChangeAspect="1"/>
           </p:cNvPicPr>
@@ -8542,8 +8325,8 @@
         </p:blipFill>
         <p:spPr>
           <a:xfrm>
-            <a:off x="5029200" y="542915"/>
-            <a:ext cx="2867425" cy="1009791"/>
+            <a:off x="685800" y="3710005"/>
+            <a:ext cx="3801005" cy="1019317"/>
           </a:xfrm>
           <a:prstGeom prst="rect">
             <a:avLst/>
@@ -8552,7 +8335,7 @@
       </p:pic>
       <p:pic>
         <p:nvPicPr>
-          <p:cNvPr id="4" name="그림 3"/>
+          <p:cNvPr id="10" name="그림 9"/>
           <p:cNvPicPr>
             <a:picLocks noChangeAspect="1"/>
           </p:cNvPicPr>
@@ -8566,8 +8349,8 @@
         </p:blipFill>
         <p:spPr>
           <a:xfrm>
-            <a:off x="228600" y="1458460"/>
-            <a:ext cx="5852281" cy="3905667"/>
+            <a:off x="4961655" y="3790392"/>
+            <a:ext cx="3715417" cy="858542"/>
           </a:xfrm>
           <a:prstGeom prst="rect">
             <a:avLst/>
@@ -8576,7 +8359,7 @@
       </p:pic>
       <p:pic>
         <p:nvPicPr>
-          <p:cNvPr id="5" name="그림 4"/>
+          <p:cNvPr id="11" name="그림 10"/>
           <p:cNvPicPr>
             <a:picLocks noChangeAspect="1"/>
           </p:cNvPicPr>
@@ -8590,8 +8373,8 @@
         </p:blipFill>
         <p:spPr>
           <a:xfrm>
-            <a:off x="762000" y="5486400"/>
-            <a:ext cx="1828800" cy="478420"/>
+            <a:off x="762000" y="3409777"/>
+            <a:ext cx="685896" cy="552527"/>
           </a:xfrm>
           <a:prstGeom prst="rect">
             <a:avLst/>
@@ -8600,7 +8383,7 @@
       </p:pic>
       <p:pic>
         <p:nvPicPr>
-          <p:cNvPr id="6" name="그림 5"/>
+          <p:cNvPr id="12" name="그림 11"/>
           <p:cNvPicPr>
             <a:picLocks noChangeAspect="1"/>
           </p:cNvPicPr>
@@ -8614,8 +8397,32 @@
         </p:blipFill>
         <p:spPr>
           <a:xfrm>
-            <a:off x="2971800" y="5554587"/>
-            <a:ext cx="1838497" cy="342046"/>
+            <a:off x="685800" y="4876255"/>
+            <a:ext cx="5115639" cy="1086002"/>
+          </a:xfrm>
+          <a:prstGeom prst="rect">
+            <a:avLst/>
+          </a:prstGeom>
+        </p:spPr>
+      </p:pic>
+      <p:pic>
+        <p:nvPicPr>
+          <p:cNvPr id="13" name="그림 12"/>
+          <p:cNvPicPr>
+            <a:picLocks noChangeAspect="1"/>
+          </p:cNvPicPr>
+          <p:nvPr/>
+        </p:nvPicPr>
+        <p:blipFill>
+          <a:blip r:embed="rId7"/>
+          <a:stretch>
+            <a:fillRect/>
+          </a:stretch>
+        </p:blipFill>
+        <p:spPr>
+          <a:xfrm>
+            <a:off x="6477000" y="5562600"/>
+            <a:ext cx="1857634" cy="295316"/>
           </a:xfrm>
           <a:prstGeom prst="rect">
             <a:avLst/>
@@ -8625,7 +8432,7 @@
     </p:spTree>
     <p:extLst>
       <p:ext uri="{BB962C8B-B14F-4D97-AF65-F5344CB8AC3E}">
-        <p14:creationId xmlns:p14="http://schemas.microsoft.com/office/powerpoint/2010/main" val="1756595536"/>
+        <p14:creationId xmlns:p14="http://schemas.microsoft.com/office/powerpoint/2010/main" val="969077185"/>
       </p:ext>
     </p:extLst>
   </p:cSld>
@@ -8652,6 +8459,528 @@
           <a:chExt cx="0" cy="0"/>
         </a:xfrm>
       </p:grpSpPr>
+      <p:pic>
+        <p:nvPicPr>
+          <p:cNvPr id="4" name="그림 3"/>
+          <p:cNvPicPr>
+            <a:picLocks noChangeAspect="1"/>
+          </p:cNvPicPr>
+          <p:nvPr/>
+        </p:nvPicPr>
+        <p:blipFill>
+          <a:blip r:embed="rId2"/>
+          <a:stretch>
+            <a:fillRect/>
+          </a:stretch>
+        </p:blipFill>
+        <p:spPr>
+          <a:xfrm>
+            <a:off x="609600" y="609600"/>
+            <a:ext cx="2638793" cy="819264"/>
+          </a:xfrm>
+          <a:prstGeom prst="rect">
+            <a:avLst/>
+          </a:prstGeom>
+        </p:spPr>
+      </p:pic>
+      <p:pic>
+        <p:nvPicPr>
+          <p:cNvPr id="5" name="그림 4"/>
+          <p:cNvPicPr>
+            <a:picLocks noChangeAspect="1"/>
+          </p:cNvPicPr>
+          <p:nvPr/>
+        </p:nvPicPr>
+        <p:blipFill>
+          <a:blip r:embed="rId3"/>
+          <a:stretch>
+            <a:fillRect/>
+          </a:stretch>
+        </p:blipFill>
+        <p:spPr>
+          <a:xfrm>
+            <a:off x="4572000" y="414310"/>
+            <a:ext cx="3915321" cy="1209844"/>
+          </a:xfrm>
+          <a:prstGeom prst="rect">
+            <a:avLst/>
+          </a:prstGeom>
+        </p:spPr>
+      </p:pic>
+      <p:pic>
+        <p:nvPicPr>
+          <p:cNvPr id="6" name="그림 5"/>
+          <p:cNvPicPr>
+            <a:picLocks noChangeAspect="1"/>
+          </p:cNvPicPr>
+          <p:nvPr/>
+        </p:nvPicPr>
+        <p:blipFill>
+          <a:blip r:embed="rId4"/>
+          <a:stretch>
+            <a:fillRect/>
+          </a:stretch>
+        </p:blipFill>
+        <p:spPr>
+          <a:xfrm>
+            <a:off x="762021" y="1752600"/>
+            <a:ext cx="2486372" cy="952633"/>
+          </a:xfrm>
+          <a:prstGeom prst="rect">
+            <a:avLst/>
+          </a:prstGeom>
+        </p:spPr>
+      </p:pic>
+      <p:pic>
+        <p:nvPicPr>
+          <p:cNvPr id="7" name="그림 6"/>
+          <p:cNvPicPr>
+            <a:picLocks noChangeAspect="1"/>
+          </p:cNvPicPr>
+          <p:nvPr/>
+        </p:nvPicPr>
+        <p:blipFill>
+          <a:blip r:embed="rId5"/>
+          <a:stretch>
+            <a:fillRect/>
+          </a:stretch>
+        </p:blipFill>
+        <p:spPr>
+          <a:xfrm>
+            <a:off x="414584" y="4191000"/>
+            <a:ext cx="4229690" cy="914528"/>
+          </a:xfrm>
+          <a:prstGeom prst="rect">
+            <a:avLst/>
+          </a:prstGeom>
+        </p:spPr>
+      </p:pic>
+      <p:sp>
+        <p:nvSpPr>
+          <p:cNvPr id="8" name="TextBox 7"/>
+          <p:cNvSpPr txBox="1"/>
+          <p:nvPr/>
+        </p:nvSpPr>
+        <p:spPr>
+          <a:xfrm>
+            <a:off x="616085" y="3593068"/>
+            <a:ext cx="3826689" cy="369332"/>
+          </a:xfrm>
+          <a:prstGeom prst="rect">
+            <a:avLst/>
+          </a:prstGeom>
+          <a:noFill/>
+        </p:spPr>
+        <p:txBody>
+          <a:bodyPr wrap="none" rtlCol="0">
+            <a:spAutoFit/>
+          </a:bodyPr>
+          <a:lstStyle/>
+          <a:p>
+            <a:r>
+              <a:rPr lang="en-US" altLang="ko-KR" dirty="0" smtClean="0"/>
+              <a:t>Infinite Euclidian time extrapolation</a:t>
+            </a:r>
+            <a:endParaRPr lang="ko-KR" altLang="en-US" dirty="0"/>
+          </a:p>
+        </p:txBody>
+      </p:sp>
+      <p:sp>
+        <p:nvSpPr>
+          <p:cNvPr id="9" name="TextBox 8"/>
+          <p:cNvSpPr txBox="1"/>
+          <p:nvPr/>
+        </p:nvSpPr>
+        <p:spPr>
+          <a:xfrm>
+            <a:off x="482032" y="5272079"/>
+            <a:ext cx="7118295" cy="646331"/>
+          </a:xfrm>
+          <a:prstGeom prst="rect">
+            <a:avLst/>
+          </a:prstGeom>
+          <a:noFill/>
+        </p:spPr>
+        <p:txBody>
+          <a:bodyPr wrap="none" rtlCol="0">
+            <a:spAutoFit/>
+          </a:bodyPr>
+          <a:lstStyle/>
+          <a:p>
+            <a:r>
+              <a:rPr lang="en-US" altLang="ko-KR" dirty="0" smtClean="0"/>
+              <a:t>We performed Simultaneous fits using asymptotic form , if available,</a:t>
+            </a:r>
+          </a:p>
+          <a:p>
+            <a:r>
+              <a:rPr lang="en-US" altLang="ko-KR" dirty="0" smtClean="0"/>
+              <a:t>With different Lt’ results. </a:t>
+            </a:r>
+            <a:endParaRPr lang="ko-KR" altLang="en-US" dirty="0"/>
+          </a:p>
+        </p:txBody>
+      </p:sp>
+    </p:spTree>
+    <p:extLst>
+      <p:ext uri="{BB962C8B-B14F-4D97-AF65-F5344CB8AC3E}">
+        <p14:creationId xmlns:p14="http://schemas.microsoft.com/office/powerpoint/2010/main" val="1912204996"/>
+      </p:ext>
+    </p:extLst>
+  </p:cSld>
+  <p:clrMapOvr>
+    <a:masterClrMapping/>
+  </p:clrMapOvr>
+</p:sld>
+</file>
+
+<file path=ppt/slides/slide36.xml><?xml version="1.0" encoding="utf-8"?>
+<p:sld xmlns:a="http://schemas.openxmlformats.org/drawingml/2006/main" xmlns:r="http://schemas.openxmlformats.org/officeDocument/2006/relationships" xmlns:p="http://schemas.openxmlformats.org/presentationml/2006/main">
+  <p:cSld>
+    <p:spTree>
+      <p:nvGrpSpPr>
+        <p:cNvPr id="1" name=""/>
+        <p:cNvGrpSpPr/>
+        <p:nvPr/>
+      </p:nvGrpSpPr>
+      <p:grpSpPr>
+        <a:xfrm>
+          <a:off x="0" y="0"/>
+          <a:ext cx="0" cy="0"/>
+          <a:chOff x="0" y="0"/>
+          <a:chExt cx="0" cy="0"/>
+        </a:xfrm>
+      </p:grpSpPr>
+      <p:pic>
+        <p:nvPicPr>
+          <p:cNvPr id="4" name="그림 3"/>
+          <p:cNvPicPr>
+            <a:picLocks noChangeAspect="1"/>
+          </p:cNvPicPr>
+          <p:nvPr/>
+        </p:nvPicPr>
+        <p:blipFill>
+          <a:blip r:embed="rId2"/>
+          <a:stretch>
+            <a:fillRect/>
+          </a:stretch>
+        </p:blipFill>
+        <p:spPr>
+          <a:xfrm>
+            <a:off x="381000" y="609600"/>
+            <a:ext cx="8496300" cy="2957692"/>
+          </a:xfrm>
+          <a:prstGeom prst="rect">
+            <a:avLst/>
+          </a:prstGeom>
+        </p:spPr>
+      </p:pic>
+      <p:pic>
+        <p:nvPicPr>
+          <p:cNvPr id="5" name="그림 4"/>
+          <p:cNvPicPr>
+            <a:picLocks noChangeAspect="1"/>
+          </p:cNvPicPr>
+          <p:nvPr/>
+        </p:nvPicPr>
+        <p:blipFill>
+          <a:blip r:embed="rId3"/>
+          <a:stretch>
+            <a:fillRect/>
+          </a:stretch>
+        </p:blipFill>
+        <p:spPr>
+          <a:xfrm>
+            <a:off x="361950" y="3602960"/>
+            <a:ext cx="8420100" cy="2806700"/>
+          </a:xfrm>
+          <a:prstGeom prst="rect">
+            <a:avLst/>
+          </a:prstGeom>
+        </p:spPr>
+      </p:pic>
+    </p:spTree>
+    <p:extLst>
+      <p:ext uri="{BB962C8B-B14F-4D97-AF65-F5344CB8AC3E}">
+        <p14:creationId xmlns:p14="http://schemas.microsoft.com/office/powerpoint/2010/main" val="1673671918"/>
+      </p:ext>
+    </p:extLst>
+  </p:cSld>
+  <p:clrMapOvr>
+    <a:masterClrMapping/>
+  </p:clrMapOvr>
+</p:sld>
+</file>
+
+<file path=ppt/slides/slide37.xml><?xml version="1.0" encoding="utf-8"?>
+<p:sld xmlns:a="http://schemas.openxmlformats.org/drawingml/2006/main" xmlns:r="http://schemas.openxmlformats.org/officeDocument/2006/relationships" xmlns:p="http://schemas.openxmlformats.org/presentationml/2006/main">
+  <p:cSld>
+    <p:spTree>
+      <p:nvGrpSpPr>
+        <p:cNvPr id="1" name=""/>
+        <p:cNvGrpSpPr/>
+        <p:nvPr/>
+      </p:nvGrpSpPr>
+      <p:grpSpPr>
+        <a:xfrm>
+          <a:off x="0" y="0"/>
+          <a:ext cx="0" cy="0"/>
+          <a:chOff x="0" y="0"/>
+          <a:chExt cx="0" cy="0"/>
+        </a:xfrm>
+      </p:grpSpPr>
+      <p:pic>
+        <p:nvPicPr>
+          <p:cNvPr id="4" name="그림 3"/>
+          <p:cNvPicPr>
+            <a:picLocks noChangeAspect="1"/>
+          </p:cNvPicPr>
+          <p:nvPr/>
+        </p:nvPicPr>
+        <p:blipFill>
+          <a:blip r:embed="rId2"/>
+          <a:stretch>
+            <a:fillRect/>
+          </a:stretch>
+        </p:blipFill>
+        <p:spPr>
+          <a:xfrm>
+            <a:off x="571500" y="609600"/>
+            <a:ext cx="8001000" cy="2670914"/>
+          </a:xfrm>
+          <a:prstGeom prst="rect">
+            <a:avLst/>
+          </a:prstGeom>
+        </p:spPr>
+      </p:pic>
+      <p:pic>
+        <p:nvPicPr>
+          <p:cNvPr id="5" name="그림 4"/>
+          <p:cNvPicPr>
+            <a:picLocks noChangeAspect="1"/>
+          </p:cNvPicPr>
+          <p:nvPr/>
+        </p:nvPicPr>
+        <p:blipFill>
+          <a:blip r:embed="rId3"/>
+          <a:stretch>
+            <a:fillRect/>
+          </a:stretch>
+        </p:blipFill>
+        <p:spPr>
+          <a:xfrm>
+            <a:off x="5486400" y="3741904"/>
+            <a:ext cx="2741877" cy="3037409"/>
+          </a:xfrm>
+          <a:prstGeom prst="rect">
+            <a:avLst/>
+          </a:prstGeom>
+        </p:spPr>
+      </p:pic>
+      <p:pic>
+        <p:nvPicPr>
+          <p:cNvPr id="6" name="그림 5"/>
+          <p:cNvPicPr>
+            <a:picLocks noChangeAspect="1"/>
+          </p:cNvPicPr>
+          <p:nvPr/>
+        </p:nvPicPr>
+        <p:blipFill>
+          <a:blip r:embed="rId4"/>
+          <a:stretch>
+            <a:fillRect/>
+          </a:stretch>
+        </p:blipFill>
+        <p:spPr>
+          <a:xfrm>
+            <a:off x="734019" y="3761359"/>
+            <a:ext cx="3837981" cy="2562519"/>
+          </a:xfrm>
+          <a:prstGeom prst="rect">
+            <a:avLst/>
+          </a:prstGeom>
+        </p:spPr>
+      </p:pic>
+    </p:spTree>
+    <p:extLst>
+      <p:ext uri="{BB962C8B-B14F-4D97-AF65-F5344CB8AC3E}">
+        <p14:creationId xmlns:p14="http://schemas.microsoft.com/office/powerpoint/2010/main" val="3997468180"/>
+      </p:ext>
+    </p:extLst>
+  </p:cSld>
+  <p:clrMapOvr>
+    <a:masterClrMapping/>
+  </p:clrMapOvr>
+</p:sld>
+</file>
+
+<file path=ppt/slides/slide38.xml><?xml version="1.0" encoding="utf-8"?>
+<p:sld xmlns:a="http://schemas.openxmlformats.org/drawingml/2006/main" xmlns:r="http://schemas.openxmlformats.org/officeDocument/2006/relationships" xmlns:p="http://schemas.openxmlformats.org/presentationml/2006/main">
+  <p:cSld>
+    <p:spTree>
+      <p:nvGrpSpPr>
+        <p:cNvPr id="1" name=""/>
+        <p:cNvGrpSpPr/>
+        <p:nvPr/>
+      </p:nvGrpSpPr>
+      <p:grpSpPr>
+        <a:xfrm>
+          <a:off x="0" y="0"/>
+          <a:ext cx="0" cy="0"/>
+          <a:chOff x="0" y="0"/>
+          <a:chExt cx="0" cy="0"/>
+        </a:xfrm>
+      </p:grpSpPr>
+      <p:pic>
+        <p:nvPicPr>
+          <p:cNvPr id="2" name="그림 1"/>
+          <p:cNvPicPr>
+            <a:picLocks noChangeAspect="1"/>
+          </p:cNvPicPr>
+          <p:nvPr/>
+        </p:nvPicPr>
+        <p:blipFill>
+          <a:blip r:embed="rId2"/>
+          <a:stretch>
+            <a:fillRect/>
+          </a:stretch>
+        </p:blipFill>
+        <p:spPr>
+          <a:xfrm>
+            <a:off x="381000" y="609600"/>
+            <a:ext cx="3991532" cy="876422"/>
+          </a:xfrm>
+          <a:prstGeom prst="rect">
+            <a:avLst/>
+          </a:prstGeom>
+        </p:spPr>
+      </p:pic>
+      <p:pic>
+        <p:nvPicPr>
+          <p:cNvPr id="3" name="그림 2"/>
+          <p:cNvPicPr>
+            <a:picLocks noChangeAspect="1"/>
+          </p:cNvPicPr>
+          <p:nvPr/>
+        </p:nvPicPr>
+        <p:blipFill>
+          <a:blip r:embed="rId3"/>
+          <a:stretch>
+            <a:fillRect/>
+          </a:stretch>
+        </p:blipFill>
+        <p:spPr>
+          <a:xfrm>
+            <a:off x="5029200" y="542915"/>
+            <a:ext cx="2867425" cy="1009791"/>
+          </a:xfrm>
+          <a:prstGeom prst="rect">
+            <a:avLst/>
+          </a:prstGeom>
+        </p:spPr>
+      </p:pic>
+      <p:pic>
+        <p:nvPicPr>
+          <p:cNvPr id="4" name="그림 3"/>
+          <p:cNvPicPr>
+            <a:picLocks noChangeAspect="1"/>
+          </p:cNvPicPr>
+          <p:nvPr/>
+        </p:nvPicPr>
+        <p:blipFill>
+          <a:blip r:embed="rId4"/>
+          <a:stretch>
+            <a:fillRect/>
+          </a:stretch>
+        </p:blipFill>
+        <p:spPr>
+          <a:xfrm>
+            <a:off x="228600" y="1458460"/>
+            <a:ext cx="5852281" cy="3905667"/>
+          </a:xfrm>
+          <a:prstGeom prst="rect">
+            <a:avLst/>
+          </a:prstGeom>
+        </p:spPr>
+      </p:pic>
+      <p:pic>
+        <p:nvPicPr>
+          <p:cNvPr id="5" name="그림 4"/>
+          <p:cNvPicPr>
+            <a:picLocks noChangeAspect="1"/>
+          </p:cNvPicPr>
+          <p:nvPr/>
+        </p:nvPicPr>
+        <p:blipFill>
+          <a:blip r:embed="rId5"/>
+          <a:stretch>
+            <a:fillRect/>
+          </a:stretch>
+        </p:blipFill>
+        <p:spPr>
+          <a:xfrm>
+            <a:off x="762000" y="5486400"/>
+            <a:ext cx="1828800" cy="478420"/>
+          </a:xfrm>
+          <a:prstGeom prst="rect">
+            <a:avLst/>
+          </a:prstGeom>
+        </p:spPr>
+      </p:pic>
+      <p:pic>
+        <p:nvPicPr>
+          <p:cNvPr id="6" name="그림 5"/>
+          <p:cNvPicPr>
+            <a:picLocks noChangeAspect="1"/>
+          </p:cNvPicPr>
+          <p:nvPr/>
+        </p:nvPicPr>
+        <p:blipFill>
+          <a:blip r:embed="rId6"/>
+          <a:stretch>
+            <a:fillRect/>
+          </a:stretch>
+        </p:blipFill>
+        <p:spPr>
+          <a:xfrm>
+            <a:off x="2971800" y="5554587"/>
+            <a:ext cx="1838497" cy="342046"/>
+          </a:xfrm>
+          <a:prstGeom prst="rect">
+            <a:avLst/>
+          </a:prstGeom>
+        </p:spPr>
+      </p:pic>
+    </p:spTree>
+    <p:extLst>
+      <p:ext uri="{BB962C8B-B14F-4D97-AF65-F5344CB8AC3E}">
+        <p14:creationId xmlns:p14="http://schemas.microsoft.com/office/powerpoint/2010/main" val="1756595536"/>
+      </p:ext>
+    </p:extLst>
+  </p:cSld>
+  <p:clrMapOvr>
+    <a:masterClrMapping/>
+  </p:clrMapOvr>
+</p:sld>
+</file>
+
+<file path=ppt/slides/slide39.xml><?xml version="1.0" encoding="utf-8"?>
+<p:sld xmlns:a="http://schemas.openxmlformats.org/drawingml/2006/main" xmlns:r="http://schemas.openxmlformats.org/officeDocument/2006/relationships" xmlns:p="http://schemas.openxmlformats.org/presentationml/2006/main">
+  <p:cSld>
+    <p:spTree>
+      <p:nvGrpSpPr>
+        <p:cNvPr id="1" name=""/>
+        <p:cNvGrpSpPr/>
+        <p:nvPr/>
+      </p:nvGrpSpPr>
+      <p:grpSpPr>
+        <a:xfrm>
+          <a:off x="0" y="0"/>
+          <a:ext cx="0" cy="0"/>
+          <a:chOff x="0" y="0"/>
+          <a:chExt cx="0" cy="0"/>
+        </a:xfrm>
+      </p:grpSpPr>
       <p:sp>
         <p:nvSpPr>
           <p:cNvPr id="2" name="제목 1"/>
@@ -8694,15 +9023,7 @@
           <a:p>
             <a:r>
               <a:rPr lang="en-US" altLang="ko-KR" dirty="0" smtClean="0"/>
-              <a:t>We confirm the regularization independence of NLEFT calculation for Unitary </a:t>
-            </a:r>
-            <a:r>
-              <a:rPr lang="en-US" altLang="ko-KR" dirty="0" smtClean="0"/>
-              <a:t>Fermi </a:t>
-            </a:r>
-            <a:r>
-              <a:rPr lang="en-US" altLang="ko-KR" dirty="0" smtClean="0"/>
-              <a:t>Gas. </a:t>
+              <a:t>We confirm the regularization independence of NLEFT calculation for Unitary Fermi Gas. </a:t>
             </a:r>
           </a:p>
           <a:p>
@@ -8712,11 +9033,7 @@
             </a:r>
             <a:r>
               <a:rPr lang="en-US" altLang="ko-KR" dirty="0" smtClean="0"/>
-              <a:t> parameter of UFG estimated </a:t>
-            </a:r>
-            <a:r>
-              <a:rPr lang="en-US" altLang="ko-KR" dirty="0" smtClean="0"/>
-              <a:t>0.369(2) </a:t>
+              <a:t> parameter of UFG estimated 0.369(2) </a:t>
             </a:r>
             <a:r>
               <a:rPr lang="en-US" altLang="ko-KR" dirty="0"/>
@@ -8776,7 +9093,6 @@
               <a:rPr lang="en-US" altLang="ko-KR" dirty="0" smtClean="0"/>
               <a:t>0.376(4).</a:t>
             </a:r>
-            <a:endParaRPr lang="en-US" altLang="ko-KR" dirty="0" smtClean="0"/>
           </a:p>
           <a:p>
             <a:r>
@@ -8789,11 +9105,7 @@
             </a:r>
             <a:r>
               <a:rPr lang="en-US" altLang="ko-KR" dirty="0" smtClean="0"/>
-              <a:t> </a:t>
-            </a:r>
-            <a:r>
-              <a:rPr lang="en-US" altLang="ko-KR" dirty="0" smtClean="0"/>
-              <a:t>and </a:t>
+              <a:t> and </a:t>
             </a:r>
             <a:r>
               <a:rPr lang="en-US" altLang="ko-KR" dirty="0" err="1" smtClean="0"/>
@@ -8803,7 +9115,6 @@
               <a:rPr lang="en-US" altLang="ko-KR" dirty="0" smtClean="0"/>
               <a:t>. BCC lattice requires larger number of lattice points for the same lattice size. However, for the similar number of lattice points, computational cost is similar for BCC and cubic lattice. </a:t>
             </a:r>
-            <a:endParaRPr lang="en-US" altLang="ko-KR" dirty="0" smtClean="0"/>
           </a:p>
           <a:p>
             <a:r>
@@ -9159,13 +9470,7 @@
               <a:rPr lang="en-US" altLang="ko-KR" dirty="0" smtClean="0">
                 <a:sym typeface="Wingdings" panose="05000000000000000000" pitchFamily="2" charset="2"/>
               </a:rPr>
-              <a:t>   </a:t>
-            </a:r>
-            <a:r>
-              <a:rPr lang="en-US" altLang="ko-KR" dirty="0" smtClean="0">
-                <a:sym typeface="Wingdings" panose="05000000000000000000" pitchFamily="2" charset="2"/>
-              </a:rPr>
-              <a:t>extreme conditions</a:t>
+              <a:t>   extreme conditions</a:t>
             </a:r>
             <a:endParaRPr lang="ko-KR" altLang="en-US" dirty="0"/>
           </a:p>
@@ -9274,13 +9579,7 @@
               <a:rPr lang="en-US" altLang="ko-KR" dirty="0" smtClean="0">
                 <a:sym typeface="Wingdings" panose="05000000000000000000" pitchFamily="2" charset="2"/>
               </a:rPr>
-              <a:t>Nuclear </a:t>
-            </a:r>
-            <a:r>
-              <a:rPr lang="en-US" altLang="ko-KR" dirty="0" smtClean="0">
-                <a:sym typeface="Wingdings" panose="05000000000000000000" pitchFamily="2" charset="2"/>
-              </a:rPr>
-              <a:t>many body problem</a:t>
+              <a:t>Nuclear many body problem</a:t>
             </a:r>
           </a:p>
           <a:p>
@@ -9307,17 +9606,17 @@
               <a:rPr lang="en-US" altLang="ko-KR" dirty="0" smtClean="0">
                 <a:sym typeface="Wingdings" panose="05000000000000000000" pitchFamily="2" charset="2"/>
               </a:rPr>
-              <a:t>Greens function Monte </a:t>
-            </a:r>
+              <a:t>Greens function Monte Carlo(GFMC)</a:t>
+            </a:r>
+          </a:p>
+          <a:p>
+            <a:pPr lvl="2"/>
             <a:r>
               <a:rPr lang="en-US" altLang="ko-KR" dirty="0" smtClean="0">
                 <a:sym typeface="Wingdings" panose="05000000000000000000" pitchFamily="2" charset="2"/>
               </a:rPr>
-              <a:t>Carlo(GFMC)</a:t>
-            </a:r>
-            <a:endParaRPr lang="en-US" altLang="ko-KR" dirty="0" smtClean="0">
-              <a:sym typeface="Wingdings" panose="05000000000000000000" pitchFamily="2" charset="2"/>
-            </a:endParaRPr>
+              <a:t>No-core shell model(NCSM)</a:t>
+            </a:r>
           </a:p>
           <a:p>
             <a:pPr lvl="2"/>
@@ -9325,31 +9624,7 @@
               <a:rPr lang="en-US" altLang="ko-KR" dirty="0" smtClean="0">
                 <a:sym typeface="Wingdings" panose="05000000000000000000" pitchFamily="2" charset="2"/>
               </a:rPr>
-              <a:t>No-core shell </a:t>
-            </a:r>
-            <a:r>
-              <a:rPr lang="en-US" altLang="ko-KR" dirty="0" smtClean="0">
-                <a:sym typeface="Wingdings" panose="05000000000000000000" pitchFamily="2" charset="2"/>
-              </a:rPr>
-              <a:t>model(NCSM)</a:t>
-            </a:r>
-            <a:endParaRPr lang="en-US" altLang="ko-KR" dirty="0" smtClean="0">
-              <a:sym typeface="Wingdings" panose="05000000000000000000" pitchFamily="2" charset="2"/>
-            </a:endParaRPr>
-          </a:p>
-          <a:p>
-            <a:pPr lvl="2"/>
-            <a:r>
-              <a:rPr lang="en-US" altLang="ko-KR" dirty="0" smtClean="0">
-                <a:sym typeface="Wingdings" panose="05000000000000000000" pitchFamily="2" charset="2"/>
-              </a:rPr>
-              <a:t>Coupled Cluster </a:t>
-            </a:r>
-            <a:r>
-              <a:rPr lang="en-US" altLang="ko-KR" dirty="0" smtClean="0">
-                <a:sym typeface="Wingdings" panose="05000000000000000000" pitchFamily="2" charset="2"/>
-              </a:rPr>
-              <a:t>(CC)</a:t>
+              <a:t>Coupled Cluster (CC)</a:t>
             </a:r>
           </a:p>
           <a:p>
@@ -9360,9 +9635,6 @@
               </a:rPr>
               <a:t>IM-SRG, VS-SRG </a:t>
             </a:r>
-            <a:endParaRPr lang="en-US" altLang="ko-KR" dirty="0" smtClean="0">
-              <a:sym typeface="Wingdings" panose="05000000000000000000" pitchFamily="2" charset="2"/>
-            </a:endParaRPr>
           </a:p>
           <a:p>
             <a:pPr lvl="2"/>
@@ -9373,16 +9645,7 @@
                 </a:solidFill>
                 <a:sym typeface="Wingdings" panose="05000000000000000000" pitchFamily="2" charset="2"/>
               </a:rPr>
-              <a:t>Nuclear Lattice Effective Field </a:t>
-            </a:r>
-            <a:r>
-              <a:rPr lang="en-US" altLang="ko-KR" dirty="0" smtClean="0">
-                <a:solidFill>
-                  <a:srgbClr val="FF0000"/>
-                </a:solidFill>
-                <a:sym typeface="Wingdings" panose="05000000000000000000" pitchFamily="2" charset="2"/>
-              </a:rPr>
-              <a:t>Theory(NLEFT)</a:t>
+              <a:t>Nuclear Lattice Effective Field Theory(NLEFT)</a:t>
             </a:r>
           </a:p>
           <a:p>
@@ -9873,7 +10136,11 @@
           <a:p>
             <a:r>
               <a:rPr lang="en-US" altLang="ko-KR" dirty="0" smtClean="0"/>
-              <a:t>Path integral (transfer matrix method)</a:t>
+              <a:t>Path </a:t>
+            </a:r>
+            <a:r>
+              <a:rPr lang="en-US" altLang="ko-KR" dirty="0" smtClean="0"/>
+              <a:t>integral</a:t>
             </a:r>
             <a:endParaRPr lang="ko-KR" altLang="en-US" dirty="0"/>
           </a:p>
